--- a/dia4/lecture4_hierarchical.pptx
+++ b/dia4/lecture4_hierarchical.pptx
@@ -5,28 +5,27 @@
     <p:sldMasterId id="2147483660" r:id="rId1"/>
   </p:sldMasterIdLst>
   <p:notesMasterIdLst>
-    <p:notesMasterId r:id="rId21"/>
+    <p:notesMasterId r:id="rId20"/>
   </p:notesMasterIdLst>
   <p:sldIdLst>
     <p:sldId id="323" r:id="rId2"/>
     <p:sldId id="275" r:id="rId3"/>
-    <p:sldId id="353" r:id="rId4"/>
-    <p:sldId id="354" r:id="rId5"/>
-    <p:sldId id="355" r:id="rId6"/>
-    <p:sldId id="356" r:id="rId7"/>
-    <p:sldId id="357" r:id="rId8"/>
-    <p:sldId id="358" r:id="rId9"/>
-    <p:sldId id="359" r:id="rId10"/>
-    <p:sldId id="360" r:id="rId11"/>
-    <p:sldId id="361" r:id="rId12"/>
-    <p:sldId id="362" r:id="rId13"/>
-    <p:sldId id="377" r:id="rId14"/>
-    <p:sldId id="363" r:id="rId15"/>
-    <p:sldId id="378" r:id="rId16"/>
-    <p:sldId id="379" r:id="rId17"/>
-    <p:sldId id="374" r:id="rId18"/>
-    <p:sldId id="380" r:id="rId19"/>
-    <p:sldId id="376" r:id="rId20"/>
+    <p:sldId id="354" r:id="rId4"/>
+    <p:sldId id="355" r:id="rId5"/>
+    <p:sldId id="356" r:id="rId6"/>
+    <p:sldId id="357" r:id="rId7"/>
+    <p:sldId id="358" r:id="rId8"/>
+    <p:sldId id="359" r:id="rId9"/>
+    <p:sldId id="360" r:id="rId10"/>
+    <p:sldId id="362" r:id="rId11"/>
+    <p:sldId id="377" r:id="rId12"/>
+    <p:sldId id="361" r:id="rId13"/>
+    <p:sldId id="363" r:id="rId14"/>
+    <p:sldId id="378" r:id="rId15"/>
+    <p:sldId id="379" r:id="rId16"/>
+    <p:sldId id="374" r:id="rId17"/>
+    <p:sldId id="380" r:id="rId18"/>
+    <p:sldId id="376" r:id="rId19"/>
   </p:sldIdLst>
   <p:sldSz cx="9144000" cy="6858000" type="screen4x3"/>
   <p:notesSz cx="6858000" cy="9144000"/>
@@ -230,7 +229,7 @@
           <a:p>
             <a:fld id="{9EC8F33C-A7AA-43A7-BCA9-F081EA0B4664}" type="datetimeFigureOut">
               <a:rPr lang="en-US" smtClean="0"/>
-              <a:t>1/11/2019</a:t>
+              <a:t>1/16/2019</a:t>
             </a:fld>
             <a:endParaRPr lang="en-US"/>
           </a:p>
@@ -613,7 +612,7 @@
             <a:fld id="{66BC1E2D-6915-48DE-882D-0DD49F79802C}" type="slidenum">
               <a:rPr lang="en-US" smtClean="0"/>
               <a:pPr/>
-              <a:t>7</a:t>
+              <a:t>6</a:t>
             </a:fld>
             <a:endParaRPr lang="en-US"/>
           </a:p>
@@ -714,7 +713,7 @@
           </a:ln>
           <a:extLst>
             <a:ext uri="{909E8E84-426E-40dd-AFC4-6F175D3DCCD1}">
-              <a14:hiddenFill xmlns="" xmlns:a14="http://schemas.microsoft.com/office/drawing/2010/main">
+              <a14:hiddenFill xmlns:a14="http://schemas.microsoft.com/office/drawing/2010/main" xmlns="">
                 <a:solidFill>
                   <a:srgbClr val="FFFFFF"/>
                 </a:solidFill>
@@ -757,7 +756,7 @@
           </a:ln>
           <a:extLst>
             <a:ext uri="{909E8E84-426E-40dd-AFC4-6F175D3DCCD1}">
-              <a14:hiddenFill xmlns="" xmlns:a14="http://schemas.microsoft.com/office/drawing/2010/main">
+              <a14:hiddenFill xmlns:a14="http://schemas.microsoft.com/office/drawing/2010/main" xmlns="">
                 <a:noFill/>
               </a14:hiddenFill>
             </a:ext>
@@ -856,7 +855,7 @@
           <a:p>
             <a:fld id="{9A356AEA-056F-417E-9B38-4BA8743FE6C4}" type="datetime1">
               <a:rPr lang="en-US" smtClean="0"/>
-              <a:t>1/11/2019</a:t>
+              <a:t>1/16/2019</a:t>
             </a:fld>
             <a:endParaRPr lang="en-US"/>
           </a:p>
@@ -1043,7 +1042,7 @@
           <a:p>
             <a:fld id="{09867F7C-1948-4907-9EBC-DD38682B5188}" type="datetime1">
               <a:rPr lang="en-US" smtClean="0"/>
-              <a:t>1/11/2019</a:t>
+              <a:t>1/16/2019</a:t>
             </a:fld>
             <a:endParaRPr lang="en-US"/>
           </a:p>
@@ -1239,7 +1238,7 @@
           <a:p>
             <a:fld id="{A5996870-3492-4879-A20C-50CF7F25E309}" type="datetime1">
               <a:rPr lang="en-US" smtClean="0"/>
-              <a:t>1/11/2019</a:t>
+              <a:t>1/16/2019</a:t>
             </a:fld>
             <a:endParaRPr lang="en-US"/>
           </a:p>
@@ -1491,7 +1490,7 @@
           <a:p>
             <a:fld id="{3339509F-2835-4D20-8448-C5CCD453FC4A}" type="datetime1">
               <a:rPr lang="en-US" smtClean="0"/>
-              <a:t>1/11/2019</a:t>
+              <a:t>1/16/2019</a:t>
             </a:fld>
             <a:endParaRPr lang="en-US"/>
           </a:p>
@@ -1715,7 +1714,7 @@
           <a:p>
             <a:fld id="{7A6EDDDE-DBE4-4114-B865-EC3A2920782E}" type="datetime1">
               <a:rPr lang="en-US" smtClean="0"/>
-              <a:t>1/11/2019</a:t>
+              <a:t>1/16/2019</a:t>
             </a:fld>
             <a:endParaRPr lang="en-US"/>
           </a:p>
@@ -2023,7 +2022,7 @@
           <a:p>
             <a:fld id="{8DA96907-43AE-4B1E-B5FF-6853ADDA5697}" type="datetime1">
               <a:rPr lang="en-US" smtClean="0"/>
-              <a:t>1/11/2019</a:t>
+              <a:t>1/16/2019</a:t>
             </a:fld>
             <a:endParaRPr lang="en-US"/>
           </a:p>
@@ -2191,7 +2190,7 @@
           <a:p>
             <a:fld id="{2E65DF97-DE0F-4515-8F8D-0E1C627BC4E9}" type="datetime1">
               <a:rPr lang="en-US" smtClean="0"/>
-              <a:t>1/11/2019</a:t>
+              <a:t>1/16/2019</a:t>
             </a:fld>
             <a:endParaRPr lang="en-US"/>
           </a:p>
@@ -2503,7 +2502,7 @@
           <a:p>
             <a:fld id="{23B9FD00-80D5-4EA7-B536-8F4F2C3959C9}" type="datetime1">
               <a:rPr lang="en-US" smtClean="0"/>
-              <a:t>1/11/2019</a:t>
+              <a:t>1/16/2019</a:t>
             </a:fld>
             <a:endParaRPr lang="en-US"/>
           </a:p>
@@ -2815,7 +2814,7 @@
           <a:p>
             <a:fld id="{DAC77084-4DB4-4A23-9870-BF49183ACB4C}" type="datetime1">
               <a:rPr lang="en-US" smtClean="0"/>
-              <a:t>1/11/2019</a:t>
+              <a:t>1/16/2019</a:t>
             </a:fld>
             <a:endParaRPr lang="en-US"/>
           </a:p>
@@ -3001,7 +3000,7 @@
           <a:p>
             <a:fld id="{6E487ECE-0D8C-4AFB-BD35-997F06E0971C}" type="datetime1">
               <a:rPr lang="en-US" smtClean="0"/>
-              <a:t>1/11/2019</a:t>
+              <a:t>1/16/2019</a:t>
             </a:fld>
             <a:endParaRPr lang="en-US"/>
           </a:p>
@@ -3210,7 +3209,7 @@
           <a:p>
             <a:fld id="{D4F6DC8D-78A1-49CC-B033-F77D87B04958}" type="datetime1">
               <a:rPr lang="en-US" smtClean="0"/>
-              <a:t>1/11/2019</a:t>
+              <a:t>1/16/2019</a:t>
             </a:fld>
             <a:endParaRPr lang="en-US"/>
           </a:p>
@@ -3513,7 +3512,7 @@
           <a:p>
             <a:fld id="{3BCF4A7C-A413-48DA-9211-5240CAEE1DD4}" type="datetime1">
               <a:rPr lang="en-US" smtClean="0"/>
-              <a:t>1/11/2019</a:t>
+              <a:t>1/16/2019</a:t>
             </a:fld>
             <a:endParaRPr lang="en-US"/>
           </a:p>
@@ -3955,7 +3954,7 @@
           <a:p>
             <a:fld id="{AAE887C4-8D00-4515-BD6B-6D6B646F02F7}" type="datetime1">
               <a:rPr lang="en-US" smtClean="0"/>
-              <a:t>1/11/2019</a:t>
+              <a:t>1/16/2019</a:t>
             </a:fld>
             <a:endParaRPr lang="en-US"/>
           </a:p>
@@ -4090,7 +4089,7 @@
           <a:p>
             <a:fld id="{10C13C5A-776A-4D2B-A91E-2ACB7D90E7CC}" type="datetime1">
               <a:rPr lang="en-US" smtClean="0"/>
-              <a:t>1/11/2019</a:t>
+              <a:t>1/16/2019</a:t>
             </a:fld>
             <a:endParaRPr lang="en-US"/>
           </a:p>
@@ -4203,7 +4202,7 @@
           <a:p>
             <a:fld id="{00A5D59F-6FC3-492C-BAE3-F50C9D1FBA31}" type="datetime1">
               <a:rPr lang="en-US" smtClean="0"/>
-              <a:t>1/11/2019</a:t>
+              <a:t>1/16/2019</a:t>
             </a:fld>
             <a:endParaRPr lang="en-US"/>
           </a:p>
@@ -4496,7 +4495,7 @@
           <a:p>
             <a:fld id="{CD78B45F-E474-4F2F-801A-58FC9FE22655}" type="datetime1">
               <a:rPr lang="en-US" smtClean="0"/>
-              <a:t>1/11/2019</a:t>
+              <a:t>1/16/2019</a:t>
             </a:fld>
             <a:endParaRPr lang="en-US"/>
           </a:p>
@@ -4770,7 +4769,7 @@
           <a:p>
             <a:fld id="{FDF35450-A835-4587-8F84-782057674F92}" type="datetime1">
               <a:rPr lang="en-US" smtClean="0"/>
-              <a:t>1/11/2019</a:t>
+              <a:t>1/16/2019</a:t>
             </a:fld>
             <a:endParaRPr lang="en-US"/>
           </a:p>
@@ -4892,17 +4891,17 @@
           </a:ln>
           <a:extLst>
             <a:ext uri="{FAA26D3D-D897-4be2-8F04-BA451C77F1D7}">
-              <ma14:placeholderFlag xmlns="" xmlns:ma14="http://schemas.microsoft.com/office/mac/drawingml/2011/main" val="1"/>
+              <ma14:placeholderFlag xmlns:ma14="http://schemas.microsoft.com/office/mac/drawingml/2011/main" xmlns="" val="1"/>
             </a:ext>
             <a:ext uri="{909E8E84-426E-40dd-AFC4-6F175D3DCCD1}">
-              <a14:hiddenFill xmlns="" xmlns:a14="http://schemas.microsoft.com/office/drawing/2010/main">
+              <a14:hiddenFill xmlns:a14="http://schemas.microsoft.com/office/drawing/2010/main" xmlns="">
                 <a:solidFill>
                   <a:srgbClr val="FFFFFF"/>
                 </a:solidFill>
               </a14:hiddenFill>
             </a:ext>
             <a:ext uri="{91240B29-F687-4f45-9708-019B960494DF}">
-              <a14:hiddenLine xmlns="" xmlns:a14="http://schemas.microsoft.com/office/drawing/2010/main" w="9525">
+              <a14:hiddenLine xmlns:a14="http://schemas.microsoft.com/office/drawing/2010/main" xmlns="" w="9525">
                 <a:solidFill>
                   <a:srgbClr val="000000"/>
                 </a:solidFill>
@@ -4954,17 +4953,17 @@
           </a:ln>
           <a:extLst>
             <a:ext uri="{FAA26D3D-D897-4be2-8F04-BA451C77F1D7}">
-              <ma14:placeholderFlag xmlns="" xmlns:ma14="http://schemas.microsoft.com/office/mac/drawingml/2011/main" val="1"/>
+              <ma14:placeholderFlag xmlns:ma14="http://schemas.microsoft.com/office/mac/drawingml/2011/main" xmlns="" val="1"/>
             </a:ext>
             <a:ext uri="{909E8E84-426E-40dd-AFC4-6F175D3DCCD1}">
-              <a14:hiddenFill xmlns="" xmlns:a14="http://schemas.microsoft.com/office/drawing/2010/main">
+              <a14:hiddenFill xmlns:a14="http://schemas.microsoft.com/office/drawing/2010/main" xmlns="">
                 <a:solidFill>
                   <a:srgbClr val="FFFFFF"/>
                 </a:solidFill>
               </a14:hiddenFill>
             </a:ext>
             <a:ext uri="{91240B29-F687-4f45-9708-019B960494DF}">
-              <a14:hiddenLine xmlns="" xmlns:a14="http://schemas.microsoft.com/office/drawing/2010/main" w="9525">
+              <a14:hiddenLine xmlns:a14="http://schemas.microsoft.com/office/drawing/2010/main" xmlns="" w="9525">
                 <a:solidFill>
                   <a:srgbClr val="000000"/>
                 </a:solidFill>
@@ -5064,7 +5063,7 @@
           <a:p>
             <a:fld id="{F6803E09-2A09-4EEA-8E99-292225B5EDFC}" type="datetime1">
               <a:rPr lang="en-US" smtClean="0"/>
-              <a:t>1/11/2019</a:t>
+              <a:t>1/16/2019</a:t>
             </a:fld>
             <a:endParaRPr lang="en-US"/>
           </a:p>
@@ -5232,7 +5231,7 @@
           </a:ln>
           <a:extLst>
             <a:ext uri="{909E8E84-426E-40dd-AFC4-6F175D3DCCD1}">
-              <a14:hiddenFill xmlns="" xmlns:a14="http://schemas.microsoft.com/office/drawing/2010/main">
+              <a14:hiddenFill xmlns:a14="http://schemas.microsoft.com/office/drawing/2010/main" xmlns="">
                 <a:solidFill>
                   <a:srgbClr val="FFFFFF"/>
                 </a:solidFill>
@@ -5275,7 +5274,7 @@
           </a:ln>
           <a:extLst>
             <a:ext uri="{909E8E84-426E-40dd-AFC4-6F175D3DCCD1}">
-              <a14:hiddenFill xmlns="" xmlns:a14="http://schemas.microsoft.com/office/drawing/2010/main">
+              <a14:hiddenFill xmlns:a14="http://schemas.microsoft.com/office/drawing/2010/main" xmlns="">
                 <a:noFill/>
               </a14:hiddenFill>
             </a:ext>
@@ -5760,7 +5759,7 @@
           <p:cNvPr id="2" name="Title 1">
             <a:extLst>
               <a:ext uri="{FF2B5EF4-FFF2-40B4-BE49-F238E27FC236}">
-                <a16:creationId xmlns="" xmlns:a16="http://schemas.microsoft.com/office/drawing/2014/main" id="{4819A39B-28BB-4873-9914-8FEE18891DD4}"/>
+                <a16:creationId xmlns:a16="http://schemas.microsoft.com/office/drawing/2014/main" xmlns="" id="{4819A39B-28BB-4873-9914-8FEE18891DD4}"/>
               </a:ext>
             </a:extLst>
           </p:cNvPr>
@@ -5779,10 +5778,10 @@
           <a:lstStyle/>
           <a:p>
             <a:r>
-              <a:rPr lang="es-ES" dirty="0" smtClean="0"/>
+              <a:rPr lang="es-419" noProof="0" dirty="0" smtClean="0"/>
               <a:t>Modelos jerárquicos Bayesianos</a:t>
             </a:r>
-            <a:endParaRPr lang="es-CL" noProof="0" dirty="0"/>
+            <a:endParaRPr lang="es-419" noProof="0" dirty="0"/>
           </a:p>
         </p:txBody>
       </p:sp>
@@ -5791,7 +5790,7 @@
           <p:cNvPr id="5" name="Subtitle 2">
             <a:extLst>
               <a:ext uri="{FF2B5EF4-FFF2-40B4-BE49-F238E27FC236}">
-                <a16:creationId xmlns="" xmlns:a16="http://schemas.microsoft.com/office/drawing/2014/main" id="{2BECD79D-0B3A-44C2-A155-03EC2A6A5D3B}"/>
+                <a16:creationId xmlns:a16="http://schemas.microsoft.com/office/drawing/2014/main" xmlns="" id="{2BECD79D-0B3A-44C2-A155-03EC2A6A5D3B}"/>
               </a:ext>
             </a:extLst>
           </p:cNvPr>
@@ -5814,17 +5813,17 @@
           </a:ln>
           <a:extLst>
             <a:ext uri="{FAA26D3D-D897-4be2-8F04-BA451C77F1D7}">
-              <ma14:placeholderFlag xmlns="" xmlns:ma14="http://schemas.microsoft.com/office/mac/drawingml/2011/main" val="1"/>
+              <ma14:placeholderFlag xmlns:ma14="http://schemas.microsoft.com/office/mac/drawingml/2011/main" xmlns="" val="1"/>
             </a:ext>
             <a:ext uri="{909E8E84-426E-40dd-AFC4-6F175D3DCCD1}">
-              <a14:hiddenFill xmlns="" xmlns:a14="http://schemas.microsoft.com/office/drawing/2010/main">
+              <a14:hiddenFill xmlns:a14="http://schemas.microsoft.com/office/drawing/2010/main" xmlns="">
                 <a:solidFill>
                   <a:srgbClr val="FFFFFF"/>
                 </a:solidFill>
               </a14:hiddenFill>
             </a:ext>
             <a:ext uri="{91240B29-F687-4f45-9708-019B960494DF}">
-              <a14:hiddenLine xmlns="" xmlns:a14="http://schemas.microsoft.com/office/drawing/2010/main" w="9525">
+              <a14:hiddenLine xmlns:a14="http://schemas.microsoft.com/office/drawing/2010/main" xmlns="" w="9525">
                 <a:solidFill>
                   <a:srgbClr val="000000"/>
                 </a:solidFill>
@@ -6115,7 +6114,7 @@
           <p:cNvPr id="2" name="Title 1">
             <a:extLst>
               <a:ext uri="{FF2B5EF4-FFF2-40B4-BE49-F238E27FC236}">
-                <a16:creationId xmlns:a16="http://schemas.microsoft.com/office/drawing/2014/main" xmlns="" id="{E622C5D6-127E-4E13-A682-50C23F6FCCA3}"/>
+                <a16:creationId xmlns="" xmlns:a16="http://schemas.microsoft.com/office/drawing/2014/main" id="{DE1F173D-94AD-47BF-B832-EEAC37A63155}"/>
               </a:ext>
             </a:extLst>
           </p:cNvPr>
@@ -6132,339 +6131,161 @@
           <a:lstStyle/>
           <a:p>
             <a:r>
-              <a:rPr lang="en-US" dirty="0"/>
-              <a:t>Constructing model</a:t>
-            </a:r>
-          </a:p>
-        </p:txBody>
-      </p:sp>
-      <p:pic>
-        <p:nvPicPr>
-          <p:cNvPr id="4" name="Picture 3">
+              <a:rPr lang="es-419" noProof="0" dirty="0" smtClean="0"/>
+              <a:t>Ejercicio: Simulando datos jerárquicos </a:t>
+            </a:r>
+            <a:endParaRPr lang="es-419" noProof="0" dirty="0"/>
+          </a:p>
+        </p:txBody>
+      </p:sp>
+      <p:sp>
+        <p:nvSpPr>
+          <p:cNvPr id="3" name="Content Placeholder 2">
             <a:extLst>
               <a:ext uri="{FF2B5EF4-FFF2-40B4-BE49-F238E27FC236}">
-                <a16:creationId xmlns:a16="http://schemas.microsoft.com/office/drawing/2014/main" xmlns="" id="{A3CE29E7-39DF-4344-A6C6-106194DF1170}"/>
+                <a16:creationId xmlns="" xmlns:a16="http://schemas.microsoft.com/office/drawing/2014/main" id="{086D8650-9937-4496-88DC-DEE5D4668CD1}"/>
               </a:ext>
             </a:extLst>
           </p:cNvPr>
-          <p:cNvPicPr>
-            <a:picLocks noChangeAspect="1"/>
-          </p:cNvPicPr>
-          <p:nvPr/>
-        </p:nvPicPr>
-        <p:blipFill>
-          <a:blip r:embed="rId3"/>
-          <a:stretch>
-            <a:fillRect/>
-          </a:stretch>
-        </p:blipFill>
+          <p:cNvSpPr>
+            <a:spLocks noGrp="1"/>
+          </p:cNvSpPr>
+          <p:nvPr>
+            <p:ph idx="1"/>
+          </p:nvPr>
+        </p:nvSpPr>
         <p:spPr>
           <a:xfrm>
-            <a:off x="194513" y="2886563"/>
-            <a:ext cx="6506678" cy="3194402"/>
+            <a:off x="628650" y="1417638"/>
+            <a:ext cx="7886700" cy="4486274"/>
           </a:xfrm>
-          <a:prstGeom prst="rect">
-            <a:avLst/>
-          </a:prstGeom>
-        </p:spPr>
-      </p:pic>
-      <p:sp>
-        <p:nvSpPr>
-          <p:cNvPr id="10" name="TextBox 9">
+        </p:spPr>
+        <p:txBody>
+          <a:bodyPr>
+            <a:normAutofit/>
+          </a:bodyPr>
+          <a:lstStyle/>
+          <a:p>
+            <a:r>
+              <a:rPr lang="es-419" noProof="0" dirty="0" smtClean="0"/>
+              <a:t>Suponga que hay 15 IID sitios, de quien tiene un promedio que </a:t>
+            </a:r>
+            <a:r>
+              <a:rPr lang="es-419" dirty="0" smtClean="0"/>
+              <a:t>es log-normal, </a:t>
+            </a:r>
+            <a:r>
+              <a:rPr lang="es-419" noProof="0" dirty="0" smtClean="0"/>
+              <a:t>i.e.,  </a:t>
+            </a:r>
+            <a:r>
+              <a:rPr lang="es-419" noProof="0" dirty="0" err="1" smtClean="0"/>
+              <a:t>loglambda~N</a:t>
+            </a:r>
+            <a:r>
+              <a:rPr lang="es-419" noProof="0" dirty="0" smtClean="0"/>
+              <a:t>(</a:t>
+            </a:r>
+            <a:r>
+              <a:rPr lang="es-419" noProof="0" dirty="0" err="1" smtClean="0"/>
+              <a:t>mu,tau</a:t>
+            </a:r>
+            <a:r>
+              <a:rPr lang="es-419" noProof="0" dirty="0" smtClean="0"/>
+              <a:t>)=N(3,.5)</a:t>
+            </a:r>
+          </a:p>
+          <a:p>
+            <a:r>
+              <a:rPr lang="es-419" dirty="0" smtClean="0"/>
+              <a:t>Y hay un proceso de los datos que es </a:t>
+            </a:r>
+            <a:r>
+              <a:rPr lang="es-419" dirty="0" err="1" smtClean="0"/>
+              <a:t>Poissoin</a:t>
+            </a:r>
+            <a:r>
+              <a:rPr lang="es-419" dirty="0" smtClean="0"/>
+              <a:t> </a:t>
+            </a:r>
+            <a:r>
+              <a:rPr lang="es-419" dirty="0" err="1" smtClean="0"/>
+              <a:t>asi</a:t>
+            </a:r>
+            <a:r>
+              <a:rPr lang="es-419" dirty="0" smtClean="0"/>
+              <a:t> que </a:t>
+            </a:r>
+            <a:r>
+              <a:rPr lang="es-419" noProof="0" dirty="0" err="1" smtClean="0"/>
+              <a:t>y_i~Poisson</a:t>
+            </a:r>
+            <a:r>
+              <a:rPr lang="es-419" noProof="0" dirty="0" smtClean="0"/>
+              <a:t>(</a:t>
+            </a:r>
+            <a:r>
+              <a:rPr lang="es-419" noProof="0" dirty="0" err="1" smtClean="0"/>
+              <a:t>lambda_i</a:t>
+            </a:r>
+            <a:r>
+              <a:rPr lang="es-419" noProof="0" dirty="0" smtClean="0"/>
+              <a:t>) </a:t>
+            </a:r>
+            <a:r>
+              <a:rPr lang="es-419" noProof="0" dirty="0" err="1" smtClean="0"/>
+              <a:t>for</a:t>
+            </a:r>
+            <a:r>
+              <a:rPr lang="es-419" noProof="0" dirty="0" smtClean="0"/>
+              <a:t> </a:t>
+            </a:r>
+            <a:r>
+              <a:rPr lang="es-419" noProof="0" dirty="0" err="1" smtClean="0"/>
+              <a:t>each</a:t>
+            </a:r>
+            <a:r>
+              <a:rPr lang="es-419" noProof="0" dirty="0" smtClean="0"/>
+              <a:t> </a:t>
+            </a:r>
+            <a:r>
+              <a:rPr lang="es-419" noProof="0" dirty="0" err="1" smtClean="0"/>
+              <a:t>site</a:t>
+            </a:r>
+            <a:r>
+              <a:rPr lang="es-419" noProof="0" dirty="0" smtClean="0"/>
+              <a:t>.</a:t>
+            </a:r>
+          </a:p>
+          <a:p>
+            <a:r>
+              <a:rPr lang="es-419" noProof="0" dirty="0" smtClean="0"/>
+              <a:t>Simula tan datos con 12 replicados por cada sitio</a:t>
+            </a:r>
+          </a:p>
+          <a:p>
+            <a:r>
+              <a:rPr lang="es-419" noProof="0" dirty="0" smtClean="0"/>
+              <a:t>Hace un </a:t>
+            </a:r>
+            <a:r>
+              <a:rPr lang="es-419" i="1" noProof="0" dirty="0" err="1" smtClean="0"/>
+              <a:t>boxplot</a:t>
+            </a:r>
+            <a:r>
+              <a:rPr lang="es-419" noProof="0" dirty="0" smtClean="0"/>
+              <a:t> del los datos simulados</a:t>
+            </a:r>
+            <a:endParaRPr lang="es-419" noProof="0" dirty="0" smtClean="0"/>
+          </a:p>
+        </p:txBody>
+      </p:sp>
+      <p:sp>
+        <p:nvSpPr>
+          <p:cNvPr id="4" name="Slide Number Placeholder 3">
             <a:extLst>
               <a:ext uri="{FF2B5EF4-FFF2-40B4-BE49-F238E27FC236}">
-                <a16:creationId xmlns:a16="http://schemas.microsoft.com/office/drawing/2014/main" xmlns="" id="{548D46D9-DC08-4167-B98C-D5BE7F63658A}"/>
-              </a:ext>
-            </a:extLst>
-          </p:cNvPr>
-          <p:cNvSpPr txBox="1"/>
-          <p:nvPr/>
-        </p:nvSpPr>
-        <p:spPr>
-          <a:xfrm>
-            <a:off x="402267" y="1175213"/>
-            <a:ext cx="8024462" cy="1200329"/>
-          </a:xfrm>
-          <a:prstGeom prst="rect">
-            <a:avLst/>
-          </a:prstGeom>
-          <a:noFill/>
-        </p:spPr>
-        <p:txBody>
-          <a:bodyPr wrap="square" rtlCol="0">
-            <a:spAutoFit/>
-          </a:bodyPr>
-          <a:lstStyle/>
-          <a:p>
-            <a:r>
-              <a:rPr lang="en-US" sz="2400" dirty="0"/>
-              <a:t>Step 1 – Distribution for data </a:t>
-            </a:r>
-            <a:r>
-              <a:rPr lang="en-US" sz="2400" i="1" dirty="0">
-                <a:latin typeface="Times New Roman"/>
-                <a:cs typeface="Times New Roman"/>
-              </a:rPr>
-              <a:t>C</a:t>
-            </a:r>
-            <a:r>
-              <a:rPr lang="en-US" sz="2400" i="1" baseline="-25000" dirty="0">
-                <a:latin typeface="Times New Roman"/>
-                <a:cs typeface="Times New Roman"/>
-              </a:rPr>
-              <a:t>1</a:t>
-            </a:r>
-            <a:r>
-              <a:rPr lang="en-US" sz="2400" i="1" dirty="0">
-                <a:latin typeface="Times New Roman"/>
-                <a:cs typeface="Times New Roman"/>
-              </a:rPr>
-              <a:t>, .. C</a:t>
-            </a:r>
-            <a:r>
-              <a:rPr lang="en-US" sz="2400" i="1" baseline="-25000" dirty="0">
-                <a:latin typeface="Times New Roman"/>
-                <a:cs typeface="Times New Roman"/>
-              </a:rPr>
-              <a:t>4</a:t>
-            </a:r>
-          </a:p>
-          <a:p>
-            <a:r>
-              <a:rPr lang="en-US" sz="2400" dirty="0"/>
-              <a:t>Step 2 – Function for expected value</a:t>
-            </a:r>
-          </a:p>
-          <a:p>
-            <a:r>
-              <a:rPr lang="en-US" sz="2400" dirty="0"/>
-              <a:t>Step 3 - Distribution for random effects </a:t>
-            </a:r>
-          </a:p>
-        </p:txBody>
-      </p:sp>
-      <p:sp>
-        <p:nvSpPr>
-          <p:cNvPr id="11" name="TextBox 10">
-            <a:extLst>
-              <a:ext uri="{FF2B5EF4-FFF2-40B4-BE49-F238E27FC236}">
-                <a16:creationId xmlns:a16="http://schemas.microsoft.com/office/drawing/2014/main" xmlns="" id="{B7E0E7F2-6F4B-448D-B325-85F2883B7329}"/>
-              </a:ext>
-            </a:extLst>
-          </p:cNvPr>
-          <p:cNvSpPr txBox="1"/>
-          <p:nvPr/>
-        </p:nvSpPr>
-        <p:spPr>
-          <a:xfrm>
-            <a:off x="6185648" y="6495301"/>
-            <a:ext cx="2689411" cy="369332"/>
-          </a:xfrm>
-          <a:prstGeom prst="rect">
-            <a:avLst/>
-          </a:prstGeom>
-          <a:noFill/>
-        </p:spPr>
-        <p:txBody>
-          <a:bodyPr wrap="square" rtlCol="0">
-            <a:spAutoFit/>
-          </a:bodyPr>
-          <a:lstStyle/>
-          <a:p>
-            <a:pPr algn="r"/>
-            <a:r>
-              <a:rPr lang="en-US" dirty="0"/>
-              <a:t>Thorson and Minto 2014</a:t>
-            </a:r>
-          </a:p>
-        </p:txBody>
-      </p:sp>
-      <p:graphicFrame>
-        <p:nvGraphicFramePr>
-          <p:cNvPr id="12" name="Object 29">
-            <a:extLst>
-              <a:ext uri="{FF2B5EF4-FFF2-40B4-BE49-F238E27FC236}">
-                <a16:creationId xmlns:a16="http://schemas.microsoft.com/office/drawing/2014/main" xmlns="" id="{2565FC6C-6B36-4C01-A255-7DF18E1E6E50}"/>
-              </a:ext>
-            </a:extLst>
-          </p:cNvPr>
-          <p:cNvGraphicFramePr>
-            <a:graphicFrameLocks noChangeAspect="1"/>
-          </p:cNvGraphicFramePr>
-          <p:nvPr>
-            <p:extLst/>
-          </p:nvPr>
-        </p:nvGraphicFramePr>
-        <p:xfrm>
-          <a:off x="5985015" y="1140401"/>
-          <a:ext cx="2571750" cy="508000"/>
-        </p:xfrm>
-        <a:graphic>
-          <a:graphicData uri="http://schemas.openxmlformats.org/presentationml/2006/ole">
-            <mc:AlternateContent xmlns:mc="http://schemas.openxmlformats.org/markup-compatibility/2006">
-              <mc:Choice xmlns:v="urn:schemas-microsoft-com:vml" Requires="v">
-                <p:oleObj spid="_x0000_s1083" name="Equation" r:id="rId4" imgW="1028520" imgH="203040" progId="Equation.DSMT4">
-                  <p:embed/>
-                </p:oleObj>
-              </mc:Choice>
-              <mc:Fallback>
-                <p:oleObj name="Equation" r:id="rId4" imgW="1028520" imgH="203040" progId="Equation.DSMT4">
-                  <p:embed/>
-                  <p:pic>
-                    <p:nvPicPr>
-                      <p:cNvPr id="0" name=""/>
-                      <p:cNvPicPr>
-                        <a:picLocks noChangeAspect="1" noChangeArrowheads="1"/>
-                      </p:cNvPicPr>
-                      <p:nvPr/>
-                    </p:nvPicPr>
-                    <p:blipFill>
-                      <a:blip r:embed="rId5"/>
-                      <a:srcRect/>
-                      <a:stretch>
-                        <a:fillRect/>
-                      </a:stretch>
-                    </p:blipFill>
-                    <p:spPr bwMode="auto">
-                      <a:xfrm>
-                        <a:off x="5985015" y="1140401"/>
-                        <a:ext cx="2571750" cy="508000"/>
-                      </a:xfrm>
-                      <a:prstGeom prst="rect">
-                        <a:avLst/>
-                      </a:prstGeom>
-                      <a:solidFill>
-                        <a:schemeClr val="bg1"/>
-                      </a:solidFill>
-                      <a:ln>
-                        <a:noFill/>
-                      </a:ln>
-                      <a:effectLst/>
-                      <a:extLst>
-                        <a:ext uri="{91240B29-F687-4f45-9708-019B960494DF}">
-                          <a14:hiddenLine xmlns:a14="http://schemas.microsoft.com/office/drawing/2010/main" xmlns="" w="9525">
-                            <a:solidFill>
-                              <a:srgbClr val="000000"/>
-                            </a:solidFill>
-                            <a:miter lim="800000"/>
-                            <a:headEnd/>
-                            <a:tailEnd/>
-                          </a14:hiddenLine>
-                        </a:ext>
-                        <a:ext uri="{AF507438-7753-43e0-B8FC-AC1667EBCBE1}">
-                          <a14:hiddenEffects xmlns:a14="http://schemas.microsoft.com/office/drawing/2010/main" xmlns="">
-                            <a:effectLst>
-                              <a:outerShdw dist="35921" dir="2700000" algn="ctr" rotWithShape="0">
-                                <a:srgbClr val="808080"/>
-                              </a:outerShdw>
-                            </a:effectLst>
-                          </a14:hiddenEffects>
-                        </a:ext>
-                      </a:extLst>
-                    </p:spPr>
-                  </p:pic>
-                </p:oleObj>
-              </mc:Fallback>
-            </mc:AlternateContent>
-          </a:graphicData>
-        </a:graphic>
-      </p:graphicFrame>
-      <p:graphicFrame>
-        <p:nvGraphicFramePr>
-          <p:cNvPr id="13" name="Object 29">
-            <a:extLst>
-              <a:ext uri="{FF2B5EF4-FFF2-40B4-BE49-F238E27FC236}">
-                <a16:creationId xmlns:a16="http://schemas.microsoft.com/office/drawing/2014/main" xmlns="" id="{E790ECA5-7748-4528-B29B-EF5EC3CB78BB}"/>
-              </a:ext>
-            </a:extLst>
-          </p:cNvPr>
-          <p:cNvGraphicFramePr>
-            <a:graphicFrameLocks noChangeAspect="1"/>
-          </p:cNvGraphicFramePr>
-          <p:nvPr>
-            <p:extLst/>
-          </p:nvPr>
-        </p:nvGraphicFramePr>
-        <p:xfrm>
-          <a:off x="6063890" y="2091392"/>
-          <a:ext cx="2190750" cy="571500"/>
-        </p:xfrm>
-        <a:graphic>
-          <a:graphicData uri="http://schemas.openxmlformats.org/presentationml/2006/ole">
-            <mc:AlternateContent xmlns:mc="http://schemas.openxmlformats.org/markup-compatibility/2006">
-              <mc:Choice xmlns:v="urn:schemas-microsoft-com:vml" Requires="v">
-                <p:oleObj spid="_x0000_s1084" name="Equation" r:id="rId6" imgW="876240" imgH="228600" progId="Equation.DSMT4">
-                  <p:embed/>
-                </p:oleObj>
-              </mc:Choice>
-              <mc:Fallback>
-                <p:oleObj name="Equation" r:id="rId6" imgW="876240" imgH="228600" progId="Equation.DSMT4">
-                  <p:embed/>
-                  <p:pic>
-                    <p:nvPicPr>
-                      <p:cNvPr id="0" name=""/>
-                      <p:cNvPicPr>
-                        <a:picLocks noChangeAspect="1" noChangeArrowheads="1"/>
-                      </p:cNvPicPr>
-                      <p:nvPr/>
-                    </p:nvPicPr>
-                    <p:blipFill>
-                      <a:blip r:embed="rId7"/>
-                      <a:srcRect/>
-                      <a:stretch>
-                        <a:fillRect/>
-                      </a:stretch>
-                    </p:blipFill>
-                    <p:spPr bwMode="auto">
-                      <a:xfrm>
-                        <a:off x="6063890" y="2091392"/>
-                        <a:ext cx="2190750" cy="571500"/>
-                      </a:xfrm>
-                      <a:prstGeom prst="rect">
-                        <a:avLst/>
-                      </a:prstGeom>
-                      <a:solidFill>
-                        <a:schemeClr val="bg1"/>
-                      </a:solidFill>
-                      <a:ln>
-                        <a:noFill/>
-                      </a:ln>
-                      <a:effectLst/>
-                      <a:extLst>
-                        <a:ext uri="{91240B29-F687-4f45-9708-019B960494DF}">
-                          <a14:hiddenLine xmlns:a14="http://schemas.microsoft.com/office/drawing/2010/main" xmlns="" w="9525">
-                            <a:solidFill>
-                              <a:srgbClr val="000000"/>
-                            </a:solidFill>
-                            <a:miter lim="800000"/>
-                            <a:headEnd/>
-                            <a:tailEnd/>
-                          </a14:hiddenLine>
-                        </a:ext>
-                        <a:ext uri="{AF507438-7753-43e0-B8FC-AC1667EBCBE1}">
-                          <a14:hiddenEffects xmlns:a14="http://schemas.microsoft.com/office/drawing/2010/main" xmlns="">
-                            <a:effectLst>
-                              <a:outerShdw dist="35921" dir="2700000" algn="ctr" rotWithShape="0">
-                                <a:srgbClr val="808080"/>
-                              </a:outerShdw>
-                            </a:effectLst>
-                          </a14:hiddenEffects>
-                        </a:ext>
-                      </a:extLst>
-                    </p:spPr>
-                  </p:pic>
-                </p:oleObj>
-              </mc:Fallback>
-            </mc:AlternateContent>
-          </a:graphicData>
-        </a:graphic>
-      </p:graphicFrame>
-      <p:sp>
-        <p:nvSpPr>
-          <p:cNvPr id="3" name="Slide Number Placeholder 2">
-            <a:extLst>
-              <a:ext uri="{FF2B5EF4-FFF2-40B4-BE49-F238E27FC236}">
-                <a16:creationId xmlns:a16="http://schemas.microsoft.com/office/drawing/2014/main" xmlns="" id="{1A1D7D6F-CE0E-4983-81E1-CD149B2EFDBC}"/>
+                <a16:creationId xmlns="" xmlns:a16="http://schemas.microsoft.com/office/drawing/2014/main" id="{008AEA56-8F2E-48C4-B499-2FCB6D1A21F7}"/>
               </a:ext>
             </a:extLst>
           </p:cNvPr>
@@ -6488,106 +6309,23 @@
           </a:p>
         </p:txBody>
       </p:sp>
-      <p:graphicFrame>
-        <p:nvGraphicFramePr>
-          <p:cNvPr id="9" name="Object 29">
-            <a:extLst>
-              <a:ext uri="{FF2B5EF4-FFF2-40B4-BE49-F238E27FC236}">
-                <a16:creationId xmlns:a16="http://schemas.microsoft.com/office/drawing/2014/main" xmlns="" id="{30C6355C-8B3F-4D9F-A2B2-6CDBF630DEDF}"/>
-              </a:ext>
-            </a:extLst>
-          </p:cNvPr>
-          <p:cNvGraphicFramePr>
-            <a:graphicFrameLocks noChangeAspect="1"/>
-          </p:cNvGraphicFramePr>
-          <p:nvPr>
-            <p:extLst/>
-          </p:nvPr>
-        </p:nvGraphicFramePr>
-        <p:xfrm>
-          <a:off x="6683236" y="1544661"/>
-          <a:ext cx="1174750" cy="571500"/>
-        </p:xfrm>
-        <a:graphic>
-          <a:graphicData uri="http://schemas.openxmlformats.org/presentationml/2006/ole">
-            <mc:AlternateContent xmlns:mc="http://schemas.openxmlformats.org/markup-compatibility/2006">
-              <mc:Choice xmlns:v="urn:schemas-microsoft-com:vml" Requires="v">
-                <p:oleObj spid="_x0000_s1085" name="Equation" r:id="rId8" imgW="469800" imgH="228600" progId="Equation.DSMT4">
-                  <p:embed/>
-                </p:oleObj>
-              </mc:Choice>
-              <mc:Fallback>
-                <p:oleObj name="Equation" r:id="rId8" imgW="469800" imgH="228600" progId="Equation.DSMT4">
-                  <p:embed/>
-                  <p:pic>
-                    <p:nvPicPr>
-                      <p:cNvPr id="0" name=""/>
-                      <p:cNvPicPr>
-                        <a:picLocks noChangeAspect="1" noChangeArrowheads="1"/>
-                      </p:cNvPicPr>
-                      <p:nvPr/>
-                    </p:nvPicPr>
-                    <p:blipFill>
-                      <a:blip r:embed="rId9"/>
-                      <a:srcRect/>
-                      <a:stretch>
-                        <a:fillRect/>
-                      </a:stretch>
-                    </p:blipFill>
-                    <p:spPr bwMode="auto">
-                      <a:xfrm>
-                        <a:off x="6683236" y="1544661"/>
-                        <a:ext cx="1174750" cy="571500"/>
-                      </a:xfrm>
-                      <a:prstGeom prst="rect">
-                        <a:avLst/>
-                      </a:prstGeom>
-                      <a:solidFill>
-                        <a:schemeClr val="bg1"/>
-                      </a:solidFill>
-                      <a:ln>
-                        <a:noFill/>
-                      </a:ln>
-                      <a:effectLst/>
-                      <a:extLst>
-                        <a:ext uri="{91240B29-F687-4f45-9708-019B960494DF}">
-                          <a14:hiddenLine xmlns:a14="http://schemas.microsoft.com/office/drawing/2010/main" xmlns="" w="9525">
-                            <a:solidFill>
-                              <a:srgbClr val="000000"/>
-                            </a:solidFill>
-                            <a:miter lim="800000"/>
-                            <a:headEnd/>
-                            <a:tailEnd/>
-                          </a14:hiddenLine>
-                        </a:ext>
-                        <a:ext uri="{AF507438-7753-43e0-B8FC-AC1667EBCBE1}">
-                          <a14:hiddenEffects xmlns:a14="http://schemas.microsoft.com/office/drawing/2010/main" xmlns="">
-                            <a:effectLst>
-                              <a:outerShdw dist="35921" dir="2700000" algn="ctr" rotWithShape="0">
-                                <a:srgbClr val="808080"/>
-                              </a:outerShdw>
-                            </a:effectLst>
-                          </a14:hiddenEffects>
-                        </a:ext>
-                      </a:extLst>
-                    </p:spPr>
-                  </p:pic>
-                </p:oleObj>
-              </mc:Fallback>
-            </mc:AlternateContent>
-          </a:graphicData>
-        </a:graphic>
-      </p:graphicFrame>
     </p:spTree>
     <p:extLst>
       <p:ext uri="{BB962C8B-B14F-4D97-AF65-F5344CB8AC3E}">
-        <p14:creationId xmlns:p14="http://schemas.microsoft.com/office/powerpoint/2010/main" val="1090062050"/>
+        <p14:creationId xmlns:p14="http://schemas.microsoft.com/office/powerpoint/2010/main" val="3024875839"/>
       </p:ext>
     </p:extLst>
   </p:cSld>
   <p:clrMapOvr>
     <a:masterClrMapping/>
   </p:clrMapOvr>
+  <p:timing>
+    <p:tnLst>
+      <p:par>
+        <p:cTn id="1" dur="indefinite" restart="never" nodeType="tmRoot"/>
+      </p:par>
+    </p:tnLst>
+  </p:timing>
 </p:sld>
 </file>
 
@@ -6608,6 +6346,127 @@
           <a:chExt cx="0" cy="0"/>
         </a:xfrm>
       </p:grpSpPr>
+      <p:pic>
+        <p:nvPicPr>
+          <p:cNvPr id="5" name="Content Placeholder 4"/>
+          <p:cNvPicPr>
+            <a:picLocks noGrp="1" noChangeAspect="1"/>
+          </p:cNvPicPr>
+          <p:nvPr>
+            <p:ph idx="1"/>
+          </p:nvPr>
+        </p:nvPicPr>
+        <p:blipFill>
+          <a:blip r:embed="rId2"/>
+          <a:stretch>
+            <a:fillRect/>
+          </a:stretch>
+        </p:blipFill>
+        <p:spPr>
+          <a:xfrm>
+            <a:off x="255639" y="564164"/>
+            <a:ext cx="8258940" cy="5509612"/>
+          </a:xfrm>
+          <a:prstGeom prst="rect">
+            <a:avLst/>
+          </a:prstGeom>
+        </p:spPr>
+      </p:pic>
+      <p:sp>
+        <p:nvSpPr>
+          <p:cNvPr id="2" name="Title 1">
+            <a:extLst>
+              <a:ext uri="{FF2B5EF4-FFF2-40B4-BE49-F238E27FC236}">
+                <a16:creationId xmlns="" xmlns:a16="http://schemas.microsoft.com/office/drawing/2014/main" id="{DE1F173D-94AD-47BF-B832-EEAC37A63155}"/>
+              </a:ext>
+            </a:extLst>
+          </p:cNvPr>
+          <p:cNvSpPr>
+            <a:spLocks noGrp="1"/>
+          </p:cNvSpPr>
+          <p:nvPr>
+            <p:ph type="title"/>
+          </p:nvPr>
+        </p:nvSpPr>
+        <p:spPr/>
+        <p:txBody>
+          <a:bodyPr/>
+          <a:lstStyle/>
+          <a:p>
+            <a:r>
+              <a:rPr lang="es-419" dirty="0"/>
+              <a:t>Ejercicio: Simulando datos jerárquicos </a:t>
+            </a:r>
+            <a:endParaRPr lang="es-419" noProof="0" dirty="0"/>
+          </a:p>
+        </p:txBody>
+      </p:sp>
+      <p:sp>
+        <p:nvSpPr>
+          <p:cNvPr id="4" name="Slide Number Placeholder 3">
+            <a:extLst>
+              <a:ext uri="{FF2B5EF4-FFF2-40B4-BE49-F238E27FC236}">
+                <a16:creationId xmlns="" xmlns:a16="http://schemas.microsoft.com/office/drawing/2014/main" id="{008AEA56-8F2E-48C4-B499-2FCB6D1A21F7}"/>
+              </a:ext>
+            </a:extLst>
+          </p:cNvPr>
+          <p:cNvSpPr>
+            <a:spLocks noGrp="1"/>
+          </p:cNvSpPr>
+          <p:nvPr>
+            <p:ph type="sldNum" sz="quarter" idx="12"/>
+          </p:nvPr>
+        </p:nvSpPr>
+        <p:spPr/>
+        <p:txBody>
+          <a:bodyPr/>
+          <a:lstStyle/>
+          <a:p>
+            <a:fld id="{2F5854F6-968A-43DD-98AD-2128488B7BB7}" type="slidenum">
+              <a:rPr lang="en-US" smtClean="0"/>
+              <a:t>11</a:t>
+            </a:fld>
+            <a:endParaRPr lang="en-US"/>
+          </a:p>
+        </p:txBody>
+      </p:sp>
+    </p:spTree>
+    <p:extLst>
+      <p:ext uri="{BB962C8B-B14F-4D97-AF65-F5344CB8AC3E}">
+        <p14:creationId xmlns:p14="http://schemas.microsoft.com/office/powerpoint/2010/main" val="487776497"/>
+      </p:ext>
+    </p:extLst>
+  </p:cSld>
+  <p:clrMapOvr>
+    <a:masterClrMapping/>
+  </p:clrMapOvr>
+  <p:timing>
+    <p:tnLst>
+      <p:par>
+        <p:cTn id="1" dur="indefinite" restart="never" nodeType="tmRoot"/>
+      </p:par>
+    </p:tnLst>
+  </p:timing>
+</p:sld>
+</file>
+
+<file path=ppt/slides/slide12.xml><?xml version="1.0" encoding="utf-8"?>
+<p:sld xmlns:a="http://schemas.openxmlformats.org/drawingml/2006/main" xmlns:r="http://schemas.openxmlformats.org/officeDocument/2006/relationships" xmlns:p="http://schemas.openxmlformats.org/presentationml/2006/main">
+  <p:cSld>
+    <p:spTree>
+      <p:nvGrpSpPr>
+        <p:cNvPr id="1" name=""/>
+        <p:cNvGrpSpPr/>
+        <p:nvPr/>
+      </p:nvGrpSpPr>
+      <p:grpSpPr>
+        <a:xfrm>
+          <a:off x="0" y="0"/>
+          <a:ext cx="0" cy="0"/>
+          <a:chOff x="0" y="0"/>
+          <a:chExt cx="0" cy="0"/>
+        </a:xfrm>
+      </p:grpSpPr>
       <p:sp>
         <p:nvSpPr>
           <p:cNvPr id="2" name="Title 1"/>
@@ -6624,9 +6483,10 @@
           <a:lstStyle/>
           <a:p>
             <a:r>
-              <a:rPr lang="en-US" dirty="0"/>
-              <a:t>Hierarchical likelihoods</a:t>
-            </a:r>
+              <a:rPr lang="es-419" dirty="0" smtClean="0"/>
+              <a:t>Verosimilitudes jerárquicas</a:t>
+            </a:r>
+            <a:endParaRPr lang="es-419" noProof="0" dirty="0"/>
           </a:p>
         </p:txBody>
       </p:sp>
@@ -6655,9 +6515,38 @@
               <a:lstStyle/>
               <a:p>
                 <a:r>
-                  <a:rPr lang="en-US" sz="2800" dirty="0" smtClean="0"/>
-                  <a:t>Introduce “latent” variables into the likelihood</a:t>
+                  <a:rPr lang="es-419" sz="2800" noProof="0" dirty="0" smtClean="0"/>
+                  <a:t>Introduce “</a:t>
                 </a:r>
+                <a:r>
+                  <a:rPr lang="es-419" sz="2800" noProof="0" dirty="0" err="1" smtClean="0"/>
+                  <a:t>latent</a:t>
+                </a:r>
+                <a:r>
+                  <a:rPr lang="es-419" sz="2800" noProof="0" dirty="0" smtClean="0"/>
+                  <a:t>” variables </a:t>
+                </a:r>
+                <a:r>
+                  <a:rPr lang="es-419" sz="2800" noProof="0" dirty="0" err="1" smtClean="0"/>
+                  <a:t>into</a:t>
+                </a:r>
+                <a:r>
+                  <a:rPr lang="es-419" sz="2800" noProof="0" dirty="0" smtClean="0"/>
+                  <a:t> </a:t>
+                </a:r>
+                <a:r>
+                  <a:rPr lang="es-419" sz="2800" noProof="0" dirty="0" err="1" smtClean="0"/>
+                  <a:t>the</a:t>
+                </a:r>
+                <a:r>
+                  <a:rPr lang="es-419" sz="2800" noProof="0" dirty="0" smtClean="0"/>
+                  <a:t> </a:t>
+                </a:r>
+                <a:r>
+                  <a:rPr lang="es-419" sz="2800" noProof="0" dirty="0" err="1" smtClean="0"/>
+                  <a:t>likelihood</a:t>
+                </a:r>
+                <a:endParaRPr lang="es-419" sz="2800" noProof="0" dirty="0" smtClean="0"/>
               </a:p>
               <a:p>
                 <a:pPr marL="0" indent="0">
@@ -6672,7 +6561,7 @@
                       <m:func>
                         <m:funcPr>
                           <m:ctrlPr>
-                            <a:rPr lang="en-US" sz="2800" i="1">
+                            <a:rPr lang="es-419" sz="2800" i="1" noProof="0">
                               <a:latin typeface="Cambria Math" panose="02040503050406030204" pitchFamily="18" charset="0"/>
                             </a:rPr>
                           </m:ctrlPr>
@@ -6682,7 +6571,7 @@
                             <m:rPr>
                               <m:sty m:val="p"/>
                             </m:rPr>
-                            <a:rPr lang="en-US" sz="2800" b="0" i="0" smtClean="0">
+                            <a:rPr lang="es-419" sz="2800" b="0" i="0" noProof="0" smtClean="0">
                               <a:latin typeface="Cambria Math" panose="02040503050406030204" pitchFamily="18" charset="0"/>
                             </a:rPr>
                             <m:t>L</m:t>
@@ -6690,34 +6579,34 @@
                           <m:d>
                             <m:dPr>
                               <m:ctrlPr>
-                                <a:rPr lang="en-US" sz="2800" b="0" i="1" smtClean="0">
+                                <a:rPr lang="es-419" sz="2800" b="0" i="1" noProof="0" smtClean="0">
                                   <a:latin typeface="Cambria Math" panose="02040503050406030204" pitchFamily="18" charset="0"/>
                                 </a:rPr>
                               </m:ctrlPr>
                             </m:dPr>
                             <m:e>
                               <m:r>
-                                <a:rPr lang="en-US" sz="2800" i="1">
+                                <a:rPr lang="es-419" sz="2800" i="1" noProof="0">
                                   <a:latin typeface="Cambria Math"/>
                                   <a:ea typeface="Cambria Math"/>
                                 </a:rPr>
                                 <m:t>𝜃</m:t>
                               </m:r>
                               <m:r>
-                                <a:rPr lang="en-US" sz="2800" b="0" i="0" smtClean="0">
+                                <a:rPr lang="es-419" sz="2800" b="0" i="0" noProof="0" smtClean="0">
                                   <a:latin typeface="Cambria Math" panose="02040503050406030204" pitchFamily="18" charset="0"/>
                                 </a:rPr>
                                 <m:t>;</m:t>
                               </m:r>
                               <m:r>
-                                <a:rPr lang="en-US" sz="2800" i="1">
+                                <a:rPr lang="es-419" sz="2800" i="1" noProof="0">
                                   <a:latin typeface="Cambria Math"/>
                                   <a:ea typeface="Cambria Math"/>
                                 </a:rPr>
                                 <m:t>𝜀</m:t>
                               </m:r>
                               <m:r>
-                                <a:rPr lang="en-US" sz="2800" b="0" i="0" smtClean="0">
+                                <a:rPr lang="es-419" sz="2800" b="0" i="0" noProof="0" smtClean="0">
                                   <a:latin typeface="Cambria Math" panose="02040503050406030204" pitchFamily="18" charset="0"/>
                                   <a:ea typeface="Cambria Math"/>
                                 </a:rPr>
@@ -6727,7 +6616,7 @@
                                 <m:rPr>
                                   <m:sty m:val="p"/>
                                 </m:rPr>
-                                <a:rPr lang="en-US" sz="2800" b="0" i="0" smtClean="0">
+                                <a:rPr lang="es-419" sz="2800" b="0" i="0" noProof="0" smtClean="0">
                                   <a:latin typeface="Cambria Math" panose="02040503050406030204" pitchFamily="18" charset="0"/>
                                 </a:rPr>
                                 <m:t>y</m:t>
@@ -6735,7 +6624,7 @@
                             </m:e>
                           </m:d>
                           <m:r>
-                            <a:rPr lang="en-US" sz="2800" b="0" i="0" smtClean="0">
+                            <a:rPr lang="es-419" sz="2800" b="0" i="0" noProof="0" smtClean="0">
                               <a:latin typeface="Cambria Math" panose="02040503050406030204" pitchFamily="18" charset="0"/>
                             </a:rPr>
                             <m:t>=</m:t>
@@ -6744,7 +6633,7 @@
                             <m:rPr>
                               <m:sty m:val="p"/>
                             </m:rPr>
-                            <a:rPr lang="en-US" sz="2800">
+                            <a:rPr lang="es-419" sz="2800" noProof="0">
                               <a:latin typeface="Cambria Math" panose="02040503050406030204" pitchFamily="18" charset="0"/>
                             </a:rPr>
                             <m:t>Pr</m:t>
@@ -6754,26 +6643,26 @@
                           <m:d>
                             <m:dPr>
                               <m:ctrlPr>
-                                <a:rPr lang="en-US" sz="2800" i="1">
+                                <a:rPr lang="es-419" sz="2800" i="1" noProof="0">
                                   <a:latin typeface="Cambria Math" panose="02040503050406030204" pitchFamily="18" charset="0"/>
                                 </a:rPr>
                               </m:ctrlPr>
                             </m:dPr>
                             <m:e>
                               <m:r>
-                                <a:rPr lang="en-US" sz="2800" i="1">
+                                <a:rPr lang="es-419" sz="2800" i="1" noProof="0">
                                   <a:latin typeface="Cambria Math" panose="02040503050406030204" pitchFamily="18" charset="0"/>
                                 </a:rPr>
                                 <m:t>𝑦</m:t>
                               </m:r>
                               <m:r>
-                                <a:rPr lang="en-US" sz="2800" b="0" i="1" smtClean="0">
+                                <a:rPr lang="es-419" sz="2800" b="0" i="1" noProof="0" smtClean="0">
                                   <a:latin typeface="Cambria Math" panose="02040503050406030204" pitchFamily="18" charset="0"/>
                                 </a:rPr>
                                 <m:t>,</m:t>
                               </m:r>
                               <m:r>
-                                <a:rPr lang="en-US" sz="2800" i="1">
+                                <a:rPr lang="es-419" sz="2800" i="1" noProof="0">
                                   <a:latin typeface="Cambria Math"/>
                                   <a:ea typeface="Cambria Math"/>
                                 </a:rPr>
@@ -6782,7 +6671,7 @@
                             </m:e>
                             <m:e>
                               <m:r>
-                                <a:rPr lang="en-US" sz="2800" i="1">
+                                <a:rPr lang="es-419" sz="2800" i="1" noProof="0">
                                   <a:latin typeface="Cambria Math"/>
                                   <a:ea typeface="Cambria Math"/>
                                 </a:rPr>
@@ -6793,7 +6682,7 @@
                         </m:e>
                       </m:func>
                       <m:r>
-                        <a:rPr lang="en-US" sz="2800" b="0" i="1" smtClean="0">
+                        <a:rPr lang="es-419" sz="2800" b="0" i="1" noProof="0" smtClean="0">
                           <a:latin typeface="Cambria Math" panose="02040503050406030204" pitchFamily="18" charset="0"/>
                           <a:ea typeface="Cambria Math"/>
                         </a:rPr>
@@ -6802,7 +6691,7 @@
                       <m:func>
                         <m:funcPr>
                           <m:ctrlPr>
-                            <a:rPr lang="en-US" sz="2800" i="1">
+                            <a:rPr lang="es-419" sz="2800" i="1" noProof="0">
                               <a:latin typeface="Cambria Math" panose="02040503050406030204" pitchFamily="18" charset="0"/>
                               <a:ea typeface="Cambria Math"/>
                             </a:rPr>
@@ -6813,7 +6702,7 @@
                             <m:rPr>
                               <m:sty m:val="p"/>
                             </m:rPr>
-                            <a:rPr lang="en-US" sz="2800">
+                            <a:rPr lang="es-419" sz="2800" noProof="0">
                               <a:latin typeface="Cambria Math" panose="02040503050406030204" pitchFamily="18" charset="0"/>
                             </a:rPr>
                             <m:t>Pr</m:t>
@@ -6823,14 +6712,14 @@
                           <m:d>
                             <m:dPr>
                               <m:ctrlPr>
-                                <a:rPr lang="en-US" sz="2800" i="1">
+                                <a:rPr lang="es-419" sz="2800" i="1" noProof="0">
                                   <a:latin typeface="Cambria Math" panose="02040503050406030204" pitchFamily="18" charset="0"/>
                                 </a:rPr>
                               </m:ctrlPr>
                             </m:dPr>
                             <m:e>
                               <m:r>
-                                <a:rPr lang="en-US" sz="2800" i="1">
+                                <a:rPr lang="es-419" sz="2800" i="1" noProof="0">
                                   <a:latin typeface="Cambria Math" panose="02040503050406030204" pitchFamily="18" charset="0"/>
                                 </a:rPr>
                                 <m:t>𝑦</m:t>
@@ -6838,21 +6727,21 @@
                             </m:e>
                             <m:e>
                               <m:r>
-                                <a:rPr lang="en-US" sz="2800" i="1">
+                                <a:rPr lang="es-419" sz="2800" i="1" noProof="0">
                                   <a:latin typeface="Cambria Math"/>
                                   <a:ea typeface="Cambria Math"/>
                                 </a:rPr>
                                 <m:t>𝜃</m:t>
                               </m:r>
                               <m:r>
-                                <a:rPr lang="en-US" sz="2800" i="1">
+                                <a:rPr lang="es-419" sz="2800" i="1" noProof="0">
                                   <a:latin typeface="Cambria Math" panose="02040503050406030204" pitchFamily="18" charset="0"/>
                                   <a:ea typeface="Cambria Math"/>
                                 </a:rPr>
                                 <m:t>,</m:t>
                               </m:r>
                               <m:r>
-                                <a:rPr lang="en-US" sz="2800" i="1">
+                                <a:rPr lang="es-419" sz="2800" i="1" noProof="0">
                                   <a:latin typeface="Cambria Math"/>
                                   <a:ea typeface="Cambria Math"/>
                                 </a:rPr>
@@ -6866,42 +6755,42 @@
                         <m:rPr>
                           <m:sty m:val="p"/>
                         </m:rPr>
-                        <a:rPr lang="en-US" sz="2800">
+                        <a:rPr lang="es-419" sz="2800" noProof="0">
                           <a:latin typeface="Cambria Math" panose="02040503050406030204" pitchFamily="18" charset="0"/>
                           <a:ea typeface="Cambria Math"/>
                         </a:rPr>
                         <m:t>Pr</m:t>
                       </m:r>
                       <m:r>
-                        <a:rPr lang="en-US" sz="2800" i="1">
+                        <a:rPr lang="es-419" sz="2800" i="1" noProof="0">
                           <a:latin typeface="Cambria Math" panose="02040503050406030204" pitchFamily="18" charset="0"/>
                           <a:ea typeface="Cambria Math"/>
                         </a:rPr>
                         <m:t>⁡(</m:t>
                       </m:r>
                       <m:r>
-                        <a:rPr lang="en-US" sz="2800" i="1">
+                        <a:rPr lang="es-419" sz="2800" i="1" noProof="0">
                           <a:latin typeface="Cambria Math"/>
                           <a:ea typeface="Cambria Math"/>
                         </a:rPr>
                         <m:t>𝜀</m:t>
                       </m:r>
                       <m:r>
-                        <a:rPr lang="en-US" sz="2800" b="0" i="1" smtClean="0">
+                        <a:rPr lang="es-419" sz="2800" b="0" i="1" noProof="0" smtClean="0">
                           <a:latin typeface="Cambria Math" panose="02040503050406030204" pitchFamily="18" charset="0"/>
                           <a:ea typeface="Cambria Math"/>
                         </a:rPr>
                         <m:t>|</m:t>
                       </m:r>
                       <m:r>
-                        <a:rPr lang="en-US" sz="2800" i="1">
+                        <a:rPr lang="es-419" sz="2800" i="1" noProof="0">
                           <a:latin typeface="Cambria Math"/>
                           <a:ea typeface="Cambria Math"/>
                         </a:rPr>
                         <m:t>𝜃</m:t>
                       </m:r>
                       <m:r>
-                        <a:rPr lang="en-US" sz="2800" i="1">
+                        <a:rPr lang="es-419" sz="2800" i="1" noProof="0">
                           <a:latin typeface="Cambria Math" panose="02040503050406030204" pitchFamily="18" charset="0"/>
                           <a:ea typeface="Cambria Math"/>
                         </a:rPr>
@@ -6910,21 +6799,53 @@
                     </m:oMath>
                   </m:oMathPara>
                 </a14:m>
-                <a:endParaRPr lang="en-US" sz="2800" dirty="0"/>
+                <a:endParaRPr lang="es-419" sz="2800" noProof="0" dirty="0"/>
               </a:p>
               <a:p>
                 <a:pPr lvl="1"/>
                 <a:r>
-                  <a:rPr lang="en-US" sz="2400" dirty="0"/>
-                  <a:t>y is data, where </a:t>
+                  <a:rPr lang="es-419" sz="2400" noProof="0" dirty="0"/>
+                  <a:t>y </a:t>
                 </a:r>
                 <a:r>
-                  <a:rPr lang="el-GR" sz="2400" dirty="0"/>
-                  <a:t>ε</a:t>
+                  <a:rPr lang="es-419" sz="2400" noProof="0" dirty="0" err="1"/>
+                  <a:t>is</a:t>
                 </a:r>
                 <a:r>
-                  <a:rPr lang="en-US" sz="2400" dirty="0"/>
-                  <a:t> is a unobserved random variable</a:t>
+                  <a:rPr lang="es-419" sz="2400" noProof="0" dirty="0"/>
+                  <a:t> data, </a:t>
+                </a:r>
+                <a:r>
+                  <a:rPr lang="es-419" sz="2400" noProof="0" dirty="0" err="1"/>
+                  <a:t>where</a:t>
+                </a:r>
+                <a:r>
+                  <a:rPr lang="es-419" sz="2400" noProof="0" dirty="0"/>
+                  <a:t> ε </a:t>
+                </a:r>
+                <a:r>
+                  <a:rPr lang="es-419" sz="2400" noProof="0" dirty="0" err="1"/>
+                  <a:t>is</a:t>
+                </a:r>
+                <a:r>
+                  <a:rPr lang="es-419" sz="2400" noProof="0" dirty="0"/>
+                  <a:t> a </a:t>
+                </a:r>
+                <a:r>
+                  <a:rPr lang="es-419" sz="2400" noProof="0" dirty="0" err="1"/>
+                  <a:t>unobserved</a:t>
+                </a:r>
+                <a:r>
+                  <a:rPr lang="es-419" sz="2400" noProof="0" dirty="0"/>
+                  <a:t> </a:t>
+                </a:r>
+                <a:r>
+                  <a:rPr lang="es-419" sz="2400" noProof="0" dirty="0" err="1"/>
+                  <a:t>random</a:t>
+                </a:r>
+                <a:r>
+                  <a:rPr lang="es-419" sz="2400" noProof="0" dirty="0"/>
+                  <a:t> variable</a:t>
                 </a:r>
               </a:p>
               <a:p>
@@ -6934,7 +6855,7 @@
                     <m:func>
                       <m:funcPr>
                         <m:ctrlPr>
-                          <a:rPr lang="en-US" sz="2400" i="1">
+                          <a:rPr lang="es-419" sz="2400" i="1" noProof="0">
                             <a:latin typeface="Cambria Math" panose="02040503050406030204" pitchFamily="18" charset="0"/>
                             <a:ea typeface="Cambria Math"/>
                           </a:rPr>
@@ -6945,7 +6866,7 @@
                           <m:rPr>
                             <m:sty m:val="p"/>
                           </m:rPr>
-                          <a:rPr lang="en-US" sz="2400">
+                          <a:rPr lang="es-419" sz="2400" noProof="0">
                             <a:latin typeface="Cambria Math" panose="02040503050406030204" pitchFamily="18" charset="0"/>
                             <a:ea typeface="Cambria Math"/>
                           </a:rPr>
@@ -6956,7 +6877,7 @@
                         <m:d>
                           <m:dPr>
                             <m:ctrlPr>
-                              <a:rPr lang="en-US" sz="2400" i="1">
+                              <a:rPr lang="es-419" sz="2400" i="1" noProof="0">
                                 <a:latin typeface="Cambria Math" panose="02040503050406030204" pitchFamily="18" charset="0"/>
                                 <a:ea typeface="Cambria Math"/>
                               </a:rPr>
@@ -6964,21 +6885,21 @@
                           </m:dPr>
                           <m:e>
                             <m:r>
-                              <a:rPr lang="en-US" sz="2400" i="1">
+                              <a:rPr lang="es-419" sz="2400" i="1" noProof="0">
                                 <a:latin typeface="Cambria Math"/>
                                 <a:ea typeface="Cambria Math"/>
                               </a:rPr>
                               <m:t>𝜀</m:t>
                             </m:r>
                             <m:r>
-                              <a:rPr lang="en-US" sz="2400" b="0" i="1" smtClean="0">
+                              <a:rPr lang="es-419" sz="2400" b="0" i="1" noProof="0" smtClean="0">
                                 <a:latin typeface="Cambria Math" panose="02040503050406030204" pitchFamily="18" charset="0"/>
                                 <a:ea typeface="Cambria Math"/>
                               </a:rPr>
                               <m:t>|</m:t>
                             </m:r>
                             <m:r>
-                              <a:rPr lang="en-US" sz="2400" i="1">
+                              <a:rPr lang="es-419" sz="2400" i="1" noProof="0">
                                 <a:latin typeface="Cambria Math"/>
                                 <a:ea typeface="Cambria Math"/>
                               </a:rPr>
@@ -6991,16 +6912,72 @@
                   </m:oMath>
                 </a14:m>
                 <a:r>
-                  <a:rPr lang="en-US" sz="2400" dirty="0"/>
-                  <a:t> is a “prior” or “hyper-distribution” for latent variables</a:t>
+                  <a:rPr lang="es-419" sz="2400" noProof="0" dirty="0"/>
+                  <a:t> </a:t>
+                </a:r>
+                <a:r>
+                  <a:rPr lang="es-419" sz="2400" noProof="0" dirty="0" err="1"/>
+                  <a:t>is</a:t>
+                </a:r>
+                <a:r>
+                  <a:rPr lang="es-419" sz="2400" noProof="0" dirty="0"/>
+                  <a:t> a “prior” </a:t>
+                </a:r>
+                <a:r>
+                  <a:rPr lang="es-419" sz="2400" noProof="0" dirty="0" err="1"/>
+                  <a:t>or</a:t>
+                </a:r>
+                <a:r>
+                  <a:rPr lang="es-419" sz="2400" noProof="0" dirty="0"/>
+                  <a:t> “</a:t>
+                </a:r>
+                <a:r>
+                  <a:rPr lang="es-419" sz="2400" noProof="0" dirty="0" err="1"/>
+                  <a:t>hyper-distribution</a:t>
+                </a:r>
+                <a:r>
+                  <a:rPr lang="es-419" sz="2400" noProof="0" dirty="0"/>
+                  <a:t>” </a:t>
+                </a:r>
+                <a:r>
+                  <a:rPr lang="es-419" sz="2400" noProof="0" dirty="0" err="1"/>
+                  <a:t>for</a:t>
+                </a:r>
+                <a:r>
+                  <a:rPr lang="es-419" sz="2400" noProof="0" dirty="0"/>
+                  <a:t> </a:t>
+                </a:r>
+                <a:r>
+                  <a:rPr lang="es-419" sz="2400" noProof="0" dirty="0" err="1"/>
+                  <a:t>latent</a:t>
+                </a:r>
+                <a:r>
+                  <a:rPr lang="es-419" sz="2400" noProof="0" dirty="0"/>
+                  <a:t> variables</a:t>
                 </a:r>
               </a:p>
               <a:p>
                 <a:r>
-                  <a:rPr lang="en-US" sz="2800" dirty="0"/>
-                  <a:t>In our example:</a:t>
+                  <a:rPr lang="es-419" sz="2800" noProof="0" dirty="0"/>
+                  <a:t>In </a:t>
                 </a:r>
-                <a:endParaRPr lang="en-US" sz="2800" i="1" dirty="0">
+                <a:r>
+                  <a:rPr lang="es-419" sz="2800" noProof="0" dirty="0" err="1"/>
+                  <a:t>our</a:t>
+                </a:r>
+                <a:r>
+                  <a:rPr lang="es-419" sz="2800" noProof="0" dirty="0"/>
+                  <a:t> </a:t>
+                </a:r>
+                <a:r>
+                  <a:rPr lang="es-419" sz="2800" noProof="0" dirty="0" err="1"/>
+                  <a:t>example</a:t>
+                </a:r>
+                <a:r>
+                  <a:rPr lang="es-419" sz="2800" noProof="0" dirty="0"/>
+                  <a:t>:</a:t>
+                </a:r>
+                <a:endParaRPr lang="es-419" sz="2800" i="1" noProof="0" dirty="0">
                   <a:latin typeface="Cambria Math" panose="02040503050406030204" pitchFamily="18" charset="0"/>
                   <a:ea typeface="Cambria Math"/>
                 </a:endParaRPr>
@@ -7018,7 +6995,7 @@
                       <m:func>
                         <m:funcPr>
                           <m:ctrlPr>
-                            <a:rPr lang="en-US" sz="2800" i="1">
+                            <a:rPr lang="es-419" sz="2800" i="1" noProof="0">
                               <a:latin typeface="Cambria Math" panose="02040503050406030204" pitchFamily="18" charset="0"/>
                               <a:ea typeface="Cambria Math"/>
                             </a:rPr>
@@ -7029,7 +7006,7 @@
                             <m:rPr>
                               <m:sty m:val="p"/>
                             </m:rPr>
-                            <a:rPr lang="en-US" sz="2800">
+                            <a:rPr lang="es-419" sz="2800" noProof="0">
                               <a:latin typeface="Cambria Math" panose="02040503050406030204" pitchFamily="18" charset="0"/>
                             </a:rPr>
                             <m:t>Pr</m:t>
@@ -7039,14 +7016,14 @@
                           <m:d>
                             <m:dPr>
                               <m:ctrlPr>
-                                <a:rPr lang="en-US" sz="2800" i="1">
+                                <a:rPr lang="es-419" sz="2800" i="1" noProof="0">
                                   <a:latin typeface="Cambria Math" panose="02040503050406030204" pitchFamily="18" charset="0"/>
                                 </a:rPr>
                               </m:ctrlPr>
                             </m:dPr>
                             <m:e>
                               <m:r>
-                                <a:rPr lang="en-US" sz="2800" i="1">
+                                <a:rPr lang="es-419" sz="2800" i="1" noProof="0">
                                   <a:latin typeface="Cambria Math" panose="02040503050406030204" pitchFamily="18" charset="0"/>
                                 </a:rPr>
                                 <m:t>𝑦</m:t>
@@ -7054,21 +7031,21 @@
                             </m:e>
                             <m:e>
                               <m:r>
-                                <a:rPr lang="en-US" sz="2800" i="1">
+                                <a:rPr lang="es-419" sz="2800" i="1" noProof="0">
                                   <a:latin typeface="Cambria Math"/>
                                   <a:ea typeface="Cambria Math"/>
                                 </a:rPr>
                                 <m:t>𝜃</m:t>
                               </m:r>
                               <m:r>
-                                <a:rPr lang="en-US" sz="2800" i="1">
+                                <a:rPr lang="es-419" sz="2800" i="1" noProof="0">
                                   <a:latin typeface="Cambria Math" panose="02040503050406030204" pitchFamily="18" charset="0"/>
                                   <a:ea typeface="Cambria Math"/>
                                 </a:rPr>
                                 <m:t>,</m:t>
                               </m:r>
                               <m:r>
-                                <a:rPr lang="en-US" sz="2800" i="1">
+                                <a:rPr lang="es-419" sz="2800" i="1" noProof="0">
                                   <a:latin typeface="Cambria Math"/>
                                   <a:ea typeface="Cambria Math"/>
                                 </a:rPr>
@@ -7081,7 +7058,7 @@
                       <m:func>
                         <m:funcPr>
                           <m:ctrlPr>
-                            <a:rPr lang="en-US" sz="2800" i="1">
+                            <a:rPr lang="es-419" sz="2800" i="1" noProof="0">
                               <a:latin typeface="Cambria Math" panose="02040503050406030204" pitchFamily="18" charset="0"/>
                               <a:ea typeface="Cambria Math"/>
                             </a:rPr>
@@ -7092,7 +7069,7 @@
                             <m:rPr>
                               <m:sty m:val="p"/>
                             </m:rPr>
-                            <a:rPr lang="en-US" sz="2800">
+                            <a:rPr lang="es-419" sz="2800" noProof="0">
                               <a:latin typeface="Cambria Math" panose="02040503050406030204" pitchFamily="18" charset="0"/>
                               <a:ea typeface="Cambria Math"/>
                             </a:rPr>
@@ -7103,7 +7080,7 @@
                           <m:d>
                             <m:dPr>
                               <m:ctrlPr>
-                                <a:rPr lang="en-US" sz="2800" i="1">
+                                <a:rPr lang="es-419" sz="2800" i="1" noProof="0">
                                   <a:latin typeface="Cambria Math" panose="02040503050406030204" pitchFamily="18" charset="0"/>
                                   <a:ea typeface="Cambria Math"/>
                                 </a:rPr>
@@ -7111,7 +7088,7 @@
                             </m:dPr>
                             <m:e>
                               <m:r>
-                                <a:rPr lang="en-US" sz="2800" i="1">
+                                <a:rPr lang="es-419" sz="2800" i="1" noProof="0">
                                   <a:latin typeface="Cambria Math"/>
                                   <a:ea typeface="Cambria Math"/>
                                 </a:rPr>
@@ -7122,7 +7099,7 @@
                         </m:e>
                       </m:func>
                       <m:r>
-                        <a:rPr lang="en-US" sz="2800" b="0" i="1" smtClean="0">
+                        <a:rPr lang="es-419" sz="2800" b="0" i="1" noProof="0" smtClean="0">
                           <a:latin typeface="Cambria Math" panose="02040503050406030204" pitchFamily="18" charset="0"/>
                           <a:ea typeface="Cambria Math"/>
                         </a:rPr>
@@ -7131,7 +7108,7 @@
                       <m:func>
                         <m:funcPr>
                           <m:ctrlPr>
-                            <a:rPr lang="en-US" sz="2800" b="0" i="1" smtClean="0">
+                            <a:rPr lang="es-419" sz="2800" b="0" i="1" noProof="0" smtClean="0">
                               <a:latin typeface="Cambria Math" panose="02040503050406030204" pitchFamily="18" charset="0"/>
                               <a:ea typeface="Cambria Math"/>
                             </a:rPr>
@@ -7142,7 +7119,7 @@
                             <m:rPr>
                               <m:sty m:val="p"/>
                             </m:rPr>
-                            <a:rPr lang="en-US" sz="2800" b="0" i="0" smtClean="0">
+                            <a:rPr lang="es-419" sz="2800" b="0" i="0" noProof="0" smtClean="0">
                               <a:latin typeface="Cambria Math" panose="02040503050406030204" pitchFamily="18" charset="0"/>
                               <a:ea typeface="Cambria Math"/>
                             </a:rPr>
@@ -7153,7 +7130,7 @@
                           <m:d>
                             <m:dPr>
                               <m:ctrlPr>
-                                <a:rPr lang="en-US" sz="2800" b="0" i="1" smtClean="0">
+                                <a:rPr lang="es-419" sz="2800" b="0" i="1" noProof="0" smtClean="0">
                                   <a:latin typeface="Cambria Math" panose="02040503050406030204" pitchFamily="18" charset="0"/>
                                   <a:ea typeface="Cambria Math"/>
                                 </a:rPr>
@@ -7161,7 +7138,7 @@
                             </m:dPr>
                             <m:e>
                               <m:r>
-                                <a:rPr lang="en-US" sz="2800" b="0" i="1" smtClean="0">
+                                <a:rPr lang="es-419" sz="2800" b="0" i="1" noProof="0" smtClean="0">
                                   <a:latin typeface="Cambria Math" panose="02040503050406030204" pitchFamily="18" charset="0"/>
                                   <a:ea typeface="Cambria Math"/>
                                 </a:rPr>
@@ -7170,7 +7147,7 @@
                             </m:e>
                             <m:e>
                               <m:r>
-                                <a:rPr lang="en-US" sz="2800" b="0" i="1" smtClean="0">
+                                <a:rPr lang="es-419" sz="2800" b="0" i="1" noProof="0" smtClean="0">
                                   <a:latin typeface="Cambria Math" panose="02040503050406030204" pitchFamily="18" charset="0"/>
                                   <a:ea typeface="Cambria Math" panose="02040503050406030204" pitchFamily="18" charset="0"/>
                                 </a:rPr>
@@ -7183,7 +7160,7 @@
                       <m:func>
                         <m:funcPr>
                           <m:ctrlPr>
-                            <a:rPr lang="en-US" sz="2800" b="0" i="1" smtClean="0">
+                            <a:rPr lang="es-419" sz="2800" b="0" i="1" noProof="0" smtClean="0">
                               <a:latin typeface="Cambria Math" panose="02040503050406030204" pitchFamily="18" charset="0"/>
                               <a:ea typeface="Cambria Math" panose="02040503050406030204" pitchFamily="18" charset="0"/>
                             </a:rPr>
@@ -7194,7 +7171,7 @@
                             <m:rPr>
                               <m:sty m:val="p"/>
                             </m:rPr>
-                            <a:rPr lang="en-US" sz="2800" b="0" i="0" smtClean="0">
+                            <a:rPr lang="es-419" sz="2800" b="0" i="0" noProof="0" smtClean="0">
                               <a:latin typeface="Cambria Math" panose="02040503050406030204" pitchFamily="18" charset="0"/>
                               <a:ea typeface="Cambria Math" panose="02040503050406030204" pitchFamily="18" charset="0"/>
                             </a:rPr>
@@ -7205,7 +7182,7 @@
                           <m:d>
                             <m:dPr>
                               <m:ctrlPr>
-                                <a:rPr lang="en-US" sz="2800" b="0" i="1" smtClean="0">
+                                <a:rPr lang="es-419" sz="2800" b="0" i="1" noProof="0" smtClean="0">
                                   <a:latin typeface="Cambria Math" panose="02040503050406030204" pitchFamily="18" charset="0"/>
                                   <a:ea typeface="Cambria Math" panose="02040503050406030204" pitchFamily="18" charset="0"/>
                                 </a:rPr>
@@ -7213,7 +7190,7 @@
                             </m:dPr>
                             <m:e>
                               <m:r>
-                                <a:rPr lang="en-US" sz="2800" b="0" i="1" smtClean="0">
+                                <a:rPr lang="es-419" sz="2800" b="0" i="1" noProof="0" smtClean="0">
                                   <a:latin typeface="Cambria Math" panose="02040503050406030204" pitchFamily="18" charset="0"/>
                                   <a:ea typeface="Cambria Math" panose="02040503050406030204" pitchFamily="18" charset="0"/>
                                 </a:rPr>
@@ -7222,21 +7199,21 @@
                             </m:e>
                             <m:e>
                               <m:r>
-                                <a:rPr lang="en-US" sz="2800" i="1">
+                                <a:rPr lang="es-419" sz="2800" i="1" noProof="0">
                                   <a:latin typeface="Cambria Math" panose="02040503050406030204" pitchFamily="18" charset="0"/>
                                   <a:ea typeface="Cambria Math" panose="02040503050406030204" pitchFamily="18" charset="0"/>
                                 </a:rPr>
                                 <m:t>𝜇</m:t>
                               </m:r>
                               <m:r>
-                                <a:rPr lang="en-US" sz="2800" i="1">
+                                <a:rPr lang="es-419" sz="2800" i="1" noProof="0">
                                   <a:latin typeface="Cambria Math" panose="02040503050406030204" pitchFamily="18" charset="0"/>
                                   <a:ea typeface="Cambria Math" panose="02040503050406030204" pitchFamily="18" charset="0"/>
                                 </a:rPr>
                                 <m:t>,</m:t>
                               </m:r>
                               <m:r>
-                                <a:rPr lang="en-US" sz="2800" i="1">
+                                <a:rPr lang="es-419" sz="2800" i="1" noProof="0">
                                   <a:latin typeface="Cambria Math" panose="02040503050406030204" pitchFamily="18" charset="0"/>
                                   <a:ea typeface="Cambria Math" panose="02040503050406030204" pitchFamily="18" charset="0"/>
                                 </a:rPr>
@@ -7249,16 +7226,60 @@
                     </m:oMath>
                   </m:oMathPara>
                 </a14:m>
-                <a:endParaRPr lang="en-US" sz="2800" b="0" dirty="0" smtClean="0">
+                <a:endParaRPr lang="es-419" sz="2800" b="0" noProof="0" dirty="0" smtClean="0">
                   <a:ea typeface="Cambria Math" panose="02040503050406030204" pitchFamily="18" charset="0"/>
                 </a:endParaRPr>
               </a:p>
               <a:p>
                 <a:r>
-                  <a:rPr lang="en-US" sz="2800" dirty="0" smtClean="0"/>
-                  <a:t>This does not change our core formula:</a:t>
+                  <a:rPr lang="es-419" sz="2800" b="1" noProof="0" dirty="0" err="1" smtClean="0"/>
+                  <a:t>This</a:t>
                 </a:r>
-                <a:endParaRPr lang="en-US" sz="2800" i="1" dirty="0">
+                <a:r>
+                  <a:rPr lang="es-419" sz="2800" b="1" noProof="0" dirty="0" smtClean="0"/>
+                  <a:t> </a:t>
+                </a:r>
+                <a:r>
+                  <a:rPr lang="es-419" sz="2800" b="1" noProof="0" dirty="0" err="1" smtClean="0"/>
+                  <a:t>does</a:t>
+                </a:r>
+                <a:r>
+                  <a:rPr lang="es-419" sz="2800" b="1" noProof="0" dirty="0" smtClean="0"/>
+                  <a:t> </a:t>
+                </a:r>
+                <a:r>
+                  <a:rPr lang="es-419" sz="2800" b="1" noProof="0" dirty="0" err="1" smtClean="0"/>
+                  <a:t>not</a:t>
+                </a:r>
+                <a:r>
+                  <a:rPr lang="es-419" sz="2800" b="1" noProof="0" dirty="0" smtClean="0"/>
+                  <a:t> </a:t>
+                </a:r>
+                <a:r>
+                  <a:rPr lang="es-419" sz="2800" b="1" noProof="0" dirty="0" err="1" smtClean="0"/>
+                  <a:t>change</a:t>
+                </a:r>
+                <a:r>
+                  <a:rPr lang="es-419" sz="2800" b="1" noProof="0" dirty="0" smtClean="0"/>
+                  <a:t> </a:t>
+                </a:r>
+                <a:r>
+                  <a:rPr lang="es-419" sz="2800" b="1" noProof="0" dirty="0" err="1" smtClean="0"/>
+                  <a:t>our</a:t>
+                </a:r>
+                <a:r>
+                  <a:rPr lang="es-419" sz="2800" b="1" noProof="0" dirty="0" smtClean="0"/>
+                  <a:t> </a:t>
+                </a:r>
+                <a:r>
+                  <a:rPr lang="es-419" sz="2800" b="1" noProof="0" dirty="0" err="1" smtClean="0"/>
+                  <a:t>core</a:t>
+                </a:r>
+                <a:r>
+                  <a:rPr lang="es-419" sz="2800" b="1" noProof="0" dirty="0" smtClean="0"/>
+                  <a:t> formula:</a:t>
+                </a:r>
+                <a:endParaRPr lang="es-419" sz="2800" b="1" i="1" noProof="0" dirty="0">
                   <a:latin typeface="Cambria Math" panose="02040503050406030204" pitchFamily="18" charset="0"/>
                   <a:ea typeface="Cambria Math"/>
                 </a:endParaRPr>
@@ -7276,7 +7297,7 @@
                       <m:func>
                         <m:funcPr>
                           <m:ctrlPr>
-                            <a:rPr lang="en-US" sz="2800" i="1">
+                            <a:rPr lang="es-419" sz="2800" i="1" noProof="0">
                               <a:latin typeface="Cambria Math" panose="02040503050406030204" pitchFamily="18" charset="0"/>
                               <a:ea typeface="Cambria Math"/>
                             </a:rPr>
@@ -7287,7 +7308,7 @@
                             <m:rPr>
                               <m:sty m:val="p"/>
                             </m:rPr>
-                            <a:rPr lang="en-US" sz="2800" b="0" i="0" smtClean="0">
+                            <a:rPr lang="es-419" sz="2800" b="0" i="0" noProof="0" smtClean="0">
                               <a:latin typeface="Cambria Math" panose="02040503050406030204" pitchFamily="18" charset="0"/>
                               <a:ea typeface="Cambria Math"/>
                             </a:rPr>
@@ -7296,7 +7317,7 @@
                           <m:d>
                             <m:dPr>
                               <m:ctrlPr>
-                                <a:rPr lang="en-US" sz="2800" b="0" i="0" smtClean="0">
+                                <a:rPr lang="es-419" sz="2800" b="0" i="1" noProof="0" smtClean="0">
                                   <a:latin typeface="Cambria Math" panose="02040503050406030204" pitchFamily="18" charset="0"/>
                                   <a:ea typeface="Cambria Math"/>
                                 </a:rPr>
@@ -7304,7 +7325,7 @@
                             </m:dPr>
                             <m:e>
                               <m:r>
-                                <a:rPr lang="en-US" sz="2800" i="1">
+                                <a:rPr lang="es-419" sz="2800" i="1" noProof="0">
                                   <a:latin typeface="Cambria Math"/>
                                   <a:ea typeface="Cambria Math"/>
                                 </a:rPr>
@@ -7316,7 +7337,7 @@
                                 <m:rPr>
                                   <m:sty m:val="p"/>
                                 </m:rPr>
-                                <a:rPr lang="en-US" sz="2800" b="0" i="0" smtClean="0">
+                                <a:rPr lang="es-419" sz="2800" b="0" i="0" noProof="0" smtClean="0">
                                   <a:latin typeface="Cambria Math" panose="02040503050406030204" pitchFamily="18" charset="0"/>
                                   <a:ea typeface="Cambria Math"/>
                                 </a:rPr>
@@ -7325,7 +7346,7 @@
                             </m:e>
                           </m:d>
                           <m:r>
-                            <a:rPr lang="en-US" sz="2800" i="1">
+                            <a:rPr lang="es-419" sz="2800" i="1" noProof="0">
                               <a:latin typeface="Cambria Math" panose="02040503050406030204" pitchFamily="18" charset="0"/>
                               <a:ea typeface="Cambria Math" panose="02040503050406030204" pitchFamily="18" charset="0"/>
                             </a:rPr>
@@ -7335,7 +7356,7 @@
                             <m:rPr>
                               <m:sty m:val="p"/>
                             </m:rPr>
-                            <a:rPr lang="en-US" sz="2800">
+                            <a:rPr lang="es-419" sz="2800" noProof="0">
                               <a:latin typeface="Cambria Math" panose="02040503050406030204" pitchFamily="18" charset="0"/>
                             </a:rPr>
                             <m:t>Pr</m:t>
@@ -7345,14 +7366,14 @@
                           <m:d>
                             <m:dPr>
                               <m:ctrlPr>
-                                <a:rPr lang="en-US" sz="2800" i="1">
+                                <a:rPr lang="es-419" sz="2800" i="1" noProof="0">
                                   <a:latin typeface="Cambria Math" panose="02040503050406030204" pitchFamily="18" charset="0"/>
                                 </a:rPr>
                               </m:ctrlPr>
                             </m:dPr>
                             <m:e>
                               <m:r>
-                                <a:rPr lang="en-US" sz="2800" i="1">
+                                <a:rPr lang="es-419" sz="2800" i="1" noProof="0">
                                   <a:latin typeface="Cambria Math" panose="02040503050406030204" pitchFamily="18" charset="0"/>
                                 </a:rPr>
                                 <m:t>𝑦</m:t>
@@ -7360,21 +7381,21 @@
                             </m:e>
                             <m:e>
                               <m:r>
-                                <a:rPr lang="en-US" sz="2800" i="1">
+                                <a:rPr lang="es-419" sz="2800" i="1" noProof="0">
                                   <a:latin typeface="Cambria Math"/>
                                   <a:ea typeface="Cambria Math"/>
                                 </a:rPr>
                                 <m:t>𝜃</m:t>
                               </m:r>
                               <m:r>
-                                <a:rPr lang="en-US" sz="2800" i="1">
+                                <a:rPr lang="es-419" sz="2800" i="1" noProof="0">
                                   <a:latin typeface="Cambria Math" panose="02040503050406030204" pitchFamily="18" charset="0"/>
                                   <a:ea typeface="Cambria Math"/>
                                 </a:rPr>
                                 <m:t>,</m:t>
                               </m:r>
                               <m:r>
-                                <a:rPr lang="en-US" sz="2800" i="1">
+                                <a:rPr lang="es-419" sz="2800" i="1" noProof="0">
                                   <a:latin typeface="Cambria Math"/>
                                   <a:ea typeface="Cambria Math"/>
                                 </a:rPr>
@@ -7387,7 +7408,7 @@
                       <m:func>
                         <m:funcPr>
                           <m:ctrlPr>
-                            <a:rPr lang="en-US" sz="2800" i="1" smtClean="0">
+                            <a:rPr lang="es-419" sz="2800" i="1" noProof="0" smtClean="0">
                               <a:latin typeface="Cambria Math" panose="02040503050406030204" pitchFamily="18" charset="0"/>
                               <a:ea typeface="Cambria Math"/>
                             </a:rPr>
@@ -7398,7 +7419,7 @@
                             <m:rPr>
                               <m:sty m:val="p"/>
                             </m:rPr>
-                            <a:rPr lang="en-US" sz="2800">
+                            <a:rPr lang="es-419" sz="2800" noProof="0">
                               <a:latin typeface="Cambria Math" panose="02040503050406030204" pitchFamily="18" charset="0"/>
                               <a:ea typeface="Cambria Math"/>
                             </a:rPr>
@@ -7409,7 +7430,7 @@
                           <m:d>
                             <m:dPr>
                               <m:ctrlPr>
-                                <a:rPr lang="en-US" sz="2800" i="1">
+                                <a:rPr lang="es-419" sz="2800" i="1" noProof="0">
                                   <a:latin typeface="Cambria Math" panose="02040503050406030204" pitchFamily="18" charset="0"/>
                                   <a:ea typeface="Cambria Math"/>
                                 </a:rPr>
@@ -7417,21 +7438,21 @@
                             </m:dPr>
                             <m:e>
                               <m:r>
-                                <a:rPr lang="en-US" sz="2800" i="1">
+                                <a:rPr lang="es-419" sz="2800" i="1" noProof="0">
                                   <a:latin typeface="Cambria Math"/>
                                   <a:ea typeface="Cambria Math"/>
                                 </a:rPr>
                                 <m:t>𝜀</m:t>
                               </m:r>
                               <m:r>
-                                <a:rPr lang="en-US" sz="2800" b="0" i="1" smtClean="0">
+                                <a:rPr lang="es-419" sz="2800" b="0" i="1" noProof="0" smtClean="0">
                                   <a:latin typeface="Cambria Math" panose="02040503050406030204" pitchFamily="18" charset="0"/>
                                   <a:ea typeface="Cambria Math"/>
                                 </a:rPr>
                                 <m:t>|</m:t>
                               </m:r>
                               <m:r>
-                                <a:rPr lang="en-US" sz="2800" i="1">
+                                <a:rPr lang="es-419" sz="2800" i="1" noProof="0">
                                   <a:latin typeface="Cambria Math"/>
                                   <a:ea typeface="Cambria Math"/>
                                 </a:rPr>
@@ -7440,28 +7461,28 @@
                             </m:e>
                           </m:d>
                           <m:r>
-                            <a:rPr lang="en-US" sz="2800" b="0" i="1" smtClean="0">
+                            <a:rPr lang="es-419" sz="2800" b="0" i="1" noProof="0" smtClean="0">
                               <a:latin typeface="Cambria Math" panose="02040503050406030204" pitchFamily="18" charset="0"/>
                               <a:ea typeface="Cambria Math"/>
                             </a:rPr>
                             <m:t>𝑃</m:t>
                           </m:r>
                           <m:r>
-                            <a:rPr lang="en-US" sz="2800" b="0" i="1" smtClean="0">
+                            <a:rPr lang="es-419" sz="2800" b="0" i="1" noProof="0" smtClean="0">
                               <a:latin typeface="Cambria Math" panose="02040503050406030204" pitchFamily="18" charset="0"/>
                               <a:ea typeface="Cambria Math"/>
                             </a:rPr>
                             <m:t>(</m:t>
                           </m:r>
                           <m:r>
-                            <a:rPr lang="en-US" sz="2800" i="1">
+                            <a:rPr lang="es-419" sz="2800" i="1" noProof="0">
                               <a:latin typeface="Cambria Math"/>
                               <a:ea typeface="Cambria Math"/>
                             </a:rPr>
                             <m:t>𝜃</m:t>
                           </m:r>
                           <m:r>
-                            <a:rPr lang="en-US" sz="2800" b="0" i="1" smtClean="0">
+                            <a:rPr lang="es-419" sz="2800" b="0" i="1" noProof="0" smtClean="0">
                               <a:latin typeface="Cambria Math" panose="02040503050406030204" pitchFamily="18" charset="0"/>
                               <a:ea typeface="Cambria Math"/>
                             </a:rPr>
@@ -7472,7 +7493,7 @@
                     </m:oMath>
                   </m:oMathPara>
                 </a14:m>
-                <a:endParaRPr lang="en-US" sz="2800" dirty="0">
+                <a:endParaRPr lang="es-419" sz="2800" noProof="0" dirty="0">
                   <a:ea typeface="Cambria Math" panose="02040503050406030204" pitchFamily="18" charset="0"/>
                 </a:endParaRPr>
               </a:p>
@@ -7480,7 +7501,7 @@
                 <a:pPr marL="0" indent="0">
                   <a:buNone/>
                 </a:pPr>
-                <a:endParaRPr lang="en-US" sz="2800" dirty="0"/>
+                <a:endParaRPr lang="es-419" sz="2800" noProof="0" dirty="0"/>
               </a:p>
             </p:txBody>
           </p:sp>
@@ -7528,7 +7549,7 @@
           <p:cNvPr id="4" name="Slide Number Placeholder 3">
             <a:extLst>
               <a:ext uri="{FF2B5EF4-FFF2-40B4-BE49-F238E27FC236}">
-                <a16:creationId xmlns:a16="http://schemas.microsoft.com/office/drawing/2014/main" xmlns="" id="{11B2AAFA-B9E2-44DF-8ADA-DE4DE0C05365}"/>
+                <a16:creationId xmlns="" xmlns:a16="http://schemas.microsoft.com/office/drawing/2014/main" id="{11B2AAFA-B9E2-44DF-8ADA-DE4DE0C05365}"/>
               </a:ext>
             </a:extLst>
           </p:cNvPr>
@@ -7546,7 +7567,7 @@
           <a:p>
             <a:fld id="{2F5854F6-968A-43DD-98AD-2128488B7BB7}" type="slidenum">
               <a:rPr lang="en-US" smtClean="0"/>
-              <a:t>11</a:t>
+              <a:t>12</a:t>
             </a:fld>
             <a:endParaRPr lang="en-US"/>
           </a:p>
@@ -7557,7 +7578,7 @@
           <p:cNvPr id="5" name="TextBox 4">
             <a:extLst>
               <a:ext uri="{FF2B5EF4-FFF2-40B4-BE49-F238E27FC236}">
-                <a16:creationId xmlns:a16="http://schemas.microsoft.com/office/drawing/2014/main" xmlns="" id="{B1505FDF-20A8-4532-9C11-64B80CFA1377}"/>
+                <a16:creationId xmlns="" xmlns:a16="http://schemas.microsoft.com/office/drawing/2014/main" id="{B1505FDF-20A8-4532-9C11-64B80CFA1377}"/>
               </a:ext>
             </a:extLst>
           </p:cNvPr>
@@ -7597,180 +7618,13 @@
   <p:clrMapOvr>
     <a:masterClrMapping/>
   </p:clrMapOvr>
-</p:sld>
-</file>
-
-<file path=ppt/slides/slide12.xml><?xml version="1.0" encoding="utf-8"?>
-<p:sld xmlns:a="http://schemas.openxmlformats.org/drawingml/2006/main" xmlns:r="http://schemas.openxmlformats.org/officeDocument/2006/relationships" xmlns:p="http://schemas.openxmlformats.org/presentationml/2006/main">
-  <p:cSld>
-    <p:spTree>
-      <p:nvGrpSpPr>
-        <p:cNvPr id="1" name=""/>
-        <p:cNvGrpSpPr/>
-        <p:nvPr/>
-      </p:nvGrpSpPr>
-      <p:grpSpPr>
-        <a:xfrm>
-          <a:off x="0" y="0"/>
-          <a:ext cx="0" cy="0"/>
-          <a:chOff x="0" y="0"/>
-          <a:chExt cx="0" cy="0"/>
-        </a:xfrm>
-      </p:grpSpPr>
-      <p:sp>
-        <p:nvSpPr>
-          <p:cNvPr id="2" name="Title 1">
-            <a:extLst>
-              <a:ext uri="{FF2B5EF4-FFF2-40B4-BE49-F238E27FC236}">
-                <a16:creationId xmlns:a16="http://schemas.microsoft.com/office/drawing/2014/main" xmlns="" id="{DE1F173D-94AD-47BF-B832-EEAC37A63155}"/>
-              </a:ext>
-            </a:extLst>
-          </p:cNvPr>
-          <p:cNvSpPr>
-            <a:spLocks noGrp="1"/>
-          </p:cNvSpPr>
-          <p:nvPr>
-            <p:ph type="title"/>
-          </p:nvPr>
-        </p:nvSpPr>
-        <p:spPr/>
-        <p:txBody>
-          <a:bodyPr/>
-          <a:lstStyle/>
-          <a:p>
-            <a:r>
-              <a:rPr lang="en-US" dirty="0"/>
-              <a:t>Exercise: </a:t>
-            </a:r>
-            <a:r>
-              <a:rPr lang="en-US" dirty="0" smtClean="0"/>
-              <a:t>Simulating hierarchical data</a:t>
-            </a:r>
-            <a:endParaRPr lang="en-US" dirty="0"/>
-          </a:p>
-        </p:txBody>
-      </p:sp>
-      <p:sp>
-        <p:nvSpPr>
-          <p:cNvPr id="3" name="Content Placeholder 2">
-            <a:extLst>
-              <a:ext uri="{FF2B5EF4-FFF2-40B4-BE49-F238E27FC236}">
-                <a16:creationId xmlns:a16="http://schemas.microsoft.com/office/drawing/2014/main" xmlns="" id="{086D8650-9937-4496-88DC-DEE5D4668CD1}"/>
-              </a:ext>
-            </a:extLst>
-          </p:cNvPr>
-          <p:cNvSpPr>
-            <a:spLocks noGrp="1"/>
-          </p:cNvSpPr>
-          <p:nvPr>
-            <p:ph idx="1"/>
-          </p:nvPr>
-        </p:nvSpPr>
-        <p:spPr>
-          <a:xfrm>
-            <a:off x="628650" y="1417638"/>
-            <a:ext cx="7886700" cy="4486274"/>
-          </a:xfrm>
-        </p:spPr>
-        <p:txBody>
-          <a:bodyPr>
-            <a:normAutofit/>
-          </a:bodyPr>
-          <a:lstStyle/>
-          <a:p>
-            <a:r>
-              <a:rPr lang="en-US" dirty="0" smtClean="0"/>
-              <a:t>Assume we have 15 exchangeable sites</a:t>
-            </a:r>
-            <a:r>
-              <a:rPr lang="en-US" dirty="0" smtClean="0"/>
-              <a:t>, whose mean density is log-normal, i.e.,  </a:t>
-            </a:r>
-            <a:r>
-              <a:rPr lang="en-US" dirty="0" err="1" smtClean="0"/>
-              <a:t>loglambda~N</a:t>
-            </a:r>
-            <a:r>
-              <a:rPr lang="en-US" dirty="0" smtClean="0"/>
-              <a:t>(</a:t>
-            </a:r>
-            <a:r>
-              <a:rPr lang="en-US" dirty="0" err="1" smtClean="0"/>
-              <a:t>mu,tau</a:t>
-            </a:r>
-            <a:r>
-              <a:rPr lang="en-US" dirty="0" smtClean="0"/>
-              <a:t>)=N(3,.5)</a:t>
-            </a:r>
-          </a:p>
-          <a:p>
-            <a:r>
-              <a:rPr lang="en-US" dirty="0" smtClean="0"/>
-              <a:t>Assume a Poisson sampling process, such that </a:t>
-            </a:r>
-            <a:r>
-              <a:rPr lang="en-US" dirty="0" err="1" smtClean="0"/>
-              <a:t>y~Poisson</a:t>
-            </a:r>
-            <a:r>
-              <a:rPr lang="en-US" dirty="0" smtClean="0"/>
-              <a:t>(lambda) for each site.</a:t>
-            </a:r>
-          </a:p>
-          <a:p>
-            <a:r>
-              <a:rPr lang="en-US" dirty="0" smtClean="0"/>
-              <a:t>Simulate this data with 12 replicates at each site</a:t>
-            </a:r>
-          </a:p>
-          <a:p>
-            <a:r>
-              <a:rPr lang="en-US" dirty="0" smtClean="0"/>
-              <a:t>Make a boxplot of the data</a:t>
-            </a:r>
-            <a:endParaRPr lang="en-US" dirty="0" smtClean="0"/>
-          </a:p>
-        </p:txBody>
-      </p:sp>
-      <p:sp>
-        <p:nvSpPr>
-          <p:cNvPr id="4" name="Slide Number Placeholder 3">
-            <a:extLst>
-              <a:ext uri="{FF2B5EF4-FFF2-40B4-BE49-F238E27FC236}">
-                <a16:creationId xmlns:a16="http://schemas.microsoft.com/office/drawing/2014/main" xmlns="" id="{008AEA56-8F2E-48C4-B499-2FCB6D1A21F7}"/>
-              </a:ext>
-            </a:extLst>
-          </p:cNvPr>
-          <p:cNvSpPr>
-            <a:spLocks noGrp="1"/>
-          </p:cNvSpPr>
-          <p:nvPr>
-            <p:ph type="sldNum" sz="quarter" idx="12"/>
-          </p:nvPr>
-        </p:nvSpPr>
-        <p:spPr/>
-        <p:txBody>
-          <a:bodyPr/>
-          <a:lstStyle/>
-          <a:p>
-            <a:fld id="{2F5854F6-968A-43DD-98AD-2128488B7BB7}" type="slidenum">
-              <a:rPr lang="en-US" smtClean="0"/>
-              <a:t>12</a:t>
-            </a:fld>
-            <a:endParaRPr lang="en-US"/>
-          </a:p>
-        </p:txBody>
-      </p:sp>
-    </p:spTree>
-    <p:extLst>
-      <p:ext uri="{BB962C8B-B14F-4D97-AF65-F5344CB8AC3E}">
-        <p14:creationId xmlns:p14="http://schemas.microsoft.com/office/powerpoint/2010/main" val="3024875839"/>
-      </p:ext>
-    </p:extLst>
-  </p:cSld>
-  <p:clrMapOvr>
-    <a:masterClrMapping/>
-  </p:clrMapOvr>
+  <p:timing>
+    <p:tnLst>
+      <p:par>
+        <p:cTn id="1" dur="indefinite" restart="never" nodeType="tmRoot"/>
+      </p:par>
+    </p:tnLst>
+  </p:timing>
 </p:sld>
 </file>
 
@@ -7791,38 +7645,12 @@
           <a:chExt cx="0" cy="0"/>
         </a:xfrm>
       </p:grpSpPr>
-      <p:pic>
-        <p:nvPicPr>
-          <p:cNvPr id="5" name="Content Placeholder 4"/>
-          <p:cNvPicPr>
-            <a:picLocks noGrp="1" noChangeAspect="1"/>
-          </p:cNvPicPr>
-          <p:nvPr>
-            <p:ph idx="1"/>
-          </p:nvPr>
-        </p:nvPicPr>
-        <p:blipFill>
-          <a:blip r:embed="rId2"/>
-          <a:stretch>
-            <a:fillRect/>
-          </a:stretch>
-        </p:blipFill>
-        <p:spPr>
-          <a:xfrm>
-            <a:off x="255639" y="564164"/>
-            <a:ext cx="8258940" cy="5509612"/>
-          </a:xfrm>
-          <a:prstGeom prst="rect">
-            <a:avLst/>
-          </a:prstGeom>
-        </p:spPr>
-      </p:pic>
       <p:sp>
         <p:nvSpPr>
           <p:cNvPr id="2" name="Title 1">
             <a:extLst>
               <a:ext uri="{FF2B5EF4-FFF2-40B4-BE49-F238E27FC236}">
-                <a16:creationId xmlns:a16="http://schemas.microsoft.com/office/drawing/2014/main" xmlns="" id="{DE1F173D-94AD-47BF-B832-EEAC37A63155}"/>
+                <a16:creationId xmlns="" xmlns:a16="http://schemas.microsoft.com/office/drawing/2014/main" id="{A231641A-290D-4EEB-92AB-F4C459C94EDE}"/>
               </a:ext>
             </a:extLst>
           </p:cNvPr>
@@ -7833,20 +7661,90 @@
             <p:ph type="title"/>
           </p:nvPr>
         </p:nvSpPr>
-        <p:spPr/>
+        <p:spPr>
+          <a:xfrm>
+            <a:off x="623888" y="264783"/>
+            <a:ext cx="7886700" cy="1325563"/>
+          </a:xfrm>
+        </p:spPr>
         <p:txBody>
           <a:bodyPr/>
           <a:lstStyle/>
           <a:p>
             <a:r>
-              <a:rPr lang="en-US" dirty="0"/>
-              <a:t>Exercise: </a:t>
-            </a:r>
-            <a:r>
-              <a:rPr lang="en-US" dirty="0" smtClean="0"/>
-              <a:t>Simulating hierarchical data</a:t>
-            </a:r>
-            <a:endParaRPr lang="en-US" dirty="0"/>
+              <a:rPr lang="es-419" noProof="0" dirty="0" smtClean="0"/>
+              <a:t>Comportamiento extraño de MJ</a:t>
+            </a:r>
+            <a:endParaRPr lang="es-419" noProof="0" dirty="0"/>
+          </a:p>
+        </p:txBody>
+      </p:sp>
+      <p:sp>
+        <p:nvSpPr>
+          <p:cNvPr id="3" name="Content Placeholder 2">
+            <a:extLst>
+              <a:ext uri="{FF2B5EF4-FFF2-40B4-BE49-F238E27FC236}">
+                <a16:creationId xmlns="" xmlns:a16="http://schemas.microsoft.com/office/drawing/2014/main" id="{2C171585-69CA-42A9-A8A3-9387AE473E8C}"/>
+              </a:ext>
+            </a:extLst>
+          </p:cNvPr>
+          <p:cNvSpPr>
+            <a:spLocks noGrp="1"/>
+          </p:cNvSpPr>
+          <p:nvPr>
+            <p:ph idx="1"/>
+          </p:nvPr>
+        </p:nvSpPr>
+        <p:spPr>
+          <a:xfrm>
+            <a:off x="623888" y="1335088"/>
+            <a:ext cx="7886700" cy="1742409"/>
+          </a:xfrm>
+        </p:spPr>
+        <p:txBody>
+          <a:bodyPr>
+            <a:normAutofit fontScale="92500" lnSpcReduction="20000"/>
+          </a:bodyPr>
+          <a:lstStyle/>
+          <a:p>
+            <a:r>
+              <a:rPr lang="es-419" noProof="0" dirty="0" smtClean="0"/>
+              <a:t>Vamos a ignorar la verosimilitud y prior</a:t>
+            </a:r>
+          </a:p>
+          <a:p>
+            <a:r>
+              <a:rPr lang="es-419" noProof="0" dirty="0" smtClean="0"/>
+              <a:t>Que ocurre si los efectos aleatorios son del </a:t>
+            </a:r>
+            <a:r>
+              <a:rPr lang="es-419" dirty="0" smtClean="0"/>
+              <a:t>medio…</a:t>
+            </a:r>
+            <a:endParaRPr lang="es-419" noProof="0" dirty="0" smtClean="0"/>
+          </a:p>
+          <a:p>
+            <a:r>
+              <a:rPr lang="es-419" noProof="0" dirty="0" smtClean="0"/>
+              <a:t>Y la </a:t>
+            </a:r>
+            <a:r>
+              <a:rPr lang="es-419" noProof="0" dirty="0" err="1" smtClean="0"/>
+              <a:t>hipervarianza</a:t>
+            </a:r>
+            <a:r>
+              <a:rPr lang="es-419" noProof="0" dirty="0" smtClean="0"/>
+              <a:t> va a </a:t>
+            </a:r>
+            <a:r>
+              <a:rPr lang="es-419" dirty="0" smtClean="0"/>
+              <a:t>cero</a:t>
+            </a:r>
+            <a:r>
+              <a:rPr lang="es-419" noProof="0" dirty="0" smtClean="0"/>
+              <a:t>?</a:t>
+            </a:r>
+            <a:endParaRPr lang="es-419" noProof="0" dirty="0"/>
           </a:p>
         </p:txBody>
       </p:sp>
@@ -7855,7 +7753,7 @@
           <p:cNvPr id="4" name="Slide Number Placeholder 3">
             <a:extLst>
               <a:ext uri="{FF2B5EF4-FFF2-40B4-BE49-F238E27FC236}">
-                <a16:creationId xmlns:a16="http://schemas.microsoft.com/office/drawing/2014/main" xmlns="" id="{008AEA56-8F2E-48C4-B499-2FCB6D1A21F7}"/>
+                <a16:creationId xmlns="" xmlns:a16="http://schemas.microsoft.com/office/drawing/2014/main" id="{D74C909A-91F4-406A-9FAB-7B822E7F4F6E}"/>
               </a:ext>
             </a:extLst>
           </p:cNvPr>
@@ -7879,16 +7777,156 @@
           </a:p>
         </p:txBody>
       </p:sp>
+      <p:sp>
+        <p:nvSpPr>
+          <p:cNvPr id="9" name="TextBox 8">
+            <a:extLst>
+              <a:ext uri="{FF2B5EF4-FFF2-40B4-BE49-F238E27FC236}">
+                <a16:creationId xmlns="" xmlns:a16="http://schemas.microsoft.com/office/drawing/2014/main" id="{302EA734-2216-48C7-ABA2-98D393AF8649}"/>
+              </a:ext>
+            </a:extLst>
+          </p:cNvPr>
+          <p:cNvSpPr txBox="1"/>
+          <p:nvPr/>
+        </p:nvSpPr>
+        <p:spPr>
+          <a:xfrm>
+            <a:off x="378618" y="2969103"/>
+            <a:ext cx="7408530" cy="3170099"/>
+          </a:xfrm>
+          <a:prstGeom prst="rect">
+            <a:avLst/>
+          </a:prstGeom>
+          <a:noFill/>
+        </p:spPr>
+        <p:txBody>
+          <a:bodyPr wrap="square" rtlCol="0">
+            <a:spAutoFit/>
+          </a:bodyPr>
+          <a:lstStyle/>
+          <a:p>
+            <a:r>
+              <a:rPr lang="de-DE" sz="2000" dirty="0">
+                <a:latin typeface="Courier New" panose="02070309020205020404" pitchFamily="49" charset="0"/>
+                <a:cs typeface="Courier New" panose="02070309020205020404" pitchFamily="49" charset="0"/>
+              </a:rPr>
+              <a:t>hyper &lt;- function(lambda, mu, tau) {</a:t>
+            </a:r>
+          </a:p>
+          <a:p>
+            <a:r>
+              <a:rPr lang="de-DE" sz="2000" dirty="0">
+                <a:latin typeface="Courier New" panose="02070309020205020404" pitchFamily="49" charset="0"/>
+                <a:cs typeface="Courier New" panose="02070309020205020404" pitchFamily="49" charset="0"/>
+              </a:rPr>
+              <a:t>  exp(sum(dnorm(lambda, mu, tau), log=TRUE))</a:t>
+            </a:r>
+          </a:p>
+          <a:p>
+            <a:r>
+              <a:rPr lang="de-DE" sz="2000" dirty="0">
+                <a:latin typeface="Courier New" panose="02070309020205020404" pitchFamily="49" charset="0"/>
+                <a:cs typeface="Courier New" panose="02070309020205020404" pitchFamily="49" charset="0"/>
+              </a:rPr>
+              <a:t>}</a:t>
+            </a:r>
+          </a:p>
+          <a:p>
+            <a:r>
+              <a:rPr lang="de-DE" sz="2000" dirty="0" smtClean="0">
+                <a:latin typeface="Courier New" panose="02070309020205020404" pitchFamily="49" charset="0"/>
+                <a:cs typeface="Courier New" panose="02070309020205020404" pitchFamily="49" charset="0"/>
+              </a:rPr>
+              <a:t>&gt; </a:t>
+            </a:r>
+            <a:r>
+              <a:rPr lang="de-DE" sz="2000" dirty="0">
+                <a:latin typeface="Courier New" panose="02070309020205020404" pitchFamily="49" charset="0"/>
+                <a:cs typeface="Courier New" panose="02070309020205020404" pitchFamily="49" charset="0"/>
+              </a:rPr>
+              <a:t>lambda &lt;- rep(3,10)</a:t>
+            </a:r>
+          </a:p>
+          <a:p>
+            <a:r>
+              <a:rPr lang="de-DE" sz="2000" dirty="0" smtClean="0">
+                <a:latin typeface="Courier New" panose="02070309020205020404" pitchFamily="49" charset="0"/>
+                <a:cs typeface="Courier New" panose="02070309020205020404" pitchFamily="49" charset="0"/>
+              </a:rPr>
+              <a:t>&gt; </a:t>
+            </a:r>
+            <a:r>
+              <a:rPr lang="de-DE" sz="2000" dirty="0">
+                <a:latin typeface="Courier New" panose="02070309020205020404" pitchFamily="49" charset="0"/>
+                <a:cs typeface="Courier New" panose="02070309020205020404" pitchFamily="49" charset="0"/>
+              </a:rPr>
+              <a:t>hyper(lambda, mu=3, tau=1)</a:t>
+            </a:r>
+          </a:p>
+          <a:p>
+            <a:r>
+              <a:rPr lang="de-DE" sz="2000" dirty="0">
+                <a:latin typeface="Courier New" panose="02070309020205020404" pitchFamily="49" charset="0"/>
+                <a:cs typeface="Courier New" panose="02070309020205020404" pitchFamily="49" charset="0"/>
+              </a:rPr>
+              <a:t>[1] 146.8516</a:t>
+            </a:r>
+          </a:p>
+          <a:p>
+            <a:r>
+              <a:rPr lang="de-DE" sz="2000" dirty="0">
+                <a:latin typeface="Courier New" panose="02070309020205020404" pitchFamily="49" charset="0"/>
+                <a:cs typeface="Courier New" panose="02070309020205020404" pitchFamily="49" charset="0"/>
+              </a:rPr>
+              <a:t>&gt; hyper(lambda, mu=3, tau=.01)</a:t>
+            </a:r>
+          </a:p>
+          <a:p>
+            <a:r>
+              <a:rPr lang="de-DE" sz="2000" dirty="0">
+                <a:latin typeface="Courier New" panose="02070309020205020404" pitchFamily="49" charset="0"/>
+                <a:cs typeface="Courier New" panose="02070309020205020404" pitchFamily="49" charset="0"/>
+              </a:rPr>
+              <a:t>[1] 4.928621e+173</a:t>
+            </a:r>
+          </a:p>
+          <a:p>
+            <a:r>
+              <a:rPr lang="de-DE" sz="2000" dirty="0">
+                <a:latin typeface="Courier New" panose="02070309020205020404" pitchFamily="49" charset="0"/>
+                <a:cs typeface="Courier New" panose="02070309020205020404" pitchFamily="49" charset="0"/>
+              </a:rPr>
+              <a:t>&gt; hyper(lambda, mu=3, tau=.0001)</a:t>
+            </a:r>
+          </a:p>
+          <a:p>
+            <a:r>
+              <a:rPr lang="de-DE" sz="2000" dirty="0">
+                <a:latin typeface="Courier New" panose="02070309020205020404" pitchFamily="49" charset="0"/>
+                <a:cs typeface="Courier New" panose="02070309020205020404" pitchFamily="49" charset="0"/>
+              </a:rPr>
+              <a:t>[1] Inf</a:t>
+            </a:r>
+          </a:p>
+        </p:txBody>
+      </p:sp>
     </p:spTree>
     <p:extLst>
       <p:ext uri="{BB962C8B-B14F-4D97-AF65-F5344CB8AC3E}">
-        <p14:creationId xmlns:p14="http://schemas.microsoft.com/office/powerpoint/2010/main" val="487776497"/>
+        <p14:creationId xmlns:p14="http://schemas.microsoft.com/office/powerpoint/2010/main" val="2767685796"/>
       </p:ext>
     </p:extLst>
   </p:cSld>
   <p:clrMapOvr>
     <a:masterClrMapping/>
   </p:clrMapOvr>
+  <p:timing>
+    <p:tnLst>
+      <p:par>
+        <p:cTn id="1" dur="indefinite" restart="never" nodeType="tmRoot"/>
+      </p:par>
+    </p:tnLst>
+  </p:timing>
 </p:sld>
 </file>
 
@@ -7914,7 +7952,7 @@
           <p:cNvPr id="2" name="Title 1">
             <a:extLst>
               <a:ext uri="{FF2B5EF4-FFF2-40B4-BE49-F238E27FC236}">
-                <a16:creationId xmlns:a16="http://schemas.microsoft.com/office/drawing/2014/main" xmlns="" id="{A231641A-290D-4EEB-92AB-F4C459C94EDE}"/>
+                <a16:creationId xmlns="" xmlns:a16="http://schemas.microsoft.com/office/drawing/2014/main" id="{A231641A-290D-4EEB-92AB-F4C459C94EDE}"/>
               </a:ext>
             </a:extLst>
           </p:cNvPr>
@@ -7936,79 +7974,241 @@
           <a:lstStyle/>
           <a:p>
             <a:r>
-              <a:rPr lang="en-US" dirty="0" smtClean="0"/>
-              <a:t>Behavior of the </a:t>
-            </a:r>
-            <a:r>
-              <a:rPr lang="en-US" dirty="0" err="1" smtClean="0"/>
-              <a:t>hyperdistribution</a:t>
-            </a:r>
-            <a:endParaRPr lang="en-US" dirty="0"/>
-          </a:p>
-        </p:txBody>
-      </p:sp>
-      <p:sp>
-        <p:nvSpPr>
-          <p:cNvPr id="3" name="Content Placeholder 2">
-            <a:extLst>
-              <a:ext uri="{FF2B5EF4-FFF2-40B4-BE49-F238E27FC236}">
-                <a16:creationId xmlns:a16="http://schemas.microsoft.com/office/drawing/2014/main" xmlns="" id="{2C171585-69CA-42A9-A8A3-9387AE473E8C}"/>
-              </a:ext>
-            </a:extLst>
-          </p:cNvPr>
-          <p:cNvSpPr>
-            <a:spLocks noGrp="1"/>
-          </p:cNvSpPr>
-          <p:nvPr>
-            <p:ph idx="1"/>
-          </p:nvPr>
-        </p:nvSpPr>
-        <p:spPr>
-          <a:xfrm>
-            <a:off x="623888" y="1335088"/>
-            <a:ext cx="7886700" cy="1742409"/>
-          </a:xfrm>
-        </p:spPr>
-        <p:txBody>
-          <a:bodyPr>
-            <a:normAutofit fontScale="92500" lnSpcReduction="20000"/>
-          </a:bodyPr>
-          <a:lstStyle/>
-          <a:p>
-            <a:r>
-              <a:rPr lang="en-US" dirty="0" smtClean="0"/>
-              <a:t>Let’s ignore the likelihood and prior for now.</a:t>
-            </a:r>
-          </a:p>
-          <a:p>
-            <a:r>
-              <a:rPr lang="en-US" dirty="0" smtClean="0"/>
-              <a:t>What happens if random effects equal the mean</a:t>
-            </a:r>
-          </a:p>
-          <a:p>
-            <a:r>
-              <a:rPr lang="en-US" dirty="0" smtClean="0"/>
-              <a:t>And the </a:t>
-            </a:r>
-            <a:r>
-              <a:rPr lang="en-US" dirty="0" err="1" smtClean="0"/>
-              <a:t>hypervariance</a:t>
-            </a:r>
-            <a:r>
-              <a:rPr lang="en-US" dirty="0" smtClean="0"/>
-              <a:t> goes to zero?</a:t>
-            </a:r>
-            <a:endParaRPr lang="en-US" dirty="0"/>
-          </a:p>
-        </p:txBody>
-      </p:sp>
+              <a:rPr lang="es-419" dirty="0"/>
+              <a:t>Comportamiento extraño de MJ</a:t>
+            </a:r>
+            <a:endParaRPr lang="es-419" noProof="0" dirty="0"/>
+          </a:p>
+        </p:txBody>
+      </p:sp>
+      <mc:AlternateContent xmlns:mc="http://schemas.openxmlformats.org/markup-compatibility/2006">
+        <mc:Choice xmlns:a14="http://schemas.microsoft.com/office/drawing/2010/main" Requires="a14">
+          <p:sp>
+            <p:nvSpPr>
+              <p:cNvPr id="3" name="Content Placeholder 2">
+                <a:extLst>
+                  <a:ext uri="{FF2B5EF4-FFF2-40B4-BE49-F238E27FC236}">
+                    <a16:creationId xmlns="" xmlns:a16="http://schemas.microsoft.com/office/drawing/2014/main" id="{2C171585-69CA-42A9-A8A3-9387AE473E8C}"/>
+                  </a:ext>
+                </a:extLst>
+              </p:cNvPr>
+              <p:cNvSpPr>
+                <a:spLocks noGrp="1"/>
+              </p:cNvSpPr>
+              <p:nvPr>
+                <p:ph idx="1"/>
+              </p:nvPr>
+            </p:nvSpPr>
+            <p:spPr>
+              <a:xfrm>
+                <a:off x="623888" y="1335088"/>
+                <a:ext cx="7886700" cy="4593764"/>
+              </a:xfrm>
+            </p:spPr>
+            <p:txBody>
+              <a:bodyPr>
+                <a:normAutofit fontScale="92500" lnSpcReduction="20000"/>
+              </a:bodyPr>
+              <a:lstStyle/>
+              <a:p>
+                <a:r>
+                  <a:rPr lang="es-419" noProof="0" dirty="0" smtClean="0"/>
+                  <a:t>La densidad de la </a:t>
+                </a:r>
+                <a:r>
+                  <a:rPr lang="es-419" noProof="0" dirty="0" err="1" smtClean="0"/>
+                  <a:t>hiperdistribucion</a:t>
+                </a:r>
+                <a:r>
+                  <a:rPr lang="es-419" noProof="0" dirty="0" smtClean="0"/>
+                  <a:t> es </a:t>
+                </a:r>
+                <a:r>
+                  <a:rPr lang="es-419" b="1" noProof="0" dirty="0" smtClean="0"/>
+                  <a:t>infinita</a:t>
+                </a:r>
+                <a:r>
+                  <a:rPr lang="es-419" noProof="0" dirty="0" smtClean="0"/>
+                  <a:t>!!! </a:t>
+                </a:r>
+              </a:p>
+              <a:p>
+                <a:r>
+                  <a:rPr lang="es-419" sz="3200" noProof="0" dirty="0" smtClean="0"/>
+                  <a:t>Podemos siempre encontrar una densidad mas alta como </a:t>
+                </a:r>
+                <a14:m>
+                  <m:oMath xmlns:m="http://schemas.openxmlformats.org/officeDocument/2006/math">
+                    <m:r>
+                      <a:rPr lang="es-419" sz="3200" i="1" noProof="0">
+                        <a:latin typeface="Cambria Math" panose="02040503050406030204" pitchFamily="18" charset="0"/>
+                        <a:ea typeface="Cambria Math" panose="02040503050406030204" pitchFamily="18" charset="0"/>
+                      </a:rPr>
+                      <m:t>𝜎</m:t>
+                    </m:r>
+                    <m:r>
+                      <a:rPr lang="es-419" sz="3200" i="1" noProof="0">
+                        <a:latin typeface="Cambria Math" panose="02040503050406030204" pitchFamily="18" charset="0"/>
+                        <a:ea typeface="Cambria Math" panose="02040503050406030204" pitchFamily="18" charset="0"/>
+                      </a:rPr>
+                      <m:t>→0</m:t>
+                    </m:r>
+                  </m:oMath>
+                </a14:m>
+                <a:r>
+                  <a:rPr lang="es-419" sz="3200" noProof="0" dirty="0"/>
+                  <a:t> </a:t>
+                </a:r>
+                <a:r>
+                  <a:rPr lang="es-419" sz="3200" noProof="0" dirty="0" smtClean="0"/>
+                  <a:t>y</a:t>
+                </a:r>
+                <a14:m>
+                  <m:oMath xmlns:m="http://schemas.openxmlformats.org/officeDocument/2006/math">
+                    <m:r>
+                      <a:rPr lang="en-US" sz="3200" b="0" i="0" noProof="0" smtClean="0">
+                        <a:latin typeface="Cambria Math" panose="02040503050406030204" pitchFamily="18" charset="0"/>
+                        <a:ea typeface="Cambria Math" panose="02040503050406030204" pitchFamily="18" charset="0"/>
+                      </a:rPr>
+                      <m:t> </m:t>
+                    </m:r>
+                    <m:r>
+                      <m:rPr>
+                        <m:sty m:val="p"/>
+                      </m:rPr>
+                      <a:rPr lang="es-419" sz="3200" i="1" noProof="0" smtClean="0">
+                        <a:latin typeface="Cambria Math" panose="02040503050406030204" pitchFamily="18" charset="0"/>
+                        <a:ea typeface="Cambria Math" panose="02040503050406030204" pitchFamily="18" charset="0"/>
+                      </a:rPr>
+                      <m:t>ε</m:t>
+                    </m:r>
+                    <m:r>
+                      <a:rPr lang="es-419" sz="3200" i="1" noProof="0">
+                        <a:latin typeface="Cambria Math" panose="02040503050406030204" pitchFamily="18" charset="0"/>
+                        <a:ea typeface="Cambria Math" panose="02040503050406030204" pitchFamily="18" charset="0"/>
+                      </a:rPr>
+                      <m:t>→</m:t>
+                    </m:r>
+                    <m:r>
+                      <a:rPr lang="es-419" sz="3200" i="1" noProof="0">
+                        <a:latin typeface="Cambria Math" panose="02040503050406030204" pitchFamily="18" charset="0"/>
+                        <a:ea typeface="Cambria Math" panose="02040503050406030204" pitchFamily="18" charset="0"/>
+                      </a:rPr>
+                      <m:t>𝜇</m:t>
+                    </m:r>
+                    <m:r>
+                      <a:rPr lang="es-419" sz="3200" i="1" noProof="0">
+                        <a:latin typeface="Cambria Math" panose="02040503050406030204" pitchFamily="18" charset="0"/>
+                        <a:ea typeface="Cambria Math" panose="02040503050406030204" pitchFamily="18" charset="0"/>
+                      </a:rPr>
+                      <m:t> </m:t>
+                    </m:r>
+                  </m:oMath>
+                </a14:m>
+                <a:endParaRPr lang="es-419" noProof="0" dirty="0" smtClean="0"/>
+              </a:p>
+              <a:p>
+                <a:r>
+                  <a:rPr lang="es-419" noProof="0" dirty="0" smtClean="0"/>
+                  <a:t>Significa que la verosimilitud en un MJ </a:t>
+                </a:r>
+                <a:r>
+                  <a:rPr lang="es-419" b="1" noProof="0" dirty="0" smtClean="0"/>
+                  <a:t>no</a:t>
+                </a:r>
+                <a:r>
+                  <a:rPr lang="es-419" noProof="0" dirty="0" smtClean="0"/>
+                  <a:t> </a:t>
+                </a:r>
+                <a:r>
+                  <a:rPr lang="es-419" b="1" noProof="0" dirty="0" smtClean="0"/>
+                  <a:t>tiene un moda validad</a:t>
+                </a:r>
+                <a:endParaRPr lang="es-419" b="1" noProof="0" dirty="0"/>
+              </a:p>
+              <a:p>
+                <a:r>
+                  <a:rPr lang="es-419" noProof="0" dirty="0" smtClean="0"/>
+                  <a:t>Para máxima verosimilitud eso es un problema (no hay una máxima!!)</a:t>
+                </a:r>
+                <a:endParaRPr lang="es-419" noProof="0" dirty="0" smtClean="0"/>
+              </a:p>
+              <a:p>
+                <a:r>
+                  <a:rPr lang="es-419" dirty="0" smtClean="0"/>
+                  <a:t>Métodos </a:t>
+                </a:r>
+                <a:r>
+                  <a:rPr lang="es-419" dirty="0" err="1" smtClean="0"/>
+                  <a:t>frequentistas</a:t>
+                </a:r>
+                <a:r>
+                  <a:rPr lang="es-419" dirty="0" smtClean="0"/>
+                  <a:t> tienen que </a:t>
+                </a:r>
+                <a:r>
+                  <a:rPr lang="es-419" b="1" noProof="0" dirty="0" smtClean="0"/>
+                  <a:t>integrar </a:t>
+                </a:r>
+                <a:r>
+                  <a:rPr lang="es-419" noProof="0" dirty="0" smtClean="0"/>
+                  <a:t>los efectos aleatorios para obtener la verosimilitud marginal</a:t>
+                </a:r>
+                <a:endParaRPr lang="es-419" noProof="0" dirty="0"/>
+              </a:p>
+            </p:txBody>
+          </p:sp>
+        </mc:Choice>
+        <mc:Fallback>
+          <p:sp>
+            <p:nvSpPr>
+              <p:cNvPr id="3" name="Content Placeholder 2">
+                <a:extLst>
+                  <a:ext uri="{FF2B5EF4-FFF2-40B4-BE49-F238E27FC236}">
+                    <a16:creationId xmlns="" xmlns:a16="http://schemas.microsoft.com/office/drawing/2014/main" xmlns:a14="http://schemas.microsoft.com/office/drawing/2010/main" id="{2C171585-69CA-42A9-A8A3-9387AE473E8C}"/>
+                  </a:ext>
+                </a:extLst>
+              </p:cNvPr>
+              <p:cNvSpPr>
+                <a:spLocks noGrp="1" noRot="1" noChangeAspect="1" noMove="1" noResize="1" noEditPoints="1" noAdjustHandles="1" noChangeArrowheads="1" noChangeShapeType="1" noTextEdit="1"/>
+              </p:cNvSpPr>
+              <p:nvPr>
+                <p:ph idx="1"/>
+              </p:nvPr>
+            </p:nvSpPr>
+            <p:spPr>
+              <a:xfrm>
+                <a:off x="623888" y="1335088"/>
+                <a:ext cx="7886700" cy="4593764"/>
+              </a:xfrm>
+              <a:blipFill rotWithShape="0">
+                <a:blip r:embed="rId2"/>
+                <a:stretch>
+                  <a:fillRect l="-618" t="-3183" r="-1391"/>
+                </a:stretch>
+              </a:blipFill>
+            </p:spPr>
+            <p:txBody>
+              <a:bodyPr/>
+              <a:lstStyle/>
+              <a:p>
+                <a:r>
+                  <a:rPr lang="en-US">
+                    <a:noFill/>
+                  </a:rPr>
+                  <a:t> </a:t>
+                </a:r>
+              </a:p>
+            </p:txBody>
+          </p:sp>
+        </mc:Fallback>
+      </mc:AlternateContent>
       <p:sp>
         <p:nvSpPr>
           <p:cNvPr id="4" name="Slide Number Placeholder 3">
             <a:extLst>
               <a:ext uri="{FF2B5EF4-FFF2-40B4-BE49-F238E27FC236}">
-                <a16:creationId xmlns:a16="http://schemas.microsoft.com/office/drawing/2014/main" xmlns="" id="{D74C909A-91F4-406A-9FAB-7B822E7F4F6E}"/>
+                <a16:creationId xmlns="" xmlns:a16="http://schemas.microsoft.com/office/drawing/2014/main" id="{D74C909A-91F4-406A-9FAB-7B822E7F4F6E}"/>
               </a:ext>
             </a:extLst>
           </p:cNvPr>
@@ -8032,142 +8232,23 @@
           </a:p>
         </p:txBody>
       </p:sp>
-      <p:sp>
-        <p:nvSpPr>
-          <p:cNvPr id="9" name="TextBox 8">
-            <a:extLst>
-              <a:ext uri="{FF2B5EF4-FFF2-40B4-BE49-F238E27FC236}">
-                <a16:creationId xmlns:a16="http://schemas.microsoft.com/office/drawing/2014/main" xmlns="" id="{302EA734-2216-48C7-ABA2-98D393AF8649}"/>
-              </a:ext>
-            </a:extLst>
-          </p:cNvPr>
-          <p:cNvSpPr txBox="1"/>
-          <p:nvPr/>
-        </p:nvSpPr>
-        <p:spPr>
-          <a:xfrm>
-            <a:off x="378618" y="2969103"/>
-            <a:ext cx="7408530" cy="3170099"/>
-          </a:xfrm>
-          <a:prstGeom prst="rect">
-            <a:avLst/>
-          </a:prstGeom>
-          <a:noFill/>
-        </p:spPr>
-        <p:txBody>
-          <a:bodyPr wrap="square" rtlCol="0">
-            <a:spAutoFit/>
-          </a:bodyPr>
-          <a:lstStyle/>
-          <a:p>
-            <a:r>
-              <a:rPr lang="de-DE" sz="2000" dirty="0">
-                <a:latin typeface="Courier New" panose="02070309020205020404" pitchFamily="49" charset="0"/>
-                <a:cs typeface="Courier New" panose="02070309020205020404" pitchFamily="49" charset="0"/>
-              </a:rPr>
-              <a:t>&gt; hyper &lt;- function(lambda, mu, tau) {</a:t>
-            </a:r>
-          </a:p>
-          <a:p>
-            <a:r>
-              <a:rPr lang="de-DE" sz="2000" dirty="0">
-                <a:latin typeface="Courier New" panose="02070309020205020404" pitchFamily="49" charset="0"/>
-                <a:cs typeface="Courier New" panose="02070309020205020404" pitchFamily="49" charset="0"/>
-              </a:rPr>
-              <a:t>+   sum(dnorm(lambda, mu, tau), log=TRUE)</a:t>
-            </a:r>
-          </a:p>
-          <a:p>
-            <a:r>
-              <a:rPr lang="de-DE" sz="2000" dirty="0">
-                <a:latin typeface="Courier New" panose="02070309020205020404" pitchFamily="49" charset="0"/>
-                <a:cs typeface="Courier New" panose="02070309020205020404" pitchFamily="49" charset="0"/>
-              </a:rPr>
-              <a:t>+ }</a:t>
-            </a:r>
-          </a:p>
-          <a:p>
-            <a:r>
-              <a:rPr lang="de-DE" sz="2000" dirty="0">
-                <a:latin typeface="Courier New" panose="02070309020205020404" pitchFamily="49" charset="0"/>
-                <a:cs typeface="Courier New" panose="02070309020205020404" pitchFamily="49" charset="0"/>
-              </a:rPr>
-              <a:t>&gt; lambda &lt;- rep(3,10)</a:t>
-            </a:r>
-          </a:p>
-          <a:p>
-            <a:r>
-              <a:rPr lang="de-DE" sz="2000" dirty="0" smtClean="0">
-                <a:latin typeface="Courier New" panose="02070309020205020404" pitchFamily="49" charset="0"/>
-                <a:cs typeface="Courier New" panose="02070309020205020404" pitchFamily="49" charset="0"/>
-              </a:rPr>
-              <a:t>&gt; </a:t>
-            </a:r>
-            <a:r>
-              <a:rPr lang="de-DE" sz="2000" dirty="0">
-                <a:latin typeface="Courier New" panose="02070309020205020404" pitchFamily="49" charset="0"/>
-                <a:cs typeface="Courier New" panose="02070309020205020404" pitchFamily="49" charset="0"/>
-              </a:rPr>
-              <a:t>hyper(lambda, mu=3, tau=1)</a:t>
-            </a:r>
-          </a:p>
-          <a:p>
-            <a:r>
-              <a:rPr lang="de-DE" sz="2000" dirty="0">
-                <a:latin typeface="Courier New" panose="02070309020205020404" pitchFamily="49" charset="0"/>
-                <a:cs typeface="Courier New" panose="02070309020205020404" pitchFamily="49" charset="0"/>
-              </a:rPr>
-              <a:t>[1] 146.8516</a:t>
-            </a:r>
-          </a:p>
-          <a:p>
-            <a:r>
-              <a:rPr lang="de-DE" sz="2000" dirty="0">
-                <a:latin typeface="Courier New" panose="02070309020205020404" pitchFamily="49" charset="0"/>
-                <a:cs typeface="Courier New" panose="02070309020205020404" pitchFamily="49" charset="0"/>
-              </a:rPr>
-              <a:t>&gt; hyper(lambda, mu=3, tau=.01)</a:t>
-            </a:r>
-          </a:p>
-          <a:p>
-            <a:r>
-              <a:rPr lang="de-DE" sz="2000" dirty="0">
-                <a:latin typeface="Courier New" panose="02070309020205020404" pitchFamily="49" charset="0"/>
-                <a:cs typeface="Courier New" panose="02070309020205020404" pitchFamily="49" charset="0"/>
-              </a:rPr>
-              <a:t>[1] 4.928621e+173</a:t>
-            </a:r>
-          </a:p>
-          <a:p>
-            <a:r>
-              <a:rPr lang="de-DE" sz="2000" dirty="0">
-                <a:latin typeface="Courier New" panose="02070309020205020404" pitchFamily="49" charset="0"/>
-                <a:cs typeface="Courier New" panose="02070309020205020404" pitchFamily="49" charset="0"/>
-              </a:rPr>
-              <a:t>&gt; hyper(lambda, mu=3, tau=.0001)</a:t>
-            </a:r>
-          </a:p>
-          <a:p>
-            <a:r>
-              <a:rPr lang="de-DE" sz="2000" dirty="0">
-                <a:latin typeface="Courier New" panose="02070309020205020404" pitchFamily="49" charset="0"/>
-                <a:cs typeface="Courier New" panose="02070309020205020404" pitchFamily="49" charset="0"/>
-              </a:rPr>
-              <a:t>[1] Inf</a:t>
-            </a:r>
-          </a:p>
-        </p:txBody>
-      </p:sp>
     </p:spTree>
     <p:extLst>
       <p:ext uri="{BB962C8B-B14F-4D97-AF65-F5344CB8AC3E}">
-        <p14:creationId xmlns:p14="http://schemas.microsoft.com/office/powerpoint/2010/main" val="2767685796"/>
+        <p14:creationId xmlns:p14="http://schemas.microsoft.com/office/powerpoint/2010/main" val="2257864458"/>
       </p:ext>
     </p:extLst>
   </p:cSld>
   <p:clrMapOvr>
     <a:masterClrMapping/>
   </p:clrMapOvr>
+  <p:timing>
+    <p:tnLst>
+      <p:par>
+        <p:cTn id="1" dur="indefinite" restart="never" nodeType="tmRoot"/>
+      </p:par>
+    </p:tnLst>
+  </p:timing>
 </p:sld>
 </file>
 
@@ -8193,7 +8274,7 @@
           <p:cNvPr id="2" name="Title 1">
             <a:extLst>
               <a:ext uri="{FF2B5EF4-FFF2-40B4-BE49-F238E27FC236}">
-                <a16:creationId xmlns:a16="http://schemas.microsoft.com/office/drawing/2014/main" xmlns="" id="{A231641A-290D-4EEB-92AB-F4C459C94EDE}"/>
+                <a16:creationId xmlns="" xmlns:a16="http://schemas.microsoft.com/office/drawing/2014/main" id="{A231641A-290D-4EEB-92AB-F4C459C94EDE}"/>
               </a:ext>
             </a:extLst>
           </p:cNvPr>
@@ -8215,229 +8296,122 @@
           <a:lstStyle/>
           <a:p>
             <a:r>
-              <a:rPr lang="en-US" dirty="0" smtClean="0"/>
-              <a:t>Behavior of the </a:t>
-            </a:r>
-            <a:r>
-              <a:rPr lang="en-US" dirty="0" err="1" smtClean="0"/>
-              <a:t>hyperdistribution</a:t>
-            </a:r>
-            <a:endParaRPr lang="en-US" dirty="0"/>
-          </a:p>
-        </p:txBody>
-      </p:sp>
-      <mc:AlternateContent xmlns:mc="http://schemas.openxmlformats.org/markup-compatibility/2006">
-        <mc:Choice xmlns:a14="http://schemas.microsoft.com/office/drawing/2010/main" Requires="a14">
-          <p:sp>
-            <p:nvSpPr>
-              <p:cNvPr id="3" name="Content Placeholder 2">
-                <a:extLst>
-                  <a:ext uri="{FF2B5EF4-FFF2-40B4-BE49-F238E27FC236}">
-                    <a16:creationId xmlns:a16="http://schemas.microsoft.com/office/drawing/2014/main" xmlns="" id="{2C171585-69CA-42A9-A8A3-9387AE473E8C}"/>
-                  </a:ext>
-                </a:extLst>
-              </p:cNvPr>
-              <p:cNvSpPr>
-                <a:spLocks noGrp="1"/>
-              </p:cNvSpPr>
-              <p:nvPr>
-                <p:ph idx="1"/>
-              </p:nvPr>
-            </p:nvSpPr>
-            <p:spPr>
-              <a:xfrm>
-                <a:off x="623888" y="1335088"/>
-                <a:ext cx="7886700" cy="4593764"/>
-              </a:xfrm>
-            </p:spPr>
-            <p:txBody>
-              <a:bodyPr>
-                <a:normAutofit fontScale="92500" lnSpcReduction="10000"/>
-              </a:bodyPr>
-              <a:lstStyle/>
-              <a:p>
-                <a:r>
-                  <a:rPr lang="en-US" dirty="0" smtClean="0"/>
-                  <a:t>The </a:t>
-                </a:r>
-                <a:r>
-                  <a:rPr lang="en-US" dirty="0" err="1" smtClean="0"/>
-                  <a:t>hyperdistribution</a:t>
-                </a:r>
-                <a:r>
-                  <a:rPr lang="en-US" dirty="0" smtClean="0"/>
-                  <a:t> has *infinite* density in this case. </a:t>
-                </a:r>
-              </a:p>
-              <a:p>
-                <a:r>
-                  <a:rPr lang="en-US" sz="3200" dirty="0"/>
-                  <a:t>We can always have a </a:t>
-                </a:r>
-                <a:r>
-                  <a:rPr lang="en-US" sz="3200" dirty="0" smtClean="0"/>
-                  <a:t>higher likelihood  </a:t>
-                </a:r>
-                <a:r>
-                  <a:rPr lang="en-US" sz="3200" dirty="0"/>
-                  <a:t>as </a:t>
-                </a:r>
-                <a14:m>
-                  <m:oMath xmlns:m="http://schemas.openxmlformats.org/officeDocument/2006/math">
-                    <m:r>
-                      <a:rPr lang="en-US" sz="3200" i="1">
-                        <a:latin typeface="Cambria Math" panose="02040503050406030204" pitchFamily="18" charset="0"/>
-                        <a:ea typeface="Cambria Math" panose="02040503050406030204" pitchFamily="18" charset="0"/>
-                      </a:rPr>
-                      <m:t>𝜎</m:t>
-                    </m:r>
-                    <m:r>
-                      <a:rPr lang="en-US" sz="3200" i="1">
-                        <a:latin typeface="Cambria Math" panose="02040503050406030204" pitchFamily="18" charset="0"/>
-                        <a:ea typeface="Cambria Math" panose="02040503050406030204" pitchFamily="18" charset="0"/>
-                      </a:rPr>
-                      <m:t>→0</m:t>
-                    </m:r>
-                  </m:oMath>
-                </a14:m>
-                <a:r>
-                  <a:rPr lang="en-US" sz="3200" dirty="0"/>
-                  <a:t> and </a:t>
-                </a:r>
-                <a14:m>
-                  <m:oMath xmlns:m="http://schemas.openxmlformats.org/officeDocument/2006/math">
-                    <m:r>
-                      <m:rPr>
-                        <m:sty m:val="p"/>
-                      </m:rPr>
-                      <a:rPr lang="el-GR" sz="3200" i="1" smtClean="0">
-                        <a:latin typeface="Cambria Math" panose="02040503050406030204" pitchFamily="18" charset="0"/>
-                        <a:ea typeface="Cambria Math" panose="02040503050406030204" pitchFamily="18" charset="0"/>
-                      </a:rPr>
-                      <m:t>ε</m:t>
-                    </m:r>
-                    <m:r>
-                      <a:rPr lang="en-US" sz="3200" i="1">
-                        <a:latin typeface="Cambria Math" panose="02040503050406030204" pitchFamily="18" charset="0"/>
-                        <a:ea typeface="Cambria Math" panose="02040503050406030204" pitchFamily="18" charset="0"/>
-                      </a:rPr>
-                      <m:t>→</m:t>
-                    </m:r>
-                    <m:r>
-                      <a:rPr lang="en-US" sz="3200" i="1">
-                        <a:latin typeface="Cambria Math" panose="02040503050406030204" pitchFamily="18" charset="0"/>
-                        <a:ea typeface="Cambria Math" panose="02040503050406030204" pitchFamily="18" charset="0"/>
-                      </a:rPr>
-                      <m:t>𝜇</m:t>
-                    </m:r>
-                    <m:r>
-                      <a:rPr lang="en-US" sz="3200" i="1">
-                        <a:latin typeface="Cambria Math" panose="02040503050406030204" pitchFamily="18" charset="0"/>
-                        <a:ea typeface="Cambria Math" panose="02040503050406030204" pitchFamily="18" charset="0"/>
-                      </a:rPr>
-                      <m:t> </m:t>
-                    </m:r>
-                  </m:oMath>
-                </a14:m>
-                <a:endParaRPr lang="en-US" dirty="0" smtClean="0"/>
-              </a:p>
-              <a:p>
-                <a:r>
-                  <a:rPr lang="en-US" dirty="0" smtClean="0"/>
-                  <a:t>This means joint </a:t>
-                </a:r>
-                <a:r>
-                  <a:rPr lang="en-US" dirty="0"/>
-                  <a:t>likelihoods in hierarchical models </a:t>
-                </a:r>
-                <a:r>
-                  <a:rPr lang="en-US" b="1" dirty="0" smtClean="0"/>
-                  <a:t>do </a:t>
-                </a:r>
-                <a:r>
-                  <a:rPr lang="en-US" b="1" dirty="0"/>
-                  <a:t>not have a valid </a:t>
-                </a:r>
-                <a:r>
-                  <a:rPr lang="en-US" b="1" dirty="0" smtClean="0"/>
-                  <a:t>mode</a:t>
-                </a:r>
-                <a:endParaRPr lang="en-US" dirty="0"/>
-              </a:p>
-              <a:p>
-                <a:r>
-                  <a:rPr lang="en-US" dirty="0" smtClean="0"/>
-                  <a:t>For maximum likelihood this a big problem (there is no maximum likelihood!)</a:t>
-                </a:r>
-              </a:p>
-              <a:p>
-                <a:r>
-                  <a:rPr lang="en-US" dirty="0" smtClean="0"/>
-                  <a:t>Frequentist methods must </a:t>
-                </a:r>
-                <a:r>
-                  <a:rPr lang="en-US" b="1" dirty="0" smtClean="0"/>
-                  <a:t>integrate</a:t>
-                </a:r>
-                <a:r>
-                  <a:rPr lang="en-US" dirty="0" smtClean="0"/>
-                  <a:t> over the random effects to get the marginal likelihood</a:t>
-                </a:r>
-                <a:endParaRPr lang="en-US" dirty="0"/>
-              </a:p>
-            </p:txBody>
-          </p:sp>
-        </mc:Choice>
-        <mc:Fallback>
-          <p:sp>
-            <p:nvSpPr>
-              <p:cNvPr id="3" name="Content Placeholder 2">
-                <a:extLst>
-                  <a:ext uri="{FF2B5EF4-FFF2-40B4-BE49-F238E27FC236}">
-                    <a16:creationId xmlns:a16="http://schemas.microsoft.com/office/drawing/2014/main" xmlns="" id="{2C171585-69CA-42A9-A8A3-9387AE473E8C}"/>
-                  </a:ext>
-                </a:extLst>
-              </p:cNvPr>
-              <p:cNvSpPr>
-                <a:spLocks noGrp="1" noRot="1" noChangeAspect="1" noMove="1" noResize="1" noEditPoints="1" noAdjustHandles="1" noChangeArrowheads="1" noChangeShapeType="1" noTextEdit="1"/>
-              </p:cNvSpPr>
-              <p:nvPr>
-                <p:ph idx="1"/>
-              </p:nvPr>
-            </p:nvSpPr>
-            <p:spPr>
-              <a:xfrm>
-                <a:off x="623888" y="1335088"/>
-                <a:ext cx="7886700" cy="4593764"/>
-              </a:xfrm>
-              <a:blipFill rotWithShape="0">
-                <a:blip r:embed="rId2"/>
-                <a:stretch>
-                  <a:fillRect l="-618" t="-2255" r="-2009"/>
-                </a:stretch>
-              </a:blipFill>
-            </p:spPr>
-            <p:txBody>
-              <a:bodyPr/>
-              <a:lstStyle/>
-              <a:p>
-                <a:r>
-                  <a:rPr lang="en-US">
-                    <a:noFill/>
-                  </a:rPr>
-                  <a:t> </a:t>
-                </a:r>
-              </a:p>
-            </p:txBody>
-          </p:sp>
-        </mc:Fallback>
-      </mc:AlternateContent>
+              <a:rPr lang="es-419" dirty="0"/>
+              <a:t>Comportamiento extraño de MJ</a:t>
+            </a:r>
+            <a:endParaRPr lang="es-419" noProof="0" dirty="0"/>
+          </a:p>
+        </p:txBody>
+      </p:sp>
+      <p:sp>
+        <p:nvSpPr>
+          <p:cNvPr id="3" name="Content Placeholder 2">
+            <a:extLst>
+              <a:ext uri="{FF2B5EF4-FFF2-40B4-BE49-F238E27FC236}">
+                <a16:creationId xmlns="" xmlns:a16="http://schemas.microsoft.com/office/drawing/2014/main" id="{2C171585-69CA-42A9-A8A3-9387AE473E8C}"/>
+              </a:ext>
+            </a:extLst>
+          </p:cNvPr>
+          <p:cNvSpPr>
+            <a:spLocks noGrp="1"/>
+          </p:cNvSpPr>
+          <p:nvPr>
+            <p:ph idx="1"/>
+          </p:nvPr>
+        </p:nvSpPr>
+        <p:spPr>
+          <a:xfrm>
+            <a:off x="623888" y="1335088"/>
+            <a:ext cx="7886700" cy="4593764"/>
+          </a:xfrm>
+        </p:spPr>
+        <p:txBody>
+          <a:bodyPr>
+            <a:normAutofit fontScale="85000" lnSpcReduction="10000"/>
+          </a:bodyPr>
+          <a:lstStyle/>
+          <a:p>
+            <a:r>
+              <a:rPr lang="es-419" noProof="0" dirty="0" smtClean="0"/>
+              <a:t>Por lo tanto la inferencia </a:t>
+            </a:r>
+            <a:r>
+              <a:rPr lang="es-419" noProof="0" dirty="0" err="1" smtClean="0"/>
+              <a:t>frecuentista</a:t>
+            </a:r>
+            <a:r>
+              <a:rPr lang="es-419" noProof="0" dirty="0" smtClean="0"/>
+              <a:t> es muy difícil con MJ</a:t>
+            </a:r>
+          </a:p>
+          <a:p>
+            <a:r>
+              <a:rPr lang="es-419" noProof="0" dirty="0" smtClean="0"/>
+              <a:t>(Hasta TMB; </a:t>
+            </a:r>
+            <a:r>
+              <a:rPr lang="es-419" noProof="0" dirty="0" err="1" smtClean="0"/>
+              <a:t>Kristensen</a:t>
+            </a:r>
+            <a:r>
+              <a:rPr lang="es-419" noProof="0" dirty="0" smtClean="0"/>
+              <a:t> et al. 2016)</a:t>
+            </a:r>
+          </a:p>
+          <a:p>
+            <a:r>
+              <a:rPr lang="es-419" b="1" noProof="0" dirty="0" smtClean="0"/>
+              <a:t>Cual es el efecto de la inferencia Bayesiana? </a:t>
+            </a:r>
+          </a:p>
+          <a:p>
+            <a:pPr lvl="1"/>
+            <a:r>
+              <a:rPr lang="es-419" noProof="0" dirty="0" smtClean="0"/>
+              <a:t>La densidad de la posterior </a:t>
+            </a:r>
+            <a:r>
+              <a:rPr lang="es-419" dirty="0" smtClean="0"/>
+              <a:t>es infinita </a:t>
+            </a:r>
+            <a:r>
+              <a:rPr lang="es-419" noProof="0" dirty="0" smtClean="0"/>
+              <a:t>pero el volumen es igual de pequeño </a:t>
+            </a:r>
+          </a:p>
+          <a:p>
+            <a:pPr lvl="1"/>
+            <a:r>
+              <a:rPr lang="es-419" dirty="0" smtClean="0"/>
+              <a:t>Entonces esta región de la posterior no es importante</a:t>
+            </a:r>
+            <a:r>
+              <a:rPr lang="es-419" baseline="30000" noProof="0" dirty="0" smtClean="0"/>
+              <a:t>1</a:t>
+            </a:r>
+          </a:p>
+          <a:p>
+            <a:pPr lvl="1"/>
+            <a:r>
+              <a:rPr lang="es-419" noProof="0" dirty="0" smtClean="0"/>
+              <a:t>MCMC nunca genera muestras allí porque la masa es muy baja </a:t>
+            </a:r>
+          </a:p>
+          <a:p>
+            <a:r>
+              <a:rPr lang="es-419" noProof="0" dirty="0" smtClean="0"/>
+              <a:t>No es una problema, y por eso lo métodos Bayesianos son tan común para MJ</a:t>
+            </a:r>
+            <a:endParaRPr lang="es-419" noProof="0" dirty="0"/>
+          </a:p>
+        </p:txBody>
+      </p:sp>
       <p:sp>
         <p:nvSpPr>
           <p:cNvPr id="4" name="Slide Number Placeholder 3">
             <a:extLst>
               <a:ext uri="{FF2B5EF4-FFF2-40B4-BE49-F238E27FC236}">
-                <a16:creationId xmlns:a16="http://schemas.microsoft.com/office/drawing/2014/main" xmlns="" id="{D74C909A-91F4-406A-9FAB-7B822E7F4F6E}"/>
+                <a16:creationId xmlns="" xmlns:a16="http://schemas.microsoft.com/office/drawing/2014/main" id="{D74C909A-91F4-406A-9FAB-7B822E7F4F6E}"/>
               </a:ext>
             </a:extLst>
           </p:cNvPr>
@@ -8461,16 +8435,73 @@
           </a:p>
         </p:txBody>
       </p:sp>
+      <p:sp>
+        <p:nvSpPr>
+          <p:cNvPr id="5" name="TextBox 4"/>
+          <p:cNvSpPr txBox="1"/>
+          <p:nvPr/>
+        </p:nvSpPr>
+        <p:spPr>
+          <a:xfrm>
+            <a:off x="835742" y="6331974"/>
+            <a:ext cx="7674846" cy="369332"/>
+          </a:xfrm>
+          <a:prstGeom prst="rect">
+            <a:avLst/>
+          </a:prstGeom>
+          <a:noFill/>
+        </p:spPr>
+        <p:txBody>
+          <a:bodyPr wrap="square" rtlCol="0">
+            <a:spAutoFit/>
+          </a:bodyPr>
+          <a:lstStyle/>
+          <a:p>
+            <a:r>
+              <a:rPr lang="en-US" baseline="30000" dirty="0"/>
+              <a:t>1</a:t>
+            </a:r>
+            <a:r>
+              <a:rPr lang="en-US" dirty="0"/>
+              <a:t> </a:t>
+            </a:r>
+            <a:r>
+              <a:rPr lang="en-US" dirty="0" smtClean="0"/>
+              <a:t>Section 1.4 of Betancourt 2017 </a:t>
+            </a:r>
+            <a:r>
+              <a:rPr lang="en-US" u="sng" dirty="0" err="1"/>
+              <a:t>arXiv</a:t>
+            </a:r>
+            <a:r>
+              <a:rPr lang="en-US" u="sng" dirty="0"/>
+              <a:t> preprint arXiv:1701.02434.</a:t>
+            </a:r>
+            <a:r>
+              <a:rPr lang="en-US" dirty="0" smtClean="0"/>
+              <a:t>  </a:t>
+            </a:r>
+            <a:endParaRPr lang="en-US" dirty="0"/>
+          </a:p>
+        </p:txBody>
+      </p:sp>
     </p:spTree>
     <p:extLst>
       <p:ext uri="{BB962C8B-B14F-4D97-AF65-F5344CB8AC3E}">
-        <p14:creationId xmlns:p14="http://schemas.microsoft.com/office/powerpoint/2010/main" val="2257864458"/>
+        <p14:creationId xmlns:p14="http://schemas.microsoft.com/office/powerpoint/2010/main" val="3091318444"/>
       </p:ext>
     </p:extLst>
   </p:cSld>
   <p:clrMapOvr>
     <a:masterClrMapping/>
   </p:clrMapOvr>
+  <p:timing>
+    <p:tnLst>
+      <p:par>
+        <p:cTn id="1" dur="indefinite" restart="never" nodeType="tmRoot"/>
+      </p:par>
+    </p:tnLst>
+  </p:timing>
 </p:sld>
 </file>
 
@@ -8496,7 +8527,7 @@
           <p:cNvPr id="2" name="Title 1">
             <a:extLst>
               <a:ext uri="{FF2B5EF4-FFF2-40B4-BE49-F238E27FC236}">
-                <a16:creationId xmlns:a16="http://schemas.microsoft.com/office/drawing/2014/main" xmlns="" id="{A231641A-290D-4EEB-92AB-F4C459C94EDE}"/>
+                <a16:creationId xmlns="" xmlns:a16="http://schemas.microsoft.com/office/drawing/2014/main" id="{FFE6D1CD-2DA6-4AF5-9002-1ACADDDD9808}"/>
               </a:ext>
             </a:extLst>
           </p:cNvPr>
@@ -8509,7 +8540,7 @@
         </p:nvSpPr>
         <p:spPr>
           <a:xfrm>
-            <a:off x="623888" y="264783"/>
+            <a:off x="628650" y="305334"/>
             <a:ext cx="7886700" cy="1325563"/>
           </a:xfrm>
         </p:spPr>
@@ -8518,14 +8549,22 @@
           <a:lstStyle/>
           <a:p>
             <a:r>
-              <a:rPr lang="en-US" dirty="0" smtClean="0"/>
-              <a:t>Behavior of the </a:t>
-            </a:r>
-            <a:r>
-              <a:rPr lang="en-US" dirty="0" err="1" smtClean="0"/>
-              <a:t>hyperdistribution</a:t>
-            </a:r>
-            <a:endParaRPr lang="en-US" dirty="0"/>
+              <a:rPr lang="es-419" noProof="0" dirty="0" err="1" smtClean="0"/>
+              <a:t>Important</a:t>
+            </a:r>
+            <a:r>
+              <a:rPr lang="es-419" noProof="0" dirty="0" smtClean="0"/>
+              <a:t> </a:t>
+            </a:r>
+            <a:r>
+              <a:rPr lang="es-419" noProof="0" dirty="0" err="1" smtClean="0"/>
+              <a:t>concepts</a:t>
+            </a:r>
+            <a:r>
+              <a:rPr lang="es-419" noProof="0" dirty="0" smtClean="0"/>
+              <a:t> 1</a:t>
+            </a:r>
+            <a:endParaRPr lang="es-419" noProof="0" dirty="0"/>
           </a:p>
         </p:txBody>
       </p:sp>
@@ -8534,7 +8573,7 @@
           <p:cNvPr id="3" name="Content Placeholder 2">
             <a:extLst>
               <a:ext uri="{FF2B5EF4-FFF2-40B4-BE49-F238E27FC236}">
-                <a16:creationId xmlns:a16="http://schemas.microsoft.com/office/drawing/2014/main" xmlns="" id="{2C171585-69CA-42A9-A8A3-9387AE473E8C}"/>
+                <a16:creationId xmlns="" xmlns:mc="http://schemas.openxmlformats.org/markup-compatibility/2006" xmlns:a14="http://schemas.microsoft.com/office/drawing/2010/main" xmlns:a16="http://schemas.microsoft.com/office/drawing/2014/main" id="{130B78F3-E1B7-409E-BDFD-488E7FFC3F33}"/>
               </a:ext>
             </a:extLst>
           </p:cNvPr>
@@ -8547,72 +8586,64 @@
         </p:nvSpPr>
         <p:spPr>
           <a:xfrm>
-            <a:off x="623888" y="1335088"/>
-            <a:ext cx="7886700" cy="4593764"/>
+            <a:off x="628650" y="1343818"/>
+            <a:ext cx="7886700" cy="4833145"/>
           </a:xfrm>
         </p:spPr>
         <p:txBody>
           <a:bodyPr>
-            <a:normAutofit fontScale="92500" lnSpcReduction="20000"/>
+            <a:normAutofit/>
           </a:bodyPr>
           <a:lstStyle/>
           <a:p>
             <a:r>
-              <a:rPr lang="en-US" dirty="0" smtClean="0"/>
-              <a:t>This makes inference on frequentist hierarchical models very difficult </a:t>
-            </a:r>
-          </a:p>
-          <a:p>
-            <a:r>
-              <a:rPr lang="en-US" dirty="0" smtClean="0"/>
-              <a:t>(Until, of course, TMB)</a:t>
-            </a:r>
-          </a:p>
-          <a:p>
-            <a:r>
-              <a:rPr lang="en-US" b="1" dirty="0" smtClean="0"/>
-              <a:t>How does this affect Bayesia</a:t>
-            </a:r>
-            <a:r>
-              <a:rPr lang="en-US" b="1" dirty="0" smtClean="0"/>
-              <a:t>n inference?</a:t>
-            </a:r>
-          </a:p>
-          <a:p>
-            <a:pPr lvl="1"/>
-            <a:r>
-              <a:rPr lang="en-US" dirty="0" smtClean="0"/>
-              <a:t>The density is infinitely high, but the volume is equally small</a:t>
-            </a:r>
-          </a:p>
-          <a:p>
-            <a:pPr lvl="1"/>
-            <a:r>
-              <a:rPr lang="en-US" dirty="0" smtClean="0"/>
-              <a:t>So this part of the posterior is not important</a:t>
-            </a:r>
-            <a:r>
-              <a:rPr lang="en-US" baseline="30000" dirty="0" smtClean="0"/>
-              <a:t>1</a:t>
-            </a:r>
-          </a:p>
-          <a:p>
-            <a:pPr lvl="1"/>
-            <a:r>
-              <a:rPr lang="en-US" dirty="0" smtClean="0"/>
-              <a:t>MCMC never samples there because its mass is very low</a:t>
-            </a:r>
-          </a:p>
-          <a:p>
-            <a:r>
-              <a:rPr lang="en-US" dirty="0" smtClean="0"/>
-              <a:t>So it is not a problem. </a:t>
-            </a:r>
-            <a:r>
-              <a:rPr lang="en-US" dirty="0" smtClean="0"/>
-              <a:t>This is why Bayesian methods are so common for hierarchical models</a:t>
-            </a:r>
-            <a:endParaRPr lang="en-US" dirty="0"/>
+              <a:rPr lang="es-419" noProof="0" dirty="0" smtClean="0"/>
+              <a:t>MJ </a:t>
+            </a:r>
+            <a:r>
+              <a:rPr lang="es-419" noProof="0" dirty="0" err="1" smtClean="0"/>
+              <a:t>require</a:t>
+            </a:r>
+            <a:r>
+              <a:rPr lang="es-419" noProof="0" dirty="0" smtClean="0"/>
+              <a:t> integración para hacer inferencia</a:t>
+            </a:r>
+          </a:p>
+          <a:p>
+            <a:r>
+              <a:rPr lang="es-419" noProof="0" dirty="0" smtClean="0"/>
+              <a:t>Es difícil con </a:t>
+            </a:r>
+            <a:r>
+              <a:rPr lang="es-419" dirty="0" smtClean="0"/>
+              <a:t>máximo verosimilitud</a:t>
+            </a:r>
+            <a:endParaRPr lang="es-419" noProof="0" dirty="0" smtClean="0"/>
+          </a:p>
+          <a:p>
+            <a:r>
+              <a:rPr lang="es-419" noProof="0" dirty="0" smtClean="0"/>
+              <a:t>Pero natural con métodos Bayesianos</a:t>
+            </a:r>
+          </a:p>
+          <a:p>
+            <a:r>
+              <a:rPr lang="es-419" noProof="0" dirty="0" smtClean="0"/>
+              <a:t>Porque MCMC ya está integrando!</a:t>
+            </a:r>
+          </a:p>
+          <a:p>
+            <a:r>
+              <a:rPr lang="es-419" noProof="0" dirty="0" smtClean="0"/>
+              <a:t>MJ son herramientas muy poderosa y eran difícil de ajustar...</a:t>
+            </a:r>
+          </a:p>
+          <a:p>
+            <a:r>
+              <a:rPr lang="es-419" noProof="0" dirty="0" smtClean="0"/>
+              <a:t>Hasta software como BUGS/JAGS que son flexibles para construir modelos arbitrarios</a:t>
+            </a:r>
+            <a:endParaRPr lang="es-419" noProof="0" dirty="0"/>
           </a:p>
         </p:txBody>
       </p:sp>
@@ -8621,7 +8652,7 @@
           <p:cNvPr id="4" name="Slide Number Placeholder 3">
             <a:extLst>
               <a:ext uri="{FF2B5EF4-FFF2-40B4-BE49-F238E27FC236}">
-                <a16:creationId xmlns:a16="http://schemas.microsoft.com/office/drawing/2014/main" xmlns="" id="{D74C909A-91F4-406A-9FAB-7B822E7F4F6E}"/>
+                <a16:creationId xmlns="" xmlns:a16="http://schemas.microsoft.com/office/drawing/2014/main" id="{3B7F1D3A-AB7F-4C2E-8CFC-CFEE6E7575F8}"/>
               </a:ext>
             </a:extLst>
           </p:cNvPr>
@@ -8645,66 +8676,23 @@
           </a:p>
         </p:txBody>
       </p:sp>
-      <p:sp>
-        <p:nvSpPr>
-          <p:cNvPr id="5" name="TextBox 4"/>
-          <p:cNvSpPr txBox="1"/>
-          <p:nvPr/>
-        </p:nvSpPr>
-        <p:spPr>
-          <a:xfrm>
-            <a:off x="835742" y="6331974"/>
-            <a:ext cx="7674846" cy="369332"/>
-          </a:xfrm>
-          <a:prstGeom prst="rect">
-            <a:avLst/>
-          </a:prstGeom>
-          <a:noFill/>
-        </p:spPr>
-        <p:txBody>
-          <a:bodyPr wrap="square" rtlCol="0">
-            <a:spAutoFit/>
-          </a:bodyPr>
-          <a:lstStyle/>
-          <a:p>
-            <a:r>
-              <a:rPr lang="en-US" baseline="30000" dirty="0"/>
-              <a:t>1</a:t>
-            </a:r>
-            <a:r>
-              <a:rPr lang="en-US" dirty="0"/>
-              <a:t> </a:t>
-            </a:r>
-            <a:r>
-              <a:rPr lang="en-US" dirty="0" smtClean="0"/>
-              <a:t>Section 1.4 of Betancourt 2017 </a:t>
-            </a:r>
-            <a:r>
-              <a:rPr lang="en-US" u="sng" dirty="0" err="1"/>
-              <a:t>arXiv</a:t>
-            </a:r>
-            <a:r>
-              <a:rPr lang="en-US" u="sng" dirty="0"/>
-              <a:t> preprint arXiv:1701.02434.</a:t>
-            </a:r>
-            <a:r>
-              <a:rPr lang="en-US" dirty="0" smtClean="0"/>
-              <a:t>  </a:t>
-            </a:r>
-            <a:endParaRPr lang="en-US" dirty="0"/>
-          </a:p>
-        </p:txBody>
-      </p:sp>
     </p:spTree>
     <p:extLst>
       <p:ext uri="{BB962C8B-B14F-4D97-AF65-F5344CB8AC3E}">
-        <p14:creationId xmlns:p14="http://schemas.microsoft.com/office/powerpoint/2010/main" val="3091318444"/>
+        <p14:creationId xmlns:p14="http://schemas.microsoft.com/office/powerpoint/2010/main" val="4024016837"/>
       </p:ext>
     </p:extLst>
   </p:cSld>
   <p:clrMapOvr>
     <a:masterClrMapping/>
   </p:clrMapOvr>
+  <p:timing>
+    <p:tnLst>
+      <p:par>
+        <p:cTn id="1" dur="indefinite" restart="never" nodeType="tmRoot"/>
+      </p:par>
+    </p:tnLst>
+  </p:timing>
 </p:sld>
 </file>
 
@@ -8727,24 +8715,41 @@
       </p:grpSpPr>
       <p:sp>
         <p:nvSpPr>
-          <p:cNvPr id="2" name="Title 1">
-            <a:extLst>
-              <a:ext uri="{FF2B5EF4-FFF2-40B4-BE49-F238E27FC236}">
-                <a16:creationId xmlns:a16="http://schemas.microsoft.com/office/drawing/2014/main" xmlns="" id="{FFE6D1CD-2DA6-4AF5-9002-1ACADDDD9808}"/>
-              </a:ext>
-            </a:extLst>
-          </p:cNvPr>
+          <p:cNvPr id="2" name="Title 1"/>
           <p:cNvSpPr>
             <a:spLocks noGrp="1"/>
           </p:cNvSpPr>
           <p:nvPr>
             <p:ph type="title"/>
+          </p:nvPr>
+        </p:nvSpPr>
+        <p:spPr/>
+        <p:txBody>
+          <a:bodyPr/>
+          <a:lstStyle/>
+          <a:p>
+            <a:r>
+              <a:rPr lang="es-419" noProof="0" dirty="0" smtClean="0"/>
+              <a:t>Ejercicio</a:t>
+            </a:r>
+            <a:endParaRPr lang="es-419" noProof="0" dirty="0"/>
+          </a:p>
+        </p:txBody>
+      </p:sp>
+      <p:sp>
+        <p:nvSpPr>
+          <p:cNvPr id="3" name="Content Placeholder 2"/>
+          <p:cNvSpPr>
+            <a:spLocks noGrp="1"/>
+          </p:cNvSpPr>
+          <p:nvPr>
+            <p:ph idx="1"/>
           </p:nvPr>
         </p:nvSpPr>
         <p:spPr>
           <a:xfrm>
-            <a:off x="628650" y="305334"/>
-            <a:ext cx="7886700" cy="1325563"/>
+            <a:off x="457200" y="1119352"/>
+            <a:ext cx="8229600" cy="4530725"/>
           </a:xfrm>
         </p:spPr>
         <p:txBody>
@@ -8752,104 +8757,127 @@
           <a:lstStyle/>
           <a:p>
             <a:r>
-              <a:rPr lang="en-US" dirty="0"/>
-              <a:t>Important concepts 1</a:t>
-            </a:r>
-          </a:p>
-        </p:txBody>
-      </p:sp>
-      <p:sp>
-        <p:nvSpPr>
-          <p:cNvPr id="3" name="Content Placeholder 2">
-            <a:extLst>
-              <a:ext uri="{FF2B5EF4-FFF2-40B4-BE49-F238E27FC236}">
-                <a16:creationId xmlns:a16="http://schemas.microsoft.com/office/drawing/2014/main" xmlns:a14="http://schemas.microsoft.com/office/drawing/2010/main" xmlns:mc="http://schemas.openxmlformats.org/markup-compatibility/2006" xmlns="" id="{130B78F3-E1B7-409E-BDFD-488E7FFC3F33}"/>
-              </a:ext>
-            </a:extLst>
-          </p:cNvPr>
+              <a:rPr lang="es-419" noProof="0" dirty="0" smtClean="0"/>
+              <a:t>Vamos a ajustar los datos simulados</a:t>
+            </a:r>
+          </a:p>
+          <a:p>
+            <a:r>
+              <a:rPr lang="es-419" noProof="0" dirty="0" smtClean="0"/>
+              <a:t>Primero, crea una </a:t>
+            </a:r>
+            <a:r>
+              <a:rPr lang="es-419" i="1" noProof="0" dirty="0" smtClean="0"/>
+              <a:t>prior </a:t>
+            </a:r>
+            <a:r>
+              <a:rPr lang="es-419" i="1" noProof="0" dirty="0" err="1" smtClean="0"/>
+              <a:t>predictive</a:t>
+            </a:r>
+            <a:r>
+              <a:rPr lang="es-419" i="1" noProof="0" dirty="0" smtClean="0"/>
+              <a:t> </a:t>
+            </a:r>
+            <a:r>
+              <a:rPr lang="es-419" i="1" noProof="0" dirty="0" err="1" smtClean="0"/>
+              <a:t>distribution</a:t>
+            </a:r>
+            <a:r>
+              <a:rPr lang="es-419" i="1" noProof="0" dirty="0" smtClean="0"/>
+              <a:t> </a:t>
+            </a:r>
+            <a:r>
+              <a:rPr lang="es-419" noProof="0" dirty="0" smtClean="0"/>
+              <a:t>en R.</a:t>
+            </a:r>
+          </a:p>
+          <a:p>
+            <a:r>
+              <a:rPr lang="es-419" noProof="0" dirty="0" smtClean="0"/>
+              <a:t>*Antes* de ver los datos, pensamos que 250 animales sería extremo (un umbral)</a:t>
+            </a:r>
+          </a:p>
+          <a:p>
+            <a:r>
+              <a:rPr lang="es-419" noProof="0" dirty="0" smtClean="0"/>
+              <a:t>La forma de la prior </a:t>
+            </a:r>
+            <a:r>
+              <a:rPr lang="es-419" sz="2800" noProof="0" dirty="0" err="1" smtClean="0">
+                <a:latin typeface="Courier New" panose="02070309020205020404" pitchFamily="49" charset="0"/>
+                <a:cs typeface="Courier New" panose="02070309020205020404" pitchFamily="49" charset="0"/>
+              </a:rPr>
+              <a:t>tau~N</a:t>
+            </a:r>
+            <a:r>
+              <a:rPr lang="es-419" sz="2800" noProof="0" dirty="0" smtClean="0">
+                <a:latin typeface="Courier New" panose="02070309020205020404" pitchFamily="49" charset="0"/>
+                <a:cs typeface="Courier New" panose="02070309020205020404" pitchFamily="49" charset="0"/>
+              </a:rPr>
+              <a:t>(0, sigma)T(0,)</a:t>
+            </a:r>
+            <a:r>
+              <a:rPr lang="es-419" noProof="0" dirty="0" smtClean="0"/>
+              <a:t> es recomendada por varianzas. </a:t>
+            </a:r>
+          </a:p>
+          <a:p>
+            <a:r>
+              <a:rPr lang="es-419" noProof="0" dirty="0" smtClean="0"/>
+              <a:t>Simula datos de un sitio y los </a:t>
+            </a:r>
+            <a:r>
+              <a:rPr lang="es-419" noProof="0" dirty="0" err="1" smtClean="0"/>
+              <a:t>plotea</a:t>
+            </a:r>
+            <a:r>
+              <a:rPr lang="es-419" noProof="0" dirty="0" smtClean="0"/>
+              <a:t> (posterior </a:t>
+            </a:r>
+            <a:r>
+              <a:rPr lang="es-419" noProof="0" dirty="0" err="1" smtClean="0"/>
+              <a:t>predictive</a:t>
+            </a:r>
+            <a:r>
+              <a:rPr lang="es-419" noProof="0" dirty="0" smtClean="0"/>
+              <a:t> </a:t>
+            </a:r>
+            <a:r>
+              <a:rPr lang="es-419" noProof="0" dirty="0" err="1" smtClean="0"/>
+              <a:t>distribution</a:t>
+            </a:r>
+            <a:r>
+              <a:rPr lang="es-419" noProof="0" dirty="0" smtClean="0"/>
+              <a:t> of new </a:t>
+            </a:r>
+            <a:r>
+              <a:rPr lang="es-419" noProof="0" dirty="0" err="1" smtClean="0"/>
+              <a:t>site</a:t>
+            </a:r>
+            <a:r>
+              <a:rPr lang="es-419" noProof="0" dirty="0" smtClean="0"/>
+              <a:t>)</a:t>
+            </a:r>
+            <a:endParaRPr lang="es-419" noProof="0" dirty="0" smtClean="0"/>
+          </a:p>
+        </p:txBody>
+      </p:sp>
+      <p:sp>
+        <p:nvSpPr>
+          <p:cNvPr id="4" name="Slide Number Placeholder 3"/>
           <p:cNvSpPr>
             <a:spLocks noGrp="1"/>
           </p:cNvSpPr>
           <p:nvPr>
-            <p:ph idx="1"/>
-          </p:nvPr>
-        </p:nvSpPr>
-        <p:spPr>
-          <a:xfrm>
-            <a:off x="628650" y="1343818"/>
-            <a:ext cx="7886700" cy="4833145"/>
-          </a:xfrm>
-        </p:spPr>
-        <p:txBody>
-          <a:bodyPr>
-            <a:normAutofit/>
-          </a:bodyPr>
+            <p:ph type="sldNum" sz="quarter" idx="12"/>
+          </p:nvPr>
+        </p:nvSpPr>
+        <p:spPr/>
+        <p:txBody>
+          <a:bodyPr/>
           <a:lstStyle/>
           <a:p>
-            <a:r>
-              <a:rPr lang="en-US" dirty="0" smtClean="0"/>
-              <a:t>Hierarchical models require integration to do inference</a:t>
-            </a:r>
-          </a:p>
-          <a:p>
-            <a:r>
-              <a:rPr lang="en-US" dirty="0" smtClean="0"/>
-              <a:t>This </a:t>
-            </a:r>
-            <a:r>
-              <a:rPr lang="en-US" dirty="0" smtClean="0"/>
-              <a:t>is very difficult in maximum likelihood</a:t>
-            </a:r>
-          </a:p>
-          <a:p>
-            <a:r>
-              <a:rPr lang="en-US" dirty="0" smtClean="0"/>
-              <a:t>But very natural in Bayesian methods</a:t>
-            </a:r>
-          </a:p>
-          <a:p>
-            <a:r>
-              <a:rPr lang="en-US" dirty="0" smtClean="0"/>
-              <a:t>We are already integrating!</a:t>
-            </a:r>
-          </a:p>
-          <a:p>
-            <a:r>
-              <a:rPr lang="en-US" dirty="0" smtClean="0"/>
-              <a:t>HM are powerful tools but different to do inference.</a:t>
-            </a:r>
-          </a:p>
-          <a:p>
-            <a:r>
-              <a:rPr lang="en-US" dirty="0" smtClean="0"/>
-              <a:t>Until flexible Bayesian tools like BUGS/JAGS</a:t>
-            </a:r>
-            <a:endParaRPr lang="en-US" dirty="0"/>
-          </a:p>
-        </p:txBody>
-      </p:sp>
-      <p:sp>
-        <p:nvSpPr>
-          <p:cNvPr id="4" name="Slide Number Placeholder 3">
-            <a:extLst>
-              <a:ext uri="{FF2B5EF4-FFF2-40B4-BE49-F238E27FC236}">
-                <a16:creationId xmlns:a16="http://schemas.microsoft.com/office/drawing/2014/main" xmlns="" id="{3B7F1D3A-AB7F-4C2E-8CFC-CFEE6E7575F8}"/>
-              </a:ext>
-            </a:extLst>
-          </p:cNvPr>
-          <p:cNvSpPr>
-            <a:spLocks noGrp="1"/>
-          </p:cNvSpPr>
-          <p:nvPr>
-            <p:ph type="sldNum" sz="quarter" idx="12"/>
-          </p:nvPr>
-        </p:nvSpPr>
-        <p:spPr/>
-        <p:txBody>
-          <a:bodyPr/>
-          <a:lstStyle/>
-          <a:p>
-            <a:fld id="{2F5854F6-968A-43DD-98AD-2128488B7BB7}" type="slidenum">
+            <a:fld id="{A90099C9-4CB8-9A40-B745-9AB270505907}" type="slidenum">
               <a:rPr lang="en-US" smtClean="0"/>
               <a:t>17</a:t>
             </a:fld>
@@ -8860,13 +8888,20 @@
     </p:spTree>
     <p:extLst>
       <p:ext uri="{BB962C8B-B14F-4D97-AF65-F5344CB8AC3E}">
-        <p14:creationId xmlns:p14="http://schemas.microsoft.com/office/powerpoint/2010/main" val="4024016837"/>
+        <p14:creationId xmlns:p14="http://schemas.microsoft.com/office/powerpoint/2010/main" val="1956056855"/>
       </p:ext>
     </p:extLst>
   </p:cSld>
   <p:clrMapOvr>
     <a:masterClrMapping/>
   </p:clrMapOvr>
+  <p:timing>
+    <p:tnLst>
+      <p:par>
+        <p:cTn id="1" dur="indefinite" restart="never" nodeType="tmRoot"/>
+      </p:par>
+    </p:tnLst>
+  </p:timing>
 </p:sld>
 </file>
 
@@ -8889,140 +8924,10 @@
       </p:grpSpPr>
       <p:sp>
         <p:nvSpPr>
-          <p:cNvPr id="2" name="Title 1"/>
-          <p:cNvSpPr>
-            <a:spLocks noGrp="1"/>
-          </p:cNvSpPr>
-          <p:nvPr>
-            <p:ph type="title"/>
-          </p:nvPr>
-        </p:nvSpPr>
-        <p:spPr/>
-        <p:txBody>
-          <a:bodyPr/>
-          <a:lstStyle/>
-          <a:p>
-            <a:r>
-              <a:rPr lang="en-US" dirty="0" smtClean="0"/>
-              <a:t>Exercise</a:t>
-            </a:r>
-            <a:endParaRPr lang="en-US" dirty="0"/>
-          </a:p>
-        </p:txBody>
-      </p:sp>
-      <p:sp>
-        <p:nvSpPr>
-          <p:cNvPr id="3" name="Content Placeholder 2"/>
-          <p:cNvSpPr>
-            <a:spLocks noGrp="1"/>
-          </p:cNvSpPr>
-          <p:nvPr>
-            <p:ph idx="1"/>
-          </p:nvPr>
-        </p:nvSpPr>
-        <p:spPr/>
-        <p:txBody>
-          <a:bodyPr/>
-          <a:lstStyle/>
-          <a:p>
-            <a:r>
-              <a:rPr lang="en-US" dirty="0" smtClean="0"/>
-              <a:t>Let’s fit the model</a:t>
-            </a:r>
-          </a:p>
-          <a:p>
-            <a:r>
-              <a:rPr lang="en-US" dirty="0" smtClean="0"/>
-              <a:t>First, create a prior predictive distribution in R.</a:t>
-            </a:r>
-          </a:p>
-          <a:p>
-            <a:r>
-              <a:rPr lang="en-US" dirty="0" smtClean="0"/>
-              <a:t>*Before* seeing the data we suspect that a site with 250 would be extreme</a:t>
-            </a:r>
-          </a:p>
-          <a:p>
-            <a:r>
-              <a:rPr lang="en-US" dirty="0" smtClean="0"/>
-              <a:t>Use </a:t>
-            </a:r>
-            <a:r>
-              <a:rPr lang="en-US" dirty="0" err="1" smtClean="0"/>
-              <a:t>tau~N</a:t>
-            </a:r>
-            <a:r>
-              <a:rPr lang="en-US" dirty="0" smtClean="0"/>
-              <a:t>(0, sigma) for a prior (specify sigma). This is generally recommended.</a:t>
-            </a:r>
-          </a:p>
-          <a:p>
-            <a:r>
-              <a:rPr lang="en-US" dirty="0" smtClean="0"/>
-              <a:t>Simulate data from a single site.</a:t>
-            </a:r>
-          </a:p>
-        </p:txBody>
-      </p:sp>
-      <p:sp>
-        <p:nvSpPr>
-          <p:cNvPr id="4" name="Slide Number Placeholder 3"/>
-          <p:cNvSpPr>
-            <a:spLocks noGrp="1"/>
-          </p:cNvSpPr>
-          <p:nvPr>
-            <p:ph type="sldNum" sz="quarter" idx="12"/>
-          </p:nvPr>
-        </p:nvSpPr>
-        <p:spPr/>
-        <p:txBody>
-          <a:bodyPr/>
-          <a:lstStyle/>
-          <a:p>
-            <a:fld id="{A90099C9-4CB8-9A40-B745-9AB270505907}" type="slidenum">
-              <a:rPr lang="en-US" smtClean="0"/>
-              <a:t>18</a:t>
-            </a:fld>
-            <a:endParaRPr lang="en-US"/>
-          </a:p>
-        </p:txBody>
-      </p:sp>
-    </p:spTree>
-    <p:extLst>
-      <p:ext uri="{BB962C8B-B14F-4D97-AF65-F5344CB8AC3E}">
-        <p14:creationId xmlns:p14="http://schemas.microsoft.com/office/powerpoint/2010/main" val="1956056855"/>
-      </p:ext>
-    </p:extLst>
-  </p:cSld>
-  <p:clrMapOvr>
-    <a:masterClrMapping/>
-  </p:clrMapOvr>
-</p:sld>
-</file>
-
-<file path=ppt/slides/slide19.xml><?xml version="1.0" encoding="utf-8"?>
-<p:sld xmlns:a="http://schemas.openxmlformats.org/drawingml/2006/main" xmlns:r="http://schemas.openxmlformats.org/officeDocument/2006/relationships" xmlns:p="http://schemas.openxmlformats.org/presentationml/2006/main">
-  <p:cSld>
-    <p:spTree>
-      <p:nvGrpSpPr>
-        <p:cNvPr id="1" name=""/>
-        <p:cNvGrpSpPr/>
-        <p:nvPr/>
-      </p:nvGrpSpPr>
-      <p:grpSpPr>
-        <a:xfrm>
-          <a:off x="0" y="0"/>
-          <a:ext cx="0" cy="0"/>
-          <a:chOff x="0" y="0"/>
-          <a:chExt cx="0" cy="0"/>
-        </a:xfrm>
-      </p:grpSpPr>
-      <p:sp>
-        <p:nvSpPr>
           <p:cNvPr id="2" name="Title 1">
             <a:extLst>
               <a:ext uri="{FF2B5EF4-FFF2-40B4-BE49-F238E27FC236}">
-                <a16:creationId xmlns:a16="http://schemas.microsoft.com/office/drawing/2014/main" xmlns="" id="{6D860678-2641-4F18-A40D-72DF47B7DB37}"/>
+                <a16:creationId xmlns="" xmlns:a16="http://schemas.microsoft.com/office/drawing/2014/main" id="{6D860678-2641-4F18-A40D-72DF47B7DB37}"/>
               </a:ext>
             </a:extLst>
           </p:cNvPr>
@@ -9039,9 +8944,10 @@
           <a:lstStyle/>
           <a:p>
             <a:r>
-              <a:rPr lang="en-US" dirty="0"/>
+              <a:rPr lang="es-419" dirty="0" err="1" smtClean="0"/>
               <a:t>References</a:t>
             </a:r>
+            <a:endParaRPr lang="es-419" dirty="0"/>
           </a:p>
         </p:txBody>
       </p:sp>
@@ -9050,7 +8956,7 @@
           <p:cNvPr id="3" name="Content Placeholder 2">
             <a:extLst>
               <a:ext uri="{FF2B5EF4-FFF2-40B4-BE49-F238E27FC236}">
-                <a16:creationId xmlns:a16="http://schemas.microsoft.com/office/drawing/2014/main" xmlns="" id="{933ABC38-3B73-4F94-AA58-C2325F3398A8}"/>
+                <a16:creationId xmlns="" xmlns:a16="http://schemas.microsoft.com/office/drawing/2014/main" id="{933ABC38-3B73-4F94-AA58-C2325F3398A8}"/>
               </a:ext>
             </a:extLst>
           </p:cNvPr>
@@ -9069,103 +8975,93 @@
         </p:spPr>
         <p:txBody>
           <a:bodyPr>
-            <a:normAutofit fontScale="70000" lnSpcReduction="20000"/>
+            <a:normAutofit/>
           </a:bodyPr>
           <a:lstStyle/>
           <a:p>
-            <a:pPr marL="0" indent="0">
-              <a:buNone/>
-            </a:pPr>
-            <a:r>
-              <a:rPr lang="en-US" dirty="0"/>
-              <a:t>Full details and math of the LA in</a:t>
-            </a:r>
-          </a:p>
-          <a:p>
-            <a:r>
-              <a:rPr lang="en-US" dirty="0" err="1"/>
+            <a:r>
+              <a:rPr lang="es-419" dirty="0" err="1" smtClean="0"/>
+              <a:t>Kristensen</a:t>
+            </a:r>
+            <a:r>
+              <a:rPr lang="es-419" dirty="0" smtClean="0"/>
+              <a:t>, K., </a:t>
+            </a:r>
+            <a:r>
+              <a:rPr lang="es-419" dirty="0" err="1" smtClean="0"/>
+              <a:t>Nielsen</a:t>
+            </a:r>
+            <a:r>
+              <a:rPr lang="es-419" dirty="0" smtClean="0"/>
+              <a:t>, A., </a:t>
+            </a:r>
+            <a:r>
+              <a:rPr lang="es-419" dirty="0" err="1" smtClean="0"/>
+              <a:t>Berg</a:t>
+            </a:r>
+            <a:r>
+              <a:rPr lang="es-419" dirty="0" smtClean="0"/>
+              <a:t>, C. W., </a:t>
+            </a:r>
+            <a:r>
+              <a:rPr lang="es-419" dirty="0" err="1" smtClean="0"/>
               <a:t>Skaug</a:t>
             </a:r>
             <a:r>
-              <a:rPr lang="en-US" dirty="0"/>
-              <a:t>, H. J., &amp; Fournier, D. A. (2006). Automatic approximation of the marginal likelihood in non-Gaussian hierarchical models. </a:t>
-            </a:r>
-            <a:r>
-              <a:rPr lang="en-US" i="1" dirty="0"/>
-              <a:t>Computational Statistics &amp; Data Analysis, 51(2), 699-709. </a:t>
-            </a:r>
-            <a:r>
-              <a:rPr lang="en-US" i="1" dirty="0" err="1"/>
+              <a:rPr lang="es-419" dirty="0" smtClean="0"/>
+              <a:t>, H., &amp; Bell, B. M. (2016). TMB: </a:t>
+            </a:r>
+            <a:r>
+              <a:rPr lang="es-419" dirty="0" err="1" smtClean="0"/>
+              <a:t>Automatic</a:t>
+            </a:r>
+            <a:r>
+              <a:rPr lang="es-419" dirty="0" smtClean="0"/>
+              <a:t> </a:t>
+            </a:r>
+            <a:r>
+              <a:rPr lang="es-419" dirty="0" err="1" smtClean="0"/>
+              <a:t>differentiation</a:t>
+            </a:r>
+            <a:r>
+              <a:rPr lang="es-419" dirty="0" smtClean="0"/>
+              <a:t> and Laplace </a:t>
+            </a:r>
+            <a:r>
+              <a:rPr lang="es-419" dirty="0" err="1" smtClean="0"/>
+              <a:t>approximation</a:t>
+            </a:r>
+            <a:r>
+              <a:rPr lang="es-419" dirty="0" smtClean="0"/>
+              <a:t>. </a:t>
+            </a:r>
+            <a:r>
+              <a:rPr lang="es-419" i="1" dirty="0" err="1" smtClean="0"/>
+              <a:t>Journal</a:t>
+            </a:r>
+            <a:r>
+              <a:rPr lang="es-419" i="1" dirty="0" smtClean="0"/>
+              <a:t> of </a:t>
+            </a:r>
+            <a:r>
+              <a:rPr lang="es-419" i="1" dirty="0" err="1" smtClean="0"/>
+              <a:t>Statistical</a:t>
+            </a:r>
+            <a:r>
+              <a:rPr lang="es-419" i="1" dirty="0" smtClean="0"/>
+              <a:t> Software, 70(5), 21. </a:t>
+            </a:r>
+            <a:r>
+              <a:rPr lang="es-419" i="1" dirty="0" err="1" smtClean="0"/>
               <a:t>doi</a:t>
             </a:r>
             <a:r>
-              <a:rPr lang="en-US" i="1" dirty="0"/>
-              <a:t>: 10.1016/j.csda.2006.03.005</a:t>
-            </a:r>
-          </a:p>
-          <a:p>
-            <a:r>
-              <a:rPr lang="en-US" dirty="0"/>
-              <a:t>Kristensen, K., Nielsen, A., Berg, C. W., </a:t>
-            </a:r>
-            <a:r>
-              <a:rPr lang="en-US" dirty="0" err="1"/>
-              <a:t>Skaug</a:t>
-            </a:r>
-            <a:r>
-              <a:rPr lang="en-US" dirty="0"/>
-              <a:t>, H., &amp; Bell, B. M. (2016). TMB: Automatic differentiation and Laplace approximation. [automatic differentiation; AD; random effects; latent variables; C++ templates; R]. </a:t>
-            </a:r>
-            <a:r>
-              <a:rPr lang="en-US" i="1" dirty="0"/>
-              <a:t>Journal of Statistical Software, 70(5), 21. </a:t>
-            </a:r>
-            <a:r>
-              <a:rPr lang="en-US" i="1" dirty="0" err="1"/>
-              <a:t>doi</a:t>
-            </a:r>
-            <a:r>
-              <a:rPr lang="en-US" i="1" dirty="0"/>
+              <a:rPr lang="es-419" i="1" dirty="0" smtClean="0"/>
               <a:t>: 10.18637/jss.v070.i05</a:t>
             </a:r>
           </a:p>
           <a:p>
-            <a:pPr marL="0" indent="0">
-              <a:buNone/>
-            </a:pPr>
-            <a:r>
-              <a:rPr lang="en-US" dirty="0"/>
-              <a:t>See this paper for working with </a:t>
-            </a:r>
-            <a:r>
-              <a:rPr lang="en-US" dirty="0" err="1"/>
-              <a:t>Emprical</a:t>
-            </a:r>
-            <a:r>
-              <a:rPr lang="en-US" dirty="0"/>
-              <a:t> Bayes estimates:</a:t>
-            </a:r>
-          </a:p>
-          <a:p>
-            <a:r>
-              <a:rPr lang="en-US" dirty="0"/>
-              <a:t>Thorson, J. T., &amp; Kristensen, K. (2016). Implementing a generic method for bias correction in statistical models using random effects, with spatial and population dynamics examples. </a:t>
-            </a:r>
-            <a:r>
-              <a:rPr lang="en-US" i="1" dirty="0"/>
-              <a:t>Fisheries Research, 175, 66-74. </a:t>
-            </a:r>
-            <a:r>
-              <a:rPr lang="en-US" i="1" dirty="0" err="1"/>
-              <a:t>doi</a:t>
-            </a:r>
-            <a:r>
-              <a:rPr lang="en-US" i="1" dirty="0"/>
-              <a:t>: 10.1016/j.fishres.2015.11.016</a:t>
-            </a:r>
-          </a:p>
-          <a:p>
-            <a:endParaRPr lang="en-US" dirty="0"/>
+            <a:endParaRPr lang="es-419" dirty="0"/>
           </a:p>
         </p:txBody>
       </p:sp>
@@ -9174,7 +9070,7 @@
           <p:cNvPr id="4" name="Slide Number Placeholder 3">
             <a:extLst>
               <a:ext uri="{FF2B5EF4-FFF2-40B4-BE49-F238E27FC236}">
-                <a16:creationId xmlns:a16="http://schemas.microsoft.com/office/drawing/2014/main" xmlns="" id="{F9422355-DE94-4B02-9AD0-3EB160F7E76D}"/>
+                <a16:creationId xmlns="" xmlns:a16="http://schemas.microsoft.com/office/drawing/2014/main" id="{F9422355-DE94-4B02-9AD0-3EB160F7E76D}"/>
               </a:ext>
             </a:extLst>
           </p:cNvPr>
@@ -9191,10 +9087,10 @@
           <a:lstStyle/>
           <a:p>
             <a:fld id="{2F5854F6-968A-43DD-98AD-2128488B7BB7}" type="slidenum">
-              <a:rPr lang="en-US" smtClean="0"/>
-              <a:t>19</a:t>
+              <a:rPr lang="es-419" smtClean="0"/>
+              <a:t>18</a:t>
             </a:fld>
-            <a:endParaRPr lang="en-US"/>
+            <a:endParaRPr lang="es-419" dirty="0"/>
           </a:p>
         </p:txBody>
       </p:sp>
@@ -9208,6 +9104,13 @@
   <p:clrMapOvr>
     <a:masterClrMapping/>
   </p:clrMapOvr>
+  <p:timing>
+    <p:tnLst>
+      <p:par>
+        <p:cTn id="1" dur="indefinite" restart="never" nodeType="tmRoot"/>
+      </p:par>
+    </p:tnLst>
+  </p:timing>
 </p:sld>
 </file>
 
@@ -9233,7 +9136,7 @@
           <p:cNvPr id="2" name="Title 1">
             <a:extLst>
               <a:ext uri="{FF2B5EF4-FFF2-40B4-BE49-F238E27FC236}">
-                <a16:creationId xmlns="" xmlns:a16="http://schemas.microsoft.com/office/drawing/2014/main" id="{3F85E31D-5021-4B9C-A2F6-6670EA453677}"/>
+                <a16:creationId xmlns:a16="http://schemas.microsoft.com/office/drawing/2014/main" xmlns="" id="{3F85E31D-5021-4B9C-A2F6-6670EA453677}"/>
               </a:ext>
             </a:extLst>
           </p:cNvPr>
@@ -9250,10 +9153,10 @@
           <a:lstStyle/>
           <a:p>
             <a:r>
-              <a:rPr lang="en-US" dirty="0" smtClean="0"/>
+              <a:rPr lang="es-419" noProof="0" dirty="0" err="1" smtClean="0"/>
               <a:t>Recap</a:t>
             </a:r>
-            <a:endParaRPr lang="en-US" dirty="0"/>
+            <a:endParaRPr lang="es-419" noProof="0" dirty="0"/>
           </a:p>
         </p:txBody>
       </p:sp>
@@ -9262,7 +9165,7 @@
           <p:cNvPr id="3" name="Content Placeholder 2">
             <a:extLst>
               <a:ext uri="{FF2B5EF4-FFF2-40B4-BE49-F238E27FC236}">
-                <a16:creationId xmlns="" xmlns:a16="http://schemas.microsoft.com/office/drawing/2014/main" id="{28B492CE-B56B-411E-ACCC-F83AC37AA46D}"/>
+                <a16:creationId xmlns:a16="http://schemas.microsoft.com/office/drawing/2014/main" xmlns="" id="{28B492CE-B56B-411E-ACCC-F83AC37AA46D}"/>
               </a:ext>
             </a:extLst>
           </p:cNvPr>
@@ -9284,10 +9187,17 @@
           <a:lstStyle/>
           <a:p>
             <a:r>
-              <a:rPr lang="en-US" dirty="0" smtClean="0"/>
-              <a:t>Yesterday we practiced the steps for building a Bayesian model</a:t>
-            </a:r>
-            <a:endParaRPr lang="en-US" dirty="0"/>
+              <a:rPr lang="es-419" noProof="0" dirty="0" smtClean="0"/>
+              <a:t>Ayer practicamos los paso para </a:t>
+            </a:r>
+            <a:r>
+              <a:rPr lang="es-419" noProof="0" dirty="0" err="1" smtClean="0"/>
+              <a:t>construer</a:t>
+            </a:r>
+            <a:r>
+              <a:rPr lang="es-419" noProof="0" dirty="0" smtClean="0"/>
+              <a:t> un modelo Bayesiano</a:t>
+            </a:r>
           </a:p>
           <a:p>
             <a:pPr marL="514350" indent="-514350">
@@ -9295,10 +9205,17 @@
               <a:buAutoNum type="arabicPeriod"/>
             </a:pPr>
             <a:r>
-              <a:rPr lang="en-US" dirty="0" smtClean="0"/>
-              <a:t>Specify priors, model structure, and likelihood</a:t>
-            </a:r>
-            <a:endParaRPr lang="en-US" dirty="0"/>
+              <a:rPr lang="es-419" sz="2800" noProof="0" dirty="0" smtClean="0"/>
+              <a:t>Especifica las </a:t>
+            </a:r>
+            <a:r>
+              <a:rPr lang="es-419" sz="2800" noProof="0" dirty="0" err="1" smtClean="0"/>
+              <a:t>priors</a:t>
+            </a:r>
+            <a:r>
+              <a:rPr lang="es-419" sz="2800" noProof="0" dirty="0" smtClean="0"/>
+              <a:t>, estructura del modelo, y verosimilitud</a:t>
+            </a:r>
           </a:p>
           <a:p>
             <a:pPr marL="514350" indent="-514350">
@@ -9306,22 +9223,10 @@
               <a:buAutoNum type="arabicPeriod"/>
             </a:pPr>
             <a:r>
-              <a:rPr lang="en-US" dirty="0"/>
-              <a:t>F</a:t>
-            </a:r>
-            <a:r>
-              <a:rPr lang="en-US" dirty="0" smtClean="0"/>
-              <a:t>it </a:t>
-            </a:r>
-            <a:r>
-              <a:rPr lang="en-US" dirty="0"/>
-              <a:t>the model </a:t>
-            </a:r>
-            <a:r>
-              <a:rPr lang="en-US" dirty="0" smtClean="0"/>
-              <a:t>to data to get posterior</a:t>
-            </a:r>
-            <a:endParaRPr lang="en-US" dirty="0"/>
+              <a:rPr lang="es-419" sz="2800" noProof="0" dirty="0" smtClean="0"/>
+              <a:t>Ajusta el modelo a los datos para obtener la posterior</a:t>
+            </a:r>
+            <a:endParaRPr lang="es-419" sz="2800" noProof="0" dirty="0" smtClean="0"/>
           </a:p>
           <a:p>
             <a:pPr marL="514350" indent="-514350">
@@ -9329,21 +9234,43 @@
               <a:buAutoNum type="arabicPeriod"/>
             </a:pPr>
             <a:r>
-              <a:rPr lang="en-US" dirty="0"/>
-              <a:t>Evaluate the fit of the model. </a:t>
-            </a:r>
-            <a:endParaRPr lang="en-US" dirty="0" smtClean="0"/>
+              <a:rPr lang="es-419" sz="2800" noProof="0" dirty="0" err="1" smtClean="0"/>
+              <a:t>Evalula</a:t>
+            </a:r>
+            <a:r>
+              <a:rPr lang="es-419" sz="2800" noProof="0" dirty="0" smtClean="0"/>
+              <a:t> el ajuste del modelo</a:t>
+            </a:r>
           </a:p>
           <a:p>
             <a:pPr marL="457200" indent="-457200"/>
             <a:r>
-              <a:rPr lang="en-US" dirty="0" smtClean="0"/>
-              <a:t>We used prior and posterior predictive checks for assessing fit, and DIC for selection among models</a:t>
-            </a:r>
-            <a:endParaRPr lang="en-US" dirty="0"/>
-          </a:p>
-          <a:p>
-            <a:endParaRPr lang="en-US" dirty="0"/>
+              <a:rPr lang="es-419" noProof="0" dirty="0" smtClean="0"/>
+              <a:t>Usaron </a:t>
+            </a:r>
+            <a:r>
+              <a:rPr lang="es-419" i="1" noProof="0" dirty="0" smtClean="0"/>
+              <a:t>prior and posterior </a:t>
+            </a:r>
+            <a:r>
+              <a:rPr lang="es-419" i="1" noProof="0" dirty="0" err="1" smtClean="0"/>
+              <a:t>predictive</a:t>
+            </a:r>
+            <a:r>
+              <a:rPr lang="es-419" i="1" noProof="0" dirty="0" smtClean="0"/>
+              <a:t> </a:t>
+            </a:r>
+            <a:r>
+              <a:rPr lang="es-419" i="1" noProof="0" dirty="0" err="1" smtClean="0"/>
+              <a:t>distributions</a:t>
+            </a:r>
+            <a:r>
+              <a:rPr lang="es-419" noProof="0" dirty="0" smtClean="0"/>
+              <a:t> para chequear y DIC para seleccionar entre modelos</a:t>
+            </a:r>
+          </a:p>
+          <a:p>
+            <a:endParaRPr lang="es-419" noProof="0" dirty="0"/>
           </a:p>
         </p:txBody>
       </p:sp>
@@ -9352,7 +9279,7 @@
           <p:cNvPr id="4" name="Slide Number Placeholder 3">
             <a:extLst>
               <a:ext uri="{FF2B5EF4-FFF2-40B4-BE49-F238E27FC236}">
-                <a16:creationId xmlns="" xmlns:a16="http://schemas.microsoft.com/office/drawing/2014/main" id="{EC538D91-6F8B-42BB-A135-BD948D230469}"/>
+                <a16:creationId xmlns:a16="http://schemas.microsoft.com/office/drawing/2014/main" xmlns="" id="{EC538D91-6F8B-42BB-A135-BD948D230469}"/>
               </a:ext>
             </a:extLst>
           </p:cNvPr>
@@ -9408,7 +9335,13 @@
       </p:grpSpPr>
       <p:sp>
         <p:nvSpPr>
-          <p:cNvPr id="2" name="Title 1"/>
+          <p:cNvPr id="2" name="Title 1">
+            <a:extLst>
+              <a:ext uri="{FF2B5EF4-FFF2-40B4-BE49-F238E27FC236}">
+                <a16:creationId xmlns="" xmlns:a16="http://schemas.microsoft.com/office/drawing/2014/main" id="{E622C5D6-127E-4E13-A682-50C23F6FCCA3}"/>
+              </a:ext>
+            </a:extLst>
+          </p:cNvPr>
           <p:cNvSpPr>
             <a:spLocks noGrp="1"/>
           </p:cNvSpPr>
@@ -9422,79 +9355,211 @@
           <a:lstStyle/>
           <a:p>
             <a:r>
-              <a:rPr lang="en-US" dirty="0" err="1" smtClean="0"/>
-              <a:t>Modelos</a:t>
-            </a:r>
-            <a:r>
-              <a:rPr lang="en-US" dirty="0" smtClean="0"/>
+              <a:rPr lang="es-419" noProof="0" dirty="0" smtClean="0"/>
+              <a:t>Un resume de modelos jerárquicos </a:t>
+            </a:r>
+            <a:endParaRPr lang="es-419" noProof="0" dirty="0"/>
+          </a:p>
+        </p:txBody>
+      </p:sp>
+      <p:sp>
+        <p:nvSpPr>
+          <p:cNvPr id="3" name="Content Placeholder 2">
+            <a:extLst>
+              <a:ext uri="{FF2B5EF4-FFF2-40B4-BE49-F238E27FC236}">
+                <a16:creationId xmlns="" xmlns:a16="http://schemas.microsoft.com/office/drawing/2014/main" id="{6C383712-B948-4BB6-80DA-20C80E766461}"/>
+              </a:ext>
+            </a:extLst>
+          </p:cNvPr>
+          <p:cNvSpPr>
+            <a:spLocks noGrp="1"/>
+          </p:cNvSpPr>
+          <p:nvPr>
+            <p:ph idx="1"/>
+          </p:nvPr>
+        </p:nvSpPr>
+        <p:spPr>
+          <a:xfrm>
+            <a:off x="628650" y="1091361"/>
+            <a:ext cx="7886700" cy="4382670"/>
+          </a:xfrm>
+        </p:spPr>
+        <p:txBody>
+          <a:bodyPr/>
+          <a:lstStyle/>
+          <a:p>
+            <a:r>
+              <a:rPr lang="es-419" sz="2800" noProof="0" dirty="0" smtClean="0"/>
+              <a:t>Un grupo de modelos con una estructura jerárquica </a:t>
+            </a:r>
+          </a:p>
+          <a:p>
+            <a:r>
+              <a:rPr lang="es-419" sz="2800" noProof="0" dirty="0" smtClean="0"/>
+              <a:t>Conocido </a:t>
+            </a:r>
+            <a:r>
+              <a:rPr lang="es-419" sz="2800" noProof="0" dirty="0" smtClean="0"/>
+              <a:t>por otros nombres</a:t>
+            </a:r>
+            <a:r>
+              <a:rPr lang="es-419" sz="2800" noProof="0" dirty="0" smtClean="0"/>
+              <a:t>: </a:t>
+            </a:r>
+          </a:p>
+          <a:p>
+            <a:pPr lvl="1"/>
+            <a:r>
+              <a:rPr lang="es-419" sz="2400" i="1" noProof="0" dirty="0" err="1" smtClean="0"/>
+              <a:t>Random</a:t>
+            </a:r>
+            <a:r>
+              <a:rPr lang="es-419" sz="2400" i="1" noProof="0" dirty="0" smtClean="0"/>
               <a:t> </a:t>
             </a:r>
             <a:r>
-              <a:rPr lang="en-US" dirty="0" err="1" smtClean="0"/>
-              <a:t>jerarchicos</a:t>
-            </a:r>
-            <a:r>
-              <a:rPr lang="en-US" dirty="0" smtClean="0"/>
+              <a:rPr lang="es-419" sz="2400" i="1" noProof="0" dirty="0" err="1" smtClean="0"/>
+              <a:t>effects</a:t>
+            </a:r>
+            <a:r>
+              <a:rPr lang="es-419" sz="2400" i="1" noProof="0" dirty="0" smtClean="0"/>
+              <a:t> (</a:t>
+            </a:r>
+            <a:r>
+              <a:rPr lang="es-419" sz="2400" i="1" noProof="0" dirty="0" err="1" smtClean="0"/>
+              <a:t>mixed</a:t>
+            </a:r>
+            <a:r>
+              <a:rPr lang="es-419" sz="2400" i="1" noProof="0" dirty="0" smtClean="0"/>
               <a:t> </a:t>
             </a:r>
-            <a:endParaRPr lang="en-US" dirty="0"/>
-          </a:p>
-        </p:txBody>
-      </p:sp>
-      <p:sp>
-        <p:nvSpPr>
-          <p:cNvPr id="3" name="Content Placeholder 2"/>
-          <p:cNvSpPr>
-            <a:spLocks noGrp="1"/>
-          </p:cNvSpPr>
-          <p:nvPr>
-            <p:ph idx="1"/>
-          </p:nvPr>
-        </p:nvSpPr>
-        <p:spPr/>
-        <p:txBody>
-          <a:bodyPr/>
+            <a:r>
+              <a:rPr lang="es-419" sz="2400" i="1" noProof="0" dirty="0" err="1" smtClean="0"/>
+              <a:t>effects</a:t>
+            </a:r>
+            <a:r>
+              <a:rPr lang="es-419" sz="2400" i="1" noProof="0" dirty="0" smtClean="0"/>
+              <a:t>) </a:t>
+            </a:r>
+            <a:r>
+              <a:rPr lang="es-419" sz="2400" i="1" noProof="0" dirty="0" err="1" smtClean="0"/>
+              <a:t>models</a:t>
+            </a:r>
+            <a:endParaRPr lang="es-419" sz="2400" i="1" noProof="0" dirty="0" smtClean="0"/>
+          </a:p>
+          <a:p>
+            <a:pPr lvl="1"/>
+            <a:r>
+              <a:rPr lang="es-419" sz="2400" i="1" noProof="0" dirty="0" err="1" smtClean="0"/>
+              <a:t>State-space</a:t>
+            </a:r>
+            <a:r>
+              <a:rPr lang="es-419" sz="2400" i="1" noProof="0" dirty="0" smtClean="0"/>
+              <a:t> </a:t>
+            </a:r>
+            <a:r>
+              <a:rPr lang="es-419" sz="2400" i="1" noProof="0" dirty="0" err="1" smtClean="0"/>
+              <a:t>models</a:t>
+            </a:r>
+            <a:endParaRPr lang="es-419" sz="2400" i="1" noProof="0" dirty="0" smtClean="0"/>
+          </a:p>
+          <a:p>
+            <a:pPr lvl="1"/>
+            <a:r>
+              <a:rPr lang="es-419" sz="2400" i="1" noProof="0" dirty="0" err="1" smtClean="0"/>
+              <a:t>Multi-level</a:t>
+            </a:r>
+            <a:r>
+              <a:rPr lang="es-419" sz="2400" i="1" noProof="0" dirty="0" smtClean="0"/>
+              <a:t> </a:t>
+            </a:r>
+            <a:r>
+              <a:rPr lang="es-419" sz="2400" i="1" noProof="0" dirty="0" err="1" smtClean="0"/>
+              <a:t>models</a:t>
+            </a:r>
+            <a:endParaRPr lang="es-419" sz="2400" i="1" noProof="0" dirty="0" smtClean="0"/>
+          </a:p>
+          <a:p>
+            <a:r>
+              <a:rPr lang="es-419" sz="2800" noProof="0" dirty="0" smtClean="0"/>
+              <a:t>Los jerárquicos ocurren </a:t>
+            </a:r>
+            <a:r>
+              <a:rPr lang="es-419" sz="2800" noProof="0" dirty="0" smtClean="0"/>
+              <a:t>en la naturaleza: individuos adentro sitios; subpoblaciones entre poblaciones, etc. </a:t>
+            </a:r>
+            <a:endParaRPr lang="es-419" sz="2800" noProof="0" dirty="0" smtClean="0"/>
+          </a:p>
+          <a:p>
+            <a:r>
+              <a:rPr lang="es-419" sz="2800" b="1" noProof="0" dirty="0" smtClean="0"/>
+              <a:t>Muchas </a:t>
+            </a:r>
+            <a:r>
+              <a:rPr lang="es-419" sz="2800" noProof="0" dirty="0" smtClean="0"/>
+              <a:t>maneras para interpretarlos, y puede ser difícil y aplastante</a:t>
+            </a:r>
+            <a:endParaRPr lang="es-419" sz="2800" b="1" noProof="0" dirty="0"/>
+          </a:p>
+        </p:txBody>
+      </p:sp>
+      <p:sp>
+        <p:nvSpPr>
+          <p:cNvPr id="4" name="TextBox 3">
+            <a:extLst>
+              <a:ext uri="{FF2B5EF4-FFF2-40B4-BE49-F238E27FC236}">
+                <a16:creationId xmlns="" xmlns:a16="http://schemas.microsoft.com/office/drawing/2014/main" id="{91B8C2B7-D83A-4DE3-8D72-2F8B77908725}"/>
+              </a:ext>
+            </a:extLst>
+          </p:cNvPr>
+          <p:cNvSpPr txBox="1"/>
+          <p:nvPr/>
+        </p:nvSpPr>
+        <p:spPr>
+          <a:xfrm>
+            <a:off x="6185648" y="6495301"/>
+            <a:ext cx="2689411" cy="369332"/>
+          </a:xfrm>
+          <a:prstGeom prst="rect">
+            <a:avLst/>
+          </a:prstGeom>
+          <a:noFill/>
+        </p:spPr>
+        <p:txBody>
+          <a:bodyPr wrap="square" rtlCol="0">
+            <a:spAutoFit/>
+          </a:bodyPr>
           <a:lstStyle/>
           <a:p>
-            <a:r>
-              <a:rPr lang="en-US" dirty="0" smtClean="0"/>
-              <a:t>Hierarchical models are a </a:t>
-            </a:r>
-            <a:r>
-              <a:rPr lang="en-US" i="1" dirty="0" smtClean="0"/>
-              <a:t>type</a:t>
-            </a:r>
-            <a:r>
-              <a:rPr lang="en-US" dirty="0" smtClean="0"/>
-              <a:t> or </a:t>
-            </a:r>
-            <a:r>
-              <a:rPr lang="en-US" i="1" dirty="0" smtClean="0"/>
-              <a:t>class</a:t>
-            </a:r>
-            <a:r>
-              <a:rPr lang="en-US" dirty="0" smtClean="0"/>
-              <a:t> of model</a:t>
-            </a:r>
-          </a:p>
-          <a:p>
-            <a:r>
-              <a:rPr lang="en-US" dirty="0" smtClean="0"/>
-              <a:t>Some of the parameters are assumed to be related (correlated)</a:t>
-            </a:r>
-          </a:p>
-          <a:p>
-            <a:r>
-              <a:rPr lang="en-US" dirty="0" smtClean="0"/>
-              <a:t>This </a:t>
-            </a:r>
-            <a:endParaRPr lang="en-US" dirty="0"/>
-          </a:p>
-        </p:txBody>
-      </p:sp>
-      <p:sp>
-        <p:nvSpPr>
-          <p:cNvPr id="4" name="Slide Number Placeholder 3"/>
+            <a:pPr algn="r"/>
+            <a:r>
+              <a:rPr lang="en-US" dirty="0" err="1"/>
+              <a:t>Royle</a:t>
+            </a:r>
+            <a:r>
+              <a:rPr lang="en-US" dirty="0"/>
+              <a:t> and </a:t>
+            </a:r>
+            <a:r>
+              <a:rPr lang="en-US" dirty="0" err="1"/>
+              <a:t>Dorazio</a:t>
+            </a:r>
+            <a:r>
+              <a:rPr lang="en-US" dirty="0"/>
+              <a:t> 2008</a:t>
+            </a:r>
+          </a:p>
+        </p:txBody>
+      </p:sp>
+      <p:sp>
+        <p:nvSpPr>
+          <p:cNvPr id="5" name="Slide Number Placeholder 4">
+            <a:extLst>
+              <a:ext uri="{FF2B5EF4-FFF2-40B4-BE49-F238E27FC236}">
+                <a16:creationId xmlns="" xmlns:a16="http://schemas.microsoft.com/office/drawing/2014/main" id="{6971F221-485F-4C23-B854-DC3A88CB94F2}"/>
+              </a:ext>
+            </a:extLst>
+          </p:cNvPr>
           <p:cNvSpPr>
             <a:spLocks noGrp="1"/>
           </p:cNvSpPr>
@@ -9518,7 +9583,7 @@
     </p:spTree>
     <p:extLst>
       <p:ext uri="{BB962C8B-B14F-4D97-AF65-F5344CB8AC3E}">
-        <p14:creationId xmlns:p14="http://schemas.microsoft.com/office/powerpoint/2010/main" val="2003360887"/>
+        <p14:creationId xmlns:p14="http://schemas.microsoft.com/office/powerpoint/2010/main" val="418003242"/>
       </p:ext>
     </p:extLst>
   </p:cSld>
@@ -9547,10 +9612,141 @@
       </p:grpSpPr>
       <p:sp>
         <p:nvSpPr>
-          <p:cNvPr id="2" name="Title 1">
+          <p:cNvPr id="2" name="Title 1"/>
+          <p:cNvSpPr>
+            <a:spLocks noGrp="1"/>
+          </p:cNvSpPr>
+          <p:nvPr>
+            <p:ph type="title"/>
+          </p:nvPr>
+        </p:nvSpPr>
+        <p:spPr/>
+        <p:txBody>
+          <a:bodyPr>
+            <a:normAutofit/>
+          </a:bodyPr>
+          <a:lstStyle/>
+          <a:p>
+            <a:r>
+              <a:rPr lang="es-419" noProof="0" dirty="0" smtClean="0"/>
+              <a:t>Que son modelos jerárquicos? </a:t>
+            </a:r>
+            <a:endParaRPr lang="es-419" noProof="0" dirty="0"/>
+          </a:p>
+        </p:txBody>
+      </p:sp>
+      <p:sp>
+        <p:nvSpPr>
+          <p:cNvPr id="3" name="Content Placeholder 2"/>
+          <p:cNvSpPr>
+            <a:spLocks noGrp="1"/>
+          </p:cNvSpPr>
+          <p:nvPr>
+            <p:ph idx="1"/>
+          </p:nvPr>
+        </p:nvSpPr>
+        <p:spPr>
+          <a:xfrm>
+            <a:off x="457200" y="1163637"/>
+            <a:ext cx="8229600" cy="4530725"/>
+          </a:xfrm>
+        </p:spPr>
+        <p:txBody>
+          <a:bodyPr/>
+          <a:lstStyle/>
+          <a:p>
+            <a:r>
+              <a:rPr lang="es-419" noProof="0" dirty="0" smtClean="0"/>
+              <a:t>Los con efectos aleatorios</a:t>
+            </a:r>
+            <a:endParaRPr lang="es-419" sz="3200" noProof="0" dirty="0" smtClean="0"/>
+          </a:p>
+          <a:p>
+            <a:r>
+              <a:rPr lang="es-419" noProof="0" dirty="0" smtClean="0"/>
+              <a:t>Y que son esos? </a:t>
+            </a:r>
+          </a:p>
+          <a:p>
+            <a:pPr lvl="1"/>
+            <a:r>
+              <a:rPr lang="es-419" noProof="0" dirty="0" smtClean="0"/>
+              <a:t>Una fuente de varianza latente (no observable)</a:t>
+            </a:r>
+          </a:p>
+          <a:p>
+            <a:pPr lvl="1"/>
+            <a:r>
+              <a:rPr lang="es-419" noProof="0" dirty="0" smtClean="0"/>
+              <a:t>Normalmente estructurado por tiempo, espacio, sitio, región, individuo, etc.</a:t>
+            </a:r>
+            <a:endParaRPr lang="es-419" noProof="0" dirty="0" smtClean="0"/>
+          </a:p>
+          <a:p>
+            <a:pPr lvl="1"/>
+            <a:r>
+              <a:rPr lang="es-419" noProof="0" dirty="0" smtClean="0"/>
+              <a:t>En general se usa la </a:t>
+            </a:r>
+            <a:r>
+              <a:rPr lang="es-419" noProof="0" dirty="0" err="1" smtClean="0"/>
+              <a:t>supsicion</a:t>
+            </a:r>
+            <a:r>
+              <a:rPr lang="es-419" noProof="0" dirty="0" smtClean="0"/>
+              <a:t> que tienen una distribución normal, con un medio y una varianza no conocidos</a:t>
+            </a:r>
+          </a:p>
+          <a:p>
+            <a:pPr lvl="1"/>
+            <a:r>
+              <a:rPr lang="es-419" noProof="0" dirty="0" smtClean="0"/>
+              <a:t>Son estimados, y llamados: </a:t>
+            </a:r>
+            <a:r>
+              <a:rPr lang="es-419" i="1" noProof="0" dirty="0" smtClean="0"/>
+              <a:t>(</a:t>
+            </a:r>
+            <a:r>
+              <a:rPr lang="es-419" i="1" noProof="0" dirty="0" err="1" smtClean="0"/>
+              <a:t>hyper</a:t>
+            </a:r>
+            <a:r>
+              <a:rPr lang="es-419" i="1" noProof="0" dirty="0" smtClean="0"/>
+              <a:t>)mean and (</a:t>
+            </a:r>
+            <a:r>
+              <a:rPr lang="es-419" i="1" noProof="0" dirty="0" err="1" smtClean="0"/>
+              <a:t>hyper</a:t>
+            </a:r>
+            <a:r>
+              <a:rPr lang="es-419" i="1" noProof="0" dirty="0" smtClean="0"/>
+              <a:t>)</a:t>
+            </a:r>
+            <a:r>
+              <a:rPr lang="es-419" i="1" noProof="0" dirty="0" err="1" smtClean="0"/>
+              <a:t>variance</a:t>
+            </a:r>
+            <a:endParaRPr lang="es-419" i="1" noProof="0" dirty="0" smtClean="0"/>
+          </a:p>
+          <a:p>
+            <a:pPr marL="457200" lvl="1" indent="0">
+              <a:buNone/>
+            </a:pPr>
+            <a:endParaRPr lang="es-419" noProof="0" dirty="0" smtClean="0"/>
+          </a:p>
+          <a:p>
+            <a:pPr lvl="1"/>
+            <a:endParaRPr lang="es-419" noProof="0" dirty="0"/>
+          </a:p>
+        </p:txBody>
+      </p:sp>
+      <p:sp>
+        <p:nvSpPr>
+          <p:cNvPr id="4" name="Slide Number Placeholder 3">
             <a:extLst>
               <a:ext uri="{FF2B5EF4-FFF2-40B4-BE49-F238E27FC236}">
-                <a16:creationId xmlns:a16="http://schemas.microsoft.com/office/drawing/2014/main" xmlns="" id="{E622C5D6-127E-4E13-A682-50C23F6FCCA3}"/>
+                <a16:creationId xmlns="" xmlns:a16="http://schemas.microsoft.com/office/drawing/2014/main" id="{82237799-92F0-42C9-BC32-2F27BA70821F}"/>
               </a:ext>
             </a:extLst>
           </p:cNvPr>
@@ -9558,7 +9754,7 @@
             <a:spLocks noGrp="1"/>
           </p:cNvSpPr>
           <p:nvPr>
-            <p:ph type="title"/>
+            <p:ph type="sldNum" sz="quarter" idx="12"/>
           </p:nvPr>
         </p:nvSpPr>
         <p:spPr/>
@@ -9566,160 +9762,7 @@
           <a:bodyPr/>
           <a:lstStyle/>
           <a:p>
-            <a:r>
-              <a:rPr lang="en-US" dirty="0"/>
-              <a:t>Hierarchical model: overview</a:t>
-            </a:r>
-          </a:p>
-        </p:txBody>
-      </p:sp>
-      <p:sp>
-        <p:nvSpPr>
-          <p:cNvPr id="3" name="Content Placeholder 2">
-            <a:extLst>
-              <a:ext uri="{FF2B5EF4-FFF2-40B4-BE49-F238E27FC236}">
-                <a16:creationId xmlns:a16="http://schemas.microsoft.com/office/drawing/2014/main" xmlns="" id="{6C383712-B948-4BB6-80DA-20C80E766461}"/>
-              </a:ext>
-            </a:extLst>
-          </p:cNvPr>
-          <p:cNvSpPr>
-            <a:spLocks noGrp="1"/>
-          </p:cNvSpPr>
-          <p:nvPr>
-            <p:ph idx="1"/>
-          </p:nvPr>
-        </p:nvSpPr>
-        <p:spPr>
-          <a:xfrm>
-            <a:off x="628650" y="1091361"/>
-            <a:ext cx="7886700" cy="4382670"/>
-          </a:xfrm>
-        </p:spPr>
-        <p:txBody>
-          <a:bodyPr/>
-          <a:lstStyle/>
-          <a:p>
-            <a:r>
-              <a:rPr lang="en-US" sz="2800" dirty="0"/>
-              <a:t>Class of model with a hierarchical structure</a:t>
-            </a:r>
-          </a:p>
-          <a:p>
-            <a:r>
-              <a:rPr lang="en-US" sz="2800" dirty="0"/>
-              <a:t>Known by other names: </a:t>
-            </a:r>
-          </a:p>
-          <a:p>
-            <a:pPr lvl="1"/>
-            <a:r>
-              <a:rPr lang="en-US" sz="2400" dirty="0"/>
-              <a:t>Random effects (mixed effects) models</a:t>
-            </a:r>
-          </a:p>
-          <a:p>
-            <a:pPr lvl="1"/>
-            <a:r>
-              <a:rPr lang="en-US" sz="2400" dirty="0"/>
-              <a:t>State-space models</a:t>
-            </a:r>
-          </a:p>
-          <a:p>
-            <a:pPr lvl="1"/>
-            <a:r>
-              <a:rPr lang="en-US" sz="2400" dirty="0"/>
-              <a:t>Multi-level models</a:t>
-            </a:r>
-          </a:p>
-          <a:p>
-            <a:r>
-              <a:rPr lang="en-US" sz="2800" dirty="0"/>
-              <a:t>Hierarchies occur naturally: individuals within sites, subpopulations within populations, etc. </a:t>
-            </a:r>
-          </a:p>
-          <a:p>
-            <a:r>
-              <a:rPr lang="en-US" sz="2800" b="1" dirty="0"/>
-              <a:t>Many</a:t>
-            </a:r>
-            <a:r>
-              <a:rPr lang="en-US" sz="2800" dirty="0"/>
-              <a:t> ways to think about this class of models, can be conceptually difficult and overwhelming</a:t>
-            </a:r>
-            <a:endParaRPr lang="en-US" sz="2800" b="1" dirty="0"/>
-          </a:p>
-        </p:txBody>
-      </p:sp>
-      <p:sp>
-        <p:nvSpPr>
-          <p:cNvPr id="4" name="TextBox 3">
-            <a:extLst>
-              <a:ext uri="{FF2B5EF4-FFF2-40B4-BE49-F238E27FC236}">
-                <a16:creationId xmlns:a16="http://schemas.microsoft.com/office/drawing/2014/main" xmlns="" id="{91B8C2B7-D83A-4DE3-8D72-2F8B77908725}"/>
-              </a:ext>
-            </a:extLst>
-          </p:cNvPr>
-          <p:cNvSpPr txBox="1"/>
-          <p:nvPr/>
-        </p:nvSpPr>
-        <p:spPr>
-          <a:xfrm>
-            <a:off x="6185648" y="6495301"/>
-            <a:ext cx="2689411" cy="369332"/>
-          </a:xfrm>
-          <a:prstGeom prst="rect">
-            <a:avLst/>
-          </a:prstGeom>
-          <a:noFill/>
-        </p:spPr>
-        <p:txBody>
-          <a:bodyPr wrap="square" rtlCol="0">
-            <a:spAutoFit/>
-          </a:bodyPr>
-          <a:lstStyle/>
-          <a:p>
-            <a:pPr algn="r"/>
-            <a:r>
-              <a:rPr lang="en-US" dirty="0" err="1"/>
-              <a:t>Royle</a:t>
-            </a:r>
-            <a:r>
-              <a:rPr lang="en-US" dirty="0"/>
-              <a:t> and </a:t>
-            </a:r>
-            <a:r>
-              <a:rPr lang="en-US" dirty="0" err="1"/>
-              <a:t>Dorazio</a:t>
-            </a:r>
-            <a:r>
-              <a:rPr lang="en-US" dirty="0"/>
-              <a:t> 2008</a:t>
-            </a:r>
-          </a:p>
-        </p:txBody>
-      </p:sp>
-      <p:sp>
-        <p:nvSpPr>
-          <p:cNvPr id="5" name="Slide Number Placeholder 4">
-            <a:extLst>
-              <a:ext uri="{FF2B5EF4-FFF2-40B4-BE49-F238E27FC236}">
-                <a16:creationId xmlns:a16="http://schemas.microsoft.com/office/drawing/2014/main" xmlns="" id="{6971F221-485F-4C23-B854-DC3A88CB94F2}"/>
-              </a:ext>
-            </a:extLst>
-          </p:cNvPr>
-          <p:cNvSpPr>
-            <a:spLocks noGrp="1"/>
-          </p:cNvSpPr>
-          <p:nvPr>
-            <p:ph type="sldNum" sz="quarter" idx="12"/>
-          </p:nvPr>
-        </p:nvSpPr>
-        <p:spPr/>
-        <p:txBody>
-          <a:bodyPr/>
-          <a:lstStyle/>
-          <a:p>
-            <a:fld id="{A90099C9-4CB8-9A40-B745-9AB270505907}" type="slidenum">
+            <a:fld id="{2F5854F6-968A-43DD-98AD-2128488B7BB7}" type="slidenum">
               <a:rPr lang="en-US" smtClean="0"/>
               <a:t>4</a:t>
             </a:fld>
@@ -9730,7 +9773,7 @@
     </p:spTree>
     <p:extLst>
       <p:ext uri="{BB962C8B-B14F-4D97-AF65-F5344CB8AC3E}">
-        <p14:creationId xmlns:p14="http://schemas.microsoft.com/office/powerpoint/2010/main" val="418003242"/>
+        <p14:creationId xmlns:p14="http://schemas.microsoft.com/office/powerpoint/2010/main" val="2056765095"/>
       </p:ext>
     </p:extLst>
   </p:cSld>
@@ -9769,15 +9812,18 @@
         </p:nvSpPr>
         <p:spPr/>
         <p:txBody>
-          <a:bodyPr>
-            <a:normAutofit/>
-          </a:bodyPr>
+          <a:bodyPr/>
           <a:lstStyle/>
           <a:p>
             <a:r>
-              <a:rPr lang="en-US" dirty="0"/>
-              <a:t>What are hierarchical models (HM)?</a:t>
-            </a:r>
+              <a:rPr lang="es-419" i="1" noProof="0" dirty="0" err="1" smtClean="0"/>
+              <a:t>Exchangeability</a:t>
+            </a:r>
+            <a:r>
+              <a:rPr lang="es-419" noProof="0" dirty="0" smtClean="0"/>
+              <a:t> (intercambiables)</a:t>
+            </a:r>
+            <a:endParaRPr lang="es-419" noProof="0" dirty="0"/>
           </a:p>
         </p:txBody>
       </p:sp>
@@ -9793,8 +9839,8 @@
         </p:nvSpPr>
         <p:spPr>
           <a:xfrm>
-            <a:off x="457200" y="1163637"/>
-            <a:ext cx="8229600" cy="4530725"/>
+            <a:off x="457200" y="1258350"/>
+            <a:ext cx="8229600" cy="4872576"/>
           </a:xfrm>
         </p:spPr>
         <p:txBody>
@@ -9802,47 +9848,79 @@
           <a:lstStyle/>
           <a:p>
             <a:r>
-              <a:rPr lang="en-US" dirty="0" smtClean="0"/>
-              <a:t>Hierarchical models are those with random effects</a:t>
-            </a:r>
-            <a:endParaRPr lang="en-US" sz="3200" dirty="0"/>
-          </a:p>
-          <a:p>
-            <a:r>
-              <a:rPr lang="en-US" dirty="0"/>
-              <a:t>So what are random effects?</a:t>
+              <a:rPr lang="es-419" noProof="0" dirty="0" smtClean="0"/>
+              <a:t>Especialmente importante in la literatura Bayesiana (</a:t>
+            </a:r>
+            <a:r>
+              <a:rPr lang="es-419" noProof="0" dirty="0" err="1" smtClean="0"/>
+              <a:t>Gelman</a:t>
+            </a:r>
+            <a:r>
+              <a:rPr lang="es-419" noProof="0" dirty="0" smtClean="0"/>
+              <a:t> et al. 2004)</a:t>
+            </a:r>
+          </a:p>
+          <a:p>
+            <a:r>
+              <a:rPr lang="es-419" i="1" noProof="0" dirty="0" err="1" smtClean="0">
+                <a:hlinkClick r:id="rId2"/>
+              </a:rPr>
+              <a:t>Exchangeability</a:t>
+            </a:r>
+            <a:r>
+              <a:rPr lang="es-419" noProof="0" dirty="0" smtClean="0">
+                <a:hlinkClick r:id="rId2"/>
+              </a:rPr>
+              <a:t> </a:t>
+            </a:r>
+            <a:r>
+              <a:rPr lang="es-419" noProof="0" dirty="0" smtClean="0"/>
+              <a:t>sugiere que:</a:t>
             </a:r>
           </a:p>
           <a:p>
             <a:pPr lvl="1"/>
             <a:r>
-              <a:rPr lang="en-US" dirty="0"/>
-              <a:t>An additional source of variation </a:t>
+              <a:rPr lang="es-419" noProof="0" dirty="0" smtClean="0"/>
+              <a:t>Efectos aleatorios son de un proceso común. </a:t>
             </a:r>
           </a:p>
           <a:p>
             <a:pPr lvl="1"/>
             <a:r>
-              <a:rPr lang="en-US" dirty="0"/>
-              <a:t>Typically structured by time, space, site, region, individual, etc.</a:t>
+              <a:rPr lang="es-419" noProof="0" dirty="0" smtClean="0"/>
+              <a:t>IID variables son intercambiables</a:t>
             </a:r>
           </a:p>
           <a:p>
             <a:pPr lvl="1"/>
             <a:r>
-              <a:rPr lang="en-US" dirty="0"/>
-              <a:t>Typically assumed to be normally distributed, but we estimate (hyper)mean and (hyper)variance</a:t>
-            </a:r>
-          </a:p>
-          <a:p>
-            <a:pPr marL="457200" lvl="1" indent="0">
-              <a:buNone/>
-            </a:pPr>
-            <a:endParaRPr lang="en-US" dirty="0"/>
+              <a:rPr lang="es-419" noProof="0" dirty="0" smtClean="0"/>
+              <a:t>No hay una esperanza que las diferencias del proceso que genera los efectos </a:t>
+            </a:r>
           </a:p>
           <a:p>
             <a:pPr lvl="1"/>
-            <a:endParaRPr lang="en-US" dirty="0"/>
+            <a:r>
+              <a:rPr lang="es-419" noProof="0" dirty="0" err="1" smtClean="0"/>
+              <a:t>E.g</a:t>
+            </a:r>
+            <a:r>
+              <a:rPr lang="es-419" noProof="0" dirty="0" smtClean="0"/>
+              <a:t>. dos poblaciones salvajes y una domesticado no seria intercambiables</a:t>
+            </a:r>
+          </a:p>
+          <a:p>
+            <a:pPr lvl="1"/>
+            <a:r>
+              <a:rPr lang="es-419" noProof="0" dirty="0" err="1" smtClean="0"/>
+              <a:t>E.g</a:t>
+            </a:r>
+            <a:r>
+              <a:rPr lang="es-419" noProof="0" dirty="0" smtClean="0"/>
+              <a:t>., el medio de la densidad entre sitios </a:t>
+            </a:r>
+            <a:endParaRPr lang="es-419" noProof="0" dirty="0"/>
           </a:p>
         </p:txBody>
       </p:sp>
@@ -9851,7 +9929,7 @@
           <p:cNvPr id="4" name="Slide Number Placeholder 3">
             <a:extLst>
               <a:ext uri="{FF2B5EF4-FFF2-40B4-BE49-F238E27FC236}">
-                <a16:creationId xmlns:a16="http://schemas.microsoft.com/office/drawing/2014/main" xmlns="" id="{82237799-92F0-42C9-BC32-2F27BA70821F}"/>
+                <a16:creationId xmlns="" xmlns:a16="http://schemas.microsoft.com/office/drawing/2014/main" id="{7695775C-246C-4240-8D02-0C741C19BCB1}"/>
               </a:ext>
             </a:extLst>
           </p:cNvPr>
@@ -9878,7 +9956,7 @@
     </p:spTree>
     <p:extLst>
       <p:ext uri="{BB962C8B-B14F-4D97-AF65-F5344CB8AC3E}">
-        <p14:creationId xmlns:p14="http://schemas.microsoft.com/office/powerpoint/2010/main" val="2056765095"/>
+        <p14:creationId xmlns:p14="http://schemas.microsoft.com/office/powerpoint/2010/main" val="1692651253"/>
       </p:ext>
     </p:extLst>
   </p:cSld>
@@ -9921,9 +9999,34 @@
           <a:lstStyle/>
           <a:p>
             <a:r>
-              <a:rPr lang="en-US" dirty="0"/>
-              <a:t>Exchangeability</a:t>
-            </a:r>
+              <a:rPr lang="es-419" noProof="0" dirty="0" err="1" smtClean="0"/>
+              <a:t>Vocabulary</a:t>
+            </a:r>
+            <a:r>
+              <a:rPr lang="es-419" noProof="0" dirty="0" smtClean="0"/>
+              <a:t> </a:t>
+            </a:r>
+            <a:r>
+              <a:rPr lang="es-419" noProof="0" dirty="0" err="1" smtClean="0"/>
+              <a:t>related</a:t>
+            </a:r>
+            <a:r>
+              <a:rPr lang="es-419" noProof="0" dirty="0" smtClean="0"/>
+              <a:t> to </a:t>
+            </a:r>
+            <a:r>
+              <a:rPr lang="es-419" noProof="0" dirty="0" err="1" smtClean="0"/>
+              <a:t>random</a:t>
+            </a:r>
+            <a:r>
+              <a:rPr lang="es-419" noProof="0" dirty="0" smtClean="0"/>
+              <a:t> </a:t>
+            </a:r>
+            <a:r>
+              <a:rPr lang="es-419" noProof="0" dirty="0" err="1" smtClean="0"/>
+              <a:t>effects</a:t>
+            </a:r>
+            <a:endParaRPr lang="es-419" noProof="0" dirty="0"/>
           </a:p>
         </p:txBody>
       </p:sp>
@@ -9943,151 +10046,14 @@
           <a:lstStyle/>
           <a:p>
             <a:r>
-              <a:rPr lang="en-US" dirty="0"/>
-              <a:t>Particularly important in the Bayesian literature (</a:t>
-            </a:r>
-            <a:r>
-              <a:rPr lang="en-US" dirty="0" err="1"/>
-              <a:t>Gelman</a:t>
-            </a:r>
-            <a:r>
-              <a:rPr lang="en-US" dirty="0"/>
-              <a:t> et al. 2004)</a:t>
-            </a:r>
-          </a:p>
-          <a:p>
-            <a:r>
-              <a:rPr lang="en-US" dirty="0"/>
-              <a:t>Exchangeability suggests:</a:t>
-            </a:r>
+              <a:rPr lang="es-419" sz="3200" noProof="0" dirty="0" err="1" smtClean="0"/>
+              <a:t>Definitions</a:t>
+            </a:r>
+            <a:endParaRPr lang="es-419" sz="3200" noProof="0" dirty="0" smtClean="0"/>
           </a:p>
           <a:p>
             <a:pPr lvl="1"/>
-            <a:r>
-              <a:rPr lang="en-US" dirty="0"/>
-              <a:t>random effects come from a common grouping</a:t>
-            </a:r>
-          </a:p>
-          <a:p>
-            <a:pPr lvl="1"/>
-            <a:r>
-              <a:rPr lang="en-US" dirty="0"/>
-              <a:t>no expected differences in the stochastic process generating the effects </a:t>
-            </a:r>
-          </a:p>
-          <a:p>
-            <a:pPr lvl="1"/>
-            <a:r>
-              <a:rPr lang="en-US" dirty="0"/>
-              <a:t>For example 2 wild populations and 1 captive population would NOT be exchangeable</a:t>
-            </a:r>
-          </a:p>
-        </p:txBody>
-      </p:sp>
-      <p:sp>
-        <p:nvSpPr>
-          <p:cNvPr id="4" name="Slide Number Placeholder 3">
-            <a:extLst>
-              <a:ext uri="{FF2B5EF4-FFF2-40B4-BE49-F238E27FC236}">
-                <a16:creationId xmlns:a16="http://schemas.microsoft.com/office/drawing/2014/main" xmlns="" id="{7695775C-246C-4240-8D02-0C741C19BCB1}"/>
-              </a:ext>
-            </a:extLst>
-          </p:cNvPr>
-          <p:cNvSpPr>
-            <a:spLocks noGrp="1"/>
-          </p:cNvSpPr>
-          <p:nvPr>
-            <p:ph type="sldNum" sz="quarter" idx="12"/>
-          </p:nvPr>
-        </p:nvSpPr>
-        <p:spPr/>
-        <p:txBody>
-          <a:bodyPr/>
-          <a:lstStyle/>
-          <a:p>
-            <a:fld id="{2F5854F6-968A-43DD-98AD-2128488B7BB7}" type="slidenum">
-              <a:rPr lang="en-US" smtClean="0"/>
-              <a:t>6</a:t>
-            </a:fld>
-            <a:endParaRPr lang="en-US"/>
-          </a:p>
-        </p:txBody>
-      </p:sp>
-    </p:spTree>
-    <p:extLst>
-      <p:ext uri="{BB962C8B-B14F-4D97-AF65-F5344CB8AC3E}">
-        <p14:creationId xmlns:p14="http://schemas.microsoft.com/office/powerpoint/2010/main" val="1692651253"/>
-      </p:ext>
-    </p:extLst>
-  </p:cSld>
-  <p:clrMapOvr>
-    <a:masterClrMapping/>
-  </p:clrMapOvr>
-</p:sld>
-</file>
-
-<file path=ppt/slides/slide7.xml><?xml version="1.0" encoding="utf-8"?>
-<p:sld xmlns:a="http://schemas.openxmlformats.org/drawingml/2006/main" xmlns:r="http://schemas.openxmlformats.org/officeDocument/2006/relationships" xmlns:p="http://schemas.openxmlformats.org/presentationml/2006/main">
-  <p:cSld>
-    <p:spTree>
-      <p:nvGrpSpPr>
-        <p:cNvPr id="1" name=""/>
-        <p:cNvGrpSpPr/>
-        <p:nvPr/>
-      </p:nvGrpSpPr>
-      <p:grpSpPr>
-        <a:xfrm>
-          <a:off x="0" y="0"/>
-          <a:ext cx="0" cy="0"/>
-          <a:chOff x="0" y="0"/>
-          <a:chExt cx="0" cy="0"/>
-        </a:xfrm>
-      </p:grpSpPr>
-      <p:sp>
-        <p:nvSpPr>
-          <p:cNvPr id="2" name="Title 1"/>
-          <p:cNvSpPr>
-            <a:spLocks noGrp="1"/>
-          </p:cNvSpPr>
-          <p:nvPr>
-            <p:ph type="title"/>
-          </p:nvPr>
-        </p:nvSpPr>
-        <p:spPr/>
-        <p:txBody>
-          <a:bodyPr/>
-          <a:lstStyle/>
-          <a:p>
-            <a:r>
-              <a:rPr lang="en-US" dirty="0"/>
-              <a:t>Vocabulary related to random effects</a:t>
-            </a:r>
-          </a:p>
-        </p:txBody>
-      </p:sp>
-      <p:sp>
-        <p:nvSpPr>
-          <p:cNvPr id="3" name="Content Placeholder 2"/>
-          <p:cNvSpPr>
-            <a:spLocks noGrp="1"/>
-          </p:cNvSpPr>
-          <p:nvPr>
-            <p:ph idx="1"/>
-          </p:nvPr>
-        </p:nvSpPr>
-        <p:spPr/>
-        <p:txBody>
-          <a:bodyPr/>
-          <a:lstStyle/>
-          <a:p>
-            <a:r>
-              <a:rPr lang="en-US" sz="3200" dirty="0"/>
-              <a:t>Definitions</a:t>
-            </a:r>
-          </a:p>
-          <a:p>
-            <a:pPr lvl="1"/>
-            <a:endParaRPr lang="en-US" sz="3200" dirty="0"/>
+            <a:endParaRPr lang="es-419" sz="3200" noProof="0" dirty="0"/>
           </a:p>
         </p:txBody>
       </p:sp>
@@ -10115,14 +10081,14 @@
                 <a:gridCol w="2522018">
                   <a:extLst>
                     <a:ext uri="{9D8B030D-6E8A-4147-A177-3AD203B41FA5}">
-                      <a16:colId xmlns:a16="http://schemas.microsoft.com/office/drawing/2014/main" xmlns="" val="20000"/>
+                      <a16:colId xmlns="" xmlns:a16="http://schemas.microsoft.com/office/drawing/2014/main" val="20000"/>
                     </a:ext>
                   </a:extLst>
                 </a:gridCol>
                 <a:gridCol w="5859982">
                   <a:extLst>
                     <a:ext uri="{9D8B030D-6E8A-4147-A177-3AD203B41FA5}">
-                      <a16:colId xmlns:a16="http://schemas.microsoft.com/office/drawing/2014/main" xmlns="" val="20001"/>
+                      <a16:colId xmlns="" xmlns:a16="http://schemas.microsoft.com/office/drawing/2014/main" val="20001"/>
                     </a:ext>
                   </a:extLst>
                 </a:gridCol>
@@ -10156,7 +10122,7 @@
                 </a:tc>
                 <a:extLst>
                   <a:ext uri="{0D108BD9-81ED-4DB2-BD59-A6C34878D82A}">
-                    <a16:rowId xmlns:a16="http://schemas.microsoft.com/office/drawing/2014/main" xmlns="" val="10000"/>
+                    <a16:rowId xmlns="" xmlns:a16="http://schemas.microsoft.com/office/drawing/2014/main" val="10000"/>
                   </a:ext>
                 </a:extLst>
               </a:tr>
@@ -10194,7 +10160,7 @@
                 </a:tc>
                 <a:extLst>
                   <a:ext uri="{0D108BD9-81ED-4DB2-BD59-A6C34878D82A}">
-                    <a16:rowId xmlns:a16="http://schemas.microsoft.com/office/drawing/2014/main" xmlns="" val="10001"/>
+                    <a16:rowId xmlns="" xmlns:a16="http://schemas.microsoft.com/office/drawing/2014/main" val="10001"/>
                   </a:ext>
                 </a:extLst>
               </a:tr>
@@ -10228,7 +10194,7 @@
                 </a:tc>
                 <a:extLst>
                   <a:ext uri="{0D108BD9-81ED-4DB2-BD59-A6C34878D82A}">
-                    <a16:rowId xmlns:a16="http://schemas.microsoft.com/office/drawing/2014/main" xmlns="" val="10002"/>
+                    <a16:rowId xmlns="" xmlns:a16="http://schemas.microsoft.com/office/drawing/2014/main" val="10002"/>
                   </a:ext>
                 </a:extLst>
               </a:tr>
@@ -10266,7 +10232,7 @@
                 </a:tc>
                 <a:extLst>
                   <a:ext uri="{0D108BD9-81ED-4DB2-BD59-A6C34878D82A}">
-                    <a16:rowId xmlns:a16="http://schemas.microsoft.com/office/drawing/2014/main" xmlns="" val="10003"/>
+                    <a16:rowId xmlns="" xmlns:a16="http://schemas.microsoft.com/office/drawing/2014/main" val="10003"/>
                   </a:ext>
                 </a:extLst>
               </a:tr>
@@ -10308,7 +10274,7 @@
                 </a:tc>
                 <a:extLst>
                   <a:ext uri="{0D108BD9-81ED-4DB2-BD59-A6C34878D82A}">
-                    <a16:rowId xmlns:a16="http://schemas.microsoft.com/office/drawing/2014/main" xmlns="" val="10004"/>
+                    <a16:rowId xmlns="" xmlns:a16="http://schemas.microsoft.com/office/drawing/2014/main" val="10004"/>
                   </a:ext>
                 </a:extLst>
               </a:tr>
@@ -10346,7 +10312,7 @@
                 </a:tc>
                 <a:extLst>
                   <a:ext uri="{0D108BD9-81ED-4DB2-BD59-A6C34878D82A}">
-                    <a16:rowId xmlns:a16="http://schemas.microsoft.com/office/drawing/2014/main" xmlns="" val="10005"/>
+                    <a16:rowId xmlns="" xmlns:a16="http://schemas.microsoft.com/office/drawing/2014/main" val="10005"/>
                   </a:ext>
                 </a:extLst>
               </a:tr>
@@ -10359,7 +10325,683 @@
           <p:cNvPr id="5" name="Slide Number Placeholder 4">
             <a:extLst>
               <a:ext uri="{FF2B5EF4-FFF2-40B4-BE49-F238E27FC236}">
-                <a16:creationId xmlns:a16="http://schemas.microsoft.com/office/drawing/2014/main" xmlns="" id="{457FFAEA-622E-4CA2-8209-069A88AFAEA7}"/>
+                <a16:creationId xmlns="" xmlns:a16="http://schemas.microsoft.com/office/drawing/2014/main" id="{457FFAEA-622E-4CA2-8209-069A88AFAEA7}"/>
+              </a:ext>
+            </a:extLst>
+          </p:cNvPr>
+          <p:cNvSpPr>
+            <a:spLocks noGrp="1"/>
+          </p:cNvSpPr>
+          <p:nvPr>
+            <p:ph type="sldNum" sz="quarter" idx="12"/>
+          </p:nvPr>
+        </p:nvSpPr>
+        <p:spPr/>
+        <p:txBody>
+          <a:bodyPr/>
+          <a:lstStyle/>
+          <a:p>
+            <a:fld id="{2F5854F6-968A-43DD-98AD-2128488B7BB7}" type="slidenum">
+              <a:rPr lang="en-US" smtClean="0"/>
+              <a:t>6</a:t>
+            </a:fld>
+            <a:endParaRPr lang="en-US"/>
+          </a:p>
+        </p:txBody>
+      </p:sp>
+    </p:spTree>
+    <p:extLst>
+      <p:ext uri="{BB962C8B-B14F-4D97-AF65-F5344CB8AC3E}">
+        <p14:creationId xmlns:p14="http://schemas.microsoft.com/office/powerpoint/2010/main" val="3848165047"/>
+      </p:ext>
+    </p:extLst>
+  </p:cSld>
+  <p:clrMapOvr>
+    <a:masterClrMapping/>
+  </p:clrMapOvr>
+</p:sld>
+</file>
+
+<file path=ppt/slides/slide7.xml><?xml version="1.0" encoding="utf-8"?>
+<p:sld xmlns:a="http://schemas.openxmlformats.org/drawingml/2006/main" xmlns:r="http://schemas.openxmlformats.org/officeDocument/2006/relationships" xmlns:p="http://schemas.openxmlformats.org/presentationml/2006/main">
+  <p:cSld>
+    <p:spTree>
+      <p:nvGrpSpPr>
+        <p:cNvPr id="1" name=""/>
+        <p:cNvGrpSpPr/>
+        <p:nvPr/>
+      </p:nvGrpSpPr>
+      <p:grpSpPr>
+        <a:xfrm>
+          <a:off x="0" y="0"/>
+          <a:ext cx="0" cy="0"/>
+          <a:chOff x="0" y="0"/>
+          <a:chExt cx="0" cy="0"/>
+        </a:xfrm>
+      </p:grpSpPr>
+      <p:sp>
+        <p:nvSpPr>
+          <p:cNvPr id="2" name="Title 1">
+            <a:extLst>
+              <a:ext uri="{FF2B5EF4-FFF2-40B4-BE49-F238E27FC236}">
+                <a16:creationId xmlns="" xmlns:a16="http://schemas.microsoft.com/office/drawing/2014/main" id="{E622C5D6-127E-4E13-A682-50C23F6FCCA3}"/>
+              </a:ext>
+            </a:extLst>
+          </p:cNvPr>
+          <p:cNvSpPr>
+            <a:spLocks noGrp="1"/>
+          </p:cNvSpPr>
+          <p:nvPr>
+            <p:ph type="title"/>
+          </p:nvPr>
+        </p:nvSpPr>
+        <p:spPr/>
+        <p:txBody>
+          <a:bodyPr/>
+          <a:lstStyle/>
+          <a:p>
+            <a:r>
+              <a:rPr lang="es-419" noProof="0" dirty="0" err="1" smtClean="0"/>
+              <a:t>Motivating</a:t>
+            </a:r>
+            <a:r>
+              <a:rPr lang="es-419" noProof="0" dirty="0" smtClean="0"/>
+              <a:t> </a:t>
+            </a:r>
+            <a:r>
+              <a:rPr lang="es-419" noProof="0" dirty="0" err="1" smtClean="0"/>
+              <a:t>example</a:t>
+            </a:r>
+            <a:endParaRPr lang="es-419" noProof="0" dirty="0"/>
+          </a:p>
+        </p:txBody>
+      </p:sp>
+      <p:pic>
+        <p:nvPicPr>
+          <p:cNvPr id="4" name="Picture 3">
+            <a:extLst>
+              <a:ext uri="{FF2B5EF4-FFF2-40B4-BE49-F238E27FC236}">
+                <a16:creationId xmlns="" xmlns:a16="http://schemas.microsoft.com/office/drawing/2014/main" id="{A3CE29E7-39DF-4344-A6C6-106194DF1170}"/>
+              </a:ext>
+            </a:extLst>
+          </p:cNvPr>
+          <p:cNvPicPr>
+            <a:picLocks noChangeAspect="1"/>
+          </p:cNvPicPr>
+          <p:nvPr/>
+        </p:nvPicPr>
+        <p:blipFill>
+          <a:blip r:embed="rId2"/>
+          <a:stretch>
+            <a:fillRect/>
+          </a:stretch>
+        </p:blipFill>
+        <p:spPr>
+          <a:xfrm>
+            <a:off x="211757" y="1876766"/>
+            <a:ext cx="6506678" cy="3194402"/>
+          </a:xfrm>
+          <a:prstGeom prst="rect">
+            <a:avLst/>
+          </a:prstGeom>
+        </p:spPr>
+      </p:pic>
+      <p:sp>
+        <p:nvSpPr>
+          <p:cNvPr id="7" name="Rectangle 6">
+            <a:extLst>
+              <a:ext uri="{FF2B5EF4-FFF2-40B4-BE49-F238E27FC236}">
+                <a16:creationId xmlns="" xmlns:a16="http://schemas.microsoft.com/office/drawing/2014/main" id="{C26DB809-D9AA-4615-BB91-602299E0A4B7}"/>
+              </a:ext>
+            </a:extLst>
+          </p:cNvPr>
+          <p:cNvSpPr/>
+          <p:nvPr/>
+        </p:nvSpPr>
+        <p:spPr>
+          <a:xfrm>
+            <a:off x="6593306" y="2998116"/>
+            <a:ext cx="2093494" cy="605099"/>
+          </a:xfrm>
+          <a:prstGeom prst="rect">
+            <a:avLst/>
+          </a:prstGeom>
+          <a:noFill/>
+          <a:ln>
+            <a:solidFill>
+              <a:schemeClr val="tx1"/>
+            </a:solidFill>
+          </a:ln>
+        </p:spPr>
+        <p:style>
+          <a:lnRef idx="2">
+            <a:schemeClr val="accent1">
+              <a:shade val="50000"/>
+            </a:schemeClr>
+          </a:lnRef>
+          <a:fillRef idx="1">
+            <a:schemeClr val="accent1"/>
+          </a:fillRef>
+          <a:effectRef idx="0">
+            <a:schemeClr val="accent1"/>
+          </a:effectRef>
+          <a:fontRef idx="minor">
+            <a:schemeClr val="lt1"/>
+          </a:fontRef>
+        </p:style>
+        <p:txBody>
+          <a:bodyPr rtlCol="0" anchor="ctr"/>
+          <a:lstStyle/>
+          <a:p>
+            <a:pPr algn="ctr"/>
+            <a:r>
+              <a:rPr lang="en-US" b="1" dirty="0" smtClean="0">
+                <a:solidFill>
+                  <a:srgbClr val="FF0000"/>
+                </a:solidFill>
+              </a:rPr>
+              <a:t>D= </a:t>
+            </a:r>
+            <a:r>
+              <a:rPr lang="en-US" b="1" dirty="0" err="1" smtClean="0">
+                <a:solidFill>
+                  <a:srgbClr val="FF0000"/>
+                </a:solidFill>
+              </a:rPr>
+              <a:t>densidad</a:t>
+            </a:r>
+            <a:endParaRPr lang="en-US" b="1" dirty="0" smtClean="0">
+              <a:solidFill>
+                <a:srgbClr val="FF0000"/>
+              </a:solidFill>
+            </a:endParaRPr>
+          </a:p>
+          <a:p>
+            <a:pPr algn="ctr"/>
+            <a:r>
+              <a:rPr lang="en-US" b="1" dirty="0" smtClean="0">
+                <a:solidFill>
+                  <a:srgbClr val="FF0000"/>
+                </a:solidFill>
+              </a:rPr>
+              <a:t>(</a:t>
+            </a:r>
+            <a:r>
+              <a:rPr lang="en-US" b="1" dirty="0" err="1" smtClean="0">
+                <a:solidFill>
+                  <a:srgbClr val="FF0000"/>
+                </a:solidFill>
+              </a:rPr>
+              <a:t>latente</a:t>
+            </a:r>
+            <a:r>
+              <a:rPr lang="en-US" b="1" dirty="0" smtClean="0">
+                <a:solidFill>
+                  <a:srgbClr val="FF0000"/>
+                </a:solidFill>
+              </a:rPr>
+              <a:t>)</a:t>
+            </a:r>
+            <a:r>
+              <a:rPr lang="en-US" b="1" dirty="0" smtClean="0">
+                <a:solidFill>
+                  <a:srgbClr val="FF0000"/>
+                </a:solidFill>
+              </a:rPr>
+              <a:t> </a:t>
+            </a:r>
+            <a:endParaRPr lang="en-US" b="1" dirty="0">
+              <a:solidFill>
+                <a:srgbClr val="FF0000"/>
+              </a:solidFill>
+            </a:endParaRPr>
+          </a:p>
+        </p:txBody>
+      </p:sp>
+      <p:sp>
+        <p:nvSpPr>
+          <p:cNvPr id="8" name="Rectangle 7">
+            <a:extLst>
+              <a:ext uri="{FF2B5EF4-FFF2-40B4-BE49-F238E27FC236}">
+                <a16:creationId xmlns="" xmlns:a16="http://schemas.microsoft.com/office/drawing/2014/main" id="{F2AD29DD-2B6D-4096-BE7F-4ECC343CCC86}"/>
+              </a:ext>
+            </a:extLst>
+          </p:cNvPr>
+          <p:cNvSpPr/>
+          <p:nvPr/>
+        </p:nvSpPr>
+        <p:spPr>
+          <a:xfrm>
+            <a:off x="6436913" y="1070777"/>
+            <a:ext cx="2406883" cy="1721376"/>
+          </a:xfrm>
+          <a:prstGeom prst="rect">
+            <a:avLst/>
+          </a:prstGeom>
+          <a:noFill/>
+          <a:ln>
+            <a:solidFill>
+              <a:schemeClr val="tx1"/>
+            </a:solidFill>
+          </a:ln>
+        </p:spPr>
+        <p:style>
+          <a:lnRef idx="2">
+            <a:schemeClr val="accent1">
+              <a:shade val="50000"/>
+            </a:schemeClr>
+          </a:lnRef>
+          <a:fillRef idx="1">
+            <a:schemeClr val="accent1"/>
+          </a:fillRef>
+          <a:effectRef idx="0">
+            <a:schemeClr val="accent1"/>
+          </a:effectRef>
+          <a:fontRef idx="minor">
+            <a:schemeClr val="lt1"/>
+          </a:fontRef>
+        </p:style>
+        <p:txBody>
+          <a:bodyPr rtlCol="0" anchor="ctr"/>
+          <a:lstStyle/>
+          <a:p>
+            <a:pPr algn="ctr"/>
+            <a:r>
+              <a:rPr lang="en-US" b="1" dirty="0" smtClean="0">
+                <a:solidFill>
+                  <a:srgbClr val="FF0000"/>
+                </a:solidFill>
+              </a:rPr>
+              <a:t>El </a:t>
+            </a:r>
+            <a:r>
+              <a:rPr lang="en-US" b="1" dirty="0" err="1" smtClean="0">
+                <a:solidFill>
+                  <a:srgbClr val="FF0000"/>
+                </a:solidFill>
+              </a:rPr>
+              <a:t>promedio</a:t>
+            </a:r>
+            <a:r>
+              <a:rPr lang="en-US" b="1" dirty="0" smtClean="0">
+                <a:solidFill>
+                  <a:srgbClr val="FF0000"/>
+                </a:solidFill>
+              </a:rPr>
+              <a:t> y </a:t>
+            </a:r>
+            <a:r>
+              <a:rPr lang="en-US" b="1" dirty="0" err="1" smtClean="0">
+                <a:solidFill>
+                  <a:srgbClr val="FF0000"/>
+                </a:solidFill>
+              </a:rPr>
+              <a:t>varianza</a:t>
+            </a:r>
+            <a:r>
+              <a:rPr lang="en-US" b="1" dirty="0" smtClean="0">
+                <a:solidFill>
+                  <a:srgbClr val="FF0000"/>
+                </a:solidFill>
+              </a:rPr>
+              <a:t> </a:t>
+            </a:r>
+            <a:r>
+              <a:rPr lang="en-US" b="1" dirty="0" smtClean="0">
+                <a:solidFill>
+                  <a:srgbClr val="FF0000"/>
+                </a:solidFill>
+              </a:rPr>
+              <a:t>de la </a:t>
+            </a:r>
+            <a:r>
+              <a:rPr lang="en-US" b="1" dirty="0" err="1" smtClean="0">
+                <a:solidFill>
+                  <a:srgbClr val="FF0000"/>
+                </a:solidFill>
+              </a:rPr>
+              <a:t>densidad</a:t>
+            </a:r>
+            <a:r>
+              <a:rPr lang="en-US" b="1" dirty="0" smtClean="0">
+                <a:solidFill>
+                  <a:srgbClr val="FF0000"/>
+                </a:solidFill>
+              </a:rPr>
+              <a:t> entre </a:t>
+            </a:r>
+            <a:r>
+              <a:rPr lang="en-US" b="1" dirty="0" err="1" smtClean="0">
+                <a:solidFill>
+                  <a:srgbClr val="FF0000"/>
+                </a:solidFill>
+              </a:rPr>
+              <a:t>sitios</a:t>
+            </a:r>
+            <a:r>
+              <a:rPr lang="en-US" b="1" dirty="0" smtClean="0">
+                <a:solidFill>
+                  <a:srgbClr val="FF0000"/>
+                </a:solidFill>
+              </a:rPr>
+              <a:t> (</a:t>
+            </a:r>
+            <a:r>
+              <a:rPr lang="en-US" b="1" i="1" dirty="0" err="1" smtClean="0">
+                <a:solidFill>
+                  <a:srgbClr val="FF0000"/>
+                </a:solidFill>
+              </a:rPr>
+              <a:t>hyperdistribution</a:t>
+            </a:r>
+            <a:r>
+              <a:rPr lang="en-US" b="1" dirty="0" smtClean="0">
+                <a:solidFill>
+                  <a:srgbClr val="FF0000"/>
+                </a:solidFill>
+              </a:rPr>
+              <a:t>)</a:t>
+            </a:r>
+            <a:endParaRPr lang="en-US" b="1" dirty="0">
+              <a:solidFill>
+                <a:srgbClr val="FF0000"/>
+              </a:solidFill>
+            </a:endParaRPr>
+          </a:p>
+        </p:txBody>
+      </p:sp>
+      <p:sp>
+        <p:nvSpPr>
+          <p:cNvPr id="9" name="Rectangle 8">
+            <a:extLst>
+              <a:ext uri="{FF2B5EF4-FFF2-40B4-BE49-F238E27FC236}">
+                <a16:creationId xmlns="" xmlns:a16="http://schemas.microsoft.com/office/drawing/2014/main" id="{AA38EDBA-A1B5-4372-B391-6573B6D79D64}"/>
+              </a:ext>
+            </a:extLst>
+          </p:cNvPr>
+          <p:cNvSpPr/>
+          <p:nvPr/>
+        </p:nvSpPr>
+        <p:spPr>
+          <a:xfrm>
+            <a:off x="6725653" y="3834011"/>
+            <a:ext cx="1828800" cy="1488532"/>
+          </a:xfrm>
+          <a:prstGeom prst="rect">
+            <a:avLst/>
+          </a:prstGeom>
+          <a:noFill/>
+          <a:ln>
+            <a:solidFill>
+              <a:schemeClr val="tx1"/>
+            </a:solidFill>
+          </a:ln>
+        </p:spPr>
+        <p:style>
+          <a:lnRef idx="2">
+            <a:schemeClr val="accent1">
+              <a:shade val="50000"/>
+            </a:schemeClr>
+          </a:lnRef>
+          <a:fillRef idx="1">
+            <a:schemeClr val="accent1"/>
+          </a:fillRef>
+          <a:effectRef idx="0">
+            <a:schemeClr val="accent1"/>
+          </a:effectRef>
+          <a:fontRef idx="minor">
+            <a:schemeClr val="lt1"/>
+          </a:fontRef>
+        </p:style>
+        <p:txBody>
+          <a:bodyPr rtlCol="0" anchor="ctr"/>
+          <a:lstStyle/>
+          <a:p>
+            <a:pPr algn="ctr"/>
+            <a:r>
+              <a:rPr lang="en-US" b="1" dirty="0" smtClean="0">
+                <a:solidFill>
+                  <a:srgbClr val="FF0000"/>
+                </a:solidFill>
+              </a:rPr>
+              <a:t>Dos </a:t>
+            </a:r>
+            <a:r>
+              <a:rPr lang="en-US" b="1" dirty="0" err="1" smtClean="0">
+                <a:solidFill>
+                  <a:srgbClr val="FF0000"/>
+                </a:solidFill>
+              </a:rPr>
+              <a:t>observaciones</a:t>
+            </a:r>
+            <a:r>
+              <a:rPr lang="en-US" b="1" dirty="0" smtClean="0">
+                <a:solidFill>
+                  <a:srgbClr val="FF0000"/>
+                </a:solidFill>
+              </a:rPr>
+              <a:t> de </a:t>
+            </a:r>
+            <a:r>
+              <a:rPr lang="en-US" b="1" dirty="0" err="1" smtClean="0">
+                <a:solidFill>
+                  <a:srgbClr val="FF0000"/>
+                </a:solidFill>
+              </a:rPr>
+              <a:t>cada</a:t>
+            </a:r>
+            <a:r>
+              <a:rPr lang="en-US" b="1" dirty="0" smtClean="0">
+                <a:solidFill>
+                  <a:srgbClr val="FF0000"/>
+                </a:solidFill>
+              </a:rPr>
+              <a:t> </a:t>
+            </a:r>
+            <a:r>
+              <a:rPr lang="en-US" b="1" dirty="0" err="1" smtClean="0">
+                <a:solidFill>
+                  <a:srgbClr val="FF0000"/>
+                </a:solidFill>
+              </a:rPr>
+              <a:t>uno</a:t>
+            </a:r>
+            <a:r>
+              <a:rPr lang="en-US" b="1" dirty="0" smtClean="0">
+                <a:solidFill>
+                  <a:srgbClr val="FF0000"/>
+                </a:solidFill>
+              </a:rPr>
+              <a:t> </a:t>
+            </a:r>
+            <a:r>
+              <a:rPr lang="en-US" b="1" dirty="0" err="1" smtClean="0">
+                <a:solidFill>
+                  <a:srgbClr val="FF0000"/>
+                </a:solidFill>
+              </a:rPr>
+              <a:t>sitio</a:t>
+            </a:r>
+            <a:r>
+              <a:rPr lang="en-US" b="1" dirty="0" smtClean="0">
+                <a:solidFill>
+                  <a:srgbClr val="FF0000"/>
+                </a:solidFill>
+              </a:rPr>
+              <a:t> (</a:t>
+            </a:r>
+            <a:r>
+              <a:rPr lang="en-US" b="1" dirty="0" err="1" smtClean="0">
+                <a:solidFill>
+                  <a:srgbClr val="FF0000"/>
+                </a:solidFill>
+              </a:rPr>
+              <a:t>datos</a:t>
+            </a:r>
+            <a:r>
+              <a:rPr lang="en-US" b="1" dirty="0" smtClean="0">
+                <a:solidFill>
+                  <a:srgbClr val="FF0000"/>
+                </a:solidFill>
+              </a:rPr>
+              <a:t> </a:t>
+            </a:r>
+            <a:r>
+              <a:rPr lang="en-US" b="1" dirty="0" err="1" smtClean="0">
+                <a:solidFill>
+                  <a:srgbClr val="FF0000"/>
+                </a:solidFill>
+              </a:rPr>
+              <a:t>observados</a:t>
+            </a:r>
+            <a:r>
+              <a:rPr lang="en-US" b="1" dirty="0" smtClean="0">
+                <a:solidFill>
+                  <a:srgbClr val="FF0000"/>
+                </a:solidFill>
+              </a:rPr>
+              <a:t>)</a:t>
+            </a:r>
+            <a:endParaRPr lang="en-US" b="1" dirty="0">
+              <a:solidFill>
+                <a:srgbClr val="FF0000"/>
+              </a:solidFill>
+            </a:endParaRPr>
+          </a:p>
+        </p:txBody>
+      </p:sp>
+      <p:sp>
+        <p:nvSpPr>
+          <p:cNvPr id="10" name="TextBox 9">
+            <a:extLst>
+              <a:ext uri="{FF2B5EF4-FFF2-40B4-BE49-F238E27FC236}">
+                <a16:creationId xmlns="" xmlns:a16="http://schemas.microsoft.com/office/drawing/2014/main" id="{548D46D9-DC08-4167-B98C-D5BE7F63658A}"/>
+              </a:ext>
+            </a:extLst>
+          </p:cNvPr>
+          <p:cNvSpPr txBox="1"/>
+          <p:nvPr/>
+        </p:nvSpPr>
+        <p:spPr>
+          <a:xfrm>
+            <a:off x="559769" y="5301964"/>
+            <a:ext cx="8024462" cy="830997"/>
+          </a:xfrm>
+          <a:prstGeom prst="rect">
+            <a:avLst/>
+          </a:prstGeom>
+          <a:noFill/>
+        </p:spPr>
+        <p:txBody>
+          <a:bodyPr wrap="square" rtlCol="0">
+            <a:spAutoFit/>
+          </a:bodyPr>
+          <a:lstStyle/>
+          <a:p>
+            <a:pPr marL="285750" indent="-285750">
+              <a:buFont typeface="Arial" panose="020B0604020202020204" pitchFamily="34" charset="0"/>
+              <a:buChar char="•"/>
+            </a:pPr>
+            <a:r>
+              <a:rPr lang="en-US" sz="2400" dirty="0" smtClean="0"/>
+              <a:t>Las </a:t>
+            </a:r>
+            <a:r>
+              <a:rPr lang="en-US" sz="2400" dirty="0" err="1" smtClean="0"/>
+              <a:t>densidades</a:t>
+            </a:r>
+            <a:r>
+              <a:rPr lang="en-US" sz="2400" dirty="0" smtClean="0"/>
+              <a:t> de </a:t>
+            </a:r>
+            <a:r>
+              <a:rPr lang="en-US" sz="2400" dirty="0" err="1" smtClean="0"/>
+              <a:t>los</a:t>
+            </a:r>
+            <a:r>
+              <a:rPr lang="en-US" sz="2400" dirty="0" smtClean="0"/>
+              <a:t> </a:t>
+            </a:r>
+            <a:r>
+              <a:rPr lang="en-US" sz="2400" dirty="0" err="1" smtClean="0"/>
+              <a:t>sitios</a:t>
+            </a:r>
+            <a:r>
+              <a:rPr lang="en-US" sz="2400" dirty="0" smtClean="0"/>
+              <a:t> son </a:t>
+            </a:r>
+            <a:r>
+              <a:rPr lang="en-US" sz="2400" dirty="0" err="1" smtClean="0"/>
+              <a:t>relacionadas</a:t>
+            </a:r>
+            <a:r>
+              <a:rPr lang="en-US" sz="2400" dirty="0" smtClean="0"/>
+              <a:t> </a:t>
+            </a:r>
+          </a:p>
+          <a:p>
+            <a:pPr marL="285750" indent="-285750">
+              <a:buFont typeface="Arial" panose="020B0604020202020204" pitchFamily="34" charset="0"/>
+              <a:buChar char="•"/>
+            </a:pPr>
+            <a:r>
+              <a:rPr lang="en-US" sz="2400" dirty="0" smtClean="0"/>
+              <a:t>No son observables (son </a:t>
+            </a:r>
+            <a:r>
+              <a:rPr lang="en-US" sz="2400" dirty="0" err="1" smtClean="0"/>
+              <a:t>latentes</a:t>
+            </a:r>
+            <a:r>
+              <a:rPr lang="en-US" sz="2400" dirty="0" smtClean="0"/>
+              <a:t>)</a:t>
+            </a:r>
+            <a:endParaRPr lang="en-US" sz="2400" dirty="0"/>
+          </a:p>
+        </p:txBody>
+      </p:sp>
+      <p:sp>
+        <p:nvSpPr>
+          <p:cNvPr id="11" name="TextBox 10">
+            <a:extLst>
+              <a:ext uri="{FF2B5EF4-FFF2-40B4-BE49-F238E27FC236}">
+                <a16:creationId xmlns="" xmlns:a16="http://schemas.microsoft.com/office/drawing/2014/main" id="{B7E0E7F2-6F4B-448D-B325-85F2883B7329}"/>
+              </a:ext>
+            </a:extLst>
+          </p:cNvPr>
+          <p:cNvSpPr txBox="1"/>
+          <p:nvPr/>
+        </p:nvSpPr>
+        <p:spPr>
+          <a:xfrm>
+            <a:off x="6185648" y="6495301"/>
+            <a:ext cx="2689411" cy="369332"/>
+          </a:xfrm>
+          <a:prstGeom prst="rect">
+            <a:avLst/>
+          </a:prstGeom>
+          <a:noFill/>
+        </p:spPr>
+        <p:txBody>
+          <a:bodyPr wrap="square" rtlCol="0">
+            <a:spAutoFit/>
+          </a:bodyPr>
+          <a:lstStyle/>
+          <a:p>
+            <a:pPr algn="r"/>
+            <a:r>
+              <a:rPr lang="en-US" dirty="0"/>
+              <a:t>Thorson and Minto 2014</a:t>
+            </a:r>
+          </a:p>
+        </p:txBody>
+      </p:sp>
+      <p:sp>
+        <p:nvSpPr>
+          <p:cNvPr id="3" name="Slide Number Placeholder 2">
+            <a:extLst>
+              <a:ext uri="{FF2B5EF4-FFF2-40B4-BE49-F238E27FC236}">
+                <a16:creationId xmlns="" xmlns:a16="http://schemas.microsoft.com/office/drawing/2014/main" id="{1B8A2666-A9E1-4CBC-BBCF-A9F29A52239C}"/>
               </a:ext>
             </a:extLst>
           </p:cNvPr>
@@ -10386,7 +11028,7 @@
     </p:spTree>
     <p:extLst>
       <p:ext uri="{BB962C8B-B14F-4D97-AF65-F5344CB8AC3E}">
-        <p14:creationId xmlns:p14="http://schemas.microsoft.com/office/powerpoint/2010/main" val="3848165047"/>
+        <p14:creationId xmlns:p14="http://schemas.microsoft.com/office/powerpoint/2010/main" val="3329549972"/>
       </p:ext>
     </p:extLst>
   </p:cSld>
@@ -10415,330 +11057,111 @@
       </p:grpSpPr>
       <p:sp>
         <p:nvSpPr>
-          <p:cNvPr id="2" name="Title 1">
+          <p:cNvPr id="2" name="Title 1"/>
+          <p:cNvSpPr>
+            <a:spLocks noGrp="1"/>
+          </p:cNvSpPr>
+          <p:nvPr>
+            <p:ph type="title"/>
+          </p:nvPr>
+        </p:nvSpPr>
+        <p:spPr/>
+        <p:txBody>
+          <a:bodyPr/>
+          <a:lstStyle/>
+          <a:p>
+            <a:r>
+              <a:rPr lang="es-419" noProof="0" dirty="0" smtClean="0"/>
+              <a:t>Razones para MJ</a:t>
+            </a:r>
+            <a:endParaRPr lang="es-419" noProof="0" dirty="0"/>
+          </a:p>
+        </p:txBody>
+      </p:sp>
+      <p:sp>
+        <p:nvSpPr>
+          <p:cNvPr id="3" name="Content Placeholder 2"/>
+          <p:cNvSpPr>
+            <a:spLocks noGrp="1"/>
+          </p:cNvSpPr>
+          <p:nvPr>
+            <p:ph idx="1"/>
+          </p:nvPr>
+        </p:nvSpPr>
+        <p:spPr/>
+        <p:txBody>
+          <a:bodyPr>
+            <a:normAutofit/>
+          </a:bodyPr>
+          <a:lstStyle/>
+          <a:p>
+            <a:r>
+              <a:rPr lang="es-419" dirty="0" smtClean="0"/>
+              <a:t>Refleja los procesos naturales mejor</a:t>
+            </a:r>
+          </a:p>
+          <a:p>
+            <a:r>
+              <a:rPr lang="es-419" noProof="0" dirty="0" smtClean="0"/>
+              <a:t>Se puede aplicar la aleatoriedad a un sitio sin datos</a:t>
+            </a:r>
+          </a:p>
+          <a:p>
+            <a:r>
+              <a:rPr lang="es-419" noProof="0" dirty="0" smtClean="0"/>
+              <a:t>Comparta información. Los efectos no son estimados independiente </a:t>
+            </a:r>
+            <a:r>
+              <a:rPr lang="es-419" dirty="0" smtClean="0"/>
+              <a:t>sino que como un grupo </a:t>
+            </a:r>
+            <a:r>
+              <a:rPr lang="es-419" dirty="0" err="1" smtClean="0"/>
+              <a:t>asi</a:t>
+            </a:r>
+            <a:r>
+              <a:rPr lang="es-419" dirty="0" smtClean="0"/>
+              <a:t> que la información es </a:t>
+            </a:r>
+            <a:r>
+              <a:rPr lang="es-419" dirty="0" err="1" smtClean="0"/>
+              <a:t>comparticida</a:t>
+            </a:r>
+            <a:endParaRPr lang="es-419" dirty="0" smtClean="0"/>
+          </a:p>
+          <a:p>
+            <a:r>
+              <a:rPr lang="es-419" noProof="0" dirty="0" smtClean="0"/>
+              <a:t>Un meta-análisis de otros estudios</a:t>
+            </a:r>
+          </a:p>
+          <a:p>
+            <a:r>
+              <a:rPr lang="es-419" dirty="0" smtClean="0"/>
+              <a:t>Tener </a:t>
+            </a:r>
+            <a:r>
+              <a:rPr lang="es-419" i="1" dirty="0" err="1" smtClean="0"/>
+              <a:t>process</a:t>
+            </a:r>
+            <a:r>
+              <a:rPr lang="es-419" i="1" dirty="0" smtClean="0"/>
+              <a:t> error</a:t>
+            </a:r>
+            <a:r>
+              <a:rPr lang="es-419" dirty="0" smtClean="0"/>
+              <a:t> en el modelo</a:t>
+            </a:r>
+            <a:endParaRPr lang="es-419" noProof="0" dirty="0"/>
+          </a:p>
+        </p:txBody>
+      </p:sp>
+      <p:sp>
+        <p:nvSpPr>
+          <p:cNvPr id="4" name="Slide Number Placeholder 3">
             <a:extLst>
               <a:ext uri="{FF2B5EF4-FFF2-40B4-BE49-F238E27FC236}">
-                <a16:creationId xmlns:a16="http://schemas.microsoft.com/office/drawing/2014/main" xmlns="" id="{E622C5D6-127E-4E13-A682-50C23F6FCCA3}"/>
-              </a:ext>
-            </a:extLst>
-          </p:cNvPr>
-          <p:cNvSpPr>
-            <a:spLocks noGrp="1"/>
-          </p:cNvSpPr>
-          <p:nvPr>
-            <p:ph type="title"/>
-          </p:nvPr>
-        </p:nvSpPr>
-        <p:spPr/>
-        <p:txBody>
-          <a:bodyPr/>
-          <a:lstStyle/>
-          <a:p>
-            <a:r>
-              <a:rPr lang="en-US" dirty="0"/>
-              <a:t>Motivating example</a:t>
-            </a:r>
-          </a:p>
-        </p:txBody>
-      </p:sp>
-      <p:pic>
-        <p:nvPicPr>
-          <p:cNvPr id="4" name="Picture 3">
-            <a:extLst>
-              <a:ext uri="{FF2B5EF4-FFF2-40B4-BE49-F238E27FC236}">
-                <a16:creationId xmlns:a16="http://schemas.microsoft.com/office/drawing/2014/main" xmlns="" id="{A3CE29E7-39DF-4344-A6C6-106194DF1170}"/>
-              </a:ext>
-            </a:extLst>
-          </p:cNvPr>
-          <p:cNvPicPr>
-            <a:picLocks noChangeAspect="1"/>
-          </p:cNvPicPr>
-          <p:nvPr/>
-        </p:nvPicPr>
-        <p:blipFill>
-          <a:blip r:embed="rId2"/>
-          <a:stretch>
-            <a:fillRect/>
-          </a:stretch>
-        </p:blipFill>
-        <p:spPr>
-          <a:xfrm>
-            <a:off x="211757" y="1876766"/>
-            <a:ext cx="6506678" cy="3194402"/>
-          </a:xfrm>
-          <a:prstGeom prst="rect">
-            <a:avLst/>
-          </a:prstGeom>
-        </p:spPr>
-      </p:pic>
-      <p:sp>
-        <p:nvSpPr>
-          <p:cNvPr id="7" name="Rectangle 6">
-            <a:extLst>
-              <a:ext uri="{FF2B5EF4-FFF2-40B4-BE49-F238E27FC236}">
-                <a16:creationId xmlns:a16="http://schemas.microsoft.com/office/drawing/2014/main" xmlns="" id="{C26DB809-D9AA-4615-BB91-602299E0A4B7}"/>
-              </a:ext>
-            </a:extLst>
-          </p:cNvPr>
-          <p:cNvSpPr/>
-          <p:nvPr/>
-        </p:nvSpPr>
-        <p:spPr>
-          <a:xfrm>
-            <a:off x="6593306" y="2998116"/>
-            <a:ext cx="2093494" cy="605099"/>
-          </a:xfrm>
-          <a:prstGeom prst="rect">
-            <a:avLst/>
-          </a:prstGeom>
-          <a:noFill/>
-          <a:ln>
-            <a:solidFill>
-              <a:schemeClr val="tx1"/>
-            </a:solidFill>
-          </a:ln>
-        </p:spPr>
-        <p:style>
-          <a:lnRef idx="2">
-            <a:schemeClr val="accent1">
-              <a:shade val="50000"/>
-            </a:schemeClr>
-          </a:lnRef>
-          <a:fillRef idx="1">
-            <a:schemeClr val="accent1"/>
-          </a:fillRef>
-          <a:effectRef idx="0">
-            <a:schemeClr val="accent1"/>
-          </a:effectRef>
-          <a:fontRef idx="minor">
-            <a:schemeClr val="lt1"/>
-          </a:fontRef>
-        </p:style>
-        <p:txBody>
-          <a:bodyPr rtlCol="0" anchor="ctr"/>
-          <a:lstStyle/>
-          <a:p>
-            <a:pPr algn="ctr"/>
-            <a:r>
-              <a:rPr lang="en-US" b="1" dirty="0">
-                <a:solidFill>
-                  <a:srgbClr val="FF0000"/>
-                </a:solidFill>
-              </a:rPr>
-              <a:t>Density at 4 sites</a:t>
-            </a:r>
-          </a:p>
-        </p:txBody>
-      </p:sp>
-      <p:sp>
-        <p:nvSpPr>
-          <p:cNvPr id="8" name="Rectangle 7">
-            <a:extLst>
-              <a:ext uri="{FF2B5EF4-FFF2-40B4-BE49-F238E27FC236}">
-                <a16:creationId xmlns:a16="http://schemas.microsoft.com/office/drawing/2014/main" xmlns="" id="{F2AD29DD-2B6D-4096-BE7F-4ECC343CCC86}"/>
-              </a:ext>
-            </a:extLst>
-          </p:cNvPr>
-          <p:cNvSpPr/>
-          <p:nvPr/>
-        </p:nvSpPr>
-        <p:spPr>
-          <a:xfrm>
-            <a:off x="6468176" y="1524620"/>
-            <a:ext cx="1828800" cy="1111156"/>
-          </a:xfrm>
-          <a:prstGeom prst="rect">
-            <a:avLst/>
-          </a:prstGeom>
-          <a:noFill/>
-          <a:ln>
-            <a:solidFill>
-              <a:schemeClr val="tx1"/>
-            </a:solidFill>
-          </a:ln>
-        </p:spPr>
-        <p:style>
-          <a:lnRef idx="2">
-            <a:schemeClr val="accent1">
-              <a:shade val="50000"/>
-            </a:schemeClr>
-          </a:lnRef>
-          <a:fillRef idx="1">
-            <a:schemeClr val="accent1"/>
-          </a:fillRef>
-          <a:effectRef idx="0">
-            <a:schemeClr val="accent1"/>
-          </a:effectRef>
-          <a:fontRef idx="minor">
-            <a:schemeClr val="lt1"/>
-          </a:fontRef>
-        </p:style>
-        <p:txBody>
-          <a:bodyPr rtlCol="0" anchor="ctr"/>
-          <a:lstStyle/>
-          <a:p>
-            <a:pPr algn="ctr"/>
-            <a:r>
-              <a:rPr lang="en-US" b="1" dirty="0">
-                <a:solidFill>
-                  <a:srgbClr val="FF0000"/>
-                </a:solidFill>
-              </a:rPr>
-              <a:t>Average density and variability among sites</a:t>
-            </a:r>
-          </a:p>
-        </p:txBody>
-      </p:sp>
-      <p:sp>
-        <p:nvSpPr>
-          <p:cNvPr id="9" name="Rectangle 8">
-            <a:extLst>
-              <a:ext uri="{FF2B5EF4-FFF2-40B4-BE49-F238E27FC236}">
-                <a16:creationId xmlns:a16="http://schemas.microsoft.com/office/drawing/2014/main" xmlns="" id="{AA38EDBA-A1B5-4372-B391-6573B6D79D64}"/>
-              </a:ext>
-            </a:extLst>
-          </p:cNvPr>
-          <p:cNvSpPr/>
-          <p:nvPr/>
-        </p:nvSpPr>
-        <p:spPr>
-          <a:xfrm>
-            <a:off x="6829124" y="3939145"/>
-            <a:ext cx="1828800" cy="1111156"/>
-          </a:xfrm>
-          <a:prstGeom prst="rect">
-            <a:avLst/>
-          </a:prstGeom>
-          <a:noFill/>
-          <a:ln>
-            <a:solidFill>
-              <a:schemeClr val="tx1"/>
-            </a:solidFill>
-          </a:ln>
-        </p:spPr>
-        <p:style>
-          <a:lnRef idx="2">
-            <a:schemeClr val="accent1">
-              <a:shade val="50000"/>
-            </a:schemeClr>
-          </a:lnRef>
-          <a:fillRef idx="1">
-            <a:schemeClr val="accent1"/>
-          </a:fillRef>
-          <a:effectRef idx="0">
-            <a:schemeClr val="accent1"/>
-          </a:effectRef>
-          <a:fontRef idx="minor">
-            <a:schemeClr val="lt1"/>
-          </a:fontRef>
-        </p:style>
-        <p:txBody>
-          <a:bodyPr rtlCol="0" anchor="ctr"/>
-          <a:lstStyle/>
-          <a:p>
-            <a:pPr algn="ctr"/>
-            <a:r>
-              <a:rPr lang="en-US" b="1" dirty="0">
-                <a:solidFill>
-                  <a:srgbClr val="FF0000"/>
-                </a:solidFill>
-              </a:rPr>
-              <a:t>Observed counts from 2 surveys at each site</a:t>
-            </a:r>
-          </a:p>
-        </p:txBody>
-      </p:sp>
-      <p:sp>
-        <p:nvSpPr>
-          <p:cNvPr id="10" name="TextBox 9">
-            <a:extLst>
-              <a:ext uri="{FF2B5EF4-FFF2-40B4-BE49-F238E27FC236}">
-                <a16:creationId xmlns:a16="http://schemas.microsoft.com/office/drawing/2014/main" xmlns="" id="{548D46D9-DC08-4167-B98C-D5BE7F63658A}"/>
-              </a:ext>
-            </a:extLst>
-          </p:cNvPr>
-          <p:cNvSpPr txBox="1"/>
-          <p:nvPr/>
-        </p:nvSpPr>
-        <p:spPr>
-          <a:xfrm>
-            <a:off x="559769" y="5301964"/>
-            <a:ext cx="8024462" cy="830997"/>
-          </a:xfrm>
-          <a:prstGeom prst="rect">
-            <a:avLst/>
-          </a:prstGeom>
-          <a:noFill/>
-        </p:spPr>
-        <p:txBody>
-          <a:bodyPr wrap="square" rtlCol="0">
-            <a:spAutoFit/>
-          </a:bodyPr>
-          <a:lstStyle/>
-          <a:p>
-            <a:pPr marL="285750" indent="-285750">
-              <a:buFont typeface="Arial" panose="020B0604020202020204" pitchFamily="34" charset="0"/>
-              <a:buChar char="•"/>
-            </a:pPr>
-            <a:r>
-              <a:rPr lang="en-US" sz="2400" dirty="0"/>
-              <a:t>The site densities are related (dependent)</a:t>
-            </a:r>
-          </a:p>
-          <a:p>
-            <a:pPr marL="285750" indent="-285750">
-              <a:buFont typeface="Arial" panose="020B0604020202020204" pitchFamily="34" charset="0"/>
-              <a:buChar char="•"/>
-            </a:pPr>
-            <a:r>
-              <a:rPr lang="en-US" sz="2400" dirty="0"/>
-              <a:t>The site densities are not directly observed (latent)</a:t>
-            </a:r>
-          </a:p>
-        </p:txBody>
-      </p:sp>
-      <p:sp>
-        <p:nvSpPr>
-          <p:cNvPr id="11" name="TextBox 10">
-            <a:extLst>
-              <a:ext uri="{FF2B5EF4-FFF2-40B4-BE49-F238E27FC236}">
-                <a16:creationId xmlns:a16="http://schemas.microsoft.com/office/drawing/2014/main" xmlns="" id="{B7E0E7F2-6F4B-448D-B325-85F2883B7329}"/>
-              </a:ext>
-            </a:extLst>
-          </p:cNvPr>
-          <p:cNvSpPr txBox="1"/>
-          <p:nvPr/>
-        </p:nvSpPr>
-        <p:spPr>
-          <a:xfrm>
-            <a:off x="6185648" y="6495301"/>
-            <a:ext cx="2689411" cy="369332"/>
-          </a:xfrm>
-          <a:prstGeom prst="rect">
-            <a:avLst/>
-          </a:prstGeom>
-          <a:noFill/>
-        </p:spPr>
-        <p:txBody>
-          <a:bodyPr wrap="square" rtlCol="0">
-            <a:spAutoFit/>
-          </a:bodyPr>
-          <a:lstStyle/>
-          <a:p>
-            <a:pPr algn="r"/>
-            <a:r>
-              <a:rPr lang="en-US" dirty="0"/>
-              <a:t>Thorson and Minto 2014</a:t>
-            </a:r>
-          </a:p>
-        </p:txBody>
-      </p:sp>
-      <p:sp>
-        <p:nvSpPr>
-          <p:cNvPr id="3" name="Slide Number Placeholder 2">
-            <a:extLst>
-              <a:ext uri="{FF2B5EF4-FFF2-40B4-BE49-F238E27FC236}">
-                <a16:creationId xmlns:a16="http://schemas.microsoft.com/office/drawing/2014/main" xmlns="" id="{1B8A2666-A9E1-4CBC-BBCF-A9F29A52239C}"/>
+                <a16:creationId xmlns="" xmlns:a16="http://schemas.microsoft.com/office/drawing/2014/main" id="{4ED96E27-55EF-42C1-972F-427308C213C5}"/>
               </a:ext>
             </a:extLst>
           </p:cNvPr>
@@ -10765,7 +11188,7 @@
     </p:spTree>
     <p:extLst>
       <p:ext uri="{BB962C8B-B14F-4D97-AF65-F5344CB8AC3E}">
-        <p14:creationId xmlns:p14="http://schemas.microsoft.com/office/powerpoint/2010/main" val="3329549972"/>
+        <p14:creationId xmlns:p14="http://schemas.microsoft.com/office/powerpoint/2010/main" val="1940221095"/>
       </p:ext>
     </p:extLst>
   </p:cSld>
@@ -10794,7 +11217,13 @@
       </p:grpSpPr>
       <p:sp>
         <p:nvSpPr>
-          <p:cNvPr id="2" name="Title 1"/>
+          <p:cNvPr id="2" name="Title 1">
+            <a:extLst>
+              <a:ext uri="{FF2B5EF4-FFF2-40B4-BE49-F238E27FC236}">
+                <a16:creationId xmlns="" xmlns:a16="http://schemas.microsoft.com/office/drawing/2014/main" id="{E622C5D6-127E-4E13-A682-50C23F6FCCA3}"/>
+              </a:ext>
+            </a:extLst>
+          </p:cNvPr>
           <p:cNvSpPr>
             <a:spLocks noGrp="1"/>
           </p:cNvSpPr>
@@ -10808,60 +11237,377 @@
           <a:lstStyle/>
           <a:p>
             <a:r>
-              <a:rPr lang="en-US" dirty="0"/>
-              <a:t>Reasons for HM</a:t>
-            </a:r>
-          </a:p>
-        </p:txBody>
-      </p:sp>
-      <p:sp>
-        <p:nvSpPr>
-          <p:cNvPr id="3" name="Content Placeholder 2"/>
-          <p:cNvSpPr>
-            <a:spLocks noGrp="1"/>
-          </p:cNvSpPr>
-          <p:nvPr>
-            <p:ph idx="1"/>
-          </p:nvPr>
-        </p:nvSpPr>
-        <p:spPr/>
-        <p:txBody>
-          <a:bodyPr>
-            <a:normAutofit/>
+              <a:rPr lang="es-419" noProof="0" dirty="0" smtClean="0"/>
+              <a:t>Construyendo del modelo</a:t>
+            </a:r>
+            <a:endParaRPr lang="es-419" noProof="0" dirty="0"/>
+          </a:p>
+        </p:txBody>
+      </p:sp>
+      <p:pic>
+        <p:nvPicPr>
+          <p:cNvPr id="4" name="Picture 3">
+            <a:extLst>
+              <a:ext uri="{FF2B5EF4-FFF2-40B4-BE49-F238E27FC236}">
+                <a16:creationId xmlns="" xmlns:a16="http://schemas.microsoft.com/office/drawing/2014/main" id="{A3CE29E7-39DF-4344-A6C6-106194DF1170}"/>
+              </a:ext>
+            </a:extLst>
+          </p:cNvPr>
+          <p:cNvPicPr>
+            <a:picLocks noChangeAspect="1"/>
+          </p:cNvPicPr>
+          <p:nvPr/>
+        </p:nvPicPr>
+        <p:blipFill>
+          <a:blip r:embed="rId3"/>
+          <a:stretch>
+            <a:fillRect/>
+          </a:stretch>
+        </p:blipFill>
+        <p:spPr>
+          <a:xfrm>
+            <a:off x="194513" y="2886563"/>
+            <a:ext cx="6506678" cy="3194402"/>
+          </a:xfrm>
+          <a:prstGeom prst="rect">
+            <a:avLst/>
+          </a:prstGeom>
+        </p:spPr>
+      </p:pic>
+      <p:sp>
+        <p:nvSpPr>
+          <p:cNvPr id="10" name="TextBox 9">
+            <a:extLst>
+              <a:ext uri="{FF2B5EF4-FFF2-40B4-BE49-F238E27FC236}">
+                <a16:creationId xmlns="" xmlns:a16="http://schemas.microsoft.com/office/drawing/2014/main" id="{548D46D9-DC08-4167-B98C-D5BE7F63658A}"/>
+              </a:ext>
+            </a:extLst>
+          </p:cNvPr>
+          <p:cNvSpPr txBox="1"/>
+          <p:nvPr/>
+        </p:nvSpPr>
+        <p:spPr>
+          <a:xfrm>
+            <a:off x="402267" y="1175213"/>
+            <a:ext cx="8024462" cy="1200329"/>
+          </a:xfrm>
+          <a:prstGeom prst="rect">
+            <a:avLst/>
+          </a:prstGeom>
+          <a:noFill/>
+        </p:spPr>
+        <p:txBody>
+          <a:bodyPr wrap="square" rtlCol="0">
+            <a:spAutoFit/>
           </a:bodyPr>
           <a:lstStyle/>
           <a:p>
             <a:r>
-              <a:rPr lang="en-US" dirty="0"/>
-              <a:t>More closely match natural processes</a:t>
-            </a:r>
-          </a:p>
-          <a:p>
-            <a:r>
-              <a:rPr lang="en-US" dirty="0"/>
-              <a:t>Improved scope of inference – apply randomness to a new, unstudied population</a:t>
-            </a:r>
-          </a:p>
-          <a:p>
-            <a:r>
-              <a:rPr lang="en-US" dirty="0"/>
-              <a:t>Borrowing strength – effects not estimated independently but grouped so share information among group</a:t>
-            </a:r>
-          </a:p>
-          <a:p>
-            <a:r>
-              <a:rPr lang="en-US" dirty="0"/>
-              <a:t>Combining information – meta-analysis of repeated studies by grouping studies</a:t>
-            </a:r>
-          </a:p>
-        </p:txBody>
-      </p:sp>
-      <p:sp>
-        <p:nvSpPr>
-          <p:cNvPr id="4" name="Slide Number Placeholder 3">
+              <a:rPr lang="es-419" sz="2400" dirty="0" smtClean="0"/>
+              <a:t>Paso 1: </a:t>
+            </a:r>
+            <a:r>
+              <a:rPr lang="es-419" sz="2400" dirty="0" err="1" smtClean="0"/>
+              <a:t>Likelihood</a:t>
+            </a:r>
+            <a:r>
+              <a:rPr lang="es-419" sz="2400" dirty="0" smtClean="0"/>
+              <a:t> de los datos </a:t>
+            </a:r>
+            <a:r>
+              <a:rPr lang="es-419" sz="2400" i="1" dirty="0" smtClean="0">
+                <a:latin typeface="Times New Roman"/>
+                <a:cs typeface="Times New Roman"/>
+              </a:rPr>
+              <a:t>C</a:t>
+            </a:r>
+            <a:r>
+              <a:rPr lang="es-419" sz="2400" i="1" baseline="-25000" dirty="0" smtClean="0">
+                <a:latin typeface="Times New Roman"/>
+                <a:cs typeface="Times New Roman"/>
+              </a:rPr>
+              <a:t>1</a:t>
+            </a:r>
+            <a:r>
+              <a:rPr lang="es-419" sz="2400" i="1" dirty="0" smtClean="0">
+                <a:latin typeface="Times New Roman"/>
+                <a:cs typeface="Times New Roman"/>
+              </a:rPr>
+              <a:t>, .. C</a:t>
+            </a:r>
+            <a:r>
+              <a:rPr lang="es-419" sz="2400" i="1" baseline="-25000" dirty="0" smtClean="0">
+                <a:latin typeface="Times New Roman"/>
+                <a:cs typeface="Times New Roman"/>
+              </a:rPr>
+              <a:t>4</a:t>
+            </a:r>
+          </a:p>
+          <a:p>
+            <a:r>
+              <a:rPr lang="es-419" sz="2400" dirty="0" smtClean="0"/>
+              <a:t>Paso</a:t>
+            </a:r>
+            <a:r>
+              <a:rPr lang="es-419" sz="2400" dirty="0" smtClean="0"/>
+              <a:t> 2: Función del promedio</a:t>
+            </a:r>
+          </a:p>
+          <a:p>
+            <a:r>
+              <a:rPr lang="es-419" sz="2400" dirty="0" smtClean="0"/>
+              <a:t>Paso</a:t>
+            </a:r>
+            <a:r>
+              <a:rPr lang="es-419" sz="2400" dirty="0" smtClean="0"/>
+              <a:t> 3: </a:t>
+            </a:r>
+            <a:r>
+              <a:rPr lang="es-419" sz="2400" dirty="0" err="1" smtClean="0"/>
+              <a:t>Elege</a:t>
+            </a:r>
+            <a:r>
+              <a:rPr lang="es-419" sz="2400" dirty="0" smtClean="0"/>
+              <a:t> la </a:t>
+            </a:r>
+            <a:r>
+              <a:rPr lang="es-419" sz="2400" dirty="0" err="1" smtClean="0"/>
+              <a:t>hiper</a:t>
+            </a:r>
+            <a:r>
+              <a:rPr lang="es-419" sz="2400" dirty="0" err="1" smtClean="0"/>
+              <a:t>distribucion</a:t>
+            </a:r>
+            <a:r>
+              <a:rPr lang="es-419" sz="2400" dirty="0" smtClean="0"/>
+              <a:t>: </a:t>
+            </a:r>
+            <a:endParaRPr lang="es-419" sz="2400" dirty="0"/>
+          </a:p>
+        </p:txBody>
+      </p:sp>
+      <p:sp>
+        <p:nvSpPr>
+          <p:cNvPr id="11" name="TextBox 10">
             <a:extLst>
               <a:ext uri="{FF2B5EF4-FFF2-40B4-BE49-F238E27FC236}">
-                <a16:creationId xmlns:a16="http://schemas.microsoft.com/office/drawing/2014/main" xmlns="" id="{4ED96E27-55EF-42C1-972F-427308C213C5}"/>
+                <a16:creationId xmlns="" xmlns:a16="http://schemas.microsoft.com/office/drawing/2014/main" id="{B7E0E7F2-6F4B-448D-B325-85F2883B7329}"/>
+              </a:ext>
+            </a:extLst>
+          </p:cNvPr>
+          <p:cNvSpPr txBox="1"/>
+          <p:nvPr/>
+        </p:nvSpPr>
+        <p:spPr>
+          <a:xfrm>
+            <a:off x="6185648" y="6495301"/>
+            <a:ext cx="2689411" cy="369332"/>
+          </a:xfrm>
+          <a:prstGeom prst="rect">
+            <a:avLst/>
+          </a:prstGeom>
+          <a:noFill/>
+        </p:spPr>
+        <p:txBody>
+          <a:bodyPr wrap="square" rtlCol="0">
+            <a:spAutoFit/>
+          </a:bodyPr>
+          <a:lstStyle/>
+          <a:p>
+            <a:pPr algn="r"/>
+            <a:r>
+              <a:rPr lang="en-US" dirty="0"/>
+              <a:t>Thorson and Minto 2014</a:t>
+            </a:r>
+          </a:p>
+        </p:txBody>
+      </p:sp>
+      <p:graphicFrame>
+        <p:nvGraphicFramePr>
+          <p:cNvPr id="12" name="Object 29">
+            <a:extLst>
+              <a:ext uri="{FF2B5EF4-FFF2-40B4-BE49-F238E27FC236}">
+                <a16:creationId xmlns="" xmlns:a16="http://schemas.microsoft.com/office/drawing/2014/main" id="{2565FC6C-6B36-4C01-A255-7DF18E1E6E50}"/>
+              </a:ext>
+            </a:extLst>
+          </p:cNvPr>
+          <p:cNvGraphicFramePr>
+            <a:graphicFrameLocks noChangeAspect="1"/>
+          </p:cNvGraphicFramePr>
+          <p:nvPr>
+            <p:extLst/>
+          </p:nvPr>
+        </p:nvGraphicFramePr>
+        <p:xfrm>
+          <a:off x="5985015" y="1140401"/>
+          <a:ext cx="2571750" cy="508000"/>
+        </p:xfrm>
+        <a:graphic>
+          <a:graphicData uri="http://schemas.openxmlformats.org/presentationml/2006/ole">
+            <mc:AlternateContent xmlns:mc="http://schemas.openxmlformats.org/markup-compatibility/2006">
+              <mc:Choice xmlns:v="urn:schemas-microsoft-com:vml" Requires="v">
+                <p:oleObj spid="_x0000_s1161" name="Equation" r:id="rId4" imgW="1028520" imgH="203040" progId="Equation.DSMT4">
+                  <p:embed/>
+                </p:oleObj>
+              </mc:Choice>
+              <mc:Fallback>
+                <p:oleObj name="Equation" r:id="rId4" imgW="1028520" imgH="203040" progId="Equation.DSMT4">
+                  <p:embed/>
+                  <p:pic>
+                    <p:nvPicPr>
+                      <p:cNvPr id="0" name=""/>
+                      <p:cNvPicPr>
+                        <a:picLocks noChangeAspect="1" noChangeArrowheads="1"/>
+                      </p:cNvPicPr>
+                      <p:nvPr/>
+                    </p:nvPicPr>
+                    <p:blipFill>
+                      <a:blip r:embed="rId5"/>
+                      <a:srcRect/>
+                      <a:stretch>
+                        <a:fillRect/>
+                      </a:stretch>
+                    </p:blipFill>
+                    <p:spPr bwMode="auto">
+                      <a:xfrm>
+                        <a:off x="5985015" y="1140401"/>
+                        <a:ext cx="2571750" cy="508000"/>
+                      </a:xfrm>
+                      <a:prstGeom prst="rect">
+                        <a:avLst/>
+                      </a:prstGeom>
+                      <a:solidFill>
+                        <a:schemeClr val="bg1"/>
+                      </a:solidFill>
+                      <a:ln>
+                        <a:noFill/>
+                      </a:ln>
+                      <a:effectLst/>
+                      <a:extLst>
+                        <a:ext uri="{91240B29-F687-4f45-9708-019B960494DF}">
+                          <a14:hiddenLine xmlns="" xmlns:a14="http://schemas.microsoft.com/office/drawing/2010/main" w="9525">
+                            <a:solidFill>
+                              <a:srgbClr val="000000"/>
+                            </a:solidFill>
+                            <a:miter lim="800000"/>
+                            <a:headEnd/>
+                            <a:tailEnd/>
+                          </a14:hiddenLine>
+                        </a:ext>
+                        <a:ext uri="{AF507438-7753-43e0-B8FC-AC1667EBCBE1}">
+                          <a14:hiddenEffects xmlns="" xmlns:a14="http://schemas.microsoft.com/office/drawing/2010/main">
+                            <a:effectLst>
+                              <a:outerShdw dist="35921" dir="2700000" algn="ctr" rotWithShape="0">
+                                <a:srgbClr val="808080"/>
+                              </a:outerShdw>
+                            </a:effectLst>
+                          </a14:hiddenEffects>
+                        </a:ext>
+                      </a:extLst>
+                    </p:spPr>
+                  </p:pic>
+                </p:oleObj>
+              </mc:Fallback>
+            </mc:AlternateContent>
+          </a:graphicData>
+        </a:graphic>
+      </p:graphicFrame>
+      <p:graphicFrame>
+        <p:nvGraphicFramePr>
+          <p:cNvPr id="13" name="Object 29">
+            <a:extLst>
+              <a:ext uri="{FF2B5EF4-FFF2-40B4-BE49-F238E27FC236}">
+                <a16:creationId xmlns="" xmlns:a16="http://schemas.microsoft.com/office/drawing/2014/main" id="{E790ECA5-7748-4528-B29B-EF5EC3CB78BB}"/>
+              </a:ext>
+            </a:extLst>
+          </p:cNvPr>
+          <p:cNvGraphicFramePr>
+            <a:graphicFrameLocks noChangeAspect="1"/>
+          </p:cNvGraphicFramePr>
+          <p:nvPr>
+            <p:extLst/>
+          </p:nvPr>
+        </p:nvGraphicFramePr>
+        <p:xfrm>
+          <a:off x="6063890" y="2091392"/>
+          <a:ext cx="2190750" cy="571500"/>
+        </p:xfrm>
+        <a:graphic>
+          <a:graphicData uri="http://schemas.openxmlformats.org/presentationml/2006/ole">
+            <mc:AlternateContent xmlns:mc="http://schemas.openxmlformats.org/markup-compatibility/2006">
+              <mc:Choice xmlns:v="urn:schemas-microsoft-com:vml" Requires="v">
+                <p:oleObj spid="_x0000_s1162" name="Equation" r:id="rId6" imgW="876240" imgH="228600" progId="Equation.DSMT4">
+                  <p:embed/>
+                </p:oleObj>
+              </mc:Choice>
+              <mc:Fallback>
+                <p:oleObj name="Equation" r:id="rId6" imgW="876240" imgH="228600" progId="Equation.DSMT4">
+                  <p:embed/>
+                  <p:pic>
+                    <p:nvPicPr>
+                      <p:cNvPr id="0" name=""/>
+                      <p:cNvPicPr>
+                        <a:picLocks noChangeAspect="1" noChangeArrowheads="1"/>
+                      </p:cNvPicPr>
+                      <p:nvPr/>
+                    </p:nvPicPr>
+                    <p:blipFill>
+                      <a:blip r:embed="rId7"/>
+                      <a:srcRect/>
+                      <a:stretch>
+                        <a:fillRect/>
+                      </a:stretch>
+                    </p:blipFill>
+                    <p:spPr bwMode="auto">
+                      <a:xfrm>
+                        <a:off x="6063890" y="2091392"/>
+                        <a:ext cx="2190750" cy="571500"/>
+                      </a:xfrm>
+                      <a:prstGeom prst="rect">
+                        <a:avLst/>
+                      </a:prstGeom>
+                      <a:solidFill>
+                        <a:schemeClr val="bg1"/>
+                      </a:solidFill>
+                      <a:ln>
+                        <a:noFill/>
+                      </a:ln>
+                      <a:effectLst/>
+                      <a:extLst>
+                        <a:ext uri="{91240B29-F687-4f45-9708-019B960494DF}">
+                          <a14:hiddenLine xmlns="" xmlns:a14="http://schemas.microsoft.com/office/drawing/2010/main" w="9525">
+                            <a:solidFill>
+                              <a:srgbClr val="000000"/>
+                            </a:solidFill>
+                            <a:miter lim="800000"/>
+                            <a:headEnd/>
+                            <a:tailEnd/>
+                          </a14:hiddenLine>
+                        </a:ext>
+                        <a:ext uri="{AF507438-7753-43e0-B8FC-AC1667EBCBE1}">
+                          <a14:hiddenEffects xmlns="" xmlns:a14="http://schemas.microsoft.com/office/drawing/2010/main">
+                            <a:effectLst>
+                              <a:outerShdw dist="35921" dir="2700000" algn="ctr" rotWithShape="0">
+                                <a:srgbClr val="808080"/>
+                              </a:outerShdw>
+                            </a:effectLst>
+                          </a14:hiddenEffects>
+                        </a:ext>
+                      </a:extLst>
+                    </p:spPr>
+                  </p:pic>
+                </p:oleObj>
+              </mc:Fallback>
+            </mc:AlternateContent>
+          </a:graphicData>
+        </a:graphic>
+      </p:graphicFrame>
+      <p:sp>
+        <p:nvSpPr>
+          <p:cNvPr id="3" name="Slide Number Placeholder 2">
+            <a:extLst>
+              <a:ext uri="{FF2B5EF4-FFF2-40B4-BE49-F238E27FC236}">
+                <a16:creationId xmlns="" xmlns:a16="http://schemas.microsoft.com/office/drawing/2014/main" id="{1A1D7D6F-CE0E-4983-81E1-CD149B2EFDBC}"/>
               </a:ext>
             </a:extLst>
           </p:cNvPr>
@@ -10885,16 +11631,113 @@
           </a:p>
         </p:txBody>
       </p:sp>
+      <p:graphicFrame>
+        <p:nvGraphicFramePr>
+          <p:cNvPr id="9" name="Object 29">
+            <a:extLst>
+              <a:ext uri="{FF2B5EF4-FFF2-40B4-BE49-F238E27FC236}">
+                <a16:creationId xmlns="" xmlns:a16="http://schemas.microsoft.com/office/drawing/2014/main" id="{30C6355C-8B3F-4D9F-A2B2-6CDBF630DEDF}"/>
+              </a:ext>
+            </a:extLst>
+          </p:cNvPr>
+          <p:cNvGraphicFramePr>
+            <a:graphicFrameLocks noChangeAspect="1"/>
+          </p:cNvGraphicFramePr>
+          <p:nvPr>
+            <p:extLst/>
+          </p:nvPr>
+        </p:nvGraphicFramePr>
+        <p:xfrm>
+          <a:off x="6683236" y="1544661"/>
+          <a:ext cx="1174750" cy="571500"/>
+        </p:xfrm>
+        <a:graphic>
+          <a:graphicData uri="http://schemas.openxmlformats.org/presentationml/2006/ole">
+            <mc:AlternateContent xmlns:mc="http://schemas.openxmlformats.org/markup-compatibility/2006">
+              <mc:Choice xmlns:v="urn:schemas-microsoft-com:vml" Requires="v">
+                <p:oleObj spid="_x0000_s1163" name="Equation" r:id="rId8" imgW="469800" imgH="228600" progId="Equation.DSMT4">
+                  <p:embed/>
+                </p:oleObj>
+              </mc:Choice>
+              <mc:Fallback>
+                <p:oleObj name="Equation" r:id="rId8" imgW="469800" imgH="228600" progId="Equation.DSMT4">
+                  <p:embed/>
+                  <p:pic>
+                    <p:nvPicPr>
+                      <p:cNvPr id="0" name=""/>
+                      <p:cNvPicPr>
+                        <a:picLocks noChangeAspect="1" noChangeArrowheads="1"/>
+                      </p:cNvPicPr>
+                      <p:nvPr/>
+                    </p:nvPicPr>
+                    <p:blipFill>
+                      <a:blip r:embed="rId9"/>
+                      <a:srcRect/>
+                      <a:stretch>
+                        <a:fillRect/>
+                      </a:stretch>
+                    </p:blipFill>
+                    <p:spPr bwMode="auto">
+                      <a:xfrm>
+                        <a:off x="6683236" y="1544661"/>
+                        <a:ext cx="1174750" cy="571500"/>
+                      </a:xfrm>
+                      <a:prstGeom prst="rect">
+                        <a:avLst/>
+                      </a:prstGeom>
+                      <a:solidFill>
+                        <a:schemeClr val="bg1"/>
+                      </a:solidFill>
+                      <a:ln>
+                        <a:noFill/>
+                      </a:ln>
+                      <a:effectLst/>
+                      <a:extLst>
+                        <a:ext uri="{91240B29-F687-4f45-9708-019B960494DF}">
+                          <a14:hiddenLine xmlns="" xmlns:a14="http://schemas.microsoft.com/office/drawing/2010/main" w="9525">
+                            <a:solidFill>
+                              <a:srgbClr val="000000"/>
+                            </a:solidFill>
+                            <a:miter lim="800000"/>
+                            <a:headEnd/>
+                            <a:tailEnd/>
+                          </a14:hiddenLine>
+                        </a:ext>
+                        <a:ext uri="{AF507438-7753-43e0-B8FC-AC1667EBCBE1}">
+                          <a14:hiddenEffects xmlns="" xmlns:a14="http://schemas.microsoft.com/office/drawing/2010/main">
+                            <a:effectLst>
+                              <a:outerShdw dist="35921" dir="2700000" algn="ctr" rotWithShape="0">
+                                <a:srgbClr val="808080"/>
+                              </a:outerShdw>
+                            </a:effectLst>
+                          </a14:hiddenEffects>
+                        </a:ext>
+                      </a:extLst>
+                    </p:spPr>
+                  </p:pic>
+                </p:oleObj>
+              </mc:Fallback>
+            </mc:AlternateContent>
+          </a:graphicData>
+        </a:graphic>
+      </p:graphicFrame>
     </p:spTree>
     <p:extLst>
       <p:ext uri="{BB962C8B-B14F-4D97-AF65-F5344CB8AC3E}">
-        <p14:creationId xmlns:p14="http://schemas.microsoft.com/office/powerpoint/2010/main" val="1940221095"/>
+        <p14:creationId xmlns:p14="http://schemas.microsoft.com/office/powerpoint/2010/main" val="1090062050"/>
       </p:ext>
     </p:extLst>
   </p:cSld>
   <p:clrMapOvr>
     <a:masterClrMapping/>
   </p:clrMapOvr>
+  <p:timing>
+    <p:tnLst>
+      <p:par>
+        <p:cTn id="1" dur="indefinite" restart="never" nodeType="tmRoot"/>
+      </p:par>
+    </p:tnLst>
+  </p:timing>
 </p:sld>
 </file>
 

--- a/dia4/lecture4_hierarchical.pptx
+++ b/dia4/lecture4_hierarchical.pptx
@@ -229,7 +229,7 @@
           <a:p>
             <a:fld id="{9EC8F33C-A7AA-43A7-BCA9-F081EA0B4664}" type="datetimeFigureOut">
               <a:rPr lang="en-US" smtClean="0"/>
-              <a:t>1/16/2019</a:t>
+              <a:t>1/17/2019</a:t>
             </a:fld>
             <a:endParaRPr lang="en-US"/>
           </a:p>
@@ -713,7 +713,7 @@
           </a:ln>
           <a:extLst>
             <a:ext uri="{909E8E84-426E-40dd-AFC4-6F175D3DCCD1}">
-              <a14:hiddenFill xmlns:a14="http://schemas.microsoft.com/office/drawing/2010/main" xmlns="">
+              <a14:hiddenFill xmlns="" xmlns:a14="http://schemas.microsoft.com/office/drawing/2010/main">
                 <a:solidFill>
                   <a:srgbClr val="FFFFFF"/>
                 </a:solidFill>
@@ -756,7 +756,7 @@
           </a:ln>
           <a:extLst>
             <a:ext uri="{909E8E84-426E-40dd-AFC4-6F175D3DCCD1}">
-              <a14:hiddenFill xmlns:a14="http://schemas.microsoft.com/office/drawing/2010/main" xmlns="">
+              <a14:hiddenFill xmlns="" xmlns:a14="http://schemas.microsoft.com/office/drawing/2010/main">
                 <a:noFill/>
               </a14:hiddenFill>
             </a:ext>
@@ -855,7 +855,7 @@
           <a:p>
             <a:fld id="{9A356AEA-056F-417E-9B38-4BA8743FE6C4}" type="datetime1">
               <a:rPr lang="en-US" smtClean="0"/>
-              <a:t>1/16/2019</a:t>
+              <a:t>1/17/2019</a:t>
             </a:fld>
             <a:endParaRPr lang="en-US"/>
           </a:p>
@@ -1042,7 +1042,7 @@
           <a:p>
             <a:fld id="{09867F7C-1948-4907-9EBC-DD38682B5188}" type="datetime1">
               <a:rPr lang="en-US" smtClean="0"/>
-              <a:t>1/16/2019</a:t>
+              <a:t>1/17/2019</a:t>
             </a:fld>
             <a:endParaRPr lang="en-US"/>
           </a:p>
@@ -1238,7 +1238,7 @@
           <a:p>
             <a:fld id="{A5996870-3492-4879-A20C-50CF7F25E309}" type="datetime1">
               <a:rPr lang="en-US" smtClean="0"/>
-              <a:t>1/16/2019</a:t>
+              <a:t>1/17/2019</a:t>
             </a:fld>
             <a:endParaRPr lang="en-US"/>
           </a:p>
@@ -1490,7 +1490,7 @@
           <a:p>
             <a:fld id="{3339509F-2835-4D20-8448-C5CCD453FC4A}" type="datetime1">
               <a:rPr lang="en-US" smtClean="0"/>
-              <a:t>1/16/2019</a:t>
+              <a:t>1/17/2019</a:t>
             </a:fld>
             <a:endParaRPr lang="en-US"/>
           </a:p>
@@ -1714,7 +1714,7 @@
           <a:p>
             <a:fld id="{7A6EDDDE-DBE4-4114-B865-EC3A2920782E}" type="datetime1">
               <a:rPr lang="en-US" smtClean="0"/>
-              <a:t>1/16/2019</a:t>
+              <a:t>1/17/2019</a:t>
             </a:fld>
             <a:endParaRPr lang="en-US"/>
           </a:p>
@@ -2022,7 +2022,7 @@
           <a:p>
             <a:fld id="{8DA96907-43AE-4B1E-B5FF-6853ADDA5697}" type="datetime1">
               <a:rPr lang="en-US" smtClean="0"/>
-              <a:t>1/16/2019</a:t>
+              <a:t>1/17/2019</a:t>
             </a:fld>
             <a:endParaRPr lang="en-US"/>
           </a:p>
@@ -2190,7 +2190,7 @@
           <a:p>
             <a:fld id="{2E65DF97-DE0F-4515-8F8D-0E1C627BC4E9}" type="datetime1">
               <a:rPr lang="en-US" smtClean="0"/>
-              <a:t>1/16/2019</a:t>
+              <a:t>1/17/2019</a:t>
             </a:fld>
             <a:endParaRPr lang="en-US"/>
           </a:p>
@@ -2502,7 +2502,7 @@
           <a:p>
             <a:fld id="{23B9FD00-80D5-4EA7-B536-8F4F2C3959C9}" type="datetime1">
               <a:rPr lang="en-US" smtClean="0"/>
-              <a:t>1/16/2019</a:t>
+              <a:t>1/17/2019</a:t>
             </a:fld>
             <a:endParaRPr lang="en-US"/>
           </a:p>
@@ -2814,7 +2814,7 @@
           <a:p>
             <a:fld id="{DAC77084-4DB4-4A23-9870-BF49183ACB4C}" type="datetime1">
               <a:rPr lang="en-US" smtClean="0"/>
-              <a:t>1/16/2019</a:t>
+              <a:t>1/17/2019</a:t>
             </a:fld>
             <a:endParaRPr lang="en-US"/>
           </a:p>
@@ -3000,7 +3000,7 @@
           <a:p>
             <a:fld id="{6E487ECE-0D8C-4AFB-BD35-997F06E0971C}" type="datetime1">
               <a:rPr lang="en-US" smtClean="0"/>
-              <a:t>1/16/2019</a:t>
+              <a:t>1/17/2019</a:t>
             </a:fld>
             <a:endParaRPr lang="en-US"/>
           </a:p>
@@ -3209,7 +3209,7 @@
           <a:p>
             <a:fld id="{D4F6DC8D-78A1-49CC-B033-F77D87B04958}" type="datetime1">
               <a:rPr lang="en-US" smtClean="0"/>
-              <a:t>1/16/2019</a:t>
+              <a:t>1/17/2019</a:t>
             </a:fld>
             <a:endParaRPr lang="en-US"/>
           </a:p>
@@ -3512,7 +3512,7 @@
           <a:p>
             <a:fld id="{3BCF4A7C-A413-48DA-9211-5240CAEE1DD4}" type="datetime1">
               <a:rPr lang="en-US" smtClean="0"/>
-              <a:t>1/16/2019</a:t>
+              <a:t>1/17/2019</a:t>
             </a:fld>
             <a:endParaRPr lang="en-US"/>
           </a:p>
@@ -3954,7 +3954,7 @@
           <a:p>
             <a:fld id="{AAE887C4-8D00-4515-BD6B-6D6B646F02F7}" type="datetime1">
               <a:rPr lang="en-US" smtClean="0"/>
-              <a:t>1/16/2019</a:t>
+              <a:t>1/17/2019</a:t>
             </a:fld>
             <a:endParaRPr lang="en-US"/>
           </a:p>
@@ -4089,7 +4089,7 @@
           <a:p>
             <a:fld id="{10C13C5A-776A-4D2B-A91E-2ACB7D90E7CC}" type="datetime1">
               <a:rPr lang="en-US" smtClean="0"/>
-              <a:t>1/16/2019</a:t>
+              <a:t>1/17/2019</a:t>
             </a:fld>
             <a:endParaRPr lang="en-US"/>
           </a:p>
@@ -4202,7 +4202,7 @@
           <a:p>
             <a:fld id="{00A5D59F-6FC3-492C-BAE3-F50C9D1FBA31}" type="datetime1">
               <a:rPr lang="en-US" smtClean="0"/>
-              <a:t>1/16/2019</a:t>
+              <a:t>1/17/2019</a:t>
             </a:fld>
             <a:endParaRPr lang="en-US"/>
           </a:p>
@@ -4495,7 +4495,7 @@
           <a:p>
             <a:fld id="{CD78B45F-E474-4F2F-801A-58FC9FE22655}" type="datetime1">
               <a:rPr lang="en-US" smtClean="0"/>
-              <a:t>1/16/2019</a:t>
+              <a:t>1/17/2019</a:t>
             </a:fld>
             <a:endParaRPr lang="en-US"/>
           </a:p>
@@ -4769,7 +4769,7 @@
           <a:p>
             <a:fld id="{FDF35450-A835-4587-8F84-782057674F92}" type="datetime1">
               <a:rPr lang="en-US" smtClean="0"/>
-              <a:t>1/16/2019</a:t>
+              <a:t>1/17/2019</a:t>
             </a:fld>
             <a:endParaRPr lang="en-US"/>
           </a:p>
@@ -4891,17 +4891,17 @@
           </a:ln>
           <a:extLst>
             <a:ext uri="{FAA26D3D-D897-4be2-8F04-BA451C77F1D7}">
-              <ma14:placeholderFlag xmlns:ma14="http://schemas.microsoft.com/office/mac/drawingml/2011/main" xmlns="" val="1"/>
+              <ma14:placeholderFlag xmlns="" xmlns:ma14="http://schemas.microsoft.com/office/mac/drawingml/2011/main" val="1"/>
             </a:ext>
             <a:ext uri="{909E8E84-426E-40dd-AFC4-6F175D3DCCD1}">
-              <a14:hiddenFill xmlns:a14="http://schemas.microsoft.com/office/drawing/2010/main" xmlns="">
+              <a14:hiddenFill xmlns="" xmlns:a14="http://schemas.microsoft.com/office/drawing/2010/main">
                 <a:solidFill>
                   <a:srgbClr val="FFFFFF"/>
                 </a:solidFill>
               </a14:hiddenFill>
             </a:ext>
             <a:ext uri="{91240B29-F687-4f45-9708-019B960494DF}">
-              <a14:hiddenLine xmlns:a14="http://schemas.microsoft.com/office/drawing/2010/main" xmlns="" w="9525">
+              <a14:hiddenLine xmlns="" xmlns:a14="http://schemas.microsoft.com/office/drawing/2010/main" w="9525">
                 <a:solidFill>
                   <a:srgbClr val="000000"/>
                 </a:solidFill>
@@ -4953,17 +4953,17 @@
           </a:ln>
           <a:extLst>
             <a:ext uri="{FAA26D3D-D897-4be2-8F04-BA451C77F1D7}">
-              <ma14:placeholderFlag xmlns:ma14="http://schemas.microsoft.com/office/mac/drawingml/2011/main" xmlns="" val="1"/>
+              <ma14:placeholderFlag xmlns="" xmlns:ma14="http://schemas.microsoft.com/office/mac/drawingml/2011/main" val="1"/>
             </a:ext>
             <a:ext uri="{909E8E84-426E-40dd-AFC4-6F175D3DCCD1}">
-              <a14:hiddenFill xmlns:a14="http://schemas.microsoft.com/office/drawing/2010/main" xmlns="">
+              <a14:hiddenFill xmlns="" xmlns:a14="http://schemas.microsoft.com/office/drawing/2010/main">
                 <a:solidFill>
                   <a:srgbClr val="FFFFFF"/>
                 </a:solidFill>
               </a14:hiddenFill>
             </a:ext>
             <a:ext uri="{91240B29-F687-4f45-9708-019B960494DF}">
-              <a14:hiddenLine xmlns:a14="http://schemas.microsoft.com/office/drawing/2010/main" xmlns="" w="9525">
+              <a14:hiddenLine xmlns="" xmlns:a14="http://schemas.microsoft.com/office/drawing/2010/main" w="9525">
                 <a:solidFill>
                   <a:srgbClr val="000000"/>
                 </a:solidFill>
@@ -5063,7 +5063,7 @@
           <a:p>
             <a:fld id="{F6803E09-2A09-4EEA-8E99-292225B5EDFC}" type="datetime1">
               <a:rPr lang="en-US" smtClean="0"/>
-              <a:t>1/16/2019</a:t>
+              <a:t>1/17/2019</a:t>
             </a:fld>
             <a:endParaRPr lang="en-US"/>
           </a:p>
@@ -5231,7 +5231,7 @@
           </a:ln>
           <a:extLst>
             <a:ext uri="{909E8E84-426E-40dd-AFC4-6F175D3DCCD1}">
-              <a14:hiddenFill xmlns:a14="http://schemas.microsoft.com/office/drawing/2010/main" xmlns="">
+              <a14:hiddenFill xmlns="" xmlns:a14="http://schemas.microsoft.com/office/drawing/2010/main">
                 <a:solidFill>
                   <a:srgbClr val="FFFFFF"/>
                 </a:solidFill>
@@ -5274,7 +5274,7 @@
           </a:ln>
           <a:extLst>
             <a:ext uri="{909E8E84-426E-40dd-AFC4-6F175D3DCCD1}">
-              <a14:hiddenFill xmlns:a14="http://schemas.microsoft.com/office/drawing/2010/main" xmlns="">
+              <a14:hiddenFill xmlns="" xmlns:a14="http://schemas.microsoft.com/office/drawing/2010/main">
                 <a:noFill/>
               </a14:hiddenFill>
             </a:ext>
@@ -5759,7 +5759,7 @@
           <p:cNvPr id="2" name="Title 1">
             <a:extLst>
               <a:ext uri="{FF2B5EF4-FFF2-40B4-BE49-F238E27FC236}">
-                <a16:creationId xmlns:a16="http://schemas.microsoft.com/office/drawing/2014/main" xmlns="" id="{4819A39B-28BB-4873-9914-8FEE18891DD4}"/>
+                <a16:creationId xmlns="" xmlns:a16="http://schemas.microsoft.com/office/drawing/2014/main" id="{4819A39B-28BB-4873-9914-8FEE18891DD4}"/>
               </a:ext>
             </a:extLst>
           </p:cNvPr>
@@ -5790,7 +5790,7 @@
           <p:cNvPr id="5" name="Subtitle 2">
             <a:extLst>
               <a:ext uri="{FF2B5EF4-FFF2-40B4-BE49-F238E27FC236}">
-                <a16:creationId xmlns:a16="http://schemas.microsoft.com/office/drawing/2014/main" xmlns="" id="{2BECD79D-0B3A-44C2-A155-03EC2A6A5D3B}"/>
+                <a16:creationId xmlns="" xmlns:a16="http://schemas.microsoft.com/office/drawing/2014/main" id="{2BECD79D-0B3A-44C2-A155-03EC2A6A5D3B}"/>
               </a:ext>
             </a:extLst>
           </p:cNvPr>
@@ -5813,17 +5813,17 @@
           </a:ln>
           <a:extLst>
             <a:ext uri="{FAA26D3D-D897-4be2-8F04-BA451C77F1D7}">
-              <ma14:placeholderFlag xmlns:ma14="http://schemas.microsoft.com/office/mac/drawingml/2011/main" xmlns="" val="1"/>
+              <ma14:placeholderFlag xmlns="" xmlns:ma14="http://schemas.microsoft.com/office/mac/drawingml/2011/main" val="1"/>
             </a:ext>
             <a:ext uri="{909E8E84-426E-40dd-AFC4-6F175D3DCCD1}">
-              <a14:hiddenFill xmlns:a14="http://schemas.microsoft.com/office/drawing/2010/main" xmlns="">
+              <a14:hiddenFill xmlns="" xmlns:a14="http://schemas.microsoft.com/office/drawing/2010/main">
                 <a:solidFill>
                   <a:srgbClr val="FFFFFF"/>
                 </a:solidFill>
               </a14:hiddenFill>
             </a:ext>
             <a:ext uri="{91240B29-F687-4f45-9708-019B960494DF}">
-              <a14:hiddenLine xmlns:a14="http://schemas.microsoft.com/office/drawing/2010/main" xmlns="" w="9525">
+              <a14:hiddenLine xmlns="" xmlns:a14="http://schemas.microsoft.com/office/drawing/2010/main" w="9525">
                 <a:solidFill>
                   <a:srgbClr val="000000"/>
                 </a:solidFill>
@@ -6089,6 +6089,13 @@
   <p:clrMapOvr>
     <a:masterClrMapping/>
   </p:clrMapOvr>
+  <p:timing>
+    <p:tnLst>
+      <p:par>
+        <p:cTn id="1" dur="indefinite" restart="never" nodeType="tmRoot"/>
+      </p:par>
+    </p:tnLst>
+  </p:timing>
 </p:sld>
 </file>
 
@@ -6114,7 +6121,7 @@
           <p:cNvPr id="2" name="Title 1">
             <a:extLst>
               <a:ext uri="{FF2B5EF4-FFF2-40B4-BE49-F238E27FC236}">
-                <a16:creationId xmlns="" xmlns:a16="http://schemas.microsoft.com/office/drawing/2014/main" id="{DE1F173D-94AD-47BF-B832-EEAC37A63155}"/>
+                <a16:creationId xmlns:a16="http://schemas.microsoft.com/office/drawing/2014/main" xmlns="" id="{DE1F173D-94AD-47BF-B832-EEAC37A63155}"/>
               </a:ext>
             </a:extLst>
           </p:cNvPr>
@@ -6143,7 +6150,7 @@
           <p:cNvPr id="3" name="Content Placeholder 2">
             <a:extLst>
               <a:ext uri="{FF2B5EF4-FFF2-40B4-BE49-F238E27FC236}">
-                <a16:creationId xmlns="" xmlns:a16="http://schemas.microsoft.com/office/drawing/2014/main" id="{086D8650-9937-4496-88DC-DEE5D4668CD1}"/>
+                <a16:creationId xmlns:a16="http://schemas.microsoft.com/office/drawing/2014/main" xmlns="" id="{086D8650-9937-4496-88DC-DEE5D4668CD1}"/>
               </a:ext>
             </a:extLst>
           </p:cNvPr>
@@ -6168,11 +6175,23 @@
           <a:p>
             <a:r>
               <a:rPr lang="es-419" noProof="0" dirty="0" smtClean="0"/>
-              <a:t>Suponga que hay 15 IID sitios, de quien tiene un promedio que </a:t>
+              <a:t>Suponga que hay 15 IID sitios, </a:t>
+            </a:r>
+            <a:r>
+              <a:rPr lang="es-419" noProof="0" dirty="0" smtClean="0"/>
+              <a:t>cuyos promedios </a:t>
+            </a:r>
+            <a:r>
+              <a:rPr lang="es-419" noProof="0" dirty="0" smtClean="0"/>
+              <a:t>se distribuyen </a:t>
             </a:r>
             <a:r>
               <a:rPr lang="es-419" dirty="0" smtClean="0"/>
-              <a:t>es log-normal, </a:t>
+              <a:t>log-normal</a:t>
+            </a:r>
+            <a:r>
+              <a:rPr lang="es-419" dirty="0" smtClean="0"/>
+              <a:t>, </a:t>
             </a:r>
             <a:r>
               <a:rPr lang="es-419" noProof="0" dirty="0" smtClean="0"/>
@@ -6230,53 +6249,45 @@
             </a:r>
             <a:r>
               <a:rPr lang="es-419" noProof="0" dirty="0" smtClean="0"/>
-              <a:t>) </a:t>
-            </a:r>
-            <a:r>
-              <a:rPr lang="es-419" noProof="0" dirty="0" err="1" smtClean="0"/>
-              <a:t>for</a:t>
+              <a:t>)</a:t>
+            </a:r>
+            <a:endParaRPr lang="es-419" noProof="0" dirty="0" smtClean="0"/>
+          </a:p>
+          <a:p>
+            <a:r>
+              <a:rPr lang="es-419" noProof="0" dirty="0" smtClean="0"/>
+              <a:t>Simula tan datos con 12 </a:t>
+            </a:r>
+            <a:r>
+              <a:rPr lang="es-419" noProof="0" dirty="0" smtClean="0"/>
+              <a:t>replicas por </a:t>
+            </a:r>
+            <a:r>
+              <a:rPr lang="es-419" noProof="0" dirty="0" smtClean="0"/>
+              <a:t>cada sitio</a:t>
+            </a:r>
+          </a:p>
+          <a:p>
+            <a:r>
+              <a:rPr lang="es-419" noProof="0" dirty="0" smtClean="0"/>
+              <a:t>Hace un </a:t>
+            </a:r>
+            <a:r>
+              <a:rPr lang="es-419" i="1" noProof="0" dirty="0" err="1" smtClean="0"/>
+              <a:t>boxplot</a:t>
             </a:r>
             <a:r>
               <a:rPr lang="es-419" noProof="0" dirty="0" smtClean="0"/>
               <a:t> </a:t>
             </a:r>
             <a:r>
-              <a:rPr lang="es-419" noProof="0" dirty="0" err="1" smtClean="0"/>
-              <a:t>each</a:t>
-            </a:r>
-            <a:r>
               <a:rPr lang="es-419" noProof="0" dirty="0" smtClean="0"/>
-              <a:t> </a:t>
-            </a:r>
-            <a:r>
-              <a:rPr lang="es-419" noProof="0" dirty="0" err="1" smtClean="0"/>
-              <a:t>site</a:t>
+              <a:t>de </a:t>
             </a:r>
             <a:r>
               <a:rPr lang="es-419" noProof="0" dirty="0" smtClean="0"/>
-              <a:t>.</a:t>
-            </a:r>
-          </a:p>
-          <a:p>
-            <a:r>
-              <a:rPr lang="es-419" noProof="0" dirty="0" smtClean="0"/>
-              <a:t>Simula tan datos con 12 replicados por cada sitio</a:t>
-            </a:r>
-          </a:p>
-          <a:p>
-            <a:r>
-              <a:rPr lang="es-419" noProof="0" dirty="0" smtClean="0"/>
-              <a:t>Hace un </a:t>
-            </a:r>
-            <a:r>
-              <a:rPr lang="es-419" i="1" noProof="0" dirty="0" err="1" smtClean="0"/>
-              <a:t>boxplot</a:t>
-            </a:r>
-            <a:r>
-              <a:rPr lang="es-419" noProof="0" dirty="0" smtClean="0"/>
-              <a:t> del los datos simulados</a:t>
-            </a:r>
-            <a:endParaRPr lang="es-419" noProof="0" dirty="0" smtClean="0"/>
+              <a:t>los datos simulados</a:t>
+            </a:r>
           </a:p>
         </p:txBody>
       </p:sp>
@@ -6285,7 +6296,7 @@
           <p:cNvPr id="4" name="Slide Number Placeholder 3">
             <a:extLst>
               <a:ext uri="{FF2B5EF4-FFF2-40B4-BE49-F238E27FC236}">
-                <a16:creationId xmlns="" xmlns:a16="http://schemas.microsoft.com/office/drawing/2014/main" id="{008AEA56-8F2E-48C4-B499-2FCB6D1A21F7}"/>
+                <a16:creationId xmlns:a16="http://schemas.microsoft.com/office/drawing/2014/main" xmlns="" id="{008AEA56-8F2E-48C4-B499-2FCB6D1A21F7}"/>
               </a:ext>
             </a:extLst>
           </p:cNvPr>
@@ -6377,7 +6388,7 @@
           <p:cNvPr id="2" name="Title 1">
             <a:extLst>
               <a:ext uri="{FF2B5EF4-FFF2-40B4-BE49-F238E27FC236}">
-                <a16:creationId xmlns="" xmlns:a16="http://schemas.microsoft.com/office/drawing/2014/main" id="{DE1F173D-94AD-47BF-B832-EEAC37A63155}"/>
+                <a16:creationId xmlns:a16="http://schemas.microsoft.com/office/drawing/2014/main" xmlns="" id="{DE1F173D-94AD-47BF-B832-EEAC37A63155}"/>
               </a:ext>
             </a:extLst>
           </p:cNvPr>
@@ -6406,7 +6417,7 @@
           <p:cNvPr id="4" name="Slide Number Placeholder 3">
             <a:extLst>
               <a:ext uri="{FF2B5EF4-FFF2-40B4-BE49-F238E27FC236}">
-                <a16:creationId xmlns="" xmlns:a16="http://schemas.microsoft.com/office/drawing/2014/main" id="{008AEA56-8F2E-48C4-B499-2FCB6D1A21F7}"/>
+                <a16:creationId xmlns:a16="http://schemas.microsoft.com/office/drawing/2014/main" xmlns="" id="{008AEA56-8F2E-48C4-B499-2FCB6D1A21F7}"/>
               </a:ext>
             </a:extLst>
           </p:cNvPr>
@@ -6490,8 +6501,8 @@
           </a:p>
         </p:txBody>
       </p:sp>
-      <mc:AlternateContent xmlns:mc="http://schemas.openxmlformats.org/markup-compatibility/2006">
-        <mc:Choice xmlns:a14="http://schemas.microsoft.com/office/drawing/2010/main" Requires="a14">
+      <mc:AlternateContent xmlns:mc="http://schemas.openxmlformats.org/markup-compatibility/2006" xmlns:a14="http://schemas.microsoft.com/office/drawing/2010/main">
+        <mc:Choice Requires="a14">
           <p:sp>
             <p:nvSpPr>
               <p:cNvPr id="3" name="Content Placeholder 2"/>
@@ -7506,7 +7517,7 @@
             </p:txBody>
           </p:sp>
         </mc:Choice>
-        <mc:Fallback>
+        <mc:Fallback xmlns="">
           <p:sp>
             <p:nvSpPr>
               <p:cNvPr id="3" name="Content Placeholder 2"/>
@@ -7549,7 +7560,7 @@
           <p:cNvPr id="4" name="Slide Number Placeholder 3">
             <a:extLst>
               <a:ext uri="{FF2B5EF4-FFF2-40B4-BE49-F238E27FC236}">
-                <a16:creationId xmlns="" xmlns:a16="http://schemas.microsoft.com/office/drawing/2014/main" id="{11B2AAFA-B9E2-44DF-8ADA-DE4DE0C05365}"/>
+                <a16:creationId xmlns:a16="http://schemas.microsoft.com/office/drawing/2014/main" xmlns="" id="{11B2AAFA-B9E2-44DF-8ADA-DE4DE0C05365}"/>
               </a:ext>
             </a:extLst>
           </p:cNvPr>
@@ -7578,7 +7589,7 @@
           <p:cNvPr id="5" name="TextBox 4">
             <a:extLst>
               <a:ext uri="{FF2B5EF4-FFF2-40B4-BE49-F238E27FC236}">
-                <a16:creationId xmlns="" xmlns:a16="http://schemas.microsoft.com/office/drawing/2014/main" id="{B1505FDF-20A8-4532-9C11-64B80CFA1377}"/>
+                <a16:creationId xmlns:a16="http://schemas.microsoft.com/office/drawing/2014/main" xmlns="" id="{B1505FDF-20A8-4532-9C11-64B80CFA1377}"/>
               </a:ext>
             </a:extLst>
           </p:cNvPr>
@@ -7650,7 +7661,7 @@
           <p:cNvPr id="2" name="Title 1">
             <a:extLst>
               <a:ext uri="{FF2B5EF4-FFF2-40B4-BE49-F238E27FC236}">
-                <a16:creationId xmlns="" xmlns:a16="http://schemas.microsoft.com/office/drawing/2014/main" id="{A231641A-290D-4EEB-92AB-F4C459C94EDE}"/>
+                <a16:creationId xmlns:a16="http://schemas.microsoft.com/office/drawing/2014/main" xmlns="" id="{A231641A-290D-4EEB-92AB-F4C459C94EDE}"/>
               </a:ext>
             </a:extLst>
           </p:cNvPr>
@@ -7684,7 +7695,7 @@
           <p:cNvPr id="3" name="Content Placeholder 2">
             <a:extLst>
               <a:ext uri="{FF2B5EF4-FFF2-40B4-BE49-F238E27FC236}">
-                <a16:creationId xmlns="" xmlns:a16="http://schemas.microsoft.com/office/drawing/2014/main" id="{2C171585-69CA-42A9-A8A3-9387AE473E8C}"/>
+                <a16:creationId xmlns:a16="http://schemas.microsoft.com/office/drawing/2014/main" xmlns="" id="{2C171585-69CA-42A9-A8A3-9387AE473E8C}"/>
               </a:ext>
             </a:extLst>
           </p:cNvPr>
@@ -7753,7 +7764,7 @@
           <p:cNvPr id="4" name="Slide Number Placeholder 3">
             <a:extLst>
               <a:ext uri="{FF2B5EF4-FFF2-40B4-BE49-F238E27FC236}">
-                <a16:creationId xmlns="" xmlns:a16="http://schemas.microsoft.com/office/drawing/2014/main" id="{D74C909A-91F4-406A-9FAB-7B822E7F4F6E}"/>
+                <a16:creationId xmlns:a16="http://schemas.microsoft.com/office/drawing/2014/main" xmlns="" id="{D74C909A-91F4-406A-9FAB-7B822E7F4F6E}"/>
               </a:ext>
             </a:extLst>
           </p:cNvPr>
@@ -7782,7 +7793,7 @@
           <p:cNvPr id="9" name="TextBox 8">
             <a:extLst>
               <a:ext uri="{FF2B5EF4-FFF2-40B4-BE49-F238E27FC236}">
-                <a16:creationId xmlns="" xmlns:a16="http://schemas.microsoft.com/office/drawing/2014/main" id="{302EA734-2216-48C7-ABA2-98D393AF8649}"/>
+                <a16:creationId xmlns:a16="http://schemas.microsoft.com/office/drawing/2014/main" xmlns="" id="{302EA734-2216-48C7-ABA2-98D393AF8649}"/>
               </a:ext>
             </a:extLst>
           </p:cNvPr>
@@ -7952,7 +7963,7 @@
           <p:cNvPr id="2" name="Title 1">
             <a:extLst>
               <a:ext uri="{FF2B5EF4-FFF2-40B4-BE49-F238E27FC236}">
-                <a16:creationId xmlns="" xmlns:a16="http://schemas.microsoft.com/office/drawing/2014/main" id="{A231641A-290D-4EEB-92AB-F4C459C94EDE}"/>
+                <a16:creationId xmlns:a16="http://schemas.microsoft.com/office/drawing/2014/main" xmlns="" id="{A231641A-290D-4EEB-92AB-F4C459C94EDE}"/>
               </a:ext>
             </a:extLst>
           </p:cNvPr>
@@ -7988,7 +7999,7 @@
               <p:cNvPr id="3" name="Content Placeholder 2">
                 <a:extLst>
                   <a:ext uri="{FF2B5EF4-FFF2-40B4-BE49-F238E27FC236}">
-                    <a16:creationId xmlns="" xmlns:a16="http://schemas.microsoft.com/office/drawing/2014/main" id="{2C171585-69CA-42A9-A8A3-9387AE473E8C}"/>
+                    <a16:creationId xmlns:a16="http://schemas.microsoft.com/office/drawing/2014/main" xmlns="" id="{2C171585-69CA-42A9-A8A3-9387AE473E8C}"/>
                   </a:ext>
                 </a:extLst>
               </p:cNvPr>
@@ -8122,7 +8133,19 @@
                 </a:r>
                 <a:r>
                   <a:rPr lang="es-419" b="1" noProof="0" dirty="0" smtClean="0"/>
-                  <a:t>tiene un moda validad</a:t>
+                  <a:t>tiene </a:t>
+                </a:r>
+                <a:r>
+                  <a:rPr lang="es-419" b="1" noProof="0" dirty="0" smtClean="0"/>
+                  <a:t>una </a:t>
+                </a:r>
+                <a:r>
+                  <a:rPr lang="es-419" b="1" noProof="0" dirty="0" smtClean="0"/>
+                  <a:t>moda </a:t>
+                </a:r>
+                <a:r>
+                  <a:rPr lang="es-419" b="1" noProof="0" dirty="0" smtClean="0"/>
+                  <a:t>valida</a:t>
                 </a:r>
                 <a:endParaRPr lang="es-419" b="1" noProof="0" dirty="0"/>
               </a:p>
@@ -8131,7 +8154,6 @@
                   <a:rPr lang="es-419" noProof="0" dirty="0" smtClean="0"/>
                   <a:t>Para máxima verosimilitud eso es un problema (no hay una máxima!!)</a:t>
                 </a:r>
-                <a:endParaRPr lang="es-419" noProof="0" dirty="0" smtClean="0"/>
               </a:p>
               <a:p>
                 <a:r>
@@ -8165,7 +8187,7 @@
               <p:cNvPr id="3" name="Content Placeholder 2">
                 <a:extLst>
                   <a:ext uri="{FF2B5EF4-FFF2-40B4-BE49-F238E27FC236}">
-                    <a16:creationId xmlns="" xmlns:a16="http://schemas.microsoft.com/office/drawing/2014/main" xmlns:a14="http://schemas.microsoft.com/office/drawing/2010/main" id="{2C171585-69CA-42A9-A8A3-9387AE473E8C}"/>
+                    <a16:creationId xmlns:a16="http://schemas.microsoft.com/office/drawing/2014/main" xmlns="" xmlns:a14="http://schemas.microsoft.com/office/drawing/2010/main" id="{2C171585-69CA-42A9-A8A3-9387AE473E8C}"/>
                   </a:ext>
                 </a:extLst>
               </p:cNvPr>
@@ -8208,7 +8230,7 @@
           <p:cNvPr id="4" name="Slide Number Placeholder 3">
             <a:extLst>
               <a:ext uri="{FF2B5EF4-FFF2-40B4-BE49-F238E27FC236}">
-                <a16:creationId xmlns="" xmlns:a16="http://schemas.microsoft.com/office/drawing/2014/main" id="{D74C909A-91F4-406A-9FAB-7B822E7F4F6E}"/>
+                <a16:creationId xmlns:a16="http://schemas.microsoft.com/office/drawing/2014/main" xmlns="" id="{D74C909A-91F4-406A-9FAB-7B822E7F4F6E}"/>
               </a:ext>
             </a:extLst>
           </p:cNvPr>
@@ -8274,7 +8296,7 @@
           <p:cNvPr id="2" name="Title 1">
             <a:extLst>
               <a:ext uri="{FF2B5EF4-FFF2-40B4-BE49-F238E27FC236}">
-                <a16:creationId xmlns="" xmlns:a16="http://schemas.microsoft.com/office/drawing/2014/main" id="{A231641A-290D-4EEB-92AB-F4C459C94EDE}"/>
+                <a16:creationId xmlns:a16="http://schemas.microsoft.com/office/drawing/2014/main" xmlns="" id="{A231641A-290D-4EEB-92AB-F4C459C94EDE}"/>
               </a:ext>
             </a:extLst>
           </p:cNvPr>
@@ -8308,7 +8330,7 @@
           <p:cNvPr id="3" name="Content Placeholder 2">
             <a:extLst>
               <a:ext uri="{FF2B5EF4-FFF2-40B4-BE49-F238E27FC236}">
-                <a16:creationId xmlns="" xmlns:a16="http://schemas.microsoft.com/office/drawing/2014/main" id="{2C171585-69CA-42A9-A8A3-9387AE473E8C}"/>
+                <a16:creationId xmlns:a16="http://schemas.microsoft.com/office/drawing/2014/main" xmlns="" id="{2C171585-69CA-42A9-A8A3-9387AE473E8C}"/>
               </a:ext>
             </a:extLst>
           </p:cNvPr>
@@ -8411,7 +8433,7 @@
           <p:cNvPr id="4" name="Slide Number Placeholder 3">
             <a:extLst>
               <a:ext uri="{FF2B5EF4-FFF2-40B4-BE49-F238E27FC236}">
-                <a16:creationId xmlns="" xmlns:a16="http://schemas.microsoft.com/office/drawing/2014/main" id="{D74C909A-91F4-406A-9FAB-7B822E7F4F6E}"/>
+                <a16:creationId xmlns:a16="http://schemas.microsoft.com/office/drawing/2014/main" xmlns="" id="{D74C909A-91F4-406A-9FAB-7B822E7F4F6E}"/>
               </a:ext>
             </a:extLst>
           </p:cNvPr>
@@ -8527,7 +8549,7 @@
           <p:cNvPr id="2" name="Title 1">
             <a:extLst>
               <a:ext uri="{FF2B5EF4-FFF2-40B4-BE49-F238E27FC236}">
-                <a16:creationId xmlns="" xmlns:a16="http://schemas.microsoft.com/office/drawing/2014/main" id="{FFE6D1CD-2DA6-4AF5-9002-1ACADDDD9808}"/>
+                <a16:creationId xmlns:a16="http://schemas.microsoft.com/office/drawing/2014/main" xmlns="" id="{FFE6D1CD-2DA6-4AF5-9002-1ACADDDD9808}"/>
               </a:ext>
             </a:extLst>
           </p:cNvPr>
@@ -8573,7 +8595,7 @@
           <p:cNvPr id="3" name="Content Placeholder 2">
             <a:extLst>
               <a:ext uri="{FF2B5EF4-FFF2-40B4-BE49-F238E27FC236}">
-                <a16:creationId xmlns="" xmlns:mc="http://schemas.openxmlformats.org/markup-compatibility/2006" xmlns:a14="http://schemas.microsoft.com/office/drawing/2010/main" xmlns:a16="http://schemas.microsoft.com/office/drawing/2014/main" id="{130B78F3-E1B7-409E-BDFD-488E7FFC3F33}"/>
+                <a16:creationId xmlns:a16="http://schemas.microsoft.com/office/drawing/2014/main" xmlns:a14="http://schemas.microsoft.com/office/drawing/2010/main" xmlns:mc="http://schemas.openxmlformats.org/markup-compatibility/2006" xmlns="" id="{130B78F3-E1B7-409E-BDFD-488E7FFC3F33}"/>
               </a:ext>
             </a:extLst>
           </p:cNvPr>
@@ -8652,7 +8674,7 @@
           <p:cNvPr id="4" name="Slide Number Placeholder 3">
             <a:extLst>
               <a:ext uri="{FF2B5EF4-FFF2-40B4-BE49-F238E27FC236}">
-                <a16:creationId xmlns="" xmlns:a16="http://schemas.microsoft.com/office/drawing/2014/main" id="{3B7F1D3A-AB7F-4C2E-8CFC-CFEE6E7575F8}"/>
+                <a16:creationId xmlns:a16="http://schemas.microsoft.com/office/drawing/2014/main" xmlns="" id="{3B7F1D3A-AB7F-4C2E-8CFC-CFEE6E7575F8}"/>
               </a:ext>
             </a:extLst>
           </p:cNvPr>
@@ -8858,7 +8880,6 @@
               <a:rPr lang="es-419" noProof="0" dirty="0" smtClean="0"/>
               <a:t>)</a:t>
             </a:r>
-            <a:endParaRPr lang="es-419" noProof="0" dirty="0" smtClean="0"/>
           </a:p>
         </p:txBody>
       </p:sp>
@@ -8927,7 +8948,7 @@
           <p:cNvPr id="2" name="Title 1">
             <a:extLst>
               <a:ext uri="{FF2B5EF4-FFF2-40B4-BE49-F238E27FC236}">
-                <a16:creationId xmlns="" xmlns:a16="http://schemas.microsoft.com/office/drawing/2014/main" id="{6D860678-2641-4F18-A40D-72DF47B7DB37}"/>
+                <a16:creationId xmlns:a16="http://schemas.microsoft.com/office/drawing/2014/main" xmlns="" id="{6D860678-2641-4F18-A40D-72DF47B7DB37}"/>
               </a:ext>
             </a:extLst>
           </p:cNvPr>
@@ -8956,7 +8977,7 @@
           <p:cNvPr id="3" name="Content Placeholder 2">
             <a:extLst>
               <a:ext uri="{FF2B5EF4-FFF2-40B4-BE49-F238E27FC236}">
-                <a16:creationId xmlns="" xmlns:a16="http://schemas.microsoft.com/office/drawing/2014/main" id="{933ABC38-3B73-4F94-AA58-C2325F3398A8}"/>
+                <a16:creationId xmlns:a16="http://schemas.microsoft.com/office/drawing/2014/main" xmlns="" id="{933ABC38-3B73-4F94-AA58-C2325F3398A8}"/>
               </a:ext>
             </a:extLst>
           </p:cNvPr>
@@ -9070,7 +9091,7 @@
           <p:cNvPr id="4" name="Slide Number Placeholder 3">
             <a:extLst>
               <a:ext uri="{FF2B5EF4-FFF2-40B4-BE49-F238E27FC236}">
-                <a16:creationId xmlns="" xmlns:a16="http://schemas.microsoft.com/office/drawing/2014/main" id="{F9422355-DE94-4B02-9AD0-3EB160F7E76D}"/>
+                <a16:creationId xmlns:a16="http://schemas.microsoft.com/office/drawing/2014/main" xmlns="" id="{F9422355-DE94-4B02-9AD0-3EB160F7E76D}"/>
               </a:ext>
             </a:extLst>
           </p:cNvPr>
@@ -9136,7 +9157,7 @@
           <p:cNvPr id="2" name="Title 1">
             <a:extLst>
               <a:ext uri="{FF2B5EF4-FFF2-40B4-BE49-F238E27FC236}">
-                <a16:creationId xmlns:a16="http://schemas.microsoft.com/office/drawing/2014/main" xmlns="" id="{3F85E31D-5021-4B9C-A2F6-6670EA453677}"/>
+                <a16:creationId xmlns="" xmlns:a16="http://schemas.microsoft.com/office/drawing/2014/main" id="{3F85E31D-5021-4B9C-A2F6-6670EA453677}"/>
               </a:ext>
             </a:extLst>
           </p:cNvPr>
@@ -9165,7 +9186,7 @@
           <p:cNvPr id="3" name="Content Placeholder 2">
             <a:extLst>
               <a:ext uri="{FF2B5EF4-FFF2-40B4-BE49-F238E27FC236}">
-                <a16:creationId xmlns:a16="http://schemas.microsoft.com/office/drawing/2014/main" xmlns="" id="{28B492CE-B56B-411E-ACCC-F83AC37AA46D}"/>
+                <a16:creationId xmlns="" xmlns:a16="http://schemas.microsoft.com/office/drawing/2014/main" id="{28B492CE-B56B-411E-ACCC-F83AC37AA46D}"/>
               </a:ext>
             </a:extLst>
           </p:cNvPr>
@@ -9191,12 +9212,12 @@
               <a:t>Ayer practicamos los paso para </a:t>
             </a:r>
             <a:r>
-              <a:rPr lang="es-419" noProof="0" dirty="0" err="1" smtClean="0"/>
-              <a:t>construer</a:t>
-            </a:r>
-            <a:r>
               <a:rPr lang="es-419" noProof="0" dirty="0" smtClean="0"/>
-              <a:t> un modelo Bayesiano</a:t>
+              <a:t>construir </a:t>
+            </a:r>
+            <a:r>
+              <a:rPr lang="es-419" noProof="0" dirty="0" smtClean="0"/>
+              <a:t>un modelo Bayesiano</a:t>
             </a:r>
           </a:p>
           <a:p>
@@ -9226,7 +9247,6 @@
               <a:rPr lang="es-419" sz="2800" noProof="0" dirty="0" smtClean="0"/>
               <a:t>Ajusta el modelo a los datos para obtener la posterior</a:t>
             </a:r>
-            <a:endParaRPr lang="es-419" sz="2800" noProof="0" dirty="0" smtClean="0"/>
           </a:p>
           <a:p>
             <a:pPr marL="514350" indent="-514350">
@@ -9279,7 +9299,7 @@
           <p:cNvPr id="4" name="Slide Number Placeholder 3">
             <a:extLst>
               <a:ext uri="{FF2B5EF4-FFF2-40B4-BE49-F238E27FC236}">
-                <a16:creationId xmlns:a16="http://schemas.microsoft.com/office/drawing/2014/main" xmlns="" id="{EC538D91-6F8B-42BB-A135-BD948D230469}"/>
+                <a16:creationId xmlns="" xmlns:a16="http://schemas.microsoft.com/office/drawing/2014/main" id="{EC538D91-6F8B-42BB-A135-BD948D230469}"/>
               </a:ext>
             </a:extLst>
           </p:cNvPr>
@@ -9313,6 +9333,13 @@
   <p:clrMapOvr>
     <a:masterClrMapping/>
   </p:clrMapOvr>
+  <p:timing>
+    <p:tnLst>
+      <p:par>
+        <p:cTn id="1" dur="indefinite" restart="never" nodeType="tmRoot"/>
+      </p:par>
+    </p:tnLst>
+  </p:timing>
 </p:sld>
 </file>
 
@@ -9338,7 +9365,7 @@
           <p:cNvPr id="2" name="Title 1">
             <a:extLst>
               <a:ext uri="{FF2B5EF4-FFF2-40B4-BE49-F238E27FC236}">
-                <a16:creationId xmlns="" xmlns:a16="http://schemas.microsoft.com/office/drawing/2014/main" id="{E622C5D6-127E-4E13-A682-50C23F6FCCA3}"/>
+                <a16:creationId xmlns:a16="http://schemas.microsoft.com/office/drawing/2014/main" xmlns="" id="{E622C5D6-127E-4E13-A682-50C23F6FCCA3}"/>
               </a:ext>
             </a:extLst>
           </p:cNvPr>
@@ -9367,7 +9394,7 @@
           <p:cNvPr id="3" name="Content Placeholder 2">
             <a:extLst>
               <a:ext uri="{FF2B5EF4-FFF2-40B4-BE49-F238E27FC236}">
-                <a16:creationId xmlns="" xmlns:a16="http://schemas.microsoft.com/office/drawing/2014/main" id="{6C383712-B948-4BB6-80DA-20C80E766461}"/>
+                <a16:creationId xmlns:a16="http://schemas.microsoft.com/office/drawing/2014/main" xmlns="" id="{6C383712-B948-4BB6-80DA-20C80E766461}"/>
               </a:ext>
             </a:extLst>
           </p:cNvPr>
@@ -9396,15 +9423,7 @@
           <a:p>
             <a:r>
               <a:rPr lang="es-419" sz="2800" noProof="0" dirty="0" smtClean="0"/>
-              <a:t>Conocido </a:t>
-            </a:r>
-            <a:r>
-              <a:rPr lang="es-419" sz="2800" noProof="0" dirty="0" smtClean="0"/>
-              <a:t>por otros nombres</a:t>
-            </a:r>
-            <a:r>
-              <a:rPr lang="es-419" sz="2800" noProof="0" dirty="0" smtClean="0"/>
-              <a:t>: </a:t>
+              <a:t>Conocido por otros nombres: </a:t>
             </a:r>
           </a:p>
           <a:p>
@@ -9482,13 +9501,8 @@
           <a:p>
             <a:r>
               <a:rPr lang="es-419" sz="2800" noProof="0" dirty="0" smtClean="0"/>
-              <a:t>Los jerárquicos ocurren </a:t>
-            </a:r>
-            <a:r>
-              <a:rPr lang="es-419" sz="2800" noProof="0" dirty="0" smtClean="0"/>
-              <a:t>en la naturaleza: individuos adentro sitios; subpoblaciones entre poblaciones, etc. </a:t>
-            </a:r>
-            <a:endParaRPr lang="es-419" sz="2800" noProof="0" dirty="0" smtClean="0"/>
+              <a:t>Los jerárquicos ocurren en la naturaleza: individuos adentro sitios; subpoblaciones entre poblaciones, etc. </a:t>
+            </a:r>
           </a:p>
           <a:p>
             <a:r>
@@ -9497,7 +9511,11 @@
             </a:r>
             <a:r>
               <a:rPr lang="es-419" sz="2800" noProof="0" dirty="0" smtClean="0"/>
-              <a:t>maneras para interpretarlos, y puede ser difícil y aplastante</a:t>
+              <a:t>maneras para interpretarlos, y puede ser difícil y </a:t>
+            </a:r>
+            <a:r>
+              <a:rPr lang="es-419" sz="2800" noProof="0" dirty="0" smtClean="0"/>
+              <a:t>abrumador</a:t>
             </a:r>
             <a:endParaRPr lang="es-419" sz="2800" b="1" noProof="0" dirty="0"/>
           </a:p>
@@ -9508,7 +9526,7 @@
           <p:cNvPr id="4" name="TextBox 3">
             <a:extLst>
               <a:ext uri="{FF2B5EF4-FFF2-40B4-BE49-F238E27FC236}">
-                <a16:creationId xmlns="" xmlns:a16="http://schemas.microsoft.com/office/drawing/2014/main" id="{91B8C2B7-D83A-4DE3-8D72-2F8B77908725}"/>
+                <a16:creationId xmlns:a16="http://schemas.microsoft.com/office/drawing/2014/main" xmlns="" id="{91B8C2B7-D83A-4DE3-8D72-2F8B77908725}"/>
               </a:ext>
             </a:extLst>
           </p:cNvPr>
@@ -9556,7 +9574,7 @@
           <p:cNvPr id="5" name="Slide Number Placeholder 4">
             <a:extLst>
               <a:ext uri="{FF2B5EF4-FFF2-40B4-BE49-F238E27FC236}">
-                <a16:creationId xmlns="" xmlns:a16="http://schemas.microsoft.com/office/drawing/2014/main" id="{6971F221-485F-4C23-B854-DC3A88CB94F2}"/>
+                <a16:creationId xmlns:a16="http://schemas.microsoft.com/office/drawing/2014/main" xmlns="" id="{6971F221-485F-4C23-B854-DC3A88CB94F2}"/>
               </a:ext>
             </a:extLst>
           </p:cNvPr>
@@ -9590,6 +9608,13 @@
   <p:clrMapOvr>
     <a:masterClrMapping/>
   </p:clrMapOvr>
+  <p:timing>
+    <p:tnLst>
+      <p:par>
+        <p:cTn id="1" dur="indefinite" restart="never" nodeType="tmRoot"/>
+      </p:par>
+    </p:tnLst>
+  </p:timing>
 </p:sld>
 </file>
 
@@ -9680,7 +9705,6 @@
               <a:rPr lang="es-419" noProof="0" dirty="0" smtClean="0"/>
               <a:t>Normalmente estructurado por tiempo, espacio, sitio, región, individuo, etc.</a:t>
             </a:r>
-            <a:endParaRPr lang="es-419" noProof="0" dirty="0" smtClean="0"/>
           </a:p>
           <a:p>
             <a:pPr lvl="1"/>
@@ -9746,7 +9770,7 @@
           <p:cNvPr id="4" name="Slide Number Placeholder 3">
             <a:extLst>
               <a:ext uri="{FF2B5EF4-FFF2-40B4-BE49-F238E27FC236}">
-                <a16:creationId xmlns="" xmlns:a16="http://schemas.microsoft.com/office/drawing/2014/main" id="{82237799-92F0-42C9-BC32-2F27BA70821F}"/>
+                <a16:creationId xmlns:a16="http://schemas.microsoft.com/office/drawing/2014/main" xmlns="" id="{82237799-92F0-42C9-BC32-2F27BA70821F}"/>
               </a:ext>
             </a:extLst>
           </p:cNvPr>
@@ -9780,6 +9804,13 @@
   <p:clrMapOvr>
     <a:masterClrMapping/>
   </p:clrMapOvr>
+  <p:timing>
+    <p:tnLst>
+      <p:par>
+        <p:cTn id="1" dur="indefinite" restart="never" nodeType="tmRoot"/>
+      </p:par>
+    </p:tnLst>
+  </p:timing>
 </p:sld>
 </file>
 
@@ -9895,13 +9926,6 @@
           <a:p>
             <a:pPr lvl="1"/>
             <a:r>
-              <a:rPr lang="es-419" noProof="0" dirty="0" smtClean="0"/>
-              <a:t>No hay una esperanza que las diferencias del proceso que genera los efectos </a:t>
-            </a:r>
-          </a:p>
-          <a:p>
-            <a:pPr lvl="1"/>
-            <a:r>
               <a:rPr lang="es-419" noProof="0" dirty="0" err="1" smtClean="0"/>
               <a:t>E.g</a:t>
             </a:r>
@@ -9918,7 +9942,15 @@
             </a:r>
             <a:r>
               <a:rPr lang="es-419" noProof="0" dirty="0" smtClean="0"/>
-              <a:t>., el medio de la densidad entre sitios </a:t>
+              <a:t>., el </a:t>
+            </a:r>
+            <a:r>
+              <a:rPr lang="es-419" noProof="0" dirty="0" smtClean="0"/>
+              <a:t>promedio </a:t>
+            </a:r>
+            <a:r>
+              <a:rPr lang="es-419" noProof="0" dirty="0" smtClean="0"/>
+              <a:t>de la densidad entre sitios </a:t>
             </a:r>
             <a:endParaRPr lang="es-419" noProof="0" dirty="0"/>
           </a:p>
@@ -9929,7 +9961,7 @@
           <p:cNvPr id="4" name="Slide Number Placeholder 3">
             <a:extLst>
               <a:ext uri="{FF2B5EF4-FFF2-40B4-BE49-F238E27FC236}">
-                <a16:creationId xmlns="" xmlns:a16="http://schemas.microsoft.com/office/drawing/2014/main" id="{7695775C-246C-4240-8D02-0C741C19BCB1}"/>
+                <a16:creationId xmlns:a16="http://schemas.microsoft.com/office/drawing/2014/main" xmlns="" id="{7695775C-246C-4240-8D02-0C741C19BCB1}"/>
               </a:ext>
             </a:extLst>
           </p:cNvPr>
@@ -9963,6 +9995,13 @@
   <p:clrMapOvr>
     <a:masterClrMapping/>
   </p:clrMapOvr>
+  <p:timing>
+    <p:tnLst>
+      <p:par>
+        <p:cTn id="1" dur="indefinite" restart="never" nodeType="tmRoot"/>
+      </p:par>
+    </p:tnLst>
+  </p:timing>
 </p:sld>
 </file>
 
@@ -10081,14 +10120,14 @@
                 <a:gridCol w="2522018">
                   <a:extLst>
                     <a:ext uri="{9D8B030D-6E8A-4147-A177-3AD203B41FA5}">
-                      <a16:colId xmlns="" xmlns:a16="http://schemas.microsoft.com/office/drawing/2014/main" val="20000"/>
+                      <a16:colId xmlns:a16="http://schemas.microsoft.com/office/drawing/2014/main" xmlns="" val="20000"/>
                     </a:ext>
                   </a:extLst>
                 </a:gridCol>
                 <a:gridCol w="5859982">
                   <a:extLst>
                     <a:ext uri="{9D8B030D-6E8A-4147-A177-3AD203B41FA5}">
-                      <a16:colId xmlns="" xmlns:a16="http://schemas.microsoft.com/office/drawing/2014/main" val="20001"/>
+                      <a16:colId xmlns:a16="http://schemas.microsoft.com/office/drawing/2014/main" xmlns="" val="20001"/>
                     </a:ext>
                   </a:extLst>
                 </a:gridCol>
@@ -10122,7 +10161,7 @@
                 </a:tc>
                 <a:extLst>
                   <a:ext uri="{0D108BD9-81ED-4DB2-BD59-A6C34878D82A}">
-                    <a16:rowId xmlns="" xmlns:a16="http://schemas.microsoft.com/office/drawing/2014/main" val="10000"/>
+                    <a16:rowId xmlns:a16="http://schemas.microsoft.com/office/drawing/2014/main" xmlns="" val="10000"/>
                   </a:ext>
                 </a:extLst>
               </a:tr>
@@ -10160,7 +10199,7 @@
                 </a:tc>
                 <a:extLst>
                   <a:ext uri="{0D108BD9-81ED-4DB2-BD59-A6C34878D82A}">
-                    <a16:rowId xmlns="" xmlns:a16="http://schemas.microsoft.com/office/drawing/2014/main" val="10001"/>
+                    <a16:rowId xmlns:a16="http://schemas.microsoft.com/office/drawing/2014/main" xmlns="" val="10001"/>
                   </a:ext>
                 </a:extLst>
               </a:tr>
@@ -10194,7 +10233,7 @@
                 </a:tc>
                 <a:extLst>
                   <a:ext uri="{0D108BD9-81ED-4DB2-BD59-A6C34878D82A}">
-                    <a16:rowId xmlns="" xmlns:a16="http://schemas.microsoft.com/office/drawing/2014/main" val="10002"/>
+                    <a16:rowId xmlns:a16="http://schemas.microsoft.com/office/drawing/2014/main" xmlns="" val="10002"/>
                   </a:ext>
                 </a:extLst>
               </a:tr>
@@ -10232,7 +10271,7 @@
                 </a:tc>
                 <a:extLst>
                   <a:ext uri="{0D108BD9-81ED-4DB2-BD59-A6C34878D82A}">
-                    <a16:rowId xmlns="" xmlns:a16="http://schemas.microsoft.com/office/drawing/2014/main" val="10003"/>
+                    <a16:rowId xmlns:a16="http://schemas.microsoft.com/office/drawing/2014/main" xmlns="" val="10003"/>
                   </a:ext>
                 </a:extLst>
               </a:tr>
@@ -10274,7 +10313,7 @@
                 </a:tc>
                 <a:extLst>
                   <a:ext uri="{0D108BD9-81ED-4DB2-BD59-A6C34878D82A}">
-                    <a16:rowId xmlns="" xmlns:a16="http://schemas.microsoft.com/office/drawing/2014/main" val="10004"/>
+                    <a16:rowId xmlns:a16="http://schemas.microsoft.com/office/drawing/2014/main" xmlns="" val="10004"/>
                   </a:ext>
                 </a:extLst>
               </a:tr>
@@ -10312,7 +10351,7 @@
                 </a:tc>
                 <a:extLst>
                   <a:ext uri="{0D108BD9-81ED-4DB2-BD59-A6C34878D82A}">
-                    <a16:rowId xmlns="" xmlns:a16="http://schemas.microsoft.com/office/drawing/2014/main" val="10005"/>
+                    <a16:rowId xmlns:a16="http://schemas.microsoft.com/office/drawing/2014/main" xmlns="" val="10005"/>
                   </a:ext>
                 </a:extLst>
               </a:tr>
@@ -10325,7 +10364,7 @@
           <p:cNvPr id="5" name="Slide Number Placeholder 4">
             <a:extLst>
               <a:ext uri="{FF2B5EF4-FFF2-40B4-BE49-F238E27FC236}">
-                <a16:creationId xmlns="" xmlns:a16="http://schemas.microsoft.com/office/drawing/2014/main" id="{457FFAEA-622E-4CA2-8209-069A88AFAEA7}"/>
+                <a16:creationId xmlns:a16="http://schemas.microsoft.com/office/drawing/2014/main" xmlns="" id="{457FFAEA-622E-4CA2-8209-069A88AFAEA7}"/>
               </a:ext>
             </a:extLst>
           </p:cNvPr>
@@ -10359,6 +10398,13 @@
   <p:clrMapOvr>
     <a:masterClrMapping/>
   </p:clrMapOvr>
+  <p:timing>
+    <p:tnLst>
+      <p:par>
+        <p:cTn id="1" dur="indefinite" restart="never" nodeType="tmRoot"/>
+      </p:par>
+    </p:tnLst>
+  </p:timing>
 </p:sld>
 </file>
 
@@ -10384,7 +10430,7 @@
           <p:cNvPr id="2" name="Title 1">
             <a:extLst>
               <a:ext uri="{FF2B5EF4-FFF2-40B4-BE49-F238E27FC236}">
-                <a16:creationId xmlns="" xmlns:a16="http://schemas.microsoft.com/office/drawing/2014/main" id="{E622C5D6-127E-4E13-A682-50C23F6FCCA3}"/>
+                <a16:creationId xmlns:a16="http://schemas.microsoft.com/office/drawing/2014/main" xmlns="" id="{E622C5D6-127E-4E13-A682-50C23F6FCCA3}"/>
               </a:ext>
             </a:extLst>
           </p:cNvPr>
@@ -10421,7 +10467,7 @@
           <p:cNvPr id="4" name="Picture 3">
             <a:extLst>
               <a:ext uri="{FF2B5EF4-FFF2-40B4-BE49-F238E27FC236}">
-                <a16:creationId xmlns="" xmlns:a16="http://schemas.microsoft.com/office/drawing/2014/main" id="{A3CE29E7-39DF-4344-A6C6-106194DF1170}"/>
+                <a16:creationId xmlns:a16="http://schemas.microsoft.com/office/drawing/2014/main" xmlns="" id="{A3CE29E7-39DF-4344-A6C6-106194DF1170}"/>
               </a:ext>
             </a:extLst>
           </p:cNvPr>
@@ -10451,7 +10497,7 @@
           <p:cNvPr id="7" name="Rectangle 6">
             <a:extLst>
               <a:ext uri="{FF2B5EF4-FFF2-40B4-BE49-F238E27FC236}">
-                <a16:creationId xmlns="" xmlns:a16="http://schemas.microsoft.com/office/drawing/2014/main" id="{C26DB809-D9AA-4615-BB91-602299E0A4B7}"/>
+                <a16:creationId xmlns:a16="http://schemas.microsoft.com/office/drawing/2014/main" xmlns="" id="{C26DB809-D9AA-4615-BB91-602299E0A4B7}"/>
               </a:ext>
             </a:extLst>
           </p:cNvPr>
@@ -10540,15 +10586,7 @@
                   <a:srgbClr val="FF0000"/>
                 </a:solidFill>
               </a:rPr>
-              <a:t>)</a:t>
-            </a:r>
-            <a:r>
-              <a:rPr lang="en-US" b="1" dirty="0" smtClean="0">
-                <a:solidFill>
-                  <a:srgbClr val="FF0000"/>
-                </a:solidFill>
-              </a:rPr>
-              <a:t> </a:t>
+              <a:t>) </a:t>
             </a:r>
             <a:endParaRPr lang="en-US" b="1" dirty="0">
               <a:solidFill>
@@ -10563,7 +10601,7 @@
           <p:cNvPr id="8" name="Rectangle 7">
             <a:extLst>
               <a:ext uri="{FF2B5EF4-FFF2-40B4-BE49-F238E27FC236}">
-                <a16:creationId xmlns="" xmlns:a16="http://schemas.microsoft.com/office/drawing/2014/main" id="{F2AD29DD-2B6D-4096-BE7F-4ECC343CCC86}"/>
+                <a16:creationId xmlns:a16="http://schemas.microsoft.com/office/drawing/2014/main" xmlns="" id="{F2AD29DD-2B6D-4096-BE7F-4ECC343CCC86}"/>
               </a:ext>
             </a:extLst>
           </p:cNvPr>
@@ -10644,15 +10682,7 @@
                   <a:srgbClr val="FF0000"/>
                 </a:solidFill>
               </a:rPr>
-              <a:t> </a:t>
-            </a:r>
-            <a:r>
-              <a:rPr lang="en-US" b="1" dirty="0" smtClean="0">
-                <a:solidFill>
-                  <a:srgbClr val="FF0000"/>
-                </a:solidFill>
-              </a:rPr>
-              <a:t>de la </a:t>
+              <a:t> de la </a:t>
             </a:r>
             <a:r>
               <a:rPr lang="en-US" b="1" dirty="0" err="1" smtClean="0">
@@ -10715,7 +10745,7 @@
           <p:cNvPr id="9" name="Rectangle 8">
             <a:extLst>
               <a:ext uri="{FF2B5EF4-FFF2-40B4-BE49-F238E27FC236}">
-                <a16:creationId xmlns="" xmlns:a16="http://schemas.microsoft.com/office/drawing/2014/main" id="{AA38EDBA-A1B5-4372-B391-6573B6D79D64}"/>
+                <a16:creationId xmlns:a16="http://schemas.microsoft.com/office/drawing/2014/main" xmlns="" id="{AA38EDBA-A1B5-4372-B391-6573B6D79D64}"/>
               </a:ext>
             </a:extLst>
           </p:cNvPr>
@@ -10875,7 +10905,7 @@
           <p:cNvPr id="10" name="TextBox 9">
             <a:extLst>
               <a:ext uri="{FF2B5EF4-FFF2-40B4-BE49-F238E27FC236}">
-                <a16:creationId xmlns="" xmlns:a16="http://schemas.microsoft.com/office/drawing/2014/main" id="{548D46D9-DC08-4167-B98C-D5BE7F63658A}"/>
+                <a16:creationId xmlns:a16="http://schemas.microsoft.com/office/drawing/2014/main" xmlns="" id="{548D46D9-DC08-4167-B98C-D5BE7F63658A}"/>
               </a:ext>
             </a:extLst>
           </p:cNvPr>
@@ -10965,7 +10995,7 @@
           <p:cNvPr id="11" name="TextBox 10">
             <a:extLst>
               <a:ext uri="{FF2B5EF4-FFF2-40B4-BE49-F238E27FC236}">
-                <a16:creationId xmlns="" xmlns:a16="http://schemas.microsoft.com/office/drawing/2014/main" id="{B7E0E7F2-6F4B-448D-B325-85F2883B7329}"/>
+                <a16:creationId xmlns:a16="http://schemas.microsoft.com/office/drawing/2014/main" xmlns="" id="{B7E0E7F2-6F4B-448D-B325-85F2883B7329}"/>
               </a:ext>
             </a:extLst>
           </p:cNvPr>
@@ -11001,7 +11031,7 @@
           <p:cNvPr id="3" name="Slide Number Placeholder 2">
             <a:extLst>
               <a:ext uri="{FF2B5EF4-FFF2-40B4-BE49-F238E27FC236}">
-                <a16:creationId xmlns="" xmlns:a16="http://schemas.microsoft.com/office/drawing/2014/main" id="{1B8A2666-A9E1-4CBC-BBCF-A9F29A52239C}"/>
+                <a16:creationId xmlns:a16="http://schemas.microsoft.com/office/drawing/2014/main" xmlns="" id="{1B8A2666-A9E1-4CBC-BBCF-A9F29A52239C}"/>
               </a:ext>
             </a:extLst>
           </p:cNvPr>
@@ -11035,6 +11065,13 @@
   <p:clrMapOvr>
     <a:masterClrMapping/>
   </p:clrMapOvr>
+  <p:timing>
+    <p:tnLst>
+      <p:par>
+        <p:cTn id="1" dur="indefinite" restart="never" nodeType="tmRoot"/>
+      </p:par>
+    </p:tnLst>
+  </p:timing>
 </p:sld>
 </file>
 
@@ -11161,7 +11198,7 @@
           <p:cNvPr id="4" name="Slide Number Placeholder 3">
             <a:extLst>
               <a:ext uri="{FF2B5EF4-FFF2-40B4-BE49-F238E27FC236}">
-                <a16:creationId xmlns="" xmlns:a16="http://schemas.microsoft.com/office/drawing/2014/main" id="{4ED96E27-55EF-42C1-972F-427308C213C5}"/>
+                <a16:creationId xmlns:a16="http://schemas.microsoft.com/office/drawing/2014/main" xmlns="" id="{4ED96E27-55EF-42C1-972F-427308C213C5}"/>
               </a:ext>
             </a:extLst>
           </p:cNvPr>
@@ -11195,6 +11232,13 @@
   <p:clrMapOvr>
     <a:masterClrMapping/>
   </p:clrMapOvr>
+  <p:timing>
+    <p:tnLst>
+      <p:par>
+        <p:cTn id="1" dur="indefinite" restart="never" nodeType="tmRoot"/>
+      </p:par>
+    </p:tnLst>
+  </p:timing>
 </p:sld>
 </file>
 
@@ -11220,7 +11264,7 @@
           <p:cNvPr id="2" name="Title 1">
             <a:extLst>
               <a:ext uri="{FF2B5EF4-FFF2-40B4-BE49-F238E27FC236}">
-                <a16:creationId xmlns="" xmlns:a16="http://schemas.microsoft.com/office/drawing/2014/main" id="{E622C5D6-127E-4E13-A682-50C23F6FCCA3}"/>
+                <a16:creationId xmlns:a16="http://schemas.microsoft.com/office/drawing/2014/main" xmlns="" id="{E622C5D6-127E-4E13-A682-50C23F6FCCA3}"/>
               </a:ext>
             </a:extLst>
           </p:cNvPr>
@@ -11249,7 +11293,7 @@
           <p:cNvPr id="4" name="Picture 3">
             <a:extLst>
               <a:ext uri="{FF2B5EF4-FFF2-40B4-BE49-F238E27FC236}">
-                <a16:creationId xmlns="" xmlns:a16="http://schemas.microsoft.com/office/drawing/2014/main" id="{A3CE29E7-39DF-4344-A6C6-106194DF1170}"/>
+                <a16:creationId xmlns:a16="http://schemas.microsoft.com/office/drawing/2014/main" xmlns="" id="{A3CE29E7-39DF-4344-A6C6-106194DF1170}"/>
               </a:ext>
             </a:extLst>
           </p:cNvPr>
@@ -11279,7 +11323,7 @@
           <p:cNvPr id="10" name="TextBox 9">
             <a:extLst>
               <a:ext uri="{FF2B5EF4-FFF2-40B4-BE49-F238E27FC236}">
-                <a16:creationId xmlns="" xmlns:a16="http://schemas.microsoft.com/office/drawing/2014/main" id="{548D46D9-DC08-4167-B98C-D5BE7F63658A}"/>
+                <a16:creationId xmlns:a16="http://schemas.microsoft.com/office/drawing/2014/main" xmlns="" id="{548D46D9-DC08-4167-B98C-D5BE7F63658A}"/>
               </a:ext>
             </a:extLst>
           </p:cNvPr>
@@ -11346,21 +11390,13 @@
           <a:p>
             <a:r>
               <a:rPr lang="es-419" sz="2400" dirty="0" smtClean="0"/>
-              <a:t>Paso</a:t>
-            </a:r>
+              <a:t>Paso 2: Función del promedio</a:t>
+            </a:r>
+          </a:p>
+          <a:p>
             <a:r>
               <a:rPr lang="es-419" sz="2400" dirty="0" smtClean="0"/>
-              <a:t> 2: Función del promedio</a:t>
-            </a:r>
-          </a:p>
-          <a:p>
-            <a:r>
-              <a:rPr lang="es-419" sz="2400" dirty="0" smtClean="0"/>
-              <a:t>Paso</a:t>
-            </a:r>
-            <a:r>
-              <a:rPr lang="es-419" sz="2400" dirty="0" smtClean="0"/>
-              <a:t> 3: </a:t>
+              <a:t>Paso 3: </a:t>
             </a:r>
             <a:r>
               <a:rPr lang="es-419" sz="2400" dirty="0" err="1" smtClean="0"/>
@@ -11372,11 +11408,7 @@
             </a:r>
             <a:r>
               <a:rPr lang="es-419" sz="2400" dirty="0" err="1" smtClean="0"/>
-              <a:t>hiper</a:t>
-            </a:r>
-            <a:r>
-              <a:rPr lang="es-419" sz="2400" dirty="0" err="1" smtClean="0"/>
-              <a:t>distribucion</a:t>
+              <a:t>hiperdistribucion</a:t>
             </a:r>
             <a:r>
               <a:rPr lang="es-419" sz="2400" dirty="0" smtClean="0"/>
@@ -11391,7 +11423,7 @@
           <p:cNvPr id="11" name="TextBox 10">
             <a:extLst>
               <a:ext uri="{FF2B5EF4-FFF2-40B4-BE49-F238E27FC236}">
-                <a16:creationId xmlns="" xmlns:a16="http://schemas.microsoft.com/office/drawing/2014/main" id="{B7E0E7F2-6F4B-448D-B325-85F2883B7329}"/>
+                <a16:creationId xmlns:a16="http://schemas.microsoft.com/office/drawing/2014/main" xmlns="" id="{B7E0E7F2-6F4B-448D-B325-85F2883B7329}"/>
               </a:ext>
             </a:extLst>
           </p:cNvPr>
@@ -11427,7 +11459,7 @@
           <p:cNvPr id="12" name="Object 29">
             <a:extLst>
               <a:ext uri="{FF2B5EF4-FFF2-40B4-BE49-F238E27FC236}">
-                <a16:creationId xmlns="" xmlns:a16="http://schemas.microsoft.com/office/drawing/2014/main" id="{2565FC6C-6B36-4C01-A255-7DF18E1E6E50}"/>
+                <a16:creationId xmlns:a16="http://schemas.microsoft.com/office/drawing/2014/main" xmlns="" id="{2565FC6C-6B36-4C01-A255-7DF18E1E6E50}"/>
               </a:ext>
             </a:extLst>
           </p:cNvPr>
@@ -11446,7 +11478,7 @@
           <a:graphicData uri="http://schemas.openxmlformats.org/presentationml/2006/ole">
             <mc:AlternateContent xmlns:mc="http://schemas.openxmlformats.org/markup-compatibility/2006">
               <mc:Choice xmlns:v="urn:schemas-microsoft-com:vml" Requires="v">
-                <p:oleObj spid="_x0000_s1161" name="Equation" r:id="rId4" imgW="1028520" imgH="203040" progId="Equation.DSMT4">
+                <p:oleObj spid="_x0000_s1188" name="Equation" r:id="rId4" imgW="1028520" imgH="203040" progId="Equation.DSMT4">
                   <p:embed/>
                 </p:oleObj>
               </mc:Choice>
@@ -11485,7 +11517,7 @@
                       <a:effectLst/>
                       <a:extLst>
                         <a:ext uri="{91240B29-F687-4f45-9708-019B960494DF}">
-                          <a14:hiddenLine xmlns="" xmlns:a14="http://schemas.microsoft.com/office/drawing/2010/main" w="9525">
+                          <a14:hiddenLine xmlns:a14="http://schemas.microsoft.com/office/drawing/2010/main" xmlns="" w="9525">
                             <a:solidFill>
                               <a:srgbClr val="000000"/>
                             </a:solidFill>
@@ -11495,7 +11527,7 @@
                           </a14:hiddenLine>
                         </a:ext>
                         <a:ext uri="{AF507438-7753-43e0-B8FC-AC1667EBCBE1}">
-                          <a14:hiddenEffects xmlns="" xmlns:a14="http://schemas.microsoft.com/office/drawing/2010/main">
+                          <a14:hiddenEffects xmlns:a14="http://schemas.microsoft.com/office/drawing/2010/main" xmlns="">
                             <a:effectLst>
                               <a:outerShdw dist="35921" dir="2700000" algn="ctr" rotWithShape="0">
                                 <a:srgbClr val="808080"/>
@@ -11517,7 +11549,7 @@
           <p:cNvPr id="13" name="Object 29">
             <a:extLst>
               <a:ext uri="{FF2B5EF4-FFF2-40B4-BE49-F238E27FC236}">
-                <a16:creationId xmlns="" xmlns:a16="http://schemas.microsoft.com/office/drawing/2014/main" id="{E790ECA5-7748-4528-B29B-EF5EC3CB78BB}"/>
+                <a16:creationId xmlns:a16="http://schemas.microsoft.com/office/drawing/2014/main" xmlns="" id="{E790ECA5-7748-4528-B29B-EF5EC3CB78BB}"/>
               </a:ext>
             </a:extLst>
           </p:cNvPr>
@@ -11536,7 +11568,7 @@
           <a:graphicData uri="http://schemas.openxmlformats.org/presentationml/2006/ole">
             <mc:AlternateContent xmlns:mc="http://schemas.openxmlformats.org/markup-compatibility/2006">
               <mc:Choice xmlns:v="urn:schemas-microsoft-com:vml" Requires="v">
-                <p:oleObj spid="_x0000_s1162" name="Equation" r:id="rId6" imgW="876240" imgH="228600" progId="Equation.DSMT4">
+                <p:oleObj spid="_x0000_s1189" name="Equation" r:id="rId6" imgW="876240" imgH="228600" progId="Equation.DSMT4">
                   <p:embed/>
                 </p:oleObj>
               </mc:Choice>
@@ -11575,7 +11607,7 @@
                       <a:effectLst/>
                       <a:extLst>
                         <a:ext uri="{91240B29-F687-4f45-9708-019B960494DF}">
-                          <a14:hiddenLine xmlns="" xmlns:a14="http://schemas.microsoft.com/office/drawing/2010/main" w="9525">
+                          <a14:hiddenLine xmlns:a14="http://schemas.microsoft.com/office/drawing/2010/main" xmlns="" w="9525">
                             <a:solidFill>
                               <a:srgbClr val="000000"/>
                             </a:solidFill>
@@ -11585,7 +11617,7 @@
                           </a14:hiddenLine>
                         </a:ext>
                         <a:ext uri="{AF507438-7753-43e0-B8FC-AC1667EBCBE1}">
-                          <a14:hiddenEffects xmlns="" xmlns:a14="http://schemas.microsoft.com/office/drawing/2010/main">
+                          <a14:hiddenEffects xmlns:a14="http://schemas.microsoft.com/office/drawing/2010/main" xmlns="">
                             <a:effectLst>
                               <a:outerShdw dist="35921" dir="2700000" algn="ctr" rotWithShape="0">
                                 <a:srgbClr val="808080"/>
@@ -11607,7 +11639,7 @@
           <p:cNvPr id="3" name="Slide Number Placeholder 2">
             <a:extLst>
               <a:ext uri="{FF2B5EF4-FFF2-40B4-BE49-F238E27FC236}">
-                <a16:creationId xmlns="" xmlns:a16="http://schemas.microsoft.com/office/drawing/2014/main" id="{1A1D7D6F-CE0E-4983-81E1-CD149B2EFDBC}"/>
+                <a16:creationId xmlns:a16="http://schemas.microsoft.com/office/drawing/2014/main" xmlns="" id="{1A1D7D6F-CE0E-4983-81E1-CD149B2EFDBC}"/>
               </a:ext>
             </a:extLst>
           </p:cNvPr>
@@ -11636,7 +11668,7 @@
           <p:cNvPr id="9" name="Object 29">
             <a:extLst>
               <a:ext uri="{FF2B5EF4-FFF2-40B4-BE49-F238E27FC236}">
-                <a16:creationId xmlns="" xmlns:a16="http://schemas.microsoft.com/office/drawing/2014/main" id="{30C6355C-8B3F-4D9F-A2B2-6CDBF630DEDF}"/>
+                <a16:creationId xmlns:a16="http://schemas.microsoft.com/office/drawing/2014/main" xmlns="" id="{30C6355C-8B3F-4D9F-A2B2-6CDBF630DEDF}"/>
               </a:ext>
             </a:extLst>
           </p:cNvPr>
@@ -11648,14 +11680,14 @@
           </p:nvPr>
         </p:nvGraphicFramePr>
         <p:xfrm>
-          <a:off x="6683236" y="1544661"/>
+          <a:off x="6683375" y="1544638"/>
           <a:ext cx="1174750" cy="571500"/>
         </p:xfrm>
         <a:graphic>
           <a:graphicData uri="http://schemas.openxmlformats.org/presentationml/2006/ole">
             <mc:AlternateContent xmlns:mc="http://schemas.openxmlformats.org/markup-compatibility/2006">
               <mc:Choice xmlns:v="urn:schemas-microsoft-com:vml" Requires="v">
-                <p:oleObj spid="_x0000_s1163" name="Equation" r:id="rId8" imgW="469800" imgH="228600" progId="Equation.DSMT4">
+                <p:oleObj spid="_x0000_s1190" name="Equation" r:id="rId8" imgW="469800" imgH="228600" progId="Equation.DSMT4">
                   <p:embed/>
                 </p:oleObj>
               </mc:Choice>
@@ -11679,7 +11711,7 @@
                     </p:blipFill>
                     <p:spPr bwMode="auto">
                       <a:xfrm>
-                        <a:off x="6683236" y="1544661"/>
+                        <a:off x="6683375" y="1544638"/>
                         <a:ext cx="1174750" cy="571500"/>
                       </a:xfrm>
                       <a:prstGeom prst="rect">
@@ -11694,7 +11726,7 @@
                       <a:effectLst/>
                       <a:extLst>
                         <a:ext uri="{91240B29-F687-4f45-9708-019B960494DF}">
-                          <a14:hiddenLine xmlns="" xmlns:a14="http://schemas.microsoft.com/office/drawing/2010/main" w="9525">
+                          <a14:hiddenLine xmlns:a14="http://schemas.microsoft.com/office/drawing/2010/main" xmlns="" w="9525">
                             <a:solidFill>
                               <a:srgbClr val="000000"/>
                             </a:solidFill>
@@ -11704,7 +11736,7 @@
                           </a14:hiddenLine>
                         </a:ext>
                         <a:ext uri="{AF507438-7753-43e0-B8FC-AC1667EBCBE1}">
-                          <a14:hiddenEffects xmlns="" xmlns:a14="http://schemas.microsoft.com/office/drawing/2010/main">
+                          <a14:hiddenEffects xmlns:a14="http://schemas.microsoft.com/office/drawing/2010/main" xmlns="">
                             <a:effectLst>
                               <a:outerShdw dist="35921" dir="2700000" algn="ctr" rotWithShape="0">
                                 <a:srgbClr val="808080"/>

--- a/dia4/lecture4_hierarchical.pptx
+++ b/dia4/lecture4_hierarchical.pptx
@@ -229,7 +229,7 @@
           <a:p>
             <a:fld id="{9EC8F33C-A7AA-43A7-BCA9-F081EA0B4664}" type="datetimeFigureOut">
               <a:rPr lang="en-US" smtClean="0"/>
-              <a:t>1/17/2019</a:t>
+              <a:t>1/21/2019</a:t>
             </a:fld>
             <a:endParaRPr lang="en-US"/>
           </a:p>
@@ -713,7 +713,7 @@
           </a:ln>
           <a:extLst>
             <a:ext uri="{909E8E84-426E-40dd-AFC4-6F175D3DCCD1}">
-              <a14:hiddenFill xmlns="" xmlns:a14="http://schemas.microsoft.com/office/drawing/2010/main">
+              <a14:hiddenFill xmlns:a14="http://schemas.microsoft.com/office/drawing/2010/main" xmlns="">
                 <a:solidFill>
                   <a:srgbClr val="FFFFFF"/>
                 </a:solidFill>
@@ -756,7 +756,7 @@
           </a:ln>
           <a:extLst>
             <a:ext uri="{909E8E84-426E-40dd-AFC4-6F175D3DCCD1}">
-              <a14:hiddenFill xmlns="" xmlns:a14="http://schemas.microsoft.com/office/drawing/2010/main">
+              <a14:hiddenFill xmlns:a14="http://schemas.microsoft.com/office/drawing/2010/main" xmlns="">
                 <a:noFill/>
               </a14:hiddenFill>
             </a:ext>
@@ -855,7 +855,7 @@
           <a:p>
             <a:fld id="{9A356AEA-056F-417E-9B38-4BA8743FE6C4}" type="datetime1">
               <a:rPr lang="en-US" smtClean="0"/>
-              <a:t>1/17/2019</a:t>
+              <a:t>1/21/2019</a:t>
             </a:fld>
             <a:endParaRPr lang="en-US"/>
           </a:p>
@@ -1042,7 +1042,7 @@
           <a:p>
             <a:fld id="{09867F7C-1948-4907-9EBC-DD38682B5188}" type="datetime1">
               <a:rPr lang="en-US" smtClean="0"/>
-              <a:t>1/17/2019</a:t>
+              <a:t>1/21/2019</a:t>
             </a:fld>
             <a:endParaRPr lang="en-US"/>
           </a:p>
@@ -1238,7 +1238,7 @@
           <a:p>
             <a:fld id="{A5996870-3492-4879-A20C-50CF7F25E309}" type="datetime1">
               <a:rPr lang="en-US" smtClean="0"/>
-              <a:t>1/17/2019</a:t>
+              <a:t>1/21/2019</a:t>
             </a:fld>
             <a:endParaRPr lang="en-US"/>
           </a:p>
@@ -1490,7 +1490,7 @@
           <a:p>
             <a:fld id="{3339509F-2835-4D20-8448-C5CCD453FC4A}" type="datetime1">
               <a:rPr lang="en-US" smtClean="0"/>
-              <a:t>1/17/2019</a:t>
+              <a:t>1/21/2019</a:t>
             </a:fld>
             <a:endParaRPr lang="en-US"/>
           </a:p>
@@ -1714,7 +1714,7 @@
           <a:p>
             <a:fld id="{7A6EDDDE-DBE4-4114-B865-EC3A2920782E}" type="datetime1">
               <a:rPr lang="en-US" smtClean="0"/>
-              <a:t>1/17/2019</a:t>
+              <a:t>1/21/2019</a:t>
             </a:fld>
             <a:endParaRPr lang="en-US"/>
           </a:p>
@@ -2022,7 +2022,7 @@
           <a:p>
             <a:fld id="{8DA96907-43AE-4B1E-B5FF-6853ADDA5697}" type="datetime1">
               <a:rPr lang="en-US" smtClean="0"/>
-              <a:t>1/17/2019</a:t>
+              <a:t>1/21/2019</a:t>
             </a:fld>
             <a:endParaRPr lang="en-US"/>
           </a:p>
@@ -2190,7 +2190,7 @@
           <a:p>
             <a:fld id="{2E65DF97-DE0F-4515-8F8D-0E1C627BC4E9}" type="datetime1">
               <a:rPr lang="en-US" smtClean="0"/>
-              <a:t>1/17/2019</a:t>
+              <a:t>1/21/2019</a:t>
             </a:fld>
             <a:endParaRPr lang="en-US"/>
           </a:p>
@@ -2502,7 +2502,7 @@
           <a:p>
             <a:fld id="{23B9FD00-80D5-4EA7-B536-8F4F2C3959C9}" type="datetime1">
               <a:rPr lang="en-US" smtClean="0"/>
-              <a:t>1/17/2019</a:t>
+              <a:t>1/21/2019</a:t>
             </a:fld>
             <a:endParaRPr lang="en-US"/>
           </a:p>
@@ -2814,7 +2814,7 @@
           <a:p>
             <a:fld id="{DAC77084-4DB4-4A23-9870-BF49183ACB4C}" type="datetime1">
               <a:rPr lang="en-US" smtClean="0"/>
-              <a:t>1/17/2019</a:t>
+              <a:t>1/21/2019</a:t>
             </a:fld>
             <a:endParaRPr lang="en-US"/>
           </a:p>
@@ -3000,7 +3000,7 @@
           <a:p>
             <a:fld id="{6E487ECE-0D8C-4AFB-BD35-997F06E0971C}" type="datetime1">
               <a:rPr lang="en-US" smtClean="0"/>
-              <a:t>1/17/2019</a:t>
+              <a:t>1/21/2019</a:t>
             </a:fld>
             <a:endParaRPr lang="en-US"/>
           </a:p>
@@ -3209,7 +3209,7 @@
           <a:p>
             <a:fld id="{D4F6DC8D-78A1-49CC-B033-F77D87B04958}" type="datetime1">
               <a:rPr lang="en-US" smtClean="0"/>
-              <a:t>1/17/2019</a:t>
+              <a:t>1/21/2019</a:t>
             </a:fld>
             <a:endParaRPr lang="en-US"/>
           </a:p>
@@ -3512,7 +3512,7 @@
           <a:p>
             <a:fld id="{3BCF4A7C-A413-48DA-9211-5240CAEE1DD4}" type="datetime1">
               <a:rPr lang="en-US" smtClean="0"/>
-              <a:t>1/17/2019</a:t>
+              <a:t>1/21/2019</a:t>
             </a:fld>
             <a:endParaRPr lang="en-US"/>
           </a:p>
@@ -3954,7 +3954,7 @@
           <a:p>
             <a:fld id="{AAE887C4-8D00-4515-BD6B-6D6B646F02F7}" type="datetime1">
               <a:rPr lang="en-US" smtClean="0"/>
-              <a:t>1/17/2019</a:t>
+              <a:t>1/21/2019</a:t>
             </a:fld>
             <a:endParaRPr lang="en-US"/>
           </a:p>
@@ -4089,7 +4089,7 @@
           <a:p>
             <a:fld id="{10C13C5A-776A-4D2B-A91E-2ACB7D90E7CC}" type="datetime1">
               <a:rPr lang="en-US" smtClean="0"/>
-              <a:t>1/17/2019</a:t>
+              <a:t>1/21/2019</a:t>
             </a:fld>
             <a:endParaRPr lang="en-US"/>
           </a:p>
@@ -4202,7 +4202,7 @@
           <a:p>
             <a:fld id="{00A5D59F-6FC3-492C-BAE3-F50C9D1FBA31}" type="datetime1">
               <a:rPr lang="en-US" smtClean="0"/>
-              <a:t>1/17/2019</a:t>
+              <a:t>1/21/2019</a:t>
             </a:fld>
             <a:endParaRPr lang="en-US"/>
           </a:p>
@@ -4495,7 +4495,7 @@
           <a:p>
             <a:fld id="{CD78B45F-E474-4F2F-801A-58FC9FE22655}" type="datetime1">
               <a:rPr lang="en-US" smtClean="0"/>
-              <a:t>1/17/2019</a:t>
+              <a:t>1/21/2019</a:t>
             </a:fld>
             <a:endParaRPr lang="en-US"/>
           </a:p>
@@ -4769,7 +4769,7 @@
           <a:p>
             <a:fld id="{FDF35450-A835-4587-8F84-782057674F92}" type="datetime1">
               <a:rPr lang="en-US" smtClean="0"/>
-              <a:t>1/17/2019</a:t>
+              <a:t>1/21/2019</a:t>
             </a:fld>
             <a:endParaRPr lang="en-US"/>
           </a:p>
@@ -4891,17 +4891,17 @@
           </a:ln>
           <a:extLst>
             <a:ext uri="{FAA26D3D-D897-4be2-8F04-BA451C77F1D7}">
-              <ma14:placeholderFlag xmlns="" xmlns:ma14="http://schemas.microsoft.com/office/mac/drawingml/2011/main" val="1"/>
+              <ma14:placeholderFlag xmlns:ma14="http://schemas.microsoft.com/office/mac/drawingml/2011/main" xmlns="" val="1"/>
             </a:ext>
             <a:ext uri="{909E8E84-426E-40dd-AFC4-6F175D3DCCD1}">
-              <a14:hiddenFill xmlns="" xmlns:a14="http://schemas.microsoft.com/office/drawing/2010/main">
+              <a14:hiddenFill xmlns:a14="http://schemas.microsoft.com/office/drawing/2010/main" xmlns="">
                 <a:solidFill>
                   <a:srgbClr val="FFFFFF"/>
                 </a:solidFill>
               </a14:hiddenFill>
             </a:ext>
             <a:ext uri="{91240B29-F687-4f45-9708-019B960494DF}">
-              <a14:hiddenLine xmlns="" xmlns:a14="http://schemas.microsoft.com/office/drawing/2010/main" w="9525">
+              <a14:hiddenLine xmlns:a14="http://schemas.microsoft.com/office/drawing/2010/main" xmlns="" w="9525">
                 <a:solidFill>
                   <a:srgbClr val="000000"/>
                 </a:solidFill>
@@ -4953,17 +4953,17 @@
           </a:ln>
           <a:extLst>
             <a:ext uri="{FAA26D3D-D897-4be2-8F04-BA451C77F1D7}">
-              <ma14:placeholderFlag xmlns="" xmlns:ma14="http://schemas.microsoft.com/office/mac/drawingml/2011/main" val="1"/>
+              <ma14:placeholderFlag xmlns:ma14="http://schemas.microsoft.com/office/mac/drawingml/2011/main" xmlns="" val="1"/>
             </a:ext>
             <a:ext uri="{909E8E84-426E-40dd-AFC4-6F175D3DCCD1}">
-              <a14:hiddenFill xmlns="" xmlns:a14="http://schemas.microsoft.com/office/drawing/2010/main">
+              <a14:hiddenFill xmlns:a14="http://schemas.microsoft.com/office/drawing/2010/main" xmlns="">
                 <a:solidFill>
                   <a:srgbClr val="FFFFFF"/>
                 </a:solidFill>
               </a14:hiddenFill>
             </a:ext>
             <a:ext uri="{91240B29-F687-4f45-9708-019B960494DF}">
-              <a14:hiddenLine xmlns="" xmlns:a14="http://schemas.microsoft.com/office/drawing/2010/main" w="9525">
+              <a14:hiddenLine xmlns:a14="http://schemas.microsoft.com/office/drawing/2010/main" xmlns="" w="9525">
                 <a:solidFill>
                   <a:srgbClr val="000000"/>
                 </a:solidFill>
@@ -5063,7 +5063,7 @@
           <a:p>
             <a:fld id="{F6803E09-2A09-4EEA-8E99-292225B5EDFC}" type="datetime1">
               <a:rPr lang="en-US" smtClean="0"/>
-              <a:t>1/17/2019</a:t>
+              <a:t>1/21/2019</a:t>
             </a:fld>
             <a:endParaRPr lang="en-US"/>
           </a:p>
@@ -5231,7 +5231,7 @@
           </a:ln>
           <a:extLst>
             <a:ext uri="{909E8E84-426E-40dd-AFC4-6F175D3DCCD1}">
-              <a14:hiddenFill xmlns="" xmlns:a14="http://schemas.microsoft.com/office/drawing/2010/main">
+              <a14:hiddenFill xmlns:a14="http://schemas.microsoft.com/office/drawing/2010/main" xmlns="">
                 <a:solidFill>
                   <a:srgbClr val="FFFFFF"/>
                 </a:solidFill>
@@ -5274,7 +5274,7 @@
           </a:ln>
           <a:extLst>
             <a:ext uri="{909E8E84-426E-40dd-AFC4-6F175D3DCCD1}">
-              <a14:hiddenFill xmlns="" xmlns:a14="http://schemas.microsoft.com/office/drawing/2010/main">
+              <a14:hiddenFill xmlns:a14="http://schemas.microsoft.com/office/drawing/2010/main" xmlns="">
                 <a:noFill/>
               </a14:hiddenFill>
             </a:ext>
@@ -5759,7 +5759,7 @@
           <p:cNvPr id="2" name="Title 1">
             <a:extLst>
               <a:ext uri="{FF2B5EF4-FFF2-40B4-BE49-F238E27FC236}">
-                <a16:creationId xmlns="" xmlns:a16="http://schemas.microsoft.com/office/drawing/2014/main" id="{4819A39B-28BB-4873-9914-8FEE18891DD4}"/>
+                <a16:creationId xmlns:a16="http://schemas.microsoft.com/office/drawing/2014/main" xmlns="" id="{4819A39B-28BB-4873-9914-8FEE18891DD4}"/>
               </a:ext>
             </a:extLst>
           </p:cNvPr>
@@ -5790,7 +5790,7 @@
           <p:cNvPr id="5" name="Subtitle 2">
             <a:extLst>
               <a:ext uri="{FF2B5EF4-FFF2-40B4-BE49-F238E27FC236}">
-                <a16:creationId xmlns="" xmlns:a16="http://schemas.microsoft.com/office/drawing/2014/main" id="{2BECD79D-0B3A-44C2-A155-03EC2A6A5D3B}"/>
+                <a16:creationId xmlns:a16="http://schemas.microsoft.com/office/drawing/2014/main" xmlns="" id="{2BECD79D-0B3A-44C2-A155-03EC2A6A5D3B}"/>
               </a:ext>
             </a:extLst>
           </p:cNvPr>
@@ -5813,17 +5813,17 @@
           </a:ln>
           <a:extLst>
             <a:ext uri="{FAA26D3D-D897-4be2-8F04-BA451C77F1D7}">
-              <ma14:placeholderFlag xmlns="" xmlns:ma14="http://schemas.microsoft.com/office/mac/drawingml/2011/main" val="1"/>
+              <ma14:placeholderFlag xmlns:ma14="http://schemas.microsoft.com/office/mac/drawingml/2011/main" xmlns="" val="1"/>
             </a:ext>
             <a:ext uri="{909E8E84-426E-40dd-AFC4-6F175D3DCCD1}">
-              <a14:hiddenFill xmlns="" xmlns:a14="http://schemas.microsoft.com/office/drawing/2010/main">
+              <a14:hiddenFill xmlns:a14="http://schemas.microsoft.com/office/drawing/2010/main" xmlns="">
                 <a:solidFill>
                   <a:srgbClr val="FFFFFF"/>
                 </a:solidFill>
               </a14:hiddenFill>
             </a:ext>
             <a:ext uri="{91240B29-F687-4f45-9708-019B960494DF}">
-              <a14:hiddenLine xmlns="" xmlns:a14="http://schemas.microsoft.com/office/drawing/2010/main" w="9525">
+              <a14:hiddenLine xmlns:a14="http://schemas.microsoft.com/office/drawing/2010/main" xmlns="" w="9525">
                 <a:solidFill>
                   <a:srgbClr val="000000"/>
                 </a:solidFill>
@@ -6073,7 +6073,7 @@
             </a:r>
             <a:r>
               <a:rPr lang="en-US" kern="0" dirty="0" smtClean="0"/>
-              <a:t>2018</a:t>
+              <a:t>2019</a:t>
             </a:r>
             <a:endParaRPr lang="en-US" kern="0" dirty="0"/>
           </a:p>
@@ -6121,7 +6121,7 @@
           <p:cNvPr id="2" name="Title 1">
             <a:extLst>
               <a:ext uri="{FF2B5EF4-FFF2-40B4-BE49-F238E27FC236}">
-                <a16:creationId xmlns:a16="http://schemas.microsoft.com/office/drawing/2014/main" xmlns="" id="{DE1F173D-94AD-47BF-B832-EEAC37A63155}"/>
+                <a16:creationId xmlns="" xmlns:a16="http://schemas.microsoft.com/office/drawing/2014/main" id="{DE1F173D-94AD-47BF-B832-EEAC37A63155}"/>
               </a:ext>
             </a:extLst>
           </p:cNvPr>
@@ -6150,7 +6150,7 @@
           <p:cNvPr id="3" name="Content Placeholder 2">
             <a:extLst>
               <a:ext uri="{FF2B5EF4-FFF2-40B4-BE49-F238E27FC236}">
-                <a16:creationId xmlns:a16="http://schemas.microsoft.com/office/drawing/2014/main" xmlns="" id="{086D8650-9937-4496-88DC-DEE5D4668CD1}"/>
+                <a16:creationId xmlns="" xmlns:a16="http://schemas.microsoft.com/office/drawing/2014/main" id="{086D8650-9937-4496-88DC-DEE5D4668CD1}"/>
               </a:ext>
             </a:extLst>
           </p:cNvPr>
@@ -6175,23 +6175,11 @@
           <a:p>
             <a:r>
               <a:rPr lang="es-419" noProof="0" dirty="0" smtClean="0"/>
-              <a:t>Suponga que hay 15 IID sitios, </a:t>
-            </a:r>
-            <a:r>
-              <a:rPr lang="es-419" noProof="0" dirty="0" smtClean="0"/>
-              <a:t>cuyos promedios </a:t>
-            </a:r>
-            <a:r>
-              <a:rPr lang="es-419" noProof="0" dirty="0" smtClean="0"/>
-              <a:t>se distribuyen </a:t>
+              <a:t>Suponga que hay 15 IID sitios, cuyos promedios se distribuyen </a:t>
             </a:r>
             <a:r>
               <a:rPr lang="es-419" dirty="0" smtClean="0"/>
-              <a:t>log-normal</a:t>
-            </a:r>
-            <a:r>
-              <a:rPr lang="es-419" dirty="0" smtClean="0"/>
-              <a:t>, </a:t>
+              <a:t>log-normal, </a:t>
             </a:r>
             <a:r>
               <a:rPr lang="es-419" noProof="0" dirty="0" smtClean="0"/>
@@ -6251,20 +6239,11 @@
               <a:rPr lang="es-419" noProof="0" dirty="0" smtClean="0"/>
               <a:t>)</a:t>
             </a:r>
-            <a:endParaRPr lang="es-419" noProof="0" dirty="0" smtClean="0"/>
           </a:p>
           <a:p>
             <a:r>
               <a:rPr lang="es-419" noProof="0" dirty="0" smtClean="0"/>
-              <a:t>Simula tan datos con 12 </a:t>
-            </a:r>
-            <a:r>
-              <a:rPr lang="es-419" noProof="0" dirty="0" smtClean="0"/>
-              <a:t>replicas por </a:t>
-            </a:r>
-            <a:r>
-              <a:rPr lang="es-419" noProof="0" dirty="0" smtClean="0"/>
-              <a:t>cada sitio</a:t>
+              <a:t>Simula tan datos con 12 replicas por cada sitio</a:t>
             </a:r>
           </a:p>
           <a:p>
@@ -6278,15 +6257,7 @@
             </a:r>
             <a:r>
               <a:rPr lang="es-419" noProof="0" dirty="0" smtClean="0"/>
-              <a:t> </a:t>
-            </a:r>
-            <a:r>
-              <a:rPr lang="es-419" noProof="0" dirty="0" smtClean="0"/>
-              <a:t>de </a:t>
-            </a:r>
-            <a:r>
-              <a:rPr lang="es-419" noProof="0" dirty="0" smtClean="0"/>
-              <a:t>los datos simulados</a:t>
+              <a:t> de los datos simulados</a:t>
             </a:r>
           </a:p>
         </p:txBody>
@@ -6296,7 +6267,7 @@
           <p:cNvPr id="4" name="Slide Number Placeholder 3">
             <a:extLst>
               <a:ext uri="{FF2B5EF4-FFF2-40B4-BE49-F238E27FC236}">
-                <a16:creationId xmlns:a16="http://schemas.microsoft.com/office/drawing/2014/main" xmlns="" id="{008AEA56-8F2E-48C4-B499-2FCB6D1A21F7}"/>
+                <a16:creationId xmlns="" xmlns:a16="http://schemas.microsoft.com/office/drawing/2014/main" id="{008AEA56-8F2E-48C4-B499-2FCB6D1A21F7}"/>
               </a:ext>
             </a:extLst>
           </p:cNvPr>
@@ -6388,7 +6359,7 @@
           <p:cNvPr id="2" name="Title 1">
             <a:extLst>
               <a:ext uri="{FF2B5EF4-FFF2-40B4-BE49-F238E27FC236}">
-                <a16:creationId xmlns:a16="http://schemas.microsoft.com/office/drawing/2014/main" xmlns="" id="{DE1F173D-94AD-47BF-B832-EEAC37A63155}"/>
+                <a16:creationId xmlns="" xmlns:a16="http://schemas.microsoft.com/office/drawing/2014/main" id="{DE1F173D-94AD-47BF-B832-EEAC37A63155}"/>
               </a:ext>
             </a:extLst>
           </p:cNvPr>
@@ -6417,7 +6388,7 @@
           <p:cNvPr id="4" name="Slide Number Placeholder 3">
             <a:extLst>
               <a:ext uri="{FF2B5EF4-FFF2-40B4-BE49-F238E27FC236}">
-                <a16:creationId xmlns:a16="http://schemas.microsoft.com/office/drawing/2014/main" xmlns="" id="{008AEA56-8F2E-48C4-B499-2FCB6D1A21F7}"/>
+                <a16:creationId xmlns="" xmlns:a16="http://schemas.microsoft.com/office/drawing/2014/main" id="{008AEA56-8F2E-48C4-B499-2FCB6D1A21F7}"/>
               </a:ext>
             </a:extLst>
           </p:cNvPr>
@@ -7560,7 +7531,7 @@
           <p:cNvPr id="4" name="Slide Number Placeholder 3">
             <a:extLst>
               <a:ext uri="{FF2B5EF4-FFF2-40B4-BE49-F238E27FC236}">
-                <a16:creationId xmlns:a16="http://schemas.microsoft.com/office/drawing/2014/main" xmlns="" id="{11B2AAFA-B9E2-44DF-8ADA-DE4DE0C05365}"/>
+                <a16:creationId xmlns="" xmlns:a16="http://schemas.microsoft.com/office/drawing/2014/main" id="{11B2AAFA-B9E2-44DF-8ADA-DE4DE0C05365}"/>
               </a:ext>
             </a:extLst>
           </p:cNvPr>
@@ -7589,7 +7560,7 @@
           <p:cNvPr id="5" name="TextBox 4">
             <a:extLst>
               <a:ext uri="{FF2B5EF4-FFF2-40B4-BE49-F238E27FC236}">
-                <a16:creationId xmlns:a16="http://schemas.microsoft.com/office/drawing/2014/main" xmlns="" id="{B1505FDF-20A8-4532-9C11-64B80CFA1377}"/>
+                <a16:creationId xmlns="" xmlns:a16="http://schemas.microsoft.com/office/drawing/2014/main" id="{B1505FDF-20A8-4532-9C11-64B80CFA1377}"/>
               </a:ext>
             </a:extLst>
           </p:cNvPr>
@@ -7661,7 +7632,7 @@
           <p:cNvPr id="2" name="Title 1">
             <a:extLst>
               <a:ext uri="{FF2B5EF4-FFF2-40B4-BE49-F238E27FC236}">
-                <a16:creationId xmlns:a16="http://schemas.microsoft.com/office/drawing/2014/main" xmlns="" id="{A231641A-290D-4EEB-92AB-F4C459C94EDE}"/>
+                <a16:creationId xmlns="" xmlns:a16="http://schemas.microsoft.com/office/drawing/2014/main" id="{A231641A-290D-4EEB-92AB-F4C459C94EDE}"/>
               </a:ext>
             </a:extLst>
           </p:cNvPr>
@@ -7695,7 +7666,7 @@
           <p:cNvPr id="3" name="Content Placeholder 2">
             <a:extLst>
               <a:ext uri="{FF2B5EF4-FFF2-40B4-BE49-F238E27FC236}">
-                <a16:creationId xmlns:a16="http://schemas.microsoft.com/office/drawing/2014/main" xmlns="" id="{2C171585-69CA-42A9-A8A3-9387AE473E8C}"/>
+                <a16:creationId xmlns="" xmlns:a16="http://schemas.microsoft.com/office/drawing/2014/main" id="{2C171585-69CA-42A9-A8A3-9387AE473E8C}"/>
               </a:ext>
             </a:extLst>
           </p:cNvPr>
@@ -7764,7 +7735,7 @@
           <p:cNvPr id="4" name="Slide Number Placeholder 3">
             <a:extLst>
               <a:ext uri="{FF2B5EF4-FFF2-40B4-BE49-F238E27FC236}">
-                <a16:creationId xmlns:a16="http://schemas.microsoft.com/office/drawing/2014/main" xmlns="" id="{D74C909A-91F4-406A-9FAB-7B822E7F4F6E}"/>
+                <a16:creationId xmlns="" xmlns:a16="http://schemas.microsoft.com/office/drawing/2014/main" id="{D74C909A-91F4-406A-9FAB-7B822E7F4F6E}"/>
               </a:ext>
             </a:extLst>
           </p:cNvPr>
@@ -7793,7 +7764,7 @@
           <p:cNvPr id="9" name="TextBox 8">
             <a:extLst>
               <a:ext uri="{FF2B5EF4-FFF2-40B4-BE49-F238E27FC236}">
-                <a16:creationId xmlns:a16="http://schemas.microsoft.com/office/drawing/2014/main" xmlns="" id="{302EA734-2216-48C7-ABA2-98D393AF8649}"/>
+                <a16:creationId xmlns="" xmlns:a16="http://schemas.microsoft.com/office/drawing/2014/main" id="{302EA734-2216-48C7-ABA2-98D393AF8649}"/>
               </a:ext>
             </a:extLst>
           </p:cNvPr>
@@ -7963,7 +7934,7 @@
           <p:cNvPr id="2" name="Title 1">
             <a:extLst>
               <a:ext uri="{FF2B5EF4-FFF2-40B4-BE49-F238E27FC236}">
-                <a16:creationId xmlns:a16="http://schemas.microsoft.com/office/drawing/2014/main" xmlns="" id="{A231641A-290D-4EEB-92AB-F4C459C94EDE}"/>
+                <a16:creationId xmlns="" xmlns:a16="http://schemas.microsoft.com/office/drawing/2014/main" id="{A231641A-290D-4EEB-92AB-F4C459C94EDE}"/>
               </a:ext>
             </a:extLst>
           </p:cNvPr>
@@ -7992,14 +7963,14 @@
           </a:p>
         </p:txBody>
       </p:sp>
-      <mc:AlternateContent xmlns:mc="http://schemas.openxmlformats.org/markup-compatibility/2006">
-        <mc:Choice xmlns:a14="http://schemas.microsoft.com/office/drawing/2010/main" Requires="a14">
+      <mc:AlternateContent xmlns:mc="http://schemas.openxmlformats.org/markup-compatibility/2006" xmlns:a14="http://schemas.microsoft.com/office/drawing/2010/main">
+        <mc:Choice Requires="a14">
           <p:sp>
             <p:nvSpPr>
               <p:cNvPr id="3" name="Content Placeholder 2">
                 <a:extLst>
                   <a:ext uri="{FF2B5EF4-FFF2-40B4-BE49-F238E27FC236}">
-                    <a16:creationId xmlns:a16="http://schemas.microsoft.com/office/drawing/2014/main" xmlns="" id="{2C171585-69CA-42A9-A8A3-9387AE473E8C}"/>
+                    <a16:creationId xmlns="" xmlns:a16="http://schemas.microsoft.com/office/drawing/2014/main" id="{2C171585-69CA-42A9-A8A3-9387AE473E8C}"/>
                   </a:ext>
                 </a:extLst>
               </p:cNvPr>
@@ -8133,19 +8104,7 @@
                 </a:r>
                 <a:r>
                   <a:rPr lang="es-419" b="1" noProof="0" dirty="0" smtClean="0"/>
-                  <a:t>tiene </a:t>
-                </a:r>
-                <a:r>
-                  <a:rPr lang="es-419" b="1" noProof="0" dirty="0" smtClean="0"/>
-                  <a:t>una </a:t>
-                </a:r>
-                <a:r>
-                  <a:rPr lang="es-419" b="1" noProof="0" dirty="0" smtClean="0"/>
-                  <a:t>moda </a:t>
-                </a:r>
-                <a:r>
-                  <a:rPr lang="es-419" b="1" noProof="0" dirty="0" smtClean="0"/>
-                  <a:t>valida</a:t>
+                  <a:t>tiene una moda valida</a:t>
                 </a:r>
                 <a:endParaRPr lang="es-419" b="1" noProof="0" dirty="0"/>
               </a:p>
@@ -8181,7 +8140,7 @@
             </p:txBody>
           </p:sp>
         </mc:Choice>
-        <mc:Fallback>
+        <mc:Fallback xmlns="">
           <p:sp>
             <p:nvSpPr>
               <p:cNvPr id="3" name="Content Placeholder 2">
@@ -8230,7 +8189,7 @@
           <p:cNvPr id="4" name="Slide Number Placeholder 3">
             <a:extLst>
               <a:ext uri="{FF2B5EF4-FFF2-40B4-BE49-F238E27FC236}">
-                <a16:creationId xmlns:a16="http://schemas.microsoft.com/office/drawing/2014/main" xmlns="" id="{D74C909A-91F4-406A-9FAB-7B822E7F4F6E}"/>
+                <a16:creationId xmlns="" xmlns:a16="http://schemas.microsoft.com/office/drawing/2014/main" id="{D74C909A-91F4-406A-9FAB-7B822E7F4F6E}"/>
               </a:ext>
             </a:extLst>
           </p:cNvPr>
@@ -8296,7 +8255,7 @@
           <p:cNvPr id="2" name="Title 1">
             <a:extLst>
               <a:ext uri="{FF2B5EF4-FFF2-40B4-BE49-F238E27FC236}">
-                <a16:creationId xmlns:a16="http://schemas.microsoft.com/office/drawing/2014/main" xmlns="" id="{A231641A-290D-4EEB-92AB-F4C459C94EDE}"/>
+                <a16:creationId xmlns="" xmlns:a16="http://schemas.microsoft.com/office/drawing/2014/main" id="{A231641A-290D-4EEB-92AB-F4C459C94EDE}"/>
               </a:ext>
             </a:extLst>
           </p:cNvPr>
@@ -8330,7 +8289,7 @@
           <p:cNvPr id="3" name="Content Placeholder 2">
             <a:extLst>
               <a:ext uri="{FF2B5EF4-FFF2-40B4-BE49-F238E27FC236}">
-                <a16:creationId xmlns:a16="http://schemas.microsoft.com/office/drawing/2014/main" xmlns="" id="{2C171585-69CA-42A9-A8A3-9387AE473E8C}"/>
+                <a16:creationId xmlns="" xmlns:a16="http://schemas.microsoft.com/office/drawing/2014/main" id="{2C171585-69CA-42A9-A8A3-9387AE473E8C}"/>
               </a:ext>
             </a:extLst>
           </p:cNvPr>
@@ -8433,7 +8392,7 @@
           <p:cNvPr id="4" name="Slide Number Placeholder 3">
             <a:extLst>
               <a:ext uri="{FF2B5EF4-FFF2-40B4-BE49-F238E27FC236}">
-                <a16:creationId xmlns:a16="http://schemas.microsoft.com/office/drawing/2014/main" xmlns="" id="{D74C909A-91F4-406A-9FAB-7B822E7F4F6E}"/>
+                <a16:creationId xmlns="" xmlns:a16="http://schemas.microsoft.com/office/drawing/2014/main" id="{D74C909A-91F4-406A-9FAB-7B822E7F4F6E}"/>
               </a:ext>
             </a:extLst>
           </p:cNvPr>
@@ -8549,7 +8508,7 @@
           <p:cNvPr id="2" name="Title 1">
             <a:extLst>
               <a:ext uri="{FF2B5EF4-FFF2-40B4-BE49-F238E27FC236}">
-                <a16:creationId xmlns:a16="http://schemas.microsoft.com/office/drawing/2014/main" xmlns="" id="{FFE6D1CD-2DA6-4AF5-9002-1ACADDDD9808}"/>
+                <a16:creationId xmlns="" xmlns:a16="http://schemas.microsoft.com/office/drawing/2014/main" id="{FFE6D1CD-2DA6-4AF5-9002-1ACADDDD9808}"/>
               </a:ext>
             </a:extLst>
           </p:cNvPr>
@@ -8595,7 +8554,7 @@
           <p:cNvPr id="3" name="Content Placeholder 2">
             <a:extLst>
               <a:ext uri="{FF2B5EF4-FFF2-40B4-BE49-F238E27FC236}">
-                <a16:creationId xmlns:a16="http://schemas.microsoft.com/office/drawing/2014/main" xmlns:a14="http://schemas.microsoft.com/office/drawing/2010/main" xmlns:mc="http://schemas.openxmlformats.org/markup-compatibility/2006" xmlns="" id="{130B78F3-E1B7-409E-BDFD-488E7FFC3F33}"/>
+                <a16:creationId xmlns="" xmlns:mc="http://schemas.openxmlformats.org/markup-compatibility/2006" xmlns:a14="http://schemas.microsoft.com/office/drawing/2010/main" xmlns:a16="http://schemas.microsoft.com/office/drawing/2014/main" id="{130B78F3-E1B7-409E-BDFD-488E7FFC3F33}"/>
               </a:ext>
             </a:extLst>
           </p:cNvPr>
@@ -8674,7 +8633,7 @@
           <p:cNvPr id="4" name="Slide Number Placeholder 3">
             <a:extLst>
               <a:ext uri="{FF2B5EF4-FFF2-40B4-BE49-F238E27FC236}">
-                <a16:creationId xmlns:a16="http://schemas.microsoft.com/office/drawing/2014/main" xmlns="" id="{3B7F1D3A-AB7F-4C2E-8CFC-CFEE6E7575F8}"/>
+                <a16:creationId xmlns="" xmlns:a16="http://schemas.microsoft.com/office/drawing/2014/main" id="{3B7F1D3A-AB7F-4C2E-8CFC-CFEE6E7575F8}"/>
               </a:ext>
             </a:extLst>
           </p:cNvPr>
@@ -8948,7 +8907,7 @@
           <p:cNvPr id="2" name="Title 1">
             <a:extLst>
               <a:ext uri="{FF2B5EF4-FFF2-40B4-BE49-F238E27FC236}">
-                <a16:creationId xmlns:a16="http://schemas.microsoft.com/office/drawing/2014/main" xmlns="" id="{6D860678-2641-4F18-A40D-72DF47B7DB37}"/>
+                <a16:creationId xmlns="" xmlns:a16="http://schemas.microsoft.com/office/drawing/2014/main" id="{6D860678-2641-4F18-A40D-72DF47B7DB37}"/>
               </a:ext>
             </a:extLst>
           </p:cNvPr>
@@ -8977,7 +8936,7 @@
           <p:cNvPr id="3" name="Content Placeholder 2">
             <a:extLst>
               <a:ext uri="{FF2B5EF4-FFF2-40B4-BE49-F238E27FC236}">
-                <a16:creationId xmlns:a16="http://schemas.microsoft.com/office/drawing/2014/main" xmlns="" id="{933ABC38-3B73-4F94-AA58-C2325F3398A8}"/>
+                <a16:creationId xmlns="" xmlns:a16="http://schemas.microsoft.com/office/drawing/2014/main" id="{933ABC38-3B73-4F94-AA58-C2325F3398A8}"/>
               </a:ext>
             </a:extLst>
           </p:cNvPr>
@@ -9091,7 +9050,7 @@
           <p:cNvPr id="4" name="Slide Number Placeholder 3">
             <a:extLst>
               <a:ext uri="{FF2B5EF4-FFF2-40B4-BE49-F238E27FC236}">
-                <a16:creationId xmlns:a16="http://schemas.microsoft.com/office/drawing/2014/main" xmlns="" id="{F9422355-DE94-4B02-9AD0-3EB160F7E76D}"/>
+                <a16:creationId xmlns="" xmlns:a16="http://schemas.microsoft.com/office/drawing/2014/main" id="{F9422355-DE94-4B02-9AD0-3EB160F7E76D}"/>
               </a:ext>
             </a:extLst>
           </p:cNvPr>
@@ -9157,7 +9116,7 @@
           <p:cNvPr id="2" name="Title 1">
             <a:extLst>
               <a:ext uri="{FF2B5EF4-FFF2-40B4-BE49-F238E27FC236}">
-                <a16:creationId xmlns="" xmlns:a16="http://schemas.microsoft.com/office/drawing/2014/main" id="{3F85E31D-5021-4B9C-A2F6-6670EA453677}"/>
+                <a16:creationId xmlns:a16="http://schemas.microsoft.com/office/drawing/2014/main" xmlns="" id="{3F85E31D-5021-4B9C-A2F6-6670EA453677}"/>
               </a:ext>
             </a:extLst>
           </p:cNvPr>
@@ -9186,7 +9145,7 @@
           <p:cNvPr id="3" name="Content Placeholder 2">
             <a:extLst>
               <a:ext uri="{FF2B5EF4-FFF2-40B4-BE49-F238E27FC236}">
-                <a16:creationId xmlns="" xmlns:a16="http://schemas.microsoft.com/office/drawing/2014/main" id="{28B492CE-B56B-411E-ACCC-F83AC37AA46D}"/>
+                <a16:creationId xmlns:a16="http://schemas.microsoft.com/office/drawing/2014/main" xmlns="" id="{28B492CE-B56B-411E-ACCC-F83AC37AA46D}"/>
               </a:ext>
             </a:extLst>
           </p:cNvPr>
@@ -9209,15 +9168,7 @@
           <a:p>
             <a:r>
               <a:rPr lang="es-419" noProof="0" dirty="0" smtClean="0"/>
-              <a:t>Ayer practicamos los paso para </a:t>
-            </a:r>
-            <a:r>
-              <a:rPr lang="es-419" noProof="0" dirty="0" smtClean="0"/>
-              <a:t>construir </a:t>
-            </a:r>
-            <a:r>
-              <a:rPr lang="es-419" noProof="0" dirty="0" smtClean="0"/>
-              <a:t>un modelo Bayesiano</a:t>
+              <a:t>Ayer practicamos los paso para construir un modelo Bayesiano</a:t>
             </a:r>
           </a:p>
           <a:p>
@@ -9299,7 +9250,7 @@
           <p:cNvPr id="4" name="Slide Number Placeholder 3">
             <a:extLst>
               <a:ext uri="{FF2B5EF4-FFF2-40B4-BE49-F238E27FC236}">
-                <a16:creationId xmlns="" xmlns:a16="http://schemas.microsoft.com/office/drawing/2014/main" id="{EC538D91-6F8B-42BB-A135-BD948D230469}"/>
+                <a16:creationId xmlns:a16="http://schemas.microsoft.com/office/drawing/2014/main" xmlns="" id="{EC538D91-6F8B-42BB-A135-BD948D230469}"/>
               </a:ext>
             </a:extLst>
           </p:cNvPr>
@@ -9365,7 +9316,7 @@
           <p:cNvPr id="2" name="Title 1">
             <a:extLst>
               <a:ext uri="{FF2B5EF4-FFF2-40B4-BE49-F238E27FC236}">
-                <a16:creationId xmlns:a16="http://schemas.microsoft.com/office/drawing/2014/main" xmlns="" id="{E622C5D6-127E-4E13-A682-50C23F6FCCA3}"/>
+                <a16:creationId xmlns="" xmlns:a16="http://schemas.microsoft.com/office/drawing/2014/main" id="{E622C5D6-127E-4E13-A682-50C23F6FCCA3}"/>
               </a:ext>
             </a:extLst>
           </p:cNvPr>
@@ -9394,7 +9345,7 @@
           <p:cNvPr id="3" name="Content Placeholder 2">
             <a:extLst>
               <a:ext uri="{FF2B5EF4-FFF2-40B4-BE49-F238E27FC236}">
-                <a16:creationId xmlns:a16="http://schemas.microsoft.com/office/drawing/2014/main" xmlns="" id="{6C383712-B948-4BB6-80DA-20C80E766461}"/>
+                <a16:creationId xmlns="" xmlns:a16="http://schemas.microsoft.com/office/drawing/2014/main" id="{6C383712-B948-4BB6-80DA-20C80E766461}"/>
               </a:ext>
             </a:extLst>
           </p:cNvPr>
@@ -9511,11 +9462,7 @@
             </a:r>
             <a:r>
               <a:rPr lang="es-419" sz="2800" noProof="0" dirty="0" smtClean="0"/>
-              <a:t>maneras para interpretarlos, y puede ser difícil y </a:t>
-            </a:r>
-            <a:r>
-              <a:rPr lang="es-419" sz="2800" noProof="0" dirty="0" smtClean="0"/>
-              <a:t>abrumador</a:t>
+              <a:t>maneras para interpretarlos, y puede ser difícil y abrumador</a:t>
             </a:r>
             <a:endParaRPr lang="es-419" sz="2800" b="1" noProof="0" dirty="0"/>
           </a:p>
@@ -9526,7 +9473,7 @@
           <p:cNvPr id="4" name="TextBox 3">
             <a:extLst>
               <a:ext uri="{FF2B5EF4-FFF2-40B4-BE49-F238E27FC236}">
-                <a16:creationId xmlns:a16="http://schemas.microsoft.com/office/drawing/2014/main" xmlns="" id="{91B8C2B7-D83A-4DE3-8D72-2F8B77908725}"/>
+                <a16:creationId xmlns="" xmlns:a16="http://schemas.microsoft.com/office/drawing/2014/main" id="{91B8C2B7-D83A-4DE3-8D72-2F8B77908725}"/>
               </a:ext>
             </a:extLst>
           </p:cNvPr>
@@ -9574,7 +9521,7 @@
           <p:cNvPr id="5" name="Slide Number Placeholder 4">
             <a:extLst>
               <a:ext uri="{FF2B5EF4-FFF2-40B4-BE49-F238E27FC236}">
-                <a16:creationId xmlns:a16="http://schemas.microsoft.com/office/drawing/2014/main" xmlns="" id="{6971F221-485F-4C23-B854-DC3A88CB94F2}"/>
+                <a16:creationId xmlns="" xmlns:a16="http://schemas.microsoft.com/office/drawing/2014/main" id="{6971F221-485F-4C23-B854-DC3A88CB94F2}"/>
               </a:ext>
             </a:extLst>
           </p:cNvPr>
@@ -9770,7 +9717,7 @@
           <p:cNvPr id="4" name="Slide Number Placeholder 3">
             <a:extLst>
               <a:ext uri="{FF2B5EF4-FFF2-40B4-BE49-F238E27FC236}">
-                <a16:creationId xmlns:a16="http://schemas.microsoft.com/office/drawing/2014/main" xmlns="" id="{82237799-92F0-42C9-BC32-2F27BA70821F}"/>
+                <a16:creationId xmlns="" xmlns:a16="http://schemas.microsoft.com/office/drawing/2014/main" id="{82237799-92F0-42C9-BC32-2F27BA70821F}"/>
               </a:ext>
             </a:extLst>
           </p:cNvPr>
@@ -9942,15 +9889,7 @@
             </a:r>
             <a:r>
               <a:rPr lang="es-419" noProof="0" dirty="0" smtClean="0"/>
-              <a:t>., el </a:t>
-            </a:r>
-            <a:r>
-              <a:rPr lang="es-419" noProof="0" dirty="0" smtClean="0"/>
-              <a:t>promedio </a:t>
-            </a:r>
-            <a:r>
-              <a:rPr lang="es-419" noProof="0" dirty="0" smtClean="0"/>
-              <a:t>de la densidad entre sitios </a:t>
+              <a:t>., el promedio de la densidad entre sitios </a:t>
             </a:r>
             <a:endParaRPr lang="es-419" noProof="0" dirty="0"/>
           </a:p>
@@ -9961,7 +9900,7 @@
           <p:cNvPr id="4" name="Slide Number Placeholder 3">
             <a:extLst>
               <a:ext uri="{FF2B5EF4-FFF2-40B4-BE49-F238E27FC236}">
-                <a16:creationId xmlns:a16="http://schemas.microsoft.com/office/drawing/2014/main" xmlns="" id="{7695775C-246C-4240-8D02-0C741C19BCB1}"/>
+                <a16:creationId xmlns="" xmlns:a16="http://schemas.microsoft.com/office/drawing/2014/main" id="{7695775C-246C-4240-8D02-0C741C19BCB1}"/>
               </a:ext>
             </a:extLst>
           </p:cNvPr>
@@ -10120,14 +10059,14 @@
                 <a:gridCol w="2522018">
                   <a:extLst>
                     <a:ext uri="{9D8B030D-6E8A-4147-A177-3AD203B41FA5}">
-                      <a16:colId xmlns:a16="http://schemas.microsoft.com/office/drawing/2014/main" xmlns="" val="20000"/>
+                      <a16:colId xmlns="" xmlns:a16="http://schemas.microsoft.com/office/drawing/2014/main" val="20000"/>
                     </a:ext>
                   </a:extLst>
                 </a:gridCol>
                 <a:gridCol w="5859982">
                   <a:extLst>
                     <a:ext uri="{9D8B030D-6E8A-4147-A177-3AD203B41FA5}">
-                      <a16:colId xmlns:a16="http://schemas.microsoft.com/office/drawing/2014/main" xmlns="" val="20001"/>
+                      <a16:colId xmlns="" xmlns:a16="http://schemas.microsoft.com/office/drawing/2014/main" val="20001"/>
                     </a:ext>
                   </a:extLst>
                 </a:gridCol>
@@ -10161,7 +10100,7 @@
                 </a:tc>
                 <a:extLst>
                   <a:ext uri="{0D108BD9-81ED-4DB2-BD59-A6C34878D82A}">
-                    <a16:rowId xmlns:a16="http://schemas.microsoft.com/office/drawing/2014/main" xmlns="" val="10000"/>
+                    <a16:rowId xmlns="" xmlns:a16="http://schemas.microsoft.com/office/drawing/2014/main" val="10000"/>
                   </a:ext>
                 </a:extLst>
               </a:tr>
@@ -10199,7 +10138,7 @@
                 </a:tc>
                 <a:extLst>
                   <a:ext uri="{0D108BD9-81ED-4DB2-BD59-A6C34878D82A}">
-                    <a16:rowId xmlns:a16="http://schemas.microsoft.com/office/drawing/2014/main" xmlns="" val="10001"/>
+                    <a16:rowId xmlns="" xmlns:a16="http://schemas.microsoft.com/office/drawing/2014/main" val="10001"/>
                   </a:ext>
                 </a:extLst>
               </a:tr>
@@ -10233,7 +10172,7 @@
                 </a:tc>
                 <a:extLst>
                   <a:ext uri="{0D108BD9-81ED-4DB2-BD59-A6C34878D82A}">
-                    <a16:rowId xmlns:a16="http://schemas.microsoft.com/office/drawing/2014/main" xmlns="" val="10002"/>
+                    <a16:rowId xmlns="" xmlns:a16="http://schemas.microsoft.com/office/drawing/2014/main" val="10002"/>
                   </a:ext>
                 </a:extLst>
               </a:tr>
@@ -10271,7 +10210,7 @@
                 </a:tc>
                 <a:extLst>
                   <a:ext uri="{0D108BD9-81ED-4DB2-BD59-A6C34878D82A}">
-                    <a16:rowId xmlns:a16="http://schemas.microsoft.com/office/drawing/2014/main" xmlns="" val="10003"/>
+                    <a16:rowId xmlns="" xmlns:a16="http://schemas.microsoft.com/office/drawing/2014/main" val="10003"/>
                   </a:ext>
                 </a:extLst>
               </a:tr>
@@ -10313,7 +10252,7 @@
                 </a:tc>
                 <a:extLst>
                   <a:ext uri="{0D108BD9-81ED-4DB2-BD59-A6C34878D82A}">
-                    <a16:rowId xmlns:a16="http://schemas.microsoft.com/office/drawing/2014/main" xmlns="" val="10004"/>
+                    <a16:rowId xmlns="" xmlns:a16="http://schemas.microsoft.com/office/drawing/2014/main" val="10004"/>
                   </a:ext>
                 </a:extLst>
               </a:tr>
@@ -10351,7 +10290,7 @@
                 </a:tc>
                 <a:extLst>
                   <a:ext uri="{0D108BD9-81ED-4DB2-BD59-A6C34878D82A}">
-                    <a16:rowId xmlns:a16="http://schemas.microsoft.com/office/drawing/2014/main" xmlns="" val="10005"/>
+                    <a16:rowId xmlns="" xmlns:a16="http://schemas.microsoft.com/office/drawing/2014/main" val="10005"/>
                   </a:ext>
                 </a:extLst>
               </a:tr>
@@ -10364,7 +10303,7 @@
           <p:cNvPr id="5" name="Slide Number Placeholder 4">
             <a:extLst>
               <a:ext uri="{FF2B5EF4-FFF2-40B4-BE49-F238E27FC236}">
-                <a16:creationId xmlns:a16="http://schemas.microsoft.com/office/drawing/2014/main" xmlns="" id="{457FFAEA-622E-4CA2-8209-069A88AFAEA7}"/>
+                <a16:creationId xmlns="" xmlns:a16="http://schemas.microsoft.com/office/drawing/2014/main" id="{457FFAEA-622E-4CA2-8209-069A88AFAEA7}"/>
               </a:ext>
             </a:extLst>
           </p:cNvPr>
@@ -10430,7 +10369,7 @@
           <p:cNvPr id="2" name="Title 1">
             <a:extLst>
               <a:ext uri="{FF2B5EF4-FFF2-40B4-BE49-F238E27FC236}">
-                <a16:creationId xmlns:a16="http://schemas.microsoft.com/office/drawing/2014/main" xmlns="" id="{E622C5D6-127E-4E13-A682-50C23F6FCCA3}"/>
+                <a16:creationId xmlns="" xmlns:a16="http://schemas.microsoft.com/office/drawing/2014/main" id="{E622C5D6-127E-4E13-A682-50C23F6FCCA3}"/>
               </a:ext>
             </a:extLst>
           </p:cNvPr>
@@ -10467,7 +10406,7 @@
           <p:cNvPr id="4" name="Picture 3">
             <a:extLst>
               <a:ext uri="{FF2B5EF4-FFF2-40B4-BE49-F238E27FC236}">
-                <a16:creationId xmlns:a16="http://schemas.microsoft.com/office/drawing/2014/main" xmlns="" id="{A3CE29E7-39DF-4344-A6C6-106194DF1170}"/>
+                <a16:creationId xmlns="" xmlns:a16="http://schemas.microsoft.com/office/drawing/2014/main" id="{A3CE29E7-39DF-4344-A6C6-106194DF1170}"/>
               </a:ext>
             </a:extLst>
           </p:cNvPr>
@@ -10497,7 +10436,7 @@
           <p:cNvPr id="7" name="Rectangle 6">
             <a:extLst>
               <a:ext uri="{FF2B5EF4-FFF2-40B4-BE49-F238E27FC236}">
-                <a16:creationId xmlns:a16="http://schemas.microsoft.com/office/drawing/2014/main" xmlns="" id="{C26DB809-D9AA-4615-BB91-602299E0A4B7}"/>
+                <a16:creationId xmlns="" xmlns:a16="http://schemas.microsoft.com/office/drawing/2014/main" id="{C26DB809-D9AA-4615-BB91-602299E0A4B7}"/>
               </a:ext>
             </a:extLst>
           </p:cNvPr>
@@ -10601,7 +10540,7 @@
           <p:cNvPr id="8" name="Rectangle 7">
             <a:extLst>
               <a:ext uri="{FF2B5EF4-FFF2-40B4-BE49-F238E27FC236}">
-                <a16:creationId xmlns:a16="http://schemas.microsoft.com/office/drawing/2014/main" xmlns="" id="{F2AD29DD-2B6D-4096-BE7F-4ECC343CCC86}"/>
+                <a16:creationId xmlns="" xmlns:a16="http://schemas.microsoft.com/office/drawing/2014/main" id="{F2AD29DD-2B6D-4096-BE7F-4ECC343CCC86}"/>
               </a:ext>
             </a:extLst>
           </p:cNvPr>
@@ -10745,7 +10684,7 @@
           <p:cNvPr id="9" name="Rectangle 8">
             <a:extLst>
               <a:ext uri="{FF2B5EF4-FFF2-40B4-BE49-F238E27FC236}">
-                <a16:creationId xmlns:a16="http://schemas.microsoft.com/office/drawing/2014/main" xmlns="" id="{AA38EDBA-A1B5-4372-B391-6573B6D79D64}"/>
+                <a16:creationId xmlns="" xmlns:a16="http://schemas.microsoft.com/office/drawing/2014/main" id="{AA38EDBA-A1B5-4372-B391-6573B6D79D64}"/>
               </a:ext>
             </a:extLst>
           </p:cNvPr>
@@ -10905,7 +10844,7 @@
           <p:cNvPr id="10" name="TextBox 9">
             <a:extLst>
               <a:ext uri="{FF2B5EF4-FFF2-40B4-BE49-F238E27FC236}">
-                <a16:creationId xmlns:a16="http://schemas.microsoft.com/office/drawing/2014/main" xmlns="" id="{548D46D9-DC08-4167-B98C-D5BE7F63658A}"/>
+                <a16:creationId xmlns="" xmlns:a16="http://schemas.microsoft.com/office/drawing/2014/main" id="{548D46D9-DC08-4167-B98C-D5BE7F63658A}"/>
               </a:ext>
             </a:extLst>
           </p:cNvPr>
@@ -10995,7 +10934,7 @@
           <p:cNvPr id="11" name="TextBox 10">
             <a:extLst>
               <a:ext uri="{FF2B5EF4-FFF2-40B4-BE49-F238E27FC236}">
-                <a16:creationId xmlns:a16="http://schemas.microsoft.com/office/drawing/2014/main" xmlns="" id="{B7E0E7F2-6F4B-448D-B325-85F2883B7329}"/>
+                <a16:creationId xmlns="" xmlns:a16="http://schemas.microsoft.com/office/drawing/2014/main" id="{B7E0E7F2-6F4B-448D-B325-85F2883B7329}"/>
               </a:ext>
             </a:extLst>
           </p:cNvPr>
@@ -11031,7 +10970,7 @@
           <p:cNvPr id="3" name="Slide Number Placeholder 2">
             <a:extLst>
               <a:ext uri="{FF2B5EF4-FFF2-40B4-BE49-F238E27FC236}">
-                <a16:creationId xmlns:a16="http://schemas.microsoft.com/office/drawing/2014/main" xmlns="" id="{1B8A2666-A9E1-4CBC-BBCF-A9F29A52239C}"/>
+                <a16:creationId xmlns="" xmlns:a16="http://schemas.microsoft.com/office/drawing/2014/main" id="{1B8A2666-A9E1-4CBC-BBCF-A9F29A52239C}"/>
               </a:ext>
             </a:extLst>
           </p:cNvPr>
@@ -11198,7 +11137,7 @@
           <p:cNvPr id="4" name="Slide Number Placeholder 3">
             <a:extLst>
               <a:ext uri="{FF2B5EF4-FFF2-40B4-BE49-F238E27FC236}">
-                <a16:creationId xmlns:a16="http://schemas.microsoft.com/office/drawing/2014/main" xmlns="" id="{4ED96E27-55EF-42C1-972F-427308C213C5}"/>
+                <a16:creationId xmlns="" xmlns:a16="http://schemas.microsoft.com/office/drawing/2014/main" id="{4ED96E27-55EF-42C1-972F-427308C213C5}"/>
               </a:ext>
             </a:extLst>
           </p:cNvPr>
@@ -11264,7 +11203,7 @@
           <p:cNvPr id="2" name="Title 1">
             <a:extLst>
               <a:ext uri="{FF2B5EF4-FFF2-40B4-BE49-F238E27FC236}">
-                <a16:creationId xmlns:a16="http://schemas.microsoft.com/office/drawing/2014/main" xmlns="" id="{E622C5D6-127E-4E13-A682-50C23F6FCCA3}"/>
+                <a16:creationId xmlns="" xmlns:a16="http://schemas.microsoft.com/office/drawing/2014/main" id="{E622C5D6-127E-4E13-A682-50C23F6FCCA3}"/>
               </a:ext>
             </a:extLst>
           </p:cNvPr>
@@ -11293,7 +11232,7 @@
           <p:cNvPr id="4" name="Picture 3">
             <a:extLst>
               <a:ext uri="{FF2B5EF4-FFF2-40B4-BE49-F238E27FC236}">
-                <a16:creationId xmlns:a16="http://schemas.microsoft.com/office/drawing/2014/main" xmlns="" id="{A3CE29E7-39DF-4344-A6C6-106194DF1170}"/>
+                <a16:creationId xmlns="" xmlns:a16="http://schemas.microsoft.com/office/drawing/2014/main" id="{A3CE29E7-39DF-4344-A6C6-106194DF1170}"/>
               </a:ext>
             </a:extLst>
           </p:cNvPr>
@@ -11323,7 +11262,7 @@
           <p:cNvPr id="10" name="TextBox 9">
             <a:extLst>
               <a:ext uri="{FF2B5EF4-FFF2-40B4-BE49-F238E27FC236}">
-                <a16:creationId xmlns:a16="http://schemas.microsoft.com/office/drawing/2014/main" xmlns="" id="{548D46D9-DC08-4167-B98C-D5BE7F63658A}"/>
+                <a16:creationId xmlns="" xmlns:a16="http://schemas.microsoft.com/office/drawing/2014/main" id="{548D46D9-DC08-4167-B98C-D5BE7F63658A}"/>
               </a:ext>
             </a:extLst>
           </p:cNvPr>
@@ -11423,7 +11362,7 @@
           <p:cNvPr id="11" name="TextBox 10">
             <a:extLst>
               <a:ext uri="{FF2B5EF4-FFF2-40B4-BE49-F238E27FC236}">
-                <a16:creationId xmlns:a16="http://schemas.microsoft.com/office/drawing/2014/main" xmlns="" id="{B7E0E7F2-6F4B-448D-B325-85F2883B7329}"/>
+                <a16:creationId xmlns="" xmlns:a16="http://schemas.microsoft.com/office/drawing/2014/main" id="{B7E0E7F2-6F4B-448D-B325-85F2883B7329}"/>
               </a:ext>
             </a:extLst>
           </p:cNvPr>
@@ -11459,7 +11398,7 @@
           <p:cNvPr id="12" name="Object 29">
             <a:extLst>
               <a:ext uri="{FF2B5EF4-FFF2-40B4-BE49-F238E27FC236}">
-                <a16:creationId xmlns:a16="http://schemas.microsoft.com/office/drawing/2014/main" xmlns="" id="{2565FC6C-6B36-4C01-A255-7DF18E1E6E50}"/>
+                <a16:creationId xmlns="" xmlns:a16="http://schemas.microsoft.com/office/drawing/2014/main" id="{2565FC6C-6B36-4C01-A255-7DF18E1E6E50}"/>
               </a:ext>
             </a:extLst>
           </p:cNvPr>
@@ -11478,7 +11417,7 @@
           <a:graphicData uri="http://schemas.openxmlformats.org/presentationml/2006/ole">
             <mc:AlternateContent xmlns:mc="http://schemas.openxmlformats.org/markup-compatibility/2006">
               <mc:Choice xmlns:v="urn:schemas-microsoft-com:vml" Requires="v">
-                <p:oleObj spid="_x0000_s1188" name="Equation" r:id="rId4" imgW="1028520" imgH="203040" progId="Equation.DSMT4">
+                <p:oleObj spid="_x0000_s1197" name="Equation" r:id="rId4" imgW="1028520" imgH="203040" progId="Equation.DSMT4">
                   <p:embed/>
                 </p:oleObj>
               </mc:Choice>
@@ -11517,7 +11456,7 @@
                       <a:effectLst/>
                       <a:extLst>
                         <a:ext uri="{91240B29-F687-4f45-9708-019B960494DF}">
-                          <a14:hiddenLine xmlns:a14="http://schemas.microsoft.com/office/drawing/2010/main" xmlns="" w="9525">
+                          <a14:hiddenLine xmlns="" xmlns:a14="http://schemas.microsoft.com/office/drawing/2010/main" w="9525">
                             <a:solidFill>
                               <a:srgbClr val="000000"/>
                             </a:solidFill>
@@ -11527,7 +11466,7 @@
                           </a14:hiddenLine>
                         </a:ext>
                         <a:ext uri="{AF507438-7753-43e0-B8FC-AC1667EBCBE1}">
-                          <a14:hiddenEffects xmlns:a14="http://schemas.microsoft.com/office/drawing/2010/main" xmlns="">
+                          <a14:hiddenEffects xmlns="" xmlns:a14="http://schemas.microsoft.com/office/drawing/2010/main">
                             <a:effectLst>
                               <a:outerShdw dist="35921" dir="2700000" algn="ctr" rotWithShape="0">
                                 <a:srgbClr val="808080"/>
@@ -11549,7 +11488,7 @@
           <p:cNvPr id="13" name="Object 29">
             <a:extLst>
               <a:ext uri="{FF2B5EF4-FFF2-40B4-BE49-F238E27FC236}">
-                <a16:creationId xmlns:a16="http://schemas.microsoft.com/office/drawing/2014/main" xmlns="" id="{E790ECA5-7748-4528-B29B-EF5EC3CB78BB}"/>
+                <a16:creationId xmlns="" xmlns:a16="http://schemas.microsoft.com/office/drawing/2014/main" id="{E790ECA5-7748-4528-B29B-EF5EC3CB78BB}"/>
               </a:ext>
             </a:extLst>
           </p:cNvPr>
@@ -11557,23 +11496,27 @@
             <a:graphicFrameLocks noChangeAspect="1"/>
           </p:cNvGraphicFramePr>
           <p:nvPr>
-            <p:extLst/>
+            <p:extLst>
+              <p:ext uri="{D42A27DB-BD31-4B8C-83A1-F6EECF244321}">
+                <p14:modId xmlns:p14="http://schemas.microsoft.com/office/powerpoint/2010/main" val="2381436586"/>
+              </p:ext>
+            </p:extLst>
           </p:nvPr>
         </p:nvGraphicFramePr>
         <p:xfrm>
-          <a:off x="6063890" y="2091392"/>
-          <a:ext cx="2190750" cy="571500"/>
+          <a:off x="5826125" y="2090738"/>
+          <a:ext cx="2667000" cy="571500"/>
         </p:xfrm>
         <a:graphic>
           <a:graphicData uri="http://schemas.openxmlformats.org/presentationml/2006/ole">
             <mc:AlternateContent xmlns:mc="http://schemas.openxmlformats.org/markup-compatibility/2006">
               <mc:Choice xmlns:v="urn:schemas-microsoft-com:vml" Requires="v">
-                <p:oleObj spid="_x0000_s1189" name="Equation" r:id="rId6" imgW="876240" imgH="228600" progId="Equation.DSMT4">
+                <p:oleObj spid="_x0000_s1198" name="Equation" r:id="rId6" imgW="1066680" imgH="228600" progId="Equation.DSMT4">
                   <p:embed/>
                 </p:oleObj>
               </mc:Choice>
               <mc:Fallback>
-                <p:oleObj name="Equation" r:id="rId6" imgW="876240" imgH="228600" progId="Equation.DSMT4">
+                <p:oleObj name="Equation" r:id="rId6" imgW="1066680" imgH="228600" progId="Equation.DSMT4">
                   <p:embed/>
                   <p:pic>
                     <p:nvPicPr>
@@ -11592,8 +11535,8 @@
                     </p:blipFill>
                     <p:spPr bwMode="auto">
                       <a:xfrm>
-                        <a:off x="6063890" y="2091392"/>
-                        <a:ext cx="2190750" cy="571500"/>
+                        <a:off x="5826125" y="2090738"/>
+                        <a:ext cx="2667000" cy="571500"/>
                       </a:xfrm>
                       <a:prstGeom prst="rect">
                         <a:avLst/>
@@ -11607,7 +11550,7 @@
                       <a:effectLst/>
                       <a:extLst>
                         <a:ext uri="{91240B29-F687-4f45-9708-019B960494DF}">
-                          <a14:hiddenLine xmlns:a14="http://schemas.microsoft.com/office/drawing/2010/main" xmlns="" w="9525">
+                          <a14:hiddenLine xmlns="" xmlns:a14="http://schemas.microsoft.com/office/drawing/2010/main" w="9525">
                             <a:solidFill>
                               <a:srgbClr val="000000"/>
                             </a:solidFill>
@@ -11617,7 +11560,7 @@
                           </a14:hiddenLine>
                         </a:ext>
                         <a:ext uri="{AF507438-7753-43e0-B8FC-AC1667EBCBE1}">
-                          <a14:hiddenEffects xmlns:a14="http://schemas.microsoft.com/office/drawing/2010/main" xmlns="">
+                          <a14:hiddenEffects xmlns="" xmlns:a14="http://schemas.microsoft.com/office/drawing/2010/main">
                             <a:effectLst>
                               <a:outerShdw dist="35921" dir="2700000" algn="ctr" rotWithShape="0">
                                 <a:srgbClr val="808080"/>
@@ -11639,7 +11582,7 @@
           <p:cNvPr id="3" name="Slide Number Placeholder 2">
             <a:extLst>
               <a:ext uri="{FF2B5EF4-FFF2-40B4-BE49-F238E27FC236}">
-                <a16:creationId xmlns:a16="http://schemas.microsoft.com/office/drawing/2014/main" xmlns="" id="{1A1D7D6F-CE0E-4983-81E1-CD149B2EFDBC}"/>
+                <a16:creationId xmlns="" xmlns:a16="http://schemas.microsoft.com/office/drawing/2014/main" id="{1A1D7D6F-CE0E-4983-81E1-CD149B2EFDBC}"/>
               </a:ext>
             </a:extLst>
           </p:cNvPr>
@@ -11668,7 +11611,7 @@
           <p:cNvPr id="9" name="Object 29">
             <a:extLst>
               <a:ext uri="{FF2B5EF4-FFF2-40B4-BE49-F238E27FC236}">
-                <a16:creationId xmlns:a16="http://schemas.microsoft.com/office/drawing/2014/main" xmlns="" id="{30C6355C-8B3F-4D9F-A2B2-6CDBF630DEDF}"/>
+                <a16:creationId xmlns="" xmlns:a16="http://schemas.microsoft.com/office/drawing/2014/main" id="{30C6355C-8B3F-4D9F-A2B2-6CDBF630DEDF}"/>
               </a:ext>
             </a:extLst>
           </p:cNvPr>
@@ -11676,23 +11619,27 @@
             <a:graphicFrameLocks noChangeAspect="1"/>
           </p:cNvGraphicFramePr>
           <p:nvPr>
-            <p:extLst/>
+            <p:extLst>
+              <p:ext uri="{D42A27DB-BD31-4B8C-83A1-F6EECF244321}">
+                <p14:modId xmlns:p14="http://schemas.microsoft.com/office/powerpoint/2010/main" val="4166851003"/>
+              </p:ext>
+            </p:extLst>
           </p:nvPr>
         </p:nvGraphicFramePr>
         <p:xfrm>
-          <a:off x="6683375" y="1544638"/>
-          <a:ext cx="1174750" cy="571500"/>
+          <a:off x="6699250" y="1544638"/>
+          <a:ext cx="1143000" cy="571500"/>
         </p:xfrm>
         <a:graphic>
           <a:graphicData uri="http://schemas.openxmlformats.org/presentationml/2006/ole">
             <mc:AlternateContent xmlns:mc="http://schemas.openxmlformats.org/markup-compatibility/2006">
               <mc:Choice xmlns:v="urn:schemas-microsoft-com:vml" Requires="v">
-                <p:oleObj spid="_x0000_s1190" name="Equation" r:id="rId8" imgW="469800" imgH="228600" progId="Equation.DSMT4">
+                <p:oleObj spid="_x0000_s1199" name="Equation" r:id="rId8" imgW="457200" imgH="228600" progId="Equation.DSMT4">
                   <p:embed/>
                 </p:oleObj>
               </mc:Choice>
               <mc:Fallback>
-                <p:oleObj name="Equation" r:id="rId8" imgW="469800" imgH="228600" progId="Equation.DSMT4">
+                <p:oleObj name="Equation" r:id="rId8" imgW="457200" imgH="228600" progId="Equation.DSMT4">
                   <p:embed/>
                   <p:pic>
                     <p:nvPicPr>
@@ -11711,8 +11658,8 @@
                     </p:blipFill>
                     <p:spPr bwMode="auto">
                       <a:xfrm>
-                        <a:off x="6683375" y="1544638"/>
-                        <a:ext cx="1174750" cy="571500"/>
+                        <a:off x="6699250" y="1544638"/>
+                        <a:ext cx="1143000" cy="571500"/>
                       </a:xfrm>
                       <a:prstGeom prst="rect">
                         <a:avLst/>
@@ -11726,7 +11673,7 @@
                       <a:effectLst/>
                       <a:extLst>
                         <a:ext uri="{91240B29-F687-4f45-9708-019B960494DF}">
-                          <a14:hiddenLine xmlns:a14="http://schemas.microsoft.com/office/drawing/2010/main" xmlns="" w="9525">
+                          <a14:hiddenLine xmlns="" xmlns:a14="http://schemas.microsoft.com/office/drawing/2010/main" w="9525">
                             <a:solidFill>
                               <a:srgbClr val="000000"/>
                             </a:solidFill>
@@ -11736,7 +11683,7 @@
                           </a14:hiddenLine>
                         </a:ext>
                         <a:ext uri="{AF507438-7753-43e0-B8FC-AC1667EBCBE1}">
-                          <a14:hiddenEffects xmlns:a14="http://schemas.microsoft.com/office/drawing/2010/main" xmlns="">
+                          <a14:hiddenEffects xmlns="" xmlns:a14="http://schemas.microsoft.com/office/drawing/2010/main">
                             <a:effectLst>
                               <a:outerShdw dist="35921" dir="2700000" algn="ctr" rotWithShape="0">
                                 <a:srgbClr val="808080"/>
